--- a/ch.bfh.bti7081.s2013.yellow/doc/cs1_task03/task1_3_presentation.pptx
+++ b/ch.bfh.bti7081.s2013.yellow/doc/cs1_task03/task1_3_presentation.pptx
@@ -2,21 +2,25 @@
 <file path=ppt/presentation.xml><?xml version="1.0" encoding="utf-8"?>
 <p:presentation xmlns:a="http://schemas.openxmlformats.org/drawingml/2006/main" xmlns:r="http://schemas.openxmlformats.org/officeDocument/2006/relationships" xmlns:p="http://schemas.openxmlformats.org/presentationml/2006/main" showSpecialPlsOnTitleSld="0" saveSubsetFonts="1">
   <p:sldMasterIdLst>
-    <p:sldMasterId id="2147483648" r:id="rId1"/>
+    <p:sldMasterId id="2147483744" r:id="rId1"/>
   </p:sldMasterIdLst>
   <p:notesMasterIdLst>
-    <p:notesMasterId r:id="rId11"/>
+    <p:notesMasterId r:id="rId15"/>
   </p:notesMasterIdLst>
   <p:sldIdLst>
     <p:sldId id="256" r:id="rId2"/>
     <p:sldId id="259" r:id="rId3"/>
-    <p:sldId id="261" r:id="rId4"/>
-    <p:sldId id="262" r:id="rId5"/>
-    <p:sldId id="263" r:id="rId6"/>
-    <p:sldId id="264" r:id="rId7"/>
-    <p:sldId id="260" r:id="rId8"/>
-    <p:sldId id="265" r:id="rId9"/>
-    <p:sldId id="266" r:id="rId10"/>
+    <p:sldId id="267" r:id="rId4"/>
+    <p:sldId id="261" r:id="rId5"/>
+    <p:sldId id="262" r:id="rId6"/>
+    <p:sldId id="263" r:id="rId7"/>
+    <p:sldId id="264" r:id="rId8"/>
+    <p:sldId id="260" r:id="rId9"/>
+    <p:sldId id="265" r:id="rId10"/>
+    <p:sldId id="268" r:id="rId11"/>
+    <p:sldId id="269" r:id="rId12"/>
+    <p:sldId id="270" r:id="rId13"/>
+    <p:sldId id="266" r:id="rId14"/>
   </p:sldIdLst>
   <p:sldSz cx="9144000" cy="6858000" type="screen4x3"/>
   <p:notesSz cx="6858000" cy="9144000"/>
@@ -200,7 +204,7 @@
           <a:p>
             <a:fld id="{39560C0F-CB4C-4670-81CE-F5EF3BBB5EC5}" type="datetimeFigureOut">
               <a:rPr lang="de-CH" smtClean="0"/>
-              <a:t>19.03.2013</a:t>
+              <a:t>20.03.2013</a:t>
             </a:fld>
             <a:endParaRPr lang="de-CH"/>
           </a:p>
@@ -368,6 +372,11 @@
         </p:txBody>
       </p:sp>
     </p:spTree>
+    <p:extLst>
+      <p:ext uri="{BB962C8B-B14F-4D97-AF65-F5344CB8AC3E}">
+        <p14:creationId xmlns:p14="http://schemas.microsoft.com/office/powerpoint/2010/main" val="1848828710"/>
+      </p:ext>
+    </p:extLst>
   </p:cSld>
   <p:clrMap bg1="lt1" tx1="dk1" bg2="lt2" tx2="dk2" accent1="accent1" accent2="accent2" accent3="accent3" accent4="accent4" accent5="accent5" accent6="accent6" hlink="hlink" folHlink="folHlink"/>
   <p:notesStyle>
@@ -467,7 +476,7 @@
 
 <file path=ppt/slideLayouts/slideLayout1.xml><?xml version="1.0" encoding="utf-8"?>
 <p:sldLayout xmlns:a="http://schemas.openxmlformats.org/drawingml/2006/main" xmlns:r="http://schemas.openxmlformats.org/officeDocument/2006/relationships" xmlns:p="http://schemas.openxmlformats.org/presentationml/2006/main" type="title" preserve="1">
-  <p:cSld name="Title Slide">
+  <p:cSld name="Titelfolie">
     <p:spTree>
       <p:nvGrpSpPr>
         <p:cNvPr id="1" name=""/>
@@ -484,178 +493,64 @@
       </p:grpSpPr>
       <p:sp>
         <p:nvSpPr>
-          <p:cNvPr id="7" name="Rechteck 6"/>
-          <p:cNvSpPr/>
-          <p:nvPr userDrawn="1"/>
+          <p:cNvPr id="2" name="Title 1"/>
+          <p:cNvSpPr>
+            <a:spLocks noGrp="1"/>
+          </p:cNvSpPr>
+          <p:nvPr>
+            <p:ph type="ctrTitle"/>
+          </p:nvPr>
         </p:nvSpPr>
         <p:spPr>
           <a:xfrm>
-            <a:off x="0" y="2060848"/>
-            <a:ext cx="9144000" cy="1656184"/>
+            <a:off x="685800" y="1371600"/>
+            <a:ext cx="7848600" cy="1927225"/>
           </a:xfrm>
-          <a:prstGeom prst="rect">
-            <a:avLst/>
-          </a:prstGeom>
-          <a:solidFill>
-            <a:schemeClr val="accent5">
-              <a:lumMod val="20000"/>
-              <a:lumOff val="80000"/>
-            </a:schemeClr>
-          </a:solidFill>
-          <a:ln>
-            <a:noFill/>
-          </a:ln>
         </p:spPr>
-        <p:style>
-          <a:lnRef idx="2">
-            <a:schemeClr val="accent1">
-              <a:shade val="50000"/>
-            </a:schemeClr>
-          </a:lnRef>
-          <a:fillRef idx="1">
-            <a:schemeClr val="accent1"/>
-          </a:fillRef>
-          <a:effectRef idx="0">
-            <a:schemeClr val="accent1"/>
-          </a:effectRef>
-          <a:fontRef idx="minor">
-            <a:schemeClr val="lt1"/>
-          </a:fontRef>
-        </p:style>
-        <p:txBody>
-          <a:bodyPr rtlCol="0" anchor="ctr"/>
-          <a:lstStyle/>
-          <a:p>
-            <a:pPr algn="ctr"/>
-            <a:endParaRPr lang="de-CH"/>
-          </a:p>
-        </p:txBody>
-      </p:sp>
-      <p:cxnSp>
-        <p:nvCxnSpPr>
-          <p:cNvPr id="9" name="Gerade Verbindung 8"/>
-          <p:cNvCxnSpPr/>
-          <p:nvPr userDrawn="1"/>
-        </p:nvCxnSpPr>
+        <p:txBody>
+          <a:bodyPr anchor="b">
+            <a:noAutofit/>
+          </a:bodyPr>
+          <a:lstStyle>
+            <a:lvl1pPr>
+              <a:defRPr sz="5400" cap="all" baseline="0"/>
+            </a:lvl1pPr>
+          </a:lstStyle>
+          <a:p>
+            <a:r>
+              <a:rPr lang="de-DE" smtClean="0"/>
+              <a:t>Titelmasterformat durch Klicken bearbeiten</a:t>
+            </a:r>
+            <a:endParaRPr lang="en-US" dirty="0"/>
+          </a:p>
+        </p:txBody>
+      </p:sp>
+      <p:sp>
+        <p:nvSpPr>
+          <p:cNvPr id="3" name="Subtitle 2"/>
+          <p:cNvSpPr>
+            <a:spLocks noGrp="1"/>
+          </p:cNvSpPr>
+          <p:nvPr>
+            <p:ph type="subTitle" idx="1"/>
+          </p:nvPr>
+        </p:nvSpPr>
         <p:spPr>
           <a:xfrm>
-            <a:off x="0" y="3717032"/>
-            <a:ext cx="9144000" cy="0"/>
-          </a:xfrm>
-          <a:prstGeom prst="line">
-            <a:avLst/>
-          </a:prstGeom>
-          <a:ln w="15875">
-            <a:solidFill>
-              <a:schemeClr val="bg1">
-                <a:lumMod val="65000"/>
-              </a:schemeClr>
-            </a:solidFill>
-          </a:ln>
-        </p:spPr>
-        <p:style>
-          <a:lnRef idx="1">
-            <a:schemeClr val="accent1"/>
-          </a:lnRef>
-          <a:fillRef idx="0">
-            <a:schemeClr val="accent1"/>
-          </a:fillRef>
-          <a:effectRef idx="0">
-            <a:schemeClr val="accent1"/>
-          </a:effectRef>
-          <a:fontRef idx="minor">
-            <a:schemeClr val="tx1"/>
-          </a:fontRef>
-        </p:style>
-      </p:cxnSp>
-      <p:cxnSp>
-        <p:nvCxnSpPr>
-          <p:cNvPr id="10" name="Gerade Verbindung 9"/>
-          <p:cNvCxnSpPr/>
-          <p:nvPr userDrawn="1"/>
-        </p:nvCxnSpPr>
-        <p:spPr>
-          <a:xfrm>
-            <a:off x="0" y="2060848"/>
-            <a:ext cx="9144000" cy="0"/>
-          </a:xfrm>
-          <a:prstGeom prst="line">
-            <a:avLst/>
-          </a:prstGeom>
-          <a:ln w="15875">
-            <a:solidFill>
-              <a:schemeClr val="tx1"/>
-            </a:solidFill>
-          </a:ln>
-        </p:spPr>
-        <p:style>
-          <a:lnRef idx="1">
-            <a:schemeClr val="accent1"/>
-          </a:lnRef>
-          <a:fillRef idx="0">
-            <a:schemeClr val="accent1"/>
-          </a:fillRef>
-          <a:effectRef idx="0">
-            <a:schemeClr val="accent1"/>
-          </a:effectRef>
-          <a:fontRef idx="minor">
-            <a:schemeClr val="tx1"/>
-          </a:fontRef>
-        </p:style>
-      </p:cxnSp>
-      <p:sp>
-        <p:nvSpPr>
-          <p:cNvPr id="2" name="Title 1"/>
-          <p:cNvSpPr>
-            <a:spLocks noGrp="1"/>
-          </p:cNvSpPr>
-          <p:nvPr>
-            <p:ph type="ctrTitle"/>
-          </p:nvPr>
-        </p:nvSpPr>
-        <p:spPr>
-          <a:xfrm>
-            <a:off x="685800" y="2130425"/>
-            <a:ext cx="7772400" cy="1470025"/>
-          </a:xfrm>
-        </p:spPr>
-        <p:txBody>
-          <a:bodyPr/>
-          <a:lstStyle/>
-          <a:p>
-            <a:r>
-              <a:rPr lang="en-US" smtClean="0"/>
-              <a:t>Click to edit Master title style</a:t>
-            </a:r>
-            <a:endParaRPr lang="de-CH"/>
-          </a:p>
-        </p:txBody>
-      </p:sp>
-      <p:sp>
-        <p:nvSpPr>
-          <p:cNvPr id="3" name="Subtitle 2"/>
-          <p:cNvSpPr>
-            <a:spLocks noGrp="1"/>
-          </p:cNvSpPr>
-          <p:nvPr>
-            <p:ph type="subTitle" idx="1"/>
-          </p:nvPr>
-        </p:nvSpPr>
-        <p:spPr>
-          <a:xfrm>
-            <a:off x="1371600" y="3886200"/>
+            <a:off x="685800" y="3505200"/>
             <a:ext cx="6400800" cy="1752600"/>
           </a:xfrm>
         </p:spPr>
         <p:txBody>
           <a:bodyPr/>
           <a:lstStyle>
-            <a:lvl1pPr marL="0" indent="0" algn="ctr">
+            <a:lvl1pPr marL="0" indent="0" algn="l">
               <a:buNone/>
               <a:defRPr>
                 <a:solidFill>
                   <a:schemeClr val="tx1">
-                    <a:tint val="75000"/>
+                    <a:lumMod val="75000"/>
+                    <a:lumOff val="25000"/>
                   </a:schemeClr>
                 </a:solidFill>
               </a:defRPr>
@@ -743,10 +638,10 @@
           </a:lstStyle>
           <a:p>
             <a:r>
-              <a:rPr lang="en-US" smtClean="0"/>
-              <a:t>Click to edit Master subtitle style</a:t>
-            </a:r>
-            <a:endParaRPr lang="de-CH"/>
+              <a:rPr lang="de-DE" smtClean="0"/>
+              <a:t>Formatvorlage des Untertitelmasters durch Klicken bearbeiten</a:t>
+            </a:r>
+            <a:endParaRPr lang="en-US" dirty="0"/>
           </a:p>
         </p:txBody>
       </p:sp>
@@ -818,23 +713,21 @@
       </p:sp>
       <p:cxnSp>
         <p:nvCxnSpPr>
-          <p:cNvPr id="11" name="Gerade Verbindung 10"/>
+          <p:cNvPr id="8" name="Straight Connector 7"/>
           <p:cNvCxnSpPr/>
-          <p:nvPr userDrawn="1"/>
+          <p:nvPr/>
         </p:nvCxnSpPr>
         <p:spPr>
           <a:xfrm>
-            <a:off x="0" y="6309320"/>
-            <a:ext cx="9144000" cy="0"/>
+            <a:off x="685800" y="3398520"/>
+            <a:ext cx="7848600" cy="1588"/>
           </a:xfrm>
           <a:prstGeom prst="line">
             <a:avLst/>
           </a:prstGeom>
-          <a:ln w="15875">
+          <a:ln w="19050">
             <a:solidFill>
-              <a:schemeClr val="bg1">
-                <a:lumMod val="65000"/>
-              </a:schemeClr>
+              <a:schemeClr val="tx2"/>
             </a:solidFill>
           </a:ln>
         </p:spPr>
@@ -854,21 +747,17 @@
         </p:style>
       </p:cxnSp>
     </p:spTree>
-    <p:extLst>
-      <p:ext uri="{BB962C8B-B14F-4D97-AF65-F5344CB8AC3E}">
-        <p14:creationId xmlns:p14="http://schemas.microsoft.com/office/powerpoint/2010/main" xmlns="" val="1490231682"/>
-      </p:ext>
-    </p:extLst>
   </p:cSld>
   <p:clrMapOvr>
     <a:masterClrMapping/>
   </p:clrMapOvr>
+  <p:hf hdr="0" ftr="0"/>
 </p:sldLayout>
 </file>
 
 <file path=ppt/slideLayouts/slideLayout10.xml><?xml version="1.0" encoding="utf-8"?>
 <p:sldLayout xmlns:a="http://schemas.openxmlformats.org/drawingml/2006/main" xmlns:r="http://schemas.openxmlformats.org/officeDocument/2006/relationships" xmlns:p="http://schemas.openxmlformats.org/presentationml/2006/main" type="vertTx" preserve="1">
-  <p:cSld name="Title and Vertical Text">
+  <p:cSld name="Titel und vertikaler Text">
     <p:spTree>
       <p:nvGrpSpPr>
         <p:cNvPr id="1" name=""/>
@@ -899,10 +788,10 @@
           <a:lstStyle/>
           <a:p>
             <a:r>
-              <a:rPr lang="en-US" smtClean="0"/>
-              <a:t>Click to edit Master title style</a:t>
-            </a:r>
-            <a:endParaRPr lang="de-CH"/>
+              <a:rPr lang="de-DE" smtClean="0"/>
+              <a:t>Titelmasterformat durch Klicken bearbeiten</a:t>
+            </a:r>
+            <a:endParaRPr lang="en-US"/>
           </a:p>
         </p:txBody>
       </p:sp>
@@ -923,38 +812,38 @@
           <a:p>
             <a:pPr lvl="0"/>
             <a:r>
-              <a:rPr lang="en-US" smtClean="0"/>
-              <a:t>Click to edit Master text styles</a:t>
+              <a:rPr lang="de-DE" smtClean="0"/>
+              <a:t>Textmasterformat bearbeiten</a:t>
             </a:r>
           </a:p>
           <a:p>
             <a:pPr lvl="1"/>
             <a:r>
-              <a:rPr lang="en-US" smtClean="0"/>
-              <a:t>Second level</a:t>
+              <a:rPr lang="de-DE" smtClean="0"/>
+              <a:t>Zweite Ebene</a:t>
             </a:r>
           </a:p>
           <a:p>
             <a:pPr lvl="2"/>
             <a:r>
-              <a:rPr lang="en-US" smtClean="0"/>
-              <a:t>Third level</a:t>
+              <a:rPr lang="de-DE" smtClean="0"/>
+              <a:t>Dritte Ebene</a:t>
             </a:r>
           </a:p>
           <a:p>
             <a:pPr lvl="3"/>
             <a:r>
-              <a:rPr lang="en-US" smtClean="0"/>
-              <a:t>Fourth level</a:t>
+              <a:rPr lang="de-DE" smtClean="0"/>
+              <a:t>Vierte Ebene</a:t>
             </a:r>
           </a:p>
           <a:p>
             <a:pPr lvl="4"/>
             <a:r>
-              <a:rPr lang="en-US" smtClean="0"/>
-              <a:t>Fifth level</a:t>
-            </a:r>
-            <a:endParaRPr lang="de-CH"/>
+              <a:rPr lang="de-DE" smtClean="0"/>
+              <a:t>Fünfte Ebene</a:t>
+            </a:r>
+            <a:endParaRPr lang="en-US"/>
           </a:p>
         </p:txBody>
       </p:sp>
@@ -1025,21 +914,17 @@
         </p:txBody>
       </p:sp>
     </p:spTree>
-    <p:extLst>
-      <p:ext uri="{BB962C8B-B14F-4D97-AF65-F5344CB8AC3E}">
-        <p14:creationId xmlns:p14="http://schemas.microsoft.com/office/powerpoint/2010/main" xmlns="" val="3780052379"/>
-      </p:ext>
-    </p:extLst>
   </p:cSld>
   <p:clrMapOvr>
     <a:masterClrMapping/>
   </p:clrMapOvr>
+  <p:hf hdr="0" ftr="0"/>
 </p:sldLayout>
 </file>
 
 <file path=ppt/slideLayouts/slideLayout11.xml><?xml version="1.0" encoding="utf-8"?>
 <p:sldLayout xmlns:a="http://schemas.openxmlformats.org/drawingml/2006/main" xmlns:r="http://schemas.openxmlformats.org/officeDocument/2006/relationships" xmlns:p="http://schemas.openxmlformats.org/presentationml/2006/main" type="vertTitleAndTx" preserve="1">
-  <p:cSld name="Vertical Title and Text">
+  <p:cSld name="Vertikaler Titel und Text">
     <p:spTree>
       <p:nvGrpSpPr>
         <p:cNvPr id="1" name=""/>
@@ -1066,19 +951,19 @@
         </p:nvSpPr>
         <p:spPr>
           <a:xfrm>
-            <a:off x="6629400" y="274638"/>
-            <a:ext cx="2057400" cy="5851525"/>
+            <a:off x="6629400" y="609600"/>
+            <a:ext cx="2057400" cy="5867400"/>
           </a:xfrm>
         </p:spPr>
         <p:txBody>
-          <a:bodyPr vert="eaVert"/>
-          <a:lstStyle/>
-          <a:p>
-            <a:r>
-              <a:rPr lang="en-US" smtClean="0"/>
-              <a:t>Click to edit Master title style</a:t>
-            </a:r>
-            <a:endParaRPr lang="de-CH"/>
+          <a:bodyPr vert="eaVert" anchor="b"/>
+          <a:lstStyle/>
+          <a:p>
+            <a:r>
+              <a:rPr lang="de-DE" smtClean="0"/>
+              <a:t>Titelmasterformat durch Klicken bearbeiten</a:t>
+            </a:r>
+            <a:endParaRPr lang="en-US" dirty="0"/>
           </a:p>
         </p:txBody>
       </p:sp>
@@ -1094,8 +979,8 @@
         </p:nvSpPr>
         <p:spPr>
           <a:xfrm>
-            <a:off x="457200" y="274638"/>
-            <a:ext cx="6019800" cy="5851525"/>
+            <a:off x="457200" y="609600"/>
+            <a:ext cx="6019800" cy="5867400"/>
           </a:xfrm>
         </p:spPr>
         <p:txBody>
@@ -1104,38 +989,38 @@
           <a:p>
             <a:pPr lvl="0"/>
             <a:r>
-              <a:rPr lang="en-US" smtClean="0"/>
-              <a:t>Click to edit Master text styles</a:t>
+              <a:rPr lang="de-DE" smtClean="0"/>
+              <a:t>Textmasterformat bearbeiten</a:t>
             </a:r>
           </a:p>
           <a:p>
             <a:pPr lvl="1"/>
             <a:r>
-              <a:rPr lang="en-US" smtClean="0"/>
-              <a:t>Second level</a:t>
+              <a:rPr lang="de-DE" smtClean="0"/>
+              <a:t>Zweite Ebene</a:t>
             </a:r>
           </a:p>
           <a:p>
             <a:pPr lvl="2"/>
             <a:r>
-              <a:rPr lang="en-US" smtClean="0"/>
-              <a:t>Third level</a:t>
+              <a:rPr lang="de-DE" smtClean="0"/>
+              <a:t>Dritte Ebene</a:t>
             </a:r>
           </a:p>
           <a:p>
             <a:pPr lvl="3"/>
             <a:r>
-              <a:rPr lang="en-US" smtClean="0"/>
-              <a:t>Fourth level</a:t>
+              <a:rPr lang="de-DE" smtClean="0"/>
+              <a:t>Vierte Ebene</a:t>
             </a:r>
           </a:p>
           <a:p>
             <a:pPr lvl="4"/>
             <a:r>
-              <a:rPr lang="en-US" smtClean="0"/>
-              <a:t>Fifth level</a:t>
-            </a:r>
-            <a:endParaRPr lang="de-CH"/>
+              <a:rPr lang="de-DE" smtClean="0"/>
+              <a:t>Fünfte Ebene</a:t>
+            </a:r>
+            <a:endParaRPr lang="en-US" dirty="0"/>
           </a:p>
         </p:txBody>
       </p:sp>
@@ -1206,21 +1091,17 @@
         </p:txBody>
       </p:sp>
     </p:spTree>
-    <p:extLst>
-      <p:ext uri="{BB962C8B-B14F-4D97-AF65-F5344CB8AC3E}">
-        <p14:creationId xmlns:p14="http://schemas.microsoft.com/office/powerpoint/2010/main" xmlns="" val="1106357948"/>
-      </p:ext>
-    </p:extLst>
   </p:cSld>
   <p:clrMapOvr>
     <a:masterClrMapping/>
   </p:clrMapOvr>
+  <p:hf hdr="0" ftr="0"/>
 </p:sldLayout>
 </file>
 
 <file path=ppt/slideLayouts/slideLayout2.xml><?xml version="1.0" encoding="utf-8"?>
 <p:sldLayout xmlns:a="http://schemas.openxmlformats.org/drawingml/2006/main" xmlns:r="http://schemas.openxmlformats.org/officeDocument/2006/relationships" xmlns:p="http://schemas.openxmlformats.org/presentationml/2006/main" type="obj" preserve="1">
-  <p:cSld name="Title and Content">
+  <p:cSld name="Titel und Inhalt">
     <p:spTree>
       <p:nvGrpSpPr>
         <p:cNvPr id="1" name=""/>
@@ -1237,55 +1118,6 @@
       </p:grpSpPr>
       <p:sp>
         <p:nvSpPr>
-          <p:cNvPr id="7" name="Rechteck 6"/>
-          <p:cNvSpPr/>
-          <p:nvPr userDrawn="1"/>
-        </p:nvSpPr>
-        <p:spPr>
-          <a:xfrm>
-            <a:off x="0" y="188640"/>
-            <a:ext cx="9144000" cy="1296144"/>
-          </a:xfrm>
-          <a:prstGeom prst="rect">
-            <a:avLst/>
-          </a:prstGeom>
-          <a:solidFill>
-            <a:schemeClr val="accent5">
-              <a:lumMod val="20000"/>
-              <a:lumOff val="80000"/>
-            </a:schemeClr>
-          </a:solidFill>
-          <a:ln>
-            <a:noFill/>
-          </a:ln>
-        </p:spPr>
-        <p:style>
-          <a:lnRef idx="2">
-            <a:schemeClr val="accent1">
-              <a:shade val="50000"/>
-            </a:schemeClr>
-          </a:lnRef>
-          <a:fillRef idx="1">
-            <a:schemeClr val="accent1"/>
-          </a:fillRef>
-          <a:effectRef idx="0">
-            <a:schemeClr val="accent1"/>
-          </a:effectRef>
-          <a:fontRef idx="minor">
-            <a:schemeClr val="lt1"/>
-          </a:fontRef>
-        </p:style>
-        <p:txBody>
-          <a:bodyPr rtlCol="0" anchor="ctr"/>
-          <a:lstStyle/>
-          <a:p>
-            <a:pPr algn="ctr"/>
-            <a:endParaRPr lang="de-CH"/>
-          </a:p>
-        </p:txBody>
-      </p:sp>
-      <p:sp>
-        <p:nvSpPr>
           <p:cNvPr id="2" name="Title 1"/>
           <p:cNvSpPr>
             <a:spLocks noGrp="1"/>
@@ -1300,10 +1132,10 @@
           <a:lstStyle/>
           <a:p>
             <a:r>
-              <a:rPr lang="en-US" smtClean="0"/>
-              <a:t>Click to edit Master title style</a:t>
-            </a:r>
-            <a:endParaRPr lang="de-CH"/>
+              <a:rPr lang="de-DE" smtClean="0"/>
+              <a:t>Titelmasterformat durch Klicken bearbeiten</a:t>
+            </a:r>
+            <a:endParaRPr lang="en-US"/>
           </a:p>
         </p:txBody>
       </p:sp>
@@ -1324,38 +1156,38 @@
           <a:p>
             <a:pPr lvl="0"/>
             <a:r>
-              <a:rPr lang="en-US" smtClean="0"/>
-              <a:t>Click to edit Master text styles</a:t>
+              <a:rPr lang="de-DE" smtClean="0"/>
+              <a:t>Textmasterformat bearbeiten</a:t>
             </a:r>
           </a:p>
           <a:p>
             <a:pPr lvl="1"/>
             <a:r>
-              <a:rPr lang="en-US" smtClean="0"/>
-              <a:t>Second level</a:t>
+              <a:rPr lang="de-DE" smtClean="0"/>
+              <a:t>Zweite Ebene</a:t>
             </a:r>
           </a:p>
           <a:p>
             <a:pPr lvl="2"/>
             <a:r>
-              <a:rPr lang="en-US" smtClean="0"/>
-              <a:t>Third level</a:t>
+              <a:rPr lang="de-DE" smtClean="0"/>
+              <a:t>Dritte Ebene</a:t>
             </a:r>
           </a:p>
           <a:p>
             <a:pPr lvl="3"/>
             <a:r>
-              <a:rPr lang="en-US" smtClean="0"/>
-              <a:t>Fourth level</a:t>
+              <a:rPr lang="de-DE" smtClean="0"/>
+              <a:t>Vierte Ebene</a:t>
             </a:r>
           </a:p>
           <a:p>
             <a:pPr lvl="4"/>
             <a:r>
-              <a:rPr lang="en-US" smtClean="0"/>
-              <a:t>Fifth level</a:t>
-            </a:r>
-            <a:endParaRPr lang="de-CH"/>
+              <a:rPr lang="de-DE" smtClean="0"/>
+              <a:t>Fünfte Ebene</a:t>
+            </a:r>
+            <a:endParaRPr lang="en-US"/>
           </a:p>
         </p:txBody>
       </p:sp>
@@ -1401,43 +1233,6 @@
           </a:p>
         </p:txBody>
       </p:sp>
-      <p:cxnSp>
-        <p:nvCxnSpPr>
-          <p:cNvPr id="9" name="Gerade Verbindung 8"/>
-          <p:cNvCxnSpPr/>
-          <p:nvPr userDrawn="1"/>
-        </p:nvCxnSpPr>
-        <p:spPr>
-          <a:xfrm>
-            <a:off x="0" y="1484784"/>
-            <a:ext cx="9144000" cy="0"/>
-          </a:xfrm>
-          <a:prstGeom prst="line">
-            <a:avLst/>
-          </a:prstGeom>
-          <a:ln w="15875">
-            <a:solidFill>
-              <a:schemeClr val="bg1">
-                <a:lumMod val="65000"/>
-              </a:schemeClr>
-            </a:solidFill>
-          </a:ln>
-        </p:spPr>
-        <p:style>
-          <a:lnRef idx="1">
-            <a:schemeClr val="accent1"/>
-          </a:lnRef>
-          <a:fillRef idx="0">
-            <a:schemeClr val="accent1"/>
-          </a:fillRef>
-          <a:effectRef idx="0">
-            <a:schemeClr val="accent1"/>
-          </a:effectRef>
-          <a:fontRef idx="minor">
-            <a:schemeClr val="tx1"/>
-          </a:fontRef>
-        </p:style>
-      </p:cxnSp>
       <p:sp>
         <p:nvSpPr>
           <p:cNvPr id="6" name="Slide Number Placeholder 5"/>
@@ -1462,60 +1257,273 @@
           </a:p>
         </p:txBody>
       </p:sp>
+    </p:spTree>
+  </p:cSld>
+  <p:clrMapOvr>
+    <a:masterClrMapping/>
+  </p:clrMapOvr>
+  <p:hf hdr="0" ftr="0"/>
+</p:sldLayout>
+</file>
+
+<file path=ppt/slideLayouts/slideLayout3.xml><?xml version="1.0" encoding="utf-8"?>
+<p:sldLayout xmlns:a="http://schemas.openxmlformats.org/drawingml/2006/main" xmlns:r="http://schemas.openxmlformats.org/officeDocument/2006/relationships" xmlns:p="http://schemas.openxmlformats.org/presentationml/2006/main" type="secHead" preserve="1">
+  <p:cSld name="Abschnitts-&#10;überschrift">
+    <p:bg>
+      <p:bgRef idx="1001">
+        <a:schemeClr val="bg2"/>
+      </p:bgRef>
+    </p:bg>
+    <p:spTree>
+      <p:nvGrpSpPr>
+        <p:cNvPr id="1" name=""/>
+        <p:cNvGrpSpPr/>
+        <p:nvPr/>
+      </p:nvGrpSpPr>
+      <p:grpSpPr>
+        <a:xfrm>
+          <a:off x="0" y="0"/>
+          <a:ext cx="0" cy="0"/>
+          <a:chOff x="0" y="0"/>
+          <a:chExt cx="0" cy="0"/>
+        </a:xfrm>
+      </p:grpSpPr>
+      <p:sp>
+        <p:nvSpPr>
+          <p:cNvPr id="2" name="Title 1"/>
+          <p:cNvSpPr>
+            <a:spLocks noGrp="1"/>
+          </p:cNvSpPr>
+          <p:nvPr>
+            <p:ph type="title"/>
+          </p:nvPr>
+        </p:nvSpPr>
+        <p:spPr>
+          <a:xfrm>
+            <a:off x="722313" y="2362200"/>
+            <a:ext cx="7772400" cy="2200275"/>
+          </a:xfrm>
+        </p:spPr>
+        <p:txBody>
+          <a:bodyPr anchor="b">
+            <a:normAutofit/>
+          </a:bodyPr>
+          <a:lstStyle>
+            <a:lvl1pPr algn="l">
+              <a:defRPr sz="4800" b="0" cap="all"/>
+            </a:lvl1pPr>
+          </a:lstStyle>
+          <a:p>
+            <a:r>
+              <a:rPr lang="de-DE" smtClean="0"/>
+              <a:t>Titelmasterformat durch Klicken bearbeiten</a:t>
+            </a:r>
+            <a:endParaRPr lang="en-US" dirty="0"/>
+          </a:p>
+        </p:txBody>
+      </p:sp>
+      <p:sp>
+        <p:nvSpPr>
+          <p:cNvPr id="3" name="Text Placeholder 2"/>
+          <p:cNvSpPr>
+            <a:spLocks noGrp="1"/>
+          </p:cNvSpPr>
+          <p:nvPr>
+            <p:ph type="body" idx="1"/>
+          </p:nvPr>
+        </p:nvSpPr>
+        <p:spPr>
+          <a:xfrm>
+            <a:off x="722313" y="4626864"/>
+            <a:ext cx="7772400" cy="1500187"/>
+          </a:xfrm>
+        </p:spPr>
+        <p:txBody>
+          <a:bodyPr anchor="t">
+            <a:normAutofit/>
+          </a:bodyPr>
+          <a:lstStyle>
+            <a:lvl1pPr marL="0" indent="0">
+              <a:buNone/>
+              <a:defRPr sz="2400">
+                <a:solidFill>
+                  <a:schemeClr val="tx2"/>
+                </a:solidFill>
+              </a:defRPr>
+            </a:lvl1pPr>
+            <a:lvl2pPr marL="457200" indent="0">
+              <a:buNone/>
+              <a:defRPr sz="1800">
+                <a:solidFill>
+                  <a:schemeClr val="tx1">
+                    <a:tint val="75000"/>
+                  </a:schemeClr>
+                </a:solidFill>
+              </a:defRPr>
+            </a:lvl2pPr>
+            <a:lvl3pPr marL="914400" indent="0">
+              <a:buNone/>
+              <a:defRPr sz="1600">
+                <a:solidFill>
+                  <a:schemeClr val="tx1">
+                    <a:tint val="75000"/>
+                  </a:schemeClr>
+                </a:solidFill>
+              </a:defRPr>
+            </a:lvl3pPr>
+            <a:lvl4pPr marL="1371600" indent="0">
+              <a:buNone/>
+              <a:defRPr sz="1400">
+                <a:solidFill>
+                  <a:schemeClr val="tx1">
+                    <a:tint val="75000"/>
+                  </a:schemeClr>
+                </a:solidFill>
+              </a:defRPr>
+            </a:lvl4pPr>
+            <a:lvl5pPr marL="1828800" indent="0">
+              <a:buNone/>
+              <a:defRPr sz="1400">
+                <a:solidFill>
+                  <a:schemeClr val="tx1">
+                    <a:tint val="75000"/>
+                  </a:schemeClr>
+                </a:solidFill>
+              </a:defRPr>
+            </a:lvl5pPr>
+            <a:lvl6pPr marL="2286000" indent="0">
+              <a:buNone/>
+              <a:defRPr sz="1400">
+                <a:solidFill>
+                  <a:schemeClr val="tx1">
+                    <a:tint val="75000"/>
+                  </a:schemeClr>
+                </a:solidFill>
+              </a:defRPr>
+            </a:lvl6pPr>
+            <a:lvl7pPr marL="2743200" indent="0">
+              <a:buNone/>
+              <a:defRPr sz="1400">
+                <a:solidFill>
+                  <a:schemeClr val="tx1">
+                    <a:tint val="75000"/>
+                  </a:schemeClr>
+                </a:solidFill>
+              </a:defRPr>
+            </a:lvl7pPr>
+            <a:lvl8pPr marL="3200400" indent="0">
+              <a:buNone/>
+              <a:defRPr sz="1400">
+                <a:solidFill>
+                  <a:schemeClr val="tx1">
+                    <a:tint val="75000"/>
+                  </a:schemeClr>
+                </a:solidFill>
+              </a:defRPr>
+            </a:lvl8pPr>
+            <a:lvl9pPr marL="3657600" indent="0">
+              <a:buNone/>
+              <a:defRPr sz="1400">
+                <a:solidFill>
+                  <a:schemeClr val="tx1">
+                    <a:tint val="75000"/>
+                  </a:schemeClr>
+                </a:solidFill>
+              </a:defRPr>
+            </a:lvl9pPr>
+          </a:lstStyle>
+          <a:p>
+            <a:pPr lvl="0"/>
+            <a:r>
+              <a:rPr lang="de-DE" smtClean="0"/>
+              <a:t>Textmasterformat bearbeiten</a:t>
+            </a:r>
+          </a:p>
+        </p:txBody>
+      </p:sp>
+      <p:sp>
+        <p:nvSpPr>
+          <p:cNvPr id="4" name="Date Placeholder 3"/>
+          <p:cNvSpPr>
+            <a:spLocks noGrp="1"/>
+          </p:cNvSpPr>
+          <p:nvPr>
+            <p:ph type="dt" sz="half" idx="10"/>
+          </p:nvPr>
+        </p:nvSpPr>
+        <p:spPr/>
+        <p:txBody>
+          <a:bodyPr/>
+          <a:lstStyle/>
+          <a:p>
+            <a:r>
+              <a:rPr lang="de-CH" smtClean="0"/>
+              <a:t>20.03.2013</a:t>
+            </a:r>
+            <a:endParaRPr lang="de-CH"/>
+          </a:p>
+        </p:txBody>
+      </p:sp>
+      <p:sp>
+        <p:nvSpPr>
+          <p:cNvPr id="5" name="Footer Placeholder 4"/>
+          <p:cNvSpPr>
+            <a:spLocks noGrp="1"/>
+          </p:cNvSpPr>
+          <p:nvPr>
+            <p:ph type="ftr" sz="quarter" idx="11"/>
+          </p:nvPr>
+        </p:nvSpPr>
+        <p:spPr/>
+        <p:txBody>
+          <a:bodyPr/>
+          <a:lstStyle/>
+          <a:p>
+            <a:endParaRPr lang="de-CH"/>
+          </a:p>
+        </p:txBody>
+      </p:sp>
+      <p:sp>
+        <p:nvSpPr>
+          <p:cNvPr id="6" name="Slide Number Placeholder 5"/>
+          <p:cNvSpPr>
+            <a:spLocks noGrp="1"/>
+          </p:cNvSpPr>
+          <p:nvPr>
+            <p:ph type="sldNum" sz="quarter" idx="12"/>
+          </p:nvPr>
+        </p:nvSpPr>
+        <p:spPr/>
+        <p:txBody>
+          <a:bodyPr/>
+          <a:lstStyle/>
+          <a:p>
+            <a:fld id="{66EF974D-2837-4CD3-A9E8-F64F1017B155}" type="slidenum">
+              <a:rPr lang="de-CH" smtClean="0"/>
+              <a:pPr/>
+              <a:t>‹Nr.›</a:t>
+            </a:fld>
+            <a:endParaRPr lang="de-CH"/>
+          </a:p>
+        </p:txBody>
+      </p:sp>
       <p:cxnSp>
         <p:nvCxnSpPr>
-          <p:cNvPr id="12" name="Gerade Verbindung 11"/>
+          <p:cNvPr id="7" name="Straight Connector 6"/>
           <p:cNvCxnSpPr/>
-          <p:nvPr userDrawn="1"/>
+          <p:nvPr/>
         </p:nvCxnSpPr>
         <p:spPr>
           <a:xfrm>
-            <a:off x="0" y="188640"/>
-            <a:ext cx="9144000" cy="0"/>
+            <a:off x="731520" y="4599432"/>
+            <a:ext cx="7848600" cy="1588"/>
           </a:xfrm>
           <a:prstGeom prst="line">
             <a:avLst/>
           </a:prstGeom>
-          <a:ln w="15875">
+          <a:ln w="19050">
             <a:solidFill>
-              <a:schemeClr val="tx1"/>
-            </a:solidFill>
-          </a:ln>
-        </p:spPr>
-        <p:style>
-          <a:lnRef idx="1">
-            <a:schemeClr val="accent1"/>
-          </a:lnRef>
-          <a:fillRef idx="0">
-            <a:schemeClr val="accent1"/>
-          </a:fillRef>
-          <a:effectRef idx="0">
-            <a:schemeClr val="accent1"/>
-          </a:effectRef>
-          <a:fontRef idx="minor">
-            <a:schemeClr val="tx1"/>
-          </a:fontRef>
-        </p:style>
-      </p:cxnSp>
-      <p:cxnSp>
-        <p:nvCxnSpPr>
-          <p:cNvPr id="13" name="Gerade Verbindung 12"/>
-          <p:cNvCxnSpPr/>
-          <p:nvPr userDrawn="1"/>
-        </p:nvCxnSpPr>
-        <p:spPr>
-          <a:xfrm>
-            <a:off x="0" y="6309320"/>
-            <a:ext cx="9144000" cy="0"/>
-          </a:xfrm>
-          <a:prstGeom prst="line">
-            <a:avLst/>
-          </a:prstGeom>
-          <a:ln w="15875">
-            <a:solidFill>
-              <a:schemeClr val="bg1">
-                <a:lumMod val="65000"/>
-              </a:schemeClr>
+              <a:schemeClr val="tx2"/>
             </a:solidFill>
           </a:ln>
         </p:spPr>
@@ -1535,21 +1543,17 @@
         </p:style>
       </p:cxnSp>
     </p:spTree>
-    <p:extLst>
-      <p:ext uri="{BB962C8B-B14F-4D97-AF65-F5344CB8AC3E}">
-        <p14:creationId xmlns:p14="http://schemas.microsoft.com/office/powerpoint/2010/main" xmlns="" val="273083210"/>
-      </p:ext>
-    </p:extLst>
   </p:cSld>
   <p:clrMapOvr>
-    <a:masterClrMapping/>
+    <a:overrideClrMapping bg1="dk1" tx1="lt1" bg2="dk2" tx2="lt2" accent1="accent1" accent2="accent2" accent3="accent3" accent4="accent4" accent5="accent5" accent6="accent6" hlink="hlink" folHlink="folHlink"/>
   </p:clrMapOvr>
+  <p:hf hdr="0" ftr="0"/>
 </p:sldLayout>
 </file>
 
-<file path=ppt/slideLayouts/slideLayout3.xml><?xml version="1.0" encoding="utf-8"?>
-<p:sldLayout xmlns:a="http://schemas.openxmlformats.org/drawingml/2006/main" xmlns:r="http://schemas.openxmlformats.org/officeDocument/2006/relationships" xmlns:p="http://schemas.openxmlformats.org/presentationml/2006/main" type="secHead" preserve="1">
-  <p:cSld name="Section Header">
+<file path=ppt/slideLayouts/slideLayout4.xml><?xml version="1.0" encoding="utf-8"?>
+<p:sldLayout xmlns:a="http://schemas.openxmlformats.org/drawingml/2006/main" xmlns:r="http://schemas.openxmlformats.org/officeDocument/2006/relationships" xmlns:p="http://schemas.openxmlformats.org/presentationml/2006/main" type="twoObj" preserve="1">
+  <p:cSld name="Zwei Inhalte">
     <p:spTree>
       <p:nvGrpSpPr>
         <p:cNvPr id="1" name=""/>
@@ -1574,280 +1578,33 @@
             <p:ph type="title"/>
           </p:nvPr>
         </p:nvSpPr>
+        <p:spPr/>
+        <p:txBody>
+          <a:bodyPr/>
+          <a:lstStyle/>
+          <a:p>
+            <a:r>
+              <a:rPr lang="de-DE" smtClean="0"/>
+              <a:t>Titelmasterformat durch Klicken bearbeiten</a:t>
+            </a:r>
+            <a:endParaRPr lang="en-US"/>
+          </a:p>
+        </p:txBody>
+      </p:sp>
+      <p:sp>
+        <p:nvSpPr>
+          <p:cNvPr id="3" name="Content Placeholder 2"/>
+          <p:cNvSpPr>
+            <a:spLocks noGrp="1"/>
+          </p:cNvSpPr>
+          <p:nvPr>
+            <p:ph sz="half" idx="1"/>
+          </p:nvPr>
+        </p:nvSpPr>
         <p:spPr>
           <a:xfrm>
-            <a:off x="722313" y="4406900"/>
-            <a:ext cx="7772400" cy="1362075"/>
-          </a:xfrm>
-        </p:spPr>
-        <p:txBody>
-          <a:bodyPr anchor="t"/>
-          <a:lstStyle>
-            <a:lvl1pPr algn="l">
-              <a:defRPr sz="4000" b="1" cap="all"/>
-            </a:lvl1pPr>
-          </a:lstStyle>
-          <a:p>
-            <a:r>
-              <a:rPr lang="en-US" smtClean="0"/>
-              <a:t>Click to edit Master title style</a:t>
-            </a:r>
-            <a:endParaRPr lang="de-CH"/>
-          </a:p>
-        </p:txBody>
-      </p:sp>
-      <p:sp>
-        <p:nvSpPr>
-          <p:cNvPr id="3" name="Text Placeholder 2"/>
-          <p:cNvSpPr>
-            <a:spLocks noGrp="1"/>
-          </p:cNvSpPr>
-          <p:nvPr>
-            <p:ph type="body" idx="1"/>
-          </p:nvPr>
-        </p:nvSpPr>
-        <p:spPr>
-          <a:xfrm>
-            <a:off x="722313" y="2906713"/>
-            <a:ext cx="7772400" cy="1500187"/>
-          </a:xfrm>
-        </p:spPr>
-        <p:txBody>
-          <a:bodyPr anchor="b"/>
-          <a:lstStyle>
-            <a:lvl1pPr marL="0" indent="0">
-              <a:buNone/>
-              <a:defRPr sz="2000">
-                <a:solidFill>
-                  <a:schemeClr val="tx1">
-                    <a:tint val="75000"/>
-                  </a:schemeClr>
-                </a:solidFill>
-              </a:defRPr>
-            </a:lvl1pPr>
-            <a:lvl2pPr marL="457200" indent="0">
-              <a:buNone/>
-              <a:defRPr sz="1800">
-                <a:solidFill>
-                  <a:schemeClr val="tx1">
-                    <a:tint val="75000"/>
-                  </a:schemeClr>
-                </a:solidFill>
-              </a:defRPr>
-            </a:lvl2pPr>
-            <a:lvl3pPr marL="914400" indent="0">
-              <a:buNone/>
-              <a:defRPr sz="1600">
-                <a:solidFill>
-                  <a:schemeClr val="tx1">
-                    <a:tint val="75000"/>
-                  </a:schemeClr>
-                </a:solidFill>
-              </a:defRPr>
-            </a:lvl3pPr>
-            <a:lvl4pPr marL="1371600" indent="0">
-              <a:buNone/>
-              <a:defRPr sz="1400">
-                <a:solidFill>
-                  <a:schemeClr val="tx1">
-                    <a:tint val="75000"/>
-                  </a:schemeClr>
-                </a:solidFill>
-              </a:defRPr>
-            </a:lvl4pPr>
-            <a:lvl5pPr marL="1828800" indent="0">
-              <a:buNone/>
-              <a:defRPr sz="1400">
-                <a:solidFill>
-                  <a:schemeClr val="tx1">
-                    <a:tint val="75000"/>
-                  </a:schemeClr>
-                </a:solidFill>
-              </a:defRPr>
-            </a:lvl5pPr>
-            <a:lvl6pPr marL="2286000" indent="0">
-              <a:buNone/>
-              <a:defRPr sz="1400">
-                <a:solidFill>
-                  <a:schemeClr val="tx1">
-                    <a:tint val="75000"/>
-                  </a:schemeClr>
-                </a:solidFill>
-              </a:defRPr>
-            </a:lvl6pPr>
-            <a:lvl7pPr marL="2743200" indent="0">
-              <a:buNone/>
-              <a:defRPr sz="1400">
-                <a:solidFill>
-                  <a:schemeClr val="tx1">
-                    <a:tint val="75000"/>
-                  </a:schemeClr>
-                </a:solidFill>
-              </a:defRPr>
-            </a:lvl7pPr>
-            <a:lvl8pPr marL="3200400" indent="0">
-              <a:buNone/>
-              <a:defRPr sz="1400">
-                <a:solidFill>
-                  <a:schemeClr val="tx1">
-                    <a:tint val="75000"/>
-                  </a:schemeClr>
-                </a:solidFill>
-              </a:defRPr>
-            </a:lvl8pPr>
-            <a:lvl9pPr marL="3657600" indent="0">
-              <a:buNone/>
-              <a:defRPr sz="1400">
-                <a:solidFill>
-                  <a:schemeClr val="tx1">
-                    <a:tint val="75000"/>
-                  </a:schemeClr>
-                </a:solidFill>
-              </a:defRPr>
-            </a:lvl9pPr>
-          </a:lstStyle>
-          <a:p>
-            <a:pPr lvl="0"/>
-            <a:r>
-              <a:rPr lang="en-US" smtClean="0"/>
-              <a:t>Click to edit Master text styles</a:t>
-            </a:r>
-          </a:p>
-        </p:txBody>
-      </p:sp>
-      <p:sp>
-        <p:nvSpPr>
-          <p:cNvPr id="4" name="Date Placeholder 3"/>
-          <p:cNvSpPr>
-            <a:spLocks noGrp="1"/>
-          </p:cNvSpPr>
-          <p:nvPr>
-            <p:ph type="dt" sz="half" idx="10"/>
-          </p:nvPr>
-        </p:nvSpPr>
-        <p:spPr/>
-        <p:txBody>
-          <a:bodyPr/>
-          <a:lstStyle/>
-          <a:p>
-            <a:r>
-              <a:rPr lang="de-CH" smtClean="0"/>
-              <a:t>20.03.2013</a:t>
-            </a:r>
-            <a:endParaRPr lang="de-CH"/>
-          </a:p>
-        </p:txBody>
-      </p:sp>
-      <p:sp>
-        <p:nvSpPr>
-          <p:cNvPr id="5" name="Footer Placeholder 4"/>
-          <p:cNvSpPr>
-            <a:spLocks noGrp="1"/>
-          </p:cNvSpPr>
-          <p:nvPr>
-            <p:ph type="ftr" sz="quarter" idx="11"/>
-          </p:nvPr>
-        </p:nvSpPr>
-        <p:spPr/>
-        <p:txBody>
-          <a:bodyPr/>
-          <a:lstStyle/>
-          <a:p>
-            <a:endParaRPr lang="de-CH"/>
-          </a:p>
-        </p:txBody>
-      </p:sp>
-      <p:sp>
-        <p:nvSpPr>
-          <p:cNvPr id="6" name="Slide Number Placeholder 5"/>
-          <p:cNvSpPr>
-            <a:spLocks noGrp="1"/>
-          </p:cNvSpPr>
-          <p:nvPr>
-            <p:ph type="sldNum" sz="quarter" idx="12"/>
-          </p:nvPr>
-        </p:nvSpPr>
-        <p:spPr/>
-        <p:txBody>
-          <a:bodyPr/>
-          <a:lstStyle/>
-          <a:p>
-            <a:fld id="{66EF974D-2837-4CD3-A9E8-F64F1017B155}" type="slidenum">
-              <a:rPr lang="de-CH" smtClean="0"/>
-              <a:pPr/>
-              <a:t>‹Nr.›</a:t>
-            </a:fld>
-            <a:endParaRPr lang="de-CH"/>
-          </a:p>
-        </p:txBody>
-      </p:sp>
-    </p:spTree>
-    <p:extLst>
-      <p:ext uri="{BB962C8B-B14F-4D97-AF65-F5344CB8AC3E}">
-        <p14:creationId xmlns:p14="http://schemas.microsoft.com/office/powerpoint/2010/main" xmlns="" val="3908963415"/>
-      </p:ext>
-    </p:extLst>
-  </p:cSld>
-  <p:clrMapOvr>
-    <a:masterClrMapping/>
-  </p:clrMapOvr>
-</p:sldLayout>
-</file>
-
-<file path=ppt/slideLayouts/slideLayout4.xml><?xml version="1.0" encoding="utf-8"?>
-<p:sldLayout xmlns:a="http://schemas.openxmlformats.org/drawingml/2006/main" xmlns:r="http://schemas.openxmlformats.org/officeDocument/2006/relationships" xmlns:p="http://schemas.openxmlformats.org/presentationml/2006/main" type="twoObj" preserve="1">
-  <p:cSld name="Two Content">
-    <p:spTree>
-      <p:nvGrpSpPr>
-        <p:cNvPr id="1" name=""/>
-        <p:cNvGrpSpPr/>
-        <p:nvPr/>
-      </p:nvGrpSpPr>
-      <p:grpSpPr>
-        <a:xfrm>
-          <a:off x="0" y="0"/>
-          <a:ext cx="0" cy="0"/>
-          <a:chOff x="0" y="0"/>
-          <a:chExt cx="0" cy="0"/>
-        </a:xfrm>
-      </p:grpSpPr>
-      <p:sp>
-        <p:nvSpPr>
-          <p:cNvPr id="2" name="Title 1"/>
-          <p:cNvSpPr>
-            <a:spLocks noGrp="1"/>
-          </p:cNvSpPr>
-          <p:nvPr>
-            <p:ph type="title"/>
-          </p:nvPr>
-        </p:nvSpPr>
-        <p:spPr/>
-        <p:txBody>
-          <a:bodyPr/>
-          <a:lstStyle/>
-          <a:p>
-            <a:r>
-              <a:rPr lang="en-US" smtClean="0"/>
-              <a:t>Click to edit Master title style</a:t>
-            </a:r>
-            <a:endParaRPr lang="de-CH"/>
-          </a:p>
-        </p:txBody>
-      </p:sp>
-      <p:sp>
-        <p:nvSpPr>
-          <p:cNvPr id="3" name="Content Placeholder 2"/>
-          <p:cNvSpPr>
-            <a:spLocks noGrp="1"/>
-          </p:cNvSpPr>
-          <p:nvPr>
-            <p:ph sz="half" idx="1"/>
-          </p:nvPr>
-        </p:nvSpPr>
-        <p:spPr>
-          <a:xfrm>
-            <a:off x="457200" y="1600200"/>
-            <a:ext cx="4038600" cy="4525963"/>
+            <a:off x="457200" y="1673352"/>
+            <a:ext cx="4038600" cy="4718304"/>
           </a:xfrm>
         </p:spPr>
         <p:txBody>
@@ -1884,38 +1641,38 @@
           <a:p>
             <a:pPr lvl="0"/>
             <a:r>
-              <a:rPr lang="en-US" smtClean="0"/>
-              <a:t>Click to edit Master text styles</a:t>
+              <a:rPr lang="de-DE" smtClean="0"/>
+              <a:t>Textmasterformat bearbeiten</a:t>
             </a:r>
           </a:p>
           <a:p>
             <a:pPr lvl="1"/>
             <a:r>
-              <a:rPr lang="en-US" smtClean="0"/>
-              <a:t>Second level</a:t>
+              <a:rPr lang="de-DE" smtClean="0"/>
+              <a:t>Zweite Ebene</a:t>
             </a:r>
           </a:p>
           <a:p>
             <a:pPr lvl="2"/>
             <a:r>
-              <a:rPr lang="en-US" smtClean="0"/>
-              <a:t>Third level</a:t>
+              <a:rPr lang="de-DE" smtClean="0"/>
+              <a:t>Dritte Ebene</a:t>
             </a:r>
           </a:p>
           <a:p>
             <a:pPr lvl="3"/>
             <a:r>
-              <a:rPr lang="en-US" smtClean="0"/>
-              <a:t>Fourth level</a:t>
+              <a:rPr lang="de-DE" smtClean="0"/>
+              <a:t>Vierte Ebene</a:t>
             </a:r>
           </a:p>
           <a:p>
             <a:pPr lvl="4"/>
             <a:r>
-              <a:rPr lang="en-US" smtClean="0"/>
-              <a:t>Fifth level</a:t>
-            </a:r>
-            <a:endParaRPr lang="de-CH"/>
+              <a:rPr lang="de-DE" smtClean="0"/>
+              <a:t>Fünfte Ebene</a:t>
+            </a:r>
+            <a:endParaRPr lang="en-US" dirty="0"/>
           </a:p>
         </p:txBody>
       </p:sp>
@@ -1931,8 +1688,8 @@
         </p:nvSpPr>
         <p:spPr>
           <a:xfrm>
-            <a:off x="4648200" y="1600200"/>
-            <a:ext cx="4038600" cy="4525963"/>
+            <a:off x="4648200" y="1673352"/>
+            <a:ext cx="4038600" cy="4718304"/>
           </a:xfrm>
         </p:spPr>
         <p:txBody>
@@ -1969,38 +1726,38 @@
           <a:p>
             <a:pPr lvl="0"/>
             <a:r>
-              <a:rPr lang="en-US" smtClean="0"/>
-              <a:t>Click to edit Master text styles</a:t>
+              <a:rPr lang="de-DE" smtClean="0"/>
+              <a:t>Textmasterformat bearbeiten</a:t>
             </a:r>
           </a:p>
           <a:p>
             <a:pPr lvl="1"/>
             <a:r>
-              <a:rPr lang="en-US" smtClean="0"/>
-              <a:t>Second level</a:t>
+              <a:rPr lang="de-DE" smtClean="0"/>
+              <a:t>Zweite Ebene</a:t>
             </a:r>
           </a:p>
           <a:p>
             <a:pPr lvl="2"/>
             <a:r>
-              <a:rPr lang="en-US" smtClean="0"/>
-              <a:t>Third level</a:t>
+              <a:rPr lang="de-DE" smtClean="0"/>
+              <a:t>Dritte Ebene</a:t>
             </a:r>
           </a:p>
           <a:p>
             <a:pPr lvl="3"/>
             <a:r>
-              <a:rPr lang="en-US" smtClean="0"/>
-              <a:t>Fourth level</a:t>
+              <a:rPr lang="de-DE" smtClean="0"/>
+              <a:t>Vierte Ebene</a:t>
             </a:r>
           </a:p>
           <a:p>
             <a:pPr lvl="4"/>
             <a:r>
-              <a:rPr lang="en-US" smtClean="0"/>
-              <a:t>Fifth level</a:t>
-            </a:r>
-            <a:endParaRPr lang="de-CH"/>
+              <a:rPr lang="de-DE" smtClean="0"/>
+              <a:t>Fünfte Ebene</a:t>
+            </a:r>
+            <a:endParaRPr lang="en-US" dirty="0"/>
           </a:p>
         </p:txBody>
       </p:sp>
@@ -2071,21 +1828,17 @@
         </p:txBody>
       </p:sp>
     </p:spTree>
-    <p:extLst>
-      <p:ext uri="{BB962C8B-B14F-4D97-AF65-F5344CB8AC3E}">
-        <p14:creationId xmlns:p14="http://schemas.microsoft.com/office/powerpoint/2010/main" xmlns="" val="268522242"/>
-      </p:ext>
-    </p:extLst>
   </p:cSld>
   <p:clrMapOvr>
     <a:masterClrMapping/>
   </p:clrMapOvr>
+  <p:hf hdr="0" ftr="0"/>
 </p:sldLayout>
 </file>
 
 <file path=ppt/slideLayouts/slideLayout5.xml><?xml version="1.0" encoding="utf-8"?>
 <p:sldLayout xmlns:a="http://schemas.openxmlformats.org/drawingml/2006/main" xmlns:r="http://schemas.openxmlformats.org/officeDocument/2006/relationships" xmlns:p="http://schemas.openxmlformats.org/presentationml/2006/main" type="twoTxTwoObj" preserve="1">
-  <p:cSld name="Comparison">
+  <p:cSld name="Vergleich">
     <p:spTree>
       <p:nvGrpSpPr>
         <p:cNvPr id="1" name=""/>
@@ -2120,10 +1873,10 @@
           </a:lstStyle>
           <a:p>
             <a:r>
-              <a:rPr lang="en-US" smtClean="0"/>
-              <a:t>Click to edit Master title style</a:t>
-            </a:r>
-            <a:endParaRPr lang="de-CH"/>
+              <a:rPr lang="de-DE" smtClean="0"/>
+              <a:t>Titelmasterformat durch Klicken bearbeiten</a:t>
+            </a:r>
+            <a:endParaRPr lang="en-US" dirty="0"/>
           </a:p>
         </p:txBody>
       </p:sp>
@@ -2139,16 +1892,39 @@
         </p:nvSpPr>
         <p:spPr>
           <a:xfrm>
-            <a:off x="457200" y="1535113"/>
-            <a:ext cx="4040188" cy="639762"/>
+            <a:off x="457200" y="1676400"/>
+            <a:ext cx="3931920" cy="639762"/>
           </a:xfrm>
+          <a:noFill/>
+          <a:ln>
+            <a:noFill/>
+          </a:ln>
+          <a:effectLst/>
         </p:spPr>
-        <p:txBody>
-          <a:bodyPr anchor="b"/>
+        <p:style>
+          <a:lnRef idx="3">
+            <a:schemeClr val="lt1"/>
+          </a:lnRef>
+          <a:fillRef idx="1">
+            <a:schemeClr val="accent2"/>
+          </a:fillRef>
+          <a:effectRef idx="1">
+            <a:schemeClr val="accent2"/>
+          </a:effectRef>
+          <a:fontRef idx="none"/>
+        </p:style>
+        <p:txBody>
+          <a:bodyPr anchor="ctr">
+            <a:normAutofit/>
+          </a:bodyPr>
           <a:lstStyle>
-            <a:lvl1pPr marL="0" indent="0">
-              <a:buNone/>
-              <a:defRPr sz="2400" b="1"/>
+            <a:lvl1pPr marL="0" indent="0" algn="ctr">
+              <a:buNone/>
+              <a:defRPr sz="2000" b="0">
+                <a:solidFill>
+                  <a:schemeClr val="tx2"/>
+                </a:solidFill>
+              </a:defRPr>
             </a:lvl1pPr>
             <a:lvl2pPr marL="457200" indent="0">
               <a:buNone/>
@@ -2186,8 +1962,8 @@
           <a:p>
             <a:pPr lvl="0"/>
             <a:r>
-              <a:rPr lang="en-US" smtClean="0"/>
-              <a:t>Click to edit Master text styles</a:t>
+              <a:rPr lang="de-DE" smtClean="0"/>
+              <a:t>Textmasterformat bearbeiten</a:t>
             </a:r>
           </a:p>
         </p:txBody>
@@ -2204,8 +1980,8 @@
         </p:nvSpPr>
         <p:spPr>
           <a:xfrm>
-            <a:off x="457200" y="2174875"/>
-            <a:ext cx="4040188" cy="3951288"/>
+            <a:off x="457200" y="2438400"/>
+            <a:ext cx="3931920" cy="3951288"/>
           </a:xfrm>
         </p:spPr>
         <p:txBody>
@@ -2242,38 +2018,38 @@
           <a:p>
             <a:pPr lvl="0"/>
             <a:r>
-              <a:rPr lang="en-US" smtClean="0"/>
-              <a:t>Click to edit Master text styles</a:t>
+              <a:rPr lang="de-DE" smtClean="0"/>
+              <a:t>Textmasterformat bearbeiten</a:t>
             </a:r>
           </a:p>
           <a:p>
             <a:pPr lvl="1"/>
             <a:r>
-              <a:rPr lang="en-US" smtClean="0"/>
-              <a:t>Second level</a:t>
+              <a:rPr lang="de-DE" smtClean="0"/>
+              <a:t>Zweite Ebene</a:t>
             </a:r>
           </a:p>
           <a:p>
             <a:pPr lvl="2"/>
             <a:r>
-              <a:rPr lang="en-US" smtClean="0"/>
-              <a:t>Third level</a:t>
+              <a:rPr lang="de-DE" smtClean="0"/>
+              <a:t>Dritte Ebene</a:t>
             </a:r>
           </a:p>
           <a:p>
             <a:pPr lvl="3"/>
             <a:r>
-              <a:rPr lang="en-US" smtClean="0"/>
-              <a:t>Fourth level</a:t>
+              <a:rPr lang="de-DE" smtClean="0"/>
+              <a:t>Vierte Ebene</a:t>
             </a:r>
           </a:p>
           <a:p>
             <a:pPr lvl="4"/>
             <a:r>
-              <a:rPr lang="en-US" smtClean="0"/>
-              <a:t>Fifth level</a:t>
-            </a:r>
-            <a:endParaRPr lang="de-CH"/>
+              <a:rPr lang="de-DE" smtClean="0"/>
+              <a:t>Fünfte Ebene</a:t>
+            </a:r>
+            <a:endParaRPr lang="en-US" dirty="0"/>
           </a:p>
         </p:txBody>
       </p:sp>
@@ -2289,16 +2065,42 @@
         </p:nvSpPr>
         <p:spPr>
           <a:xfrm>
-            <a:off x="4645025" y="1535113"/>
-            <a:ext cx="4041775" cy="639762"/>
+            <a:off x="4754880" y="1676400"/>
+            <a:ext cx="3931920" cy="639762"/>
           </a:xfrm>
+          <a:noFill/>
+          <a:ln>
+            <a:noFill/>
+          </a:ln>
+          <a:effectLst/>
         </p:spPr>
-        <p:txBody>
-          <a:bodyPr anchor="b"/>
+        <p:style>
+          <a:lnRef idx="3">
+            <a:schemeClr val="lt1"/>
+          </a:lnRef>
+          <a:fillRef idx="1">
+            <a:schemeClr val="accent2"/>
+          </a:fillRef>
+          <a:effectRef idx="1">
+            <a:schemeClr val="accent2"/>
+          </a:effectRef>
+          <a:fontRef idx="none"/>
+        </p:style>
+        <p:txBody>
+          <a:bodyPr anchor="ctr">
+            <a:normAutofit/>
+          </a:bodyPr>
           <a:lstStyle>
-            <a:lvl1pPr marL="0" indent="0">
-              <a:buNone/>
-              <a:defRPr sz="2400" b="1"/>
+            <a:lvl1pPr marL="0" indent="0" algn="ctr">
+              <a:buNone/>
+              <a:defRPr lang="en-US" sz="2000" b="0" kern="1200" dirty="0" smtClean="0">
+                <a:solidFill>
+                  <a:schemeClr val="tx2"/>
+                </a:solidFill>
+                <a:latin typeface="+mn-lt"/>
+                <a:ea typeface="+mn-ea"/>
+                <a:cs typeface="+mn-cs"/>
+              </a:defRPr>
             </a:lvl1pPr>
             <a:lvl2pPr marL="457200" indent="0">
               <a:buNone/>
@@ -2336,8 +2138,8 @@
           <a:p>
             <a:pPr lvl="0"/>
             <a:r>
-              <a:rPr lang="en-US" smtClean="0"/>
-              <a:t>Click to edit Master text styles</a:t>
+              <a:rPr lang="de-DE" smtClean="0"/>
+              <a:t>Textmasterformat bearbeiten</a:t>
             </a:r>
           </a:p>
         </p:txBody>
@@ -2354,8 +2156,8 @@
         </p:nvSpPr>
         <p:spPr>
           <a:xfrm>
-            <a:off x="4645025" y="2174875"/>
-            <a:ext cx="4041775" cy="3951288"/>
+            <a:off x="4754880" y="2438400"/>
+            <a:ext cx="3931920" cy="3951288"/>
           </a:xfrm>
         </p:spPr>
         <p:txBody>
@@ -2392,38 +2194,38 @@
           <a:p>
             <a:pPr lvl="0"/>
             <a:r>
-              <a:rPr lang="en-US" smtClean="0"/>
-              <a:t>Click to edit Master text styles</a:t>
+              <a:rPr lang="de-DE" smtClean="0"/>
+              <a:t>Textmasterformat bearbeiten</a:t>
             </a:r>
           </a:p>
           <a:p>
             <a:pPr lvl="1"/>
             <a:r>
-              <a:rPr lang="en-US" smtClean="0"/>
-              <a:t>Second level</a:t>
+              <a:rPr lang="de-DE" smtClean="0"/>
+              <a:t>Zweite Ebene</a:t>
             </a:r>
           </a:p>
           <a:p>
             <a:pPr lvl="2"/>
             <a:r>
-              <a:rPr lang="en-US" smtClean="0"/>
-              <a:t>Third level</a:t>
+              <a:rPr lang="de-DE" smtClean="0"/>
+              <a:t>Dritte Ebene</a:t>
             </a:r>
           </a:p>
           <a:p>
             <a:pPr lvl="3"/>
             <a:r>
-              <a:rPr lang="en-US" smtClean="0"/>
-              <a:t>Fourth level</a:t>
+              <a:rPr lang="de-DE" smtClean="0"/>
+              <a:t>Vierte Ebene</a:t>
             </a:r>
           </a:p>
           <a:p>
             <a:pPr lvl="4"/>
             <a:r>
-              <a:rPr lang="en-US" smtClean="0"/>
-              <a:t>Fifth level</a:t>
-            </a:r>
-            <a:endParaRPr lang="de-CH"/>
+              <a:rPr lang="de-DE" smtClean="0"/>
+              <a:t>Fünfte Ebene</a:t>
+            </a:r>
+            <a:endParaRPr lang="en-US" dirty="0"/>
           </a:p>
         </p:txBody>
       </p:sp>
@@ -2493,22 +2295,53 @@
           </a:p>
         </p:txBody>
       </p:sp>
+      <p:cxnSp>
+        <p:nvCxnSpPr>
+          <p:cNvPr id="11" name="Straight Connector 10"/>
+          <p:cNvCxnSpPr/>
+          <p:nvPr/>
+        </p:nvCxnSpPr>
+        <p:spPr>
+          <a:xfrm rot="5400000">
+            <a:off x="2217817" y="4045823"/>
+            <a:ext cx="4709160" cy="794"/>
+          </a:xfrm>
+          <a:prstGeom prst="line">
+            <a:avLst/>
+          </a:prstGeom>
+          <a:ln w="19050">
+            <a:solidFill>
+              <a:schemeClr val="tx2"/>
+            </a:solidFill>
+          </a:ln>
+        </p:spPr>
+        <p:style>
+          <a:lnRef idx="1">
+            <a:schemeClr val="accent1"/>
+          </a:lnRef>
+          <a:fillRef idx="0">
+            <a:schemeClr val="accent1"/>
+          </a:fillRef>
+          <a:effectRef idx="0">
+            <a:schemeClr val="accent1"/>
+          </a:effectRef>
+          <a:fontRef idx="minor">
+            <a:schemeClr val="tx1"/>
+          </a:fontRef>
+        </p:style>
+      </p:cxnSp>
     </p:spTree>
-    <p:extLst>
-      <p:ext uri="{BB962C8B-B14F-4D97-AF65-F5344CB8AC3E}">
-        <p14:creationId xmlns:p14="http://schemas.microsoft.com/office/powerpoint/2010/main" xmlns="" val="680118024"/>
-      </p:ext>
-    </p:extLst>
   </p:cSld>
   <p:clrMapOvr>
     <a:masterClrMapping/>
   </p:clrMapOvr>
+  <p:hf hdr="0" ftr="0"/>
 </p:sldLayout>
 </file>
 
 <file path=ppt/slideLayouts/slideLayout6.xml><?xml version="1.0" encoding="utf-8"?>
 <p:sldLayout xmlns:a="http://schemas.openxmlformats.org/drawingml/2006/main" xmlns:r="http://schemas.openxmlformats.org/officeDocument/2006/relationships" xmlns:p="http://schemas.openxmlformats.org/presentationml/2006/main" type="titleOnly" preserve="1">
-  <p:cSld name="Title Only">
+  <p:cSld name="Nur Titel">
     <p:spTree>
       <p:nvGrpSpPr>
         <p:cNvPr id="1" name=""/>
@@ -2539,10 +2372,10 @@
           <a:lstStyle/>
           <a:p>
             <a:r>
-              <a:rPr lang="en-US" smtClean="0"/>
-              <a:t>Click to edit Master title style</a:t>
-            </a:r>
-            <a:endParaRPr lang="de-CH"/>
+              <a:rPr lang="de-DE" smtClean="0"/>
+              <a:t>Titelmasterformat durch Klicken bearbeiten</a:t>
+            </a:r>
+            <a:endParaRPr lang="en-US"/>
           </a:p>
         </p:txBody>
       </p:sp>
@@ -2613,21 +2446,17 @@
         </p:txBody>
       </p:sp>
     </p:spTree>
-    <p:extLst>
-      <p:ext uri="{BB962C8B-B14F-4D97-AF65-F5344CB8AC3E}">
-        <p14:creationId xmlns:p14="http://schemas.microsoft.com/office/powerpoint/2010/main" xmlns="" val="856983992"/>
-      </p:ext>
-    </p:extLst>
   </p:cSld>
   <p:clrMapOvr>
     <a:masterClrMapping/>
   </p:clrMapOvr>
+  <p:hf hdr="0" ftr="0"/>
 </p:sldLayout>
 </file>
 
 <file path=ppt/slideLayouts/slideLayout7.xml><?xml version="1.0" encoding="utf-8"?>
 <p:sldLayout xmlns:a="http://schemas.openxmlformats.org/drawingml/2006/main" xmlns:r="http://schemas.openxmlformats.org/officeDocument/2006/relationships" xmlns:p="http://schemas.openxmlformats.org/presentationml/2006/main" type="blank" preserve="1">
-  <p:cSld name="Blank">
+  <p:cSld name="Leer">
     <p:spTree>
       <p:nvGrpSpPr>
         <p:cNvPr id="1" name=""/>
@@ -2709,21 +2538,17 @@
         </p:txBody>
       </p:sp>
     </p:spTree>
-    <p:extLst>
-      <p:ext uri="{BB962C8B-B14F-4D97-AF65-F5344CB8AC3E}">
-        <p14:creationId xmlns:p14="http://schemas.microsoft.com/office/powerpoint/2010/main" xmlns="" val="1140987140"/>
-      </p:ext>
-    </p:extLst>
   </p:cSld>
   <p:clrMapOvr>
     <a:masterClrMapping/>
   </p:clrMapOvr>
+  <p:hf hdr="0" ftr="0"/>
 </p:sldLayout>
 </file>
 
 <file path=ppt/slideLayouts/slideLayout8.xml><?xml version="1.0" encoding="utf-8"?>
 <p:sldLayout xmlns:a="http://schemas.openxmlformats.org/drawingml/2006/main" xmlns:r="http://schemas.openxmlformats.org/officeDocument/2006/relationships" xmlns:p="http://schemas.openxmlformats.org/presentationml/2006/main" type="objTx" preserve="1">
-  <p:cSld name="Content with Caption">
+  <p:cSld name="Inhalt mit Überschrift">
     <p:spTree>
       <p:nvGrpSpPr>
         <p:cNvPr id="1" name=""/>
@@ -2750,23 +2575,25 @@
         </p:nvSpPr>
         <p:spPr>
           <a:xfrm>
-            <a:off x="457200" y="273050"/>
-            <a:ext cx="3008313" cy="1162050"/>
+            <a:off x="457200" y="792080"/>
+            <a:ext cx="2139696" cy="1261872"/>
           </a:xfrm>
         </p:spPr>
         <p:txBody>
-          <a:bodyPr anchor="b"/>
+          <a:bodyPr anchor="b">
+            <a:noAutofit/>
+          </a:bodyPr>
           <a:lstStyle>
             <a:lvl1pPr algn="l">
-              <a:defRPr sz="2000" b="1"/>
+              <a:defRPr sz="2400" b="0"/>
             </a:lvl1pPr>
           </a:lstStyle>
           <a:p>
             <a:r>
-              <a:rPr lang="en-US" smtClean="0"/>
-              <a:t>Click to edit Master title style</a:t>
-            </a:r>
-            <a:endParaRPr lang="de-CH"/>
+              <a:rPr lang="de-DE" smtClean="0"/>
+              <a:t>Titelmasterformat durch Klicken bearbeiten</a:t>
+            </a:r>
+            <a:endParaRPr lang="en-US" dirty="0"/>
           </a:p>
         </p:txBody>
       </p:sp>
@@ -2782,8 +2609,8 @@
         </p:nvSpPr>
         <p:spPr>
           <a:xfrm>
-            <a:off x="3575050" y="273050"/>
-            <a:ext cx="5111750" cy="5853113"/>
+            <a:off x="2971800" y="792080"/>
+            <a:ext cx="5715000" cy="5577840"/>
           </a:xfrm>
         </p:spPr>
         <p:txBody>
@@ -2820,38 +2647,38 @@
           <a:p>
             <a:pPr lvl="0"/>
             <a:r>
-              <a:rPr lang="en-US" smtClean="0"/>
-              <a:t>Click to edit Master text styles</a:t>
+              <a:rPr lang="de-DE" smtClean="0"/>
+              <a:t>Textmasterformat bearbeiten</a:t>
             </a:r>
           </a:p>
           <a:p>
             <a:pPr lvl="1"/>
             <a:r>
-              <a:rPr lang="en-US" smtClean="0"/>
-              <a:t>Second level</a:t>
+              <a:rPr lang="de-DE" smtClean="0"/>
+              <a:t>Zweite Ebene</a:t>
             </a:r>
           </a:p>
           <a:p>
             <a:pPr lvl="2"/>
             <a:r>
-              <a:rPr lang="en-US" smtClean="0"/>
-              <a:t>Third level</a:t>
+              <a:rPr lang="de-DE" smtClean="0"/>
+              <a:t>Dritte Ebene</a:t>
             </a:r>
           </a:p>
           <a:p>
             <a:pPr lvl="3"/>
             <a:r>
-              <a:rPr lang="en-US" smtClean="0"/>
-              <a:t>Fourth level</a:t>
+              <a:rPr lang="de-DE" smtClean="0"/>
+              <a:t>Vierte Ebene</a:t>
             </a:r>
           </a:p>
           <a:p>
             <a:pPr lvl="4"/>
             <a:r>
-              <a:rPr lang="en-US" smtClean="0"/>
-              <a:t>Fifth level</a:t>
-            </a:r>
-            <a:endParaRPr lang="de-CH"/>
+              <a:rPr lang="de-DE" smtClean="0"/>
+              <a:t>Fünfte Ebene</a:t>
+            </a:r>
+            <a:endParaRPr lang="en-US" dirty="0"/>
           </a:p>
         </p:txBody>
       </p:sp>
@@ -2867,8 +2694,8 @@
         </p:nvSpPr>
         <p:spPr>
           <a:xfrm>
-            <a:off x="457200" y="1435100"/>
-            <a:ext cx="3008313" cy="4691063"/>
+            <a:off x="457201" y="2130552"/>
+            <a:ext cx="2139696" cy="4243615"/>
           </a:xfrm>
         </p:spPr>
         <p:txBody>
@@ -2914,8 +2741,8 @@
           <a:p>
             <a:pPr lvl="0"/>
             <a:r>
-              <a:rPr lang="en-US" smtClean="0"/>
-              <a:t>Click to edit Master text styles</a:t>
+              <a:rPr lang="de-DE" smtClean="0"/>
+              <a:t>Textmasterformat bearbeiten</a:t>
             </a:r>
           </a:p>
         </p:txBody>
@@ -2986,22 +2813,53 @@
           </a:p>
         </p:txBody>
       </p:sp>
+      <p:cxnSp>
+        <p:nvCxnSpPr>
+          <p:cNvPr id="9" name="Straight Connector 8"/>
+          <p:cNvCxnSpPr/>
+          <p:nvPr/>
+        </p:nvCxnSpPr>
+        <p:spPr>
+          <a:xfrm rot="5400000">
+            <a:off x="-13116" y="3580206"/>
+            <a:ext cx="5577840" cy="1588"/>
+          </a:xfrm>
+          <a:prstGeom prst="line">
+            <a:avLst/>
+          </a:prstGeom>
+          <a:ln w="19050">
+            <a:solidFill>
+              <a:schemeClr val="tx2"/>
+            </a:solidFill>
+          </a:ln>
+        </p:spPr>
+        <p:style>
+          <a:lnRef idx="1">
+            <a:schemeClr val="accent1"/>
+          </a:lnRef>
+          <a:fillRef idx="0">
+            <a:schemeClr val="accent1"/>
+          </a:fillRef>
+          <a:effectRef idx="0">
+            <a:schemeClr val="accent1"/>
+          </a:effectRef>
+          <a:fontRef idx="minor">
+            <a:schemeClr val="tx1"/>
+          </a:fontRef>
+        </p:style>
+      </p:cxnSp>
     </p:spTree>
-    <p:extLst>
-      <p:ext uri="{BB962C8B-B14F-4D97-AF65-F5344CB8AC3E}">
-        <p14:creationId xmlns:p14="http://schemas.microsoft.com/office/powerpoint/2010/main" xmlns="" val="3341475622"/>
-      </p:ext>
-    </p:extLst>
   </p:cSld>
   <p:clrMapOvr>
     <a:masterClrMapping/>
   </p:clrMapOvr>
+  <p:hf hdr="0" ftr="0"/>
 </p:sldLayout>
 </file>
 
 <file path=ppt/slideLayouts/slideLayout9.xml><?xml version="1.0" encoding="utf-8"?>
 <p:sldLayout xmlns:a="http://schemas.openxmlformats.org/drawingml/2006/main" xmlns:r="http://schemas.openxmlformats.org/officeDocument/2006/relationships" xmlns:p="http://schemas.openxmlformats.org/presentationml/2006/main" type="picTx" preserve="1">
-  <p:cSld name="Picture with Caption">
+  <p:cSld name="Bild mit Überschrift">
     <p:spTree>
       <p:nvGrpSpPr>
         <p:cNvPr id="1" name=""/>
@@ -3028,23 +2886,25 @@
         </p:nvSpPr>
         <p:spPr>
           <a:xfrm>
-            <a:off x="1792288" y="4800600"/>
-            <a:ext cx="5486400" cy="566738"/>
+            <a:off x="457200" y="792480"/>
+            <a:ext cx="2142680" cy="1264920"/>
           </a:xfrm>
         </p:spPr>
         <p:txBody>
-          <a:bodyPr anchor="b"/>
+          <a:bodyPr anchor="b">
+            <a:normAutofit/>
+          </a:bodyPr>
           <a:lstStyle>
             <a:lvl1pPr algn="l">
-              <a:defRPr sz="2000" b="1"/>
+              <a:defRPr sz="2400" b="0"/>
             </a:lvl1pPr>
           </a:lstStyle>
           <a:p>
             <a:r>
-              <a:rPr lang="en-US" smtClean="0"/>
-              <a:t>Click to edit Master title style</a:t>
-            </a:r>
-            <a:endParaRPr lang="de-CH"/>
+              <a:rPr lang="de-DE" smtClean="0"/>
+              <a:t>Titelmasterformat durch Klicken bearbeiten</a:t>
+            </a:r>
+            <a:endParaRPr lang="en-US" dirty="0"/>
           </a:p>
         </p:txBody>
       </p:sp>
@@ -3060,9 +2920,25 @@
         </p:nvSpPr>
         <p:spPr>
           <a:xfrm>
-            <a:off x="1792288" y="612775"/>
-            <a:ext cx="5486400" cy="4114800"/>
+            <a:off x="2858610" y="838201"/>
+            <a:ext cx="5904390" cy="5500456"/>
           </a:xfrm>
+          <a:solidFill>
+            <a:schemeClr val="bg2"/>
+          </a:solidFill>
+          <a:ln w="76200">
+            <a:solidFill>
+              <a:srgbClr val="FFFFFF"/>
+            </a:solidFill>
+            <a:miter lim="800000"/>
+          </a:ln>
+          <a:effectLst>
+            <a:outerShdw blurRad="50800" dist="12700" dir="5400000" algn="t" rotWithShape="0">
+              <a:prstClr val="black">
+                <a:alpha val="59000"/>
+              </a:prstClr>
+            </a:outerShdw>
+          </a:effectLst>
         </p:spPr>
         <p:txBody>
           <a:bodyPr/>
@@ -3105,7 +2981,11 @@
             </a:lvl9pPr>
           </a:lstStyle>
           <a:p>
-            <a:endParaRPr lang="de-CH"/>
+            <a:r>
+              <a:rPr lang="de-DE" smtClean="0"/>
+              <a:t>Bild durch Klicken auf Symbol hinzufügen</a:t>
+            </a:r>
+            <a:endParaRPr lang="en-US" dirty="0"/>
           </a:p>
         </p:txBody>
       </p:sp>
@@ -3121,8 +3001,8 @@
         </p:nvSpPr>
         <p:spPr>
           <a:xfrm>
-            <a:off x="1792288" y="5367338"/>
-            <a:ext cx="5486400" cy="804862"/>
+            <a:off x="457200" y="2133600"/>
+            <a:ext cx="2139696" cy="4242816"/>
           </a:xfrm>
         </p:spPr>
         <p:txBody>
@@ -3168,8 +3048,8 @@
           <a:p>
             <a:pPr lvl="0"/>
             <a:r>
-              <a:rPr lang="en-US" smtClean="0"/>
-              <a:t>Click to edit Master text styles</a:t>
+              <a:rPr lang="de-DE" smtClean="0"/>
+              <a:t>Textmasterformat bearbeiten</a:t>
             </a:r>
           </a:p>
         </p:txBody>
@@ -3241,15 +3121,11 @@
         </p:txBody>
       </p:sp>
     </p:spTree>
-    <p:extLst>
-      <p:ext uri="{BB962C8B-B14F-4D97-AF65-F5344CB8AC3E}">
-        <p14:creationId xmlns:p14="http://schemas.microsoft.com/office/powerpoint/2010/main" xmlns="" val="3763205211"/>
-      </p:ext>
-    </p:extLst>
   </p:cSld>
   <p:clrMapOvr>
     <a:masterClrMapping/>
   </p:clrMapOvr>
+  <p:hf hdr="0" ftr="0"/>
 </p:sldLayout>
 </file>
 
@@ -3277,18 +3153,64 @@
       </p:grpSpPr>
       <p:sp>
         <p:nvSpPr>
-          <p:cNvPr id="2" name="Title Placeholder 1"/>
-          <p:cNvSpPr>
-            <a:spLocks noGrp="1"/>
-          </p:cNvSpPr>
-          <p:nvPr>
-            <p:ph type="title"/>
-          </p:nvPr>
+          <p:cNvPr id="10" name="Rectangle 9"/>
+          <p:cNvSpPr/>
+          <p:nvPr/>
         </p:nvSpPr>
         <p:spPr>
           <a:xfrm>
-            <a:off x="457200" y="274638"/>
-            <a:ext cx="8229600" cy="1143000"/>
+            <a:off x="0" y="220786"/>
+            <a:ext cx="9144000" cy="228600"/>
+          </a:xfrm>
+          <a:prstGeom prst="rect">
+            <a:avLst/>
+          </a:prstGeom>
+          <a:solidFill>
+            <a:srgbClr val="FFFFFF"/>
+          </a:solidFill>
+          <a:ln>
+            <a:noFill/>
+          </a:ln>
+        </p:spPr>
+        <p:style>
+          <a:lnRef idx="2">
+            <a:schemeClr val="accent1">
+              <a:shade val="50000"/>
+            </a:schemeClr>
+          </a:lnRef>
+          <a:fillRef idx="1">
+            <a:schemeClr val="accent1"/>
+          </a:fillRef>
+          <a:effectRef idx="0">
+            <a:schemeClr val="accent1"/>
+          </a:effectRef>
+          <a:fontRef idx="minor">
+            <a:schemeClr val="lt1"/>
+          </a:fontRef>
+        </p:style>
+        <p:txBody>
+          <a:bodyPr rtlCol="0" anchor="ctr"/>
+          <a:lstStyle/>
+          <a:p>
+            <a:pPr algn="ctr"/>
+            <a:endParaRPr lang="en-US"/>
+          </a:p>
+        </p:txBody>
+      </p:sp>
+      <p:sp>
+        <p:nvSpPr>
+          <p:cNvPr id="2" name="Title Placeholder 1"/>
+          <p:cNvSpPr>
+            <a:spLocks noGrp="1"/>
+          </p:cNvSpPr>
+          <p:nvPr>
+            <p:ph type="title"/>
+          </p:nvPr>
+        </p:nvSpPr>
+        <p:spPr>
+          <a:xfrm>
+            <a:off x="457200" y="533400"/>
+            <a:ext cx="8229600" cy="990600"/>
           </a:xfrm>
           <a:prstGeom prst="rect">
             <a:avLst/>
@@ -3301,10 +3223,10 @@
           <a:lstStyle/>
           <a:p>
             <a:r>
-              <a:rPr lang="en-US" smtClean="0"/>
-              <a:t>Click to edit Master title style</a:t>
-            </a:r>
-            <a:endParaRPr lang="de-CH"/>
+              <a:rPr lang="de-DE" smtClean="0"/>
+              <a:t>Titelmasterformat durch Klicken bearbeiten</a:t>
+            </a:r>
+            <a:endParaRPr lang="en-US" dirty="0"/>
           </a:p>
         </p:txBody>
       </p:sp>
@@ -3321,7 +3243,7 @@
         <p:spPr>
           <a:xfrm>
             <a:off x="457200" y="1600200"/>
-            <a:ext cx="8229600" cy="4525963"/>
+            <a:ext cx="8229600" cy="4876800"/>
           </a:xfrm>
           <a:prstGeom prst="rect">
             <a:avLst/>
@@ -3335,55 +3257,101 @@
           <a:p>
             <a:pPr lvl="0"/>
             <a:r>
-              <a:rPr lang="en-US" smtClean="0"/>
-              <a:t>Click to edit Master text styles</a:t>
+              <a:rPr lang="de-DE" smtClean="0"/>
+              <a:t>Textmasterformat bearbeiten</a:t>
             </a:r>
           </a:p>
           <a:p>
             <a:pPr lvl="1"/>
             <a:r>
-              <a:rPr lang="en-US" smtClean="0"/>
-              <a:t>Second level</a:t>
+              <a:rPr lang="de-DE" smtClean="0"/>
+              <a:t>Zweite Ebene</a:t>
             </a:r>
           </a:p>
           <a:p>
             <a:pPr lvl="2"/>
             <a:r>
-              <a:rPr lang="en-US" smtClean="0"/>
-              <a:t>Third level</a:t>
+              <a:rPr lang="de-DE" smtClean="0"/>
+              <a:t>Dritte Ebene</a:t>
             </a:r>
           </a:p>
           <a:p>
             <a:pPr lvl="3"/>
             <a:r>
-              <a:rPr lang="en-US" smtClean="0"/>
-              <a:t>Fourth level</a:t>
+              <a:rPr lang="de-DE" smtClean="0"/>
+              <a:t>Vierte Ebene</a:t>
             </a:r>
           </a:p>
           <a:p>
             <a:pPr lvl="4"/>
             <a:r>
-              <a:rPr lang="en-US" smtClean="0"/>
-              <a:t>Fifth level</a:t>
-            </a:r>
-            <a:endParaRPr lang="de-CH"/>
-          </a:p>
-        </p:txBody>
-      </p:sp>
-      <p:sp>
-        <p:nvSpPr>
-          <p:cNvPr id="4" name="Date Placeholder 3"/>
-          <p:cNvSpPr>
-            <a:spLocks noGrp="1"/>
-          </p:cNvSpPr>
-          <p:nvPr>
-            <p:ph type="dt" sz="half" idx="2"/>
-          </p:nvPr>
+              <a:rPr lang="de-DE" smtClean="0"/>
+              <a:t>Fünfte Ebene</a:t>
+            </a:r>
+            <a:endParaRPr lang="en-US" dirty="0"/>
+          </a:p>
+        </p:txBody>
+      </p:sp>
+      <p:sp>
+        <p:nvSpPr>
+          <p:cNvPr id="7" name="Rectangle 6"/>
+          <p:cNvSpPr/>
+          <p:nvPr/>
         </p:nvSpPr>
         <p:spPr>
           <a:xfrm>
-            <a:off x="457200" y="6356350"/>
-            <a:ext cx="2133600" cy="365125"/>
+            <a:off x="0" y="0"/>
+            <a:ext cx="9144000" cy="365760"/>
+          </a:xfrm>
+          <a:prstGeom prst="rect">
+            <a:avLst/>
+          </a:prstGeom>
+          <a:solidFill>
+            <a:schemeClr val="accent1"/>
+          </a:solidFill>
+          <a:ln>
+            <a:noFill/>
+          </a:ln>
+        </p:spPr>
+        <p:style>
+          <a:lnRef idx="2">
+            <a:schemeClr val="accent1">
+              <a:shade val="50000"/>
+            </a:schemeClr>
+          </a:lnRef>
+          <a:fillRef idx="1">
+            <a:schemeClr val="accent1"/>
+          </a:fillRef>
+          <a:effectRef idx="0">
+            <a:schemeClr val="accent1"/>
+          </a:effectRef>
+          <a:fontRef idx="minor">
+            <a:schemeClr val="lt1"/>
+          </a:fontRef>
+        </p:style>
+        <p:txBody>
+          <a:bodyPr rtlCol="0" anchor="ctr"/>
+          <a:lstStyle/>
+          <a:p>
+            <a:pPr algn="ctr"/>
+            <a:endParaRPr lang="en-US"/>
+          </a:p>
+        </p:txBody>
+      </p:sp>
+      <p:sp>
+        <p:nvSpPr>
+          <p:cNvPr id="4" name="Date Placeholder 3"/>
+          <p:cNvSpPr>
+            <a:spLocks noGrp="1"/>
+          </p:cNvSpPr>
+          <p:nvPr>
+            <p:ph type="dt" sz="half" idx="2"/>
+          </p:nvPr>
+        </p:nvSpPr>
+        <p:spPr>
+          <a:xfrm>
+            <a:off x="457200" y="18288"/>
+            <a:ext cx="2895600" cy="329184"/>
           </a:xfrm>
           <a:prstGeom prst="rect">
             <a:avLst/>
@@ -3395,9 +3363,7 @@
             <a:lvl1pPr algn="l">
               <a:defRPr sz="1200">
                 <a:solidFill>
-                  <a:schemeClr val="tx1">
-                    <a:tint val="75000"/>
-                  </a:schemeClr>
+                  <a:srgbClr val="FFFFFF"/>
                 </a:solidFill>
               </a:defRPr>
             </a:lvl1pPr>
@@ -3423,8 +3389,8 @@
         </p:nvSpPr>
         <p:spPr>
           <a:xfrm>
-            <a:off x="3124200" y="6356350"/>
-            <a:ext cx="2895600" cy="365125"/>
+            <a:off x="3429000" y="18288"/>
+            <a:ext cx="4114800" cy="329184"/>
           </a:xfrm>
           <a:prstGeom prst="rect">
             <a:avLst/>
@@ -3436,9 +3402,7 @@
             <a:lvl1pPr algn="ctr">
               <a:defRPr sz="1200">
                 <a:solidFill>
-                  <a:schemeClr val="tx1">
-                    <a:tint val="75000"/>
-                  </a:schemeClr>
+                  <a:srgbClr val="FFFFFF"/>
                 </a:solidFill>
               </a:defRPr>
             </a:lvl1pPr>
@@ -3460,8 +3424,8 @@
         </p:nvSpPr>
         <p:spPr>
           <a:xfrm>
-            <a:off x="6553200" y="6356350"/>
-            <a:ext cx="2133600" cy="365125"/>
+            <a:off x="7620000" y="18288"/>
+            <a:ext cx="1066800" cy="329184"/>
           </a:xfrm>
           <a:prstGeom prst="rect">
             <a:avLst/>
@@ -3470,12 +3434,10 @@
         <p:txBody>
           <a:bodyPr vert="horz" lIns="91440" tIns="45720" rIns="91440" bIns="45720" rtlCol="0" anchor="ctr"/>
           <a:lstStyle>
-            <a:lvl1pPr algn="r">
-              <a:defRPr sz="1200">
+            <a:lvl1pPr algn="l">
+              <a:defRPr sz="1400" b="1">
                 <a:solidFill>
-                  <a:schemeClr val="tx1">
-                    <a:tint val="75000"/>
-                  </a:schemeClr>
+                  <a:srgbClr val="FFFFFF"/>
                 </a:solidFill>
               </a:defRPr>
             </a:lvl1pPr>
@@ -3491,37 +3453,32 @@
         </p:txBody>
       </p:sp>
     </p:spTree>
-    <p:extLst>
-      <p:ext uri="{BB962C8B-B14F-4D97-AF65-F5344CB8AC3E}">
-        <p14:creationId xmlns:p14="http://schemas.microsoft.com/office/powerpoint/2010/main" xmlns="" val="360878816"/>
-      </p:ext>
-    </p:extLst>
   </p:cSld>
   <p:clrMap bg1="lt1" tx1="dk1" bg2="lt2" tx2="dk2" accent1="accent1" accent2="accent2" accent3="accent3" accent4="accent4" accent5="accent5" accent6="accent6" hlink="hlink" folHlink="folHlink"/>
   <p:sldLayoutIdLst>
-    <p:sldLayoutId id="2147483649" r:id="rId1"/>
-    <p:sldLayoutId id="2147483650" r:id="rId2"/>
-    <p:sldLayoutId id="2147483651" r:id="rId3"/>
-    <p:sldLayoutId id="2147483652" r:id="rId4"/>
-    <p:sldLayoutId id="2147483653" r:id="rId5"/>
-    <p:sldLayoutId id="2147483654" r:id="rId6"/>
-    <p:sldLayoutId id="2147483655" r:id="rId7"/>
-    <p:sldLayoutId id="2147483656" r:id="rId8"/>
-    <p:sldLayoutId id="2147483657" r:id="rId9"/>
-    <p:sldLayoutId id="2147483658" r:id="rId10"/>
-    <p:sldLayoutId id="2147483659" r:id="rId11"/>
+    <p:sldLayoutId id="2147483745" r:id="rId1"/>
+    <p:sldLayoutId id="2147483746" r:id="rId2"/>
+    <p:sldLayoutId id="2147483747" r:id="rId3"/>
+    <p:sldLayoutId id="2147483748" r:id="rId4"/>
+    <p:sldLayoutId id="2147483749" r:id="rId5"/>
+    <p:sldLayoutId id="2147483750" r:id="rId6"/>
+    <p:sldLayoutId id="2147483751" r:id="rId7"/>
+    <p:sldLayoutId id="2147483752" r:id="rId8"/>
+    <p:sldLayoutId id="2147483753" r:id="rId9"/>
+    <p:sldLayoutId id="2147483754" r:id="rId10"/>
+    <p:sldLayoutId id="2147483755" r:id="rId11"/>
   </p:sldLayoutIdLst>
   <p:hf hdr="0" ftr="0"/>
   <p:txStyles>
     <p:titleStyle>
-      <a:lvl1pPr algn="ctr" defTabSz="914400" rtl="0" eaLnBrk="1" latinLnBrk="0" hangingPunct="1">
+      <a:lvl1pPr algn="l" defTabSz="914400" rtl="0" eaLnBrk="1" latinLnBrk="0" hangingPunct="1">
         <a:spcBef>
           <a:spcPct val="0"/>
         </a:spcBef>
         <a:buNone/>
-        <a:defRPr sz="4400" kern="1200">
+        <a:defRPr sz="4000" kern="1200" spc="-100" baseline="0">
           <a:solidFill>
-            <a:schemeClr val="tx1"/>
+            <a:schemeClr val="tx2"/>
           </a:solidFill>
           <a:latin typeface="+mj-lt"/>
           <a:ea typeface="+mj-ea"/>
@@ -3530,40 +3487,14 @@
       </a:lvl1pPr>
     </p:titleStyle>
     <p:bodyStyle>
-      <a:lvl1pPr marL="342900" indent="-342900" algn="l" defTabSz="914400" rtl="0" eaLnBrk="1" latinLnBrk="0" hangingPunct="1">
+      <a:lvl1pPr marL="182880" indent="-182880" algn="l" defTabSz="914400" rtl="0" eaLnBrk="1" latinLnBrk="0" hangingPunct="1">
         <a:spcBef>
           <a:spcPct val="20000"/>
         </a:spcBef>
-        <a:buFont typeface="Arial" pitchFamily="34" charset="0"/>
-        <a:buChar char="•"/>
-        <a:defRPr sz="3200" kern="1200">
-          <a:solidFill>
-            <a:schemeClr val="tx1"/>
-          </a:solidFill>
-          <a:latin typeface="+mn-lt"/>
-          <a:ea typeface="+mn-ea"/>
-          <a:cs typeface="+mn-cs"/>
-        </a:defRPr>
-      </a:lvl1pPr>
-      <a:lvl2pPr marL="742950" indent="-285750" algn="l" defTabSz="914400" rtl="0" eaLnBrk="1" latinLnBrk="0" hangingPunct="1">
-        <a:spcBef>
-          <a:spcPct val="20000"/>
-        </a:spcBef>
-        <a:buFont typeface="Arial" pitchFamily="34" charset="0"/>
-        <a:buChar char="–"/>
-        <a:defRPr sz="2800" kern="1200">
-          <a:solidFill>
-            <a:schemeClr val="tx1"/>
-          </a:solidFill>
-          <a:latin typeface="+mn-lt"/>
-          <a:ea typeface="+mn-ea"/>
-          <a:cs typeface="+mn-cs"/>
-        </a:defRPr>
-      </a:lvl2pPr>
-      <a:lvl3pPr marL="1143000" indent="-228600" algn="l" defTabSz="914400" rtl="0" eaLnBrk="1" latinLnBrk="0" hangingPunct="1">
-        <a:spcBef>
-          <a:spcPct val="20000"/>
-        </a:spcBef>
+        <a:buClr>
+          <a:schemeClr val="accent1"/>
+        </a:buClr>
+        <a:buSzPct val="85000"/>
         <a:buFont typeface="Arial" pitchFamily="34" charset="0"/>
         <a:buChar char="•"/>
         <a:defRPr sz="2400" kern="1200">
@@ -3574,41 +3505,15 @@
           <a:ea typeface="+mn-ea"/>
           <a:cs typeface="+mn-cs"/>
         </a:defRPr>
-      </a:lvl3pPr>
-      <a:lvl4pPr marL="1600200" indent="-228600" algn="l" defTabSz="914400" rtl="0" eaLnBrk="1" latinLnBrk="0" hangingPunct="1">
+      </a:lvl1pPr>
+      <a:lvl2pPr marL="457200" indent="-182880" algn="l" defTabSz="914400" rtl="0" eaLnBrk="1" latinLnBrk="0" hangingPunct="1">
         <a:spcBef>
           <a:spcPct val="20000"/>
         </a:spcBef>
-        <a:buFont typeface="Arial" pitchFamily="34" charset="0"/>
-        <a:buChar char="–"/>
-        <a:defRPr sz="2000" kern="1200">
-          <a:solidFill>
-            <a:schemeClr val="tx1"/>
-          </a:solidFill>
-          <a:latin typeface="+mn-lt"/>
-          <a:ea typeface="+mn-ea"/>
-          <a:cs typeface="+mn-cs"/>
-        </a:defRPr>
-      </a:lvl4pPr>
-      <a:lvl5pPr marL="2057400" indent="-228600" algn="l" defTabSz="914400" rtl="0" eaLnBrk="1" latinLnBrk="0" hangingPunct="1">
-        <a:spcBef>
-          <a:spcPct val="20000"/>
-        </a:spcBef>
-        <a:buFont typeface="Arial" pitchFamily="34" charset="0"/>
-        <a:buChar char="»"/>
-        <a:defRPr sz="2000" kern="1200">
-          <a:solidFill>
-            <a:schemeClr val="tx1"/>
-          </a:solidFill>
-          <a:latin typeface="+mn-lt"/>
-          <a:ea typeface="+mn-ea"/>
-          <a:cs typeface="+mn-cs"/>
-        </a:defRPr>
-      </a:lvl5pPr>
-      <a:lvl6pPr marL="2514600" indent="-228600" algn="l" defTabSz="914400" rtl="0" eaLnBrk="1" latinLnBrk="0" hangingPunct="1">
-        <a:spcBef>
-          <a:spcPct val="20000"/>
-        </a:spcBef>
+        <a:buClr>
+          <a:schemeClr val="accent1"/>
+        </a:buClr>
+        <a:buSzPct val="85000"/>
         <a:buFont typeface="Arial" pitchFamily="34" charset="0"/>
         <a:buChar char="•"/>
         <a:defRPr sz="2000" kern="1200">
@@ -3619,14 +3524,91 @@
           <a:ea typeface="+mn-ea"/>
           <a:cs typeface="+mn-cs"/>
         </a:defRPr>
-      </a:lvl6pPr>
-      <a:lvl7pPr marL="2971800" indent="-228600" algn="l" defTabSz="914400" rtl="0" eaLnBrk="1" latinLnBrk="0" hangingPunct="1">
+      </a:lvl2pPr>
+      <a:lvl3pPr marL="731520" indent="-182880" algn="l" defTabSz="914400" rtl="0" eaLnBrk="1" latinLnBrk="0" hangingPunct="1">
         <a:spcBef>
           <a:spcPct val="20000"/>
         </a:spcBef>
+        <a:buClr>
+          <a:schemeClr val="accent1"/>
+        </a:buClr>
+        <a:buSzPct val="90000"/>
         <a:buFont typeface="Arial" pitchFamily="34" charset="0"/>
         <a:buChar char="•"/>
-        <a:defRPr sz="2000" kern="1200">
+        <a:defRPr sz="1800" kern="1200">
+          <a:solidFill>
+            <a:schemeClr val="tx1"/>
+          </a:solidFill>
+          <a:latin typeface="+mn-lt"/>
+          <a:ea typeface="+mn-ea"/>
+          <a:cs typeface="+mn-cs"/>
+        </a:defRPr>
+      </a:lvl3pPr>
+      <a:lvl4pPr marL="1005840" indent="-182880" algn="l" defTabSz="914400" rtl="0" eaLnBrk="1" latinLnBrk="0" hangingPunct="1">
+        <a:spcBef>
+          <a:spcPct val="20000"/>
+        </a:spcBef>
+        <a:buClr>
+          <a:schemeClr val="accent1"/>
+        </a:buClr>
+        <a:buFont typeface="Arial" pitchFamily="34" charset="0"/>
+        <a:buChar char="•"/>
+        <a:defRPr sz="1600" kern="1200">
+          <a:solidFill>
+            <a:schemeClr val="tx1"/>
+          </a:solidFill>
+          <a:latin typeface="+mn-lt"/>
+          <a:ea typeface="+mn-ea"/>
+          <a:cs typeface="+mn-cs"/>
+        </a:defRPr>
+      </a:lvl4pPr>
+      <a:lvl5pPr marL="1188720" indent="-137160" algn="l" defTabSz="914400" rtl="0" eaLnBrk="1" latinLnBrk="0" hangingPunct="1">
+        <a:spcBef>
+          <a:spcPct val="20000"/>
+        </a:spcBef>
+        <a:buClr>
+          <a:schemeClr val="accent1"/>
+        </a:buClr>
+        <a:buSzPct val="100000"/>
+        <a:buFont typeface="Arial" pitchFamily="34" charset="0"/>
+        <a:buChar char="•"/>
+        <a:defRPr sz="1400" kern="1200" baseline="0">
+          <a:solidFill>
+            <a:schemeClr val="tx1"/>
+          </a:solidFill>
+          <a:latin typeface="+mn-lt"/>
+          <a:ea typeface="+mn-ea"/>
+          <a:cs typeface="+mn-cs"/>
+        </a:defRPr>
+      </a:lvl5pPr>
+      <a:lvl6pPr marL="1371600" indent="-182880" algn="l" defTabSz="914400" rtl="0" eaLnBrk="1" latinLnBrk="0" hangingPunct="1">
+        <a:spcBef>
+          <a:spcPct val="20000"/>
+        </a:spcBef>
+        <a:buClr>
+          <a:schemeClr val="accent1"/>
+        </a:buClr>
+        <a:buFont typeface="Arial" pitchFamily="34" charset="0"/>
+        <a:buChar char="•"/>
+        <a:defRPr sz="1300" kern="1200">
+          <a:solidFill>
+            <a:schemeClr val="tx1"/>
+          </a:solidFill>
+          <a:latin typeface="+mn-lt"/>
+          <a:ea typeface="+mn-ea"/>
+          <a:cs typeface="+mn-cs"/>
+        </a:defRPr>
+      </a:lvl6pPr>
+      <a:lvl7pPr marL="1554480" indent="-182880" algn="l" defTabSz="914400" rtl="0" eaLnBrk="1" latinLnBrk="0" hangingPunct="1">
+        <a:spcBef>
+          <a:spcPct val="20000"/>
+        </a:spcBef>
+        <a:buClr>
+          <a:schemeClr val="accent1"/>
+        </a:buClr>
+        <a:buFont typeface="Arial" pitchFamily="34" charset="0"/>
+        <a:buChar char="•"/>
+        <a:defRPr sz="1300" kern="1200">
           <a:solidFill>
             <a:schemeClr val="tx1"/>
           </a:solidFill>
@@ -3635,13 +3617,16 @@
           <a:cs typeface="+mn-cs"/>
         </a:defRPr>
       </a:lvl7pPr>
-      <a:lvl8pPr marL="3429000" indent="-228600" algn="l" defTabSz="914400" rtl="0" eaLnBrk="1" latinLnBrk="0" hangingPunct="1">
+      <a:lvl8pPr marL="1737360" indent="-182880" algn="l" defTabSz="914400" rtl="0" eaLnBrk="1" latinLnBrk="0" hangingPunct="1">
         <a:spcBef>
           <a:spcPct val="20000"/>
         </a:spcBef>
+        <a:buClr>
+          <a:schemeClr val="accent1"/>
+        </a:buClr>
         <a:buFont typeface="Arial" pitchFamily="34" charset="0"/>
         <a:buChar char="•"/>
-        <a:defRPr sz="2000" kern="1200">
+        <a:defRPr sz="1300" kern="1200">
           <a:solidFill>
             <a:schemeClr val="tx1"/>
           </a:solidFill>
@@ -3650,13 +3635,16 @@
           <a:cs typeface="+mn-cs"/>
         </a:defRPr>
       </a:lvl8pPr>
-      <a:lvl9pPr marL="3886200" indent="-228600" algn="l" defTabSz="914400" rtl="0" eaLnBrk="1" latinLnBrk="0" hangingPunct="1">
+      <a:lvl9pPr marL="1920240" indent="-182880" algn="l" defTabSz="914400" rtl="0" eaLnBrk="1" latinLnBrk="0" hangingPunct="1">
         <a:spcBef>
           <a:spcPct val="20000"/>
         </a:spcBef>
+        <a:buClr>
+          <a:schemeClr val="accent1"/>
+        </a:buClr>
         <a:buFont typeface="Arial" pitchFamily="34" charset="0"/>
         <a:buChar char="•"/>
-        <a:defRPr sz="2000" kern="1200">
+        <a:defRPr sz="1300" kern="1200">
           <a:solidFill>
             <a:schemeClr val="tx1"/>
           </a:solidFill>
@@ -3668,7 +3656,7 @@
     </p:bodyStyle>
     <p:otherStyle>
       <a:defPPr>
-        <a:defRPr lang="de-DE"/>
+        <a:defRPr lang="en-US"/>
       </a:defPPr>
       <a:lvl1pPr marL="0" algn="l" defTabSz="914400" rtl="0" eaLnBrk="1" latinLnBrk="0" hangingPunct="1">
         <a:defRPr sz="1800" kern="1200">
@@ -3794,37 +3782,27 @@
         </p:nvSpPr>
         <p:spPr/>
         <p:txBody>
-          <a:bodyPr/>
-          <a:lstStyle/>
-          <a:p>
-            <a:r>
-              <a:rPr lang="de-CH" dirty="0" smtClean="0"/>
-              <a:t>Präsentation </a:t>
-            </a:r>
-            <a:r>
-              <a:rPr lang="de-CH" dirty="0" smtClean="0"/>
-              <a:t>CS1 </a:t>
-            </a:r>
-            <a:r>
-              <a:rPr lang="de-CH" dirty="0" smtClean="0"/>
-              <a:t>Task </a:t>
-            </a:r>
-            <a:r>
-              <a:rPr lang="de-CH" dirty="0" smtClean="0"/>
-              <a:t>3</a:t>
+          <a:bodyPr>
+            <a:noAutofit/>
+          </a:bodyPr>
+          <a:lstStyle/>
+          <a:p>
+            <a:r>
+              <a:rPr lang="de-CH" sz="4400" dirty="0" smtClean="0"/>
+              <a:t>Präsentation CS1 Task 3</a:t>
             </a:r>
             <a:br>
-              <a:rPr lang="de-CH" dirty="0" smtClean="0"/>
+              <a:rPr lang="de-CH" sz="4400" dirty="0" smtClean="0"/>
             </a:br>
             <a:r>
-              <a:rPr lang="de-CH" dirty="0" smtClean="0"/>
+              <a:rPr lang="de-CH" sz="4400" dirty="0" smtClean="0"/>
               <a:t>Design </a:t>
             </a:r>
             <a:r>
-              <a:rPr lang="de-CH" dirty="0" err="1" smtClean="0"/>
+              <a:rPr lang="de-CH" sz="4400" dirty="0" err="1" smtClean="0"/>
               <a:t>Thinking</a:t>
             </a:r>
-            <a:endParaRPr lang="de-CH" dirty="0"/>
+            <a:endParaRPr lang="de-CH" sz="4400" dirty="0"/>
           </a:p>
         </p:txBody>
       </p:sp>
@@ -3840,7 +3818,9 @@
         </p:nvSpPr>
         <p:spPr/>
         <p:txBody>
-          <a:bodyPr/>
+          <a:bodyPr>
+            <a:normAutofit/>
+          </a:bodyPr>
           <a:lstStyle/>
           <a:p>
             <a:r>
@@ -3851,20 +3831,15 @@
           <a:p>
             <a:r>
               <a:rPr lang="de-CH" dirty="0" smtClean="0"/>
-              <a:t>20</a:t>
-            </a:r>
-            <a:r>
-              <a:rPr lang="de-CH" dirty="0" smtClean="0"/>
-              <a:t>.03.2013</a:t>
-            </a:r>
-            <a:endParaRPr lang="de-CH" dirty="0" smtClean="0"/>
+              <a:t>20.03.2013</a:t>
+            </a:r>
           </a:p>
         </p:txBody>
       </p:sp>
     </p:spTree>
     <p:extLst>
       <p:ext uri="{BB962C8B-B14F-4D97-AF65-F5344CB8AC3E}">
-        <p14:creationId xmlns:p14="http://schemas.microsoft.com/office/powerpoint/2010/main" xmlns="" val="1499253576"/>
+        <p14:creationId xmlns:p14="http://schemas.microsoft.com/office/powerpoint/2010/main" val="1499253576"/>
       </p:ext>
     </p:extLst>
   </p:cSld>
@@ -3878,6 +3853,651 @@
       </p:par>
     </p:tnLst>
   </p:timing>
+</p:sld>
+</file>
+
+<file path=ppt/slides/slide10.xml><?xml version="1.0" encoding="utf-8"?>
+<p:sld xmlns:a="http://schemas.openxmlformats.org/drawingml/2006/main" xmlns:r="http://schemas.openxmlformats.org/officeDocument/2006/relationships" xmlns:p="http://schemas.openxmlformats.org/presentationml/2006/main">
+  <p:cSld>
+    <p:spTree>
+      <p:nvGrpSpPr>
+        <p:cNvPr id="1" name=""/>
+        <p:cNvGrpSpPr/>
+        <p:nvPr/>
+      </p:nvGrpSpPr>
+      <p:grpSpPr>
+        <a:xfrm>
+          <a:off x="0" y="0"/>
+          <a:ext cx="0" cy="0"/>
+          <a:chOff x="0" y="0"/>
+          <a:chExt cx="0" cy="0"/>
+        </a:xfrm>
+      </p:grpSpPr>
+      <p:sp>
+        <p:nvSpPr>
+          <p:cNvPr id="4" name="Datumsplatzhalter 3"/>
+          <p:cNvSpPr>
+            <a:spLocks noGrp="1"/>
+          </p:cNvSpPr>
+          <p:nvPr>
+            <p:ph type="dt" sz="half" idx="10"/>
+          </p:nvPr>
+        </p:nvSpPr>
+        <p:spPr/>
+        <p:txBody>
+          <a:bodyPr/>
+          <a:lstStyle/>
+          <a:p>
+            <a:r>
+              <a:rPr lang="de-CH" smtClean="0"/>
+              <a:t>20.03.2013</a:t>
+            </a:r>
+            <a:endParaRPr lang="de-CH"/>
+          </a:p>
+        </p:txBody>
+      </p:sp>
+      <p:sp>
+        <p:nvSpPr>
+          <p:cNvPr id="5" name="Foliennummernplatzhalter 4"/>
+          <p:cNvSpPr>
+            <a:spLocks noGrp="1"/>
+          </p:cNvSpPr>
+          <p:nvPr>
+            <p:ph type="sldNum" sz="quarter" idx="12"/>
+          </p:nvPr>
+        </p:nvSpPr>
+        <p:spPr/>
+        <p:txBody>
+          <a:bodyPr/>
+          <a:lstStyle/>
+          <a:p>
+            <a:fld id="{66EF974D-2837-4CD3-A9E8-F64F1017B155}" type="slidenum">
+              <a:rPr lang="de-CH" smtClean="0"/>
+              <a:pPr/>
+              <a:t>10</a:t>
+            </a:fld>
+            <a:endParaRPr lang="de-CH"/>
+          </a:p>
+        </p:txBody>
+      </p:sp>
+      <p:pic>
+        <p:nvPicPr>
+          <p:cNvPr id="4098" name="Picture 2" descr="C:\Programming\workspaces\IntelliJ\ch.bfh.bti7081.s2013.yellow\ch.bfh.bti7081.s2013.yellow\doc\cs1_task03\prototype\prototyp002.jpg"/>
+          <p:cNvPicPr>
+            <a:picLocks noChangeAspect="1" noChangeArrowheads="1"/>
+          </p:cNvPicPr>
+          <p:nvPr/>
+        </p:nvPicPr>
+        <p:blipFill rotWithShape="1">
+          <a:blip r:embed="rId2" cstate="print">
+            <a:extLst>
+              <a:ext uri="{28A0092B-C50C-407E-A947-70E740481C1C}">
+                <a14:useLocalDpi xmlns:a14="http://schemas.microsoft.com/office/drawing/2010/main" val="0"/>
+              </a:ext>
+            </a:extLst>
+          </a:blip>
+          <a:srcRect l="12210" t="1412" r="8507" b="24847"/>
+          <a:stretch/>
+        </p:blipFill>
+        <p:spPr bwMode="auto">
+          <a:xfrm>
+            <a:off x="971600" y="1412776"/>
+            <a:ext cx="7162799" cy="4711700"/>
+          </a:xfrm>
+          <a:prstGeom prst="rect">
+            <a:avLst/>
+          </a:prstGeom>
+          <a:noFill/>
+          <a:extLst>
+            <a:ext uri="{909E8E84-426E-40DD-AFC4-6F175D3DCCD1}">
+              <a14:hiddenFill xmlns:a14="http://schemas.microsoft.com/office/drawing/2010/main">
+                <a:solidFill>
+                  <a:srgbClr val="FFFFFF"/>
+                </a:solidFill>
+              </a14:hiddenFill>
+            </a:ext>
+          </a:extLst>
+        </p:spPr>
+      </p:pic>
+      <p:sp>
+        <p:nvSpPr>
+          <p:cNvPr id="2" name="Titel 1"/>
+          <p:cNvSpPr>
+            <a:spLocks noGrp="1"/>
+          </p:cNvSpPr>
+          <p:nvPr>
+            <p:ph type="title"/>
+          </p:nvPr>
+        </p:nvSpPr>
+        <p:spPr/>
+        <p:txBody>
+          <a:bodyPr/>
+          <a:lstStyle/>
+          <a:p>
+            <a:r>
+              <a:rPr lang="de-CH" dirty="0" smtClean="0"/>
+              <a:t>Prototype</a:t>
+            </a:r>
+            <a:endParaRPr lang="de-CH" dirty="0"/>
+          </a:p>
+        </p:txBody>
+      </p:sp>
+    </p:spTree>
+    <p:extLst>
+      <p:ext uri="{BB962C8B-B14F-4D97-AF65-F5344CB8AC3E}">
+        <p14:creationId xmlns:p14="http://schemas.microsoft.com/office/powerpoint/2010/main" val="1520478336"/>
+      </p:ext>
+    </p:extLst>
+  </p:cSld>
+  <p:clrMapOvr>
+    <a:masterClrMapping/>
+  </p:clrMapOvr>
+</p:sld>
+</file>
+
+<file path=ppt/slides/slide11.xml><?xml version="1.0" encoding="utf-8"?>
+<p:sld xmlns:a="http://schemas.openxmlformats.org/drawingml/2006/main" xmlns:r="http://schemas.openxmlformats.org/officeDocument/2006/relationships" xmlns:p="http://schemas.openxmlformats.org/presentationml/2006/main">
+  <p:cSld>
+    <p:spTree>
+      <p:nvGrpSpPr>
+        <p:cNvPr id="1" name=""/>
+        <p:cNvGrpSpPr/>
+        <p:nvPr/>
+      </p:nvGrpSpPr>
+      <p:grpSpPr>
+        <a:xfrm>
+          <a:off x="0" y="0"/>
+          <a:ext cx="0" cy="0"/>
+          <a:chOff x="0" y="0"/>
+          <a:chExt cx="0" cy="0"/>
+        </a:xfrm>
+      </p:grpSpPr>
+      <p:pic>
+        <p:nvPicPr>
+          <p:cNvPr id="5122" name="Picture 2" descr="C:\Programming\workspaces\IntelliJ\ch.bfh.bti7081.s2013.yellow\ch.bfh.bti7081.s2013.yellow\doc\cs1_task03\prototype\prototyp003.jpg"/>
+          <p:cNvPicPr>
+            <a:picLocks noChangeAspect="1" noChangeArrowheads="1"/>
+          </p:cNvPicPr>
+          <p:nvPr/>
+        </p:nvPicPr>
+        <p:blipFill rotWithShape="1">
+          <a:blip r:embed="rId2">
+            <a:extLst>
+              <a:ext uri="{28A0092B-C50C-407E-A947-70E740481C1C}">
+                <a14:useLocalDpi xmlns:a14="http://schemas.microsoft.com/office/drawing/2010/main" val="0"/>
+              </a:ext>
+            </a:extLst>
+          </a:blip>
+          <a:srcRect l="3605" r="7427"/>
+          <a:stretch/>
+        </p:blipFill>
+        <p:spPr bwMode="auto">
+          <a:xfrm>
+            <a:off x="971600" y="1126118"/>
+            <a:ext cx="7246961" cy="5759266"/>
+          </a:xfrm>
+          <a:prstGeom prst="rect">
+            <a:avLst/>
+          </a:prstGeom>
+          <a:noFill/>
+          <a:extLst>
+            <a:ext uri="{909E8E84-426E-40DD-AFC4-6F175D3DCCD1}">
+              <a14:hiddenFill xmlns:a14="http://schemas.microsoft.com/office/drawing/2010/main">
+                <a:solidFill>
+                  <a:srgbClr val="FFFFFF"/>
+                </a:solidFill>
+              </a14:hiddenFill>
+            </a:ext>
+          </a:extLst>
+        </p:spPr>
+      </p:pic>
+      <p:sp>
+        <p:nvSpPr>
+          <p:cNvPr id="4" name="Datumsplatzhalter 3"/>
+          <p:cNvSpPr>
+            <a:spLocks noGrp="1"/>
+          </p:cNvSpPr>
+          <p:nvPr>
+            <p:ph type="dt" sz="half" idx="10"/>
+          </p:nvPr>
+        </p:nvSpPr>
+        <p:spPr/>
+        <p:txBody>
+          <a:bodyPr/>
+          <a:lstStyle/>
+          <a:p>
+            <a:r>
+              <a:rPr lang="de-CH" smtClean="0"/>
+              <a:t>20.03.2013</a:t>
+            </a:r>
+            <a:endParaRPr lang="de-CH"/>
+          </a:p>
+        </p:txBody>
+      </p:sp>
+      <p:sp>
+        <p:nvSpPr>
+          <p:cNvPr id="5" name="Foliennummernplatzhalter 4"/>
+          <p:cNvSpPr>
+            <a:spLocks noGrp="1"/>
+          </p:cNvSpPr>
+          <p:nvPr>
+            <p:ph type="sldNum" sz="quarter" idx="12"/>
+          </p:nvPr>
+        </p:nvSpPr>
+        <p:spPr/>
+        <p:txBody>
+          <a:bodyPr/>
+          <a:lstStyle/>
+          <a:p>
+            <a:fld id="{66EF974D-2837-4CD3-A9E8-F64F1017B155}" type="slidenum">
+              <a:rPr lang="de-CH" smtClean="0"/>
+              <a:pPr/>
+              <a:t>11</a:t>
+            </a:fld>
+            <a:endParaRPr lang="de-CH"/>
+          </a:p>
+        </p:txBody>
+      </p:sp>
+      <p:sp>
+        <p:nvSpPr>
+          <p:cNvPr id="3" name="Rechteck 2"/>
+          <p:cNvSpPr/>
+          <p:nvPr/>
+        </p:nvSpPr>
+        <p:spPr>
+          <a:xfrm>
+            <a:off x="467544" y="836712"/>
+            <a:ext cx="2232248" cy="576064"/>
+          </a:xfrm>
+          <a:prstGeom prst="rect">
+            <a:avLst/>
+          </a:prstGeom>
+          <a:solidFill>
+            <a:schemeClr val="bg1"/>
+          </a:solidFill>
+          <a:ln>
+            <a:noFill/>
+          </a:ln>
+        </p:spPr>
+        <p:style>
+          <a:lnRef idx="2">
+            <a:schemeClr val="accent1">
+              <a:shade val="50000"/>
+            </a:schemeClr>
+          </a:lnRef>
+          <a:fillRef idx="1">
+            <a:schemeClr val="accent1"/>
+          </a:fillRef>
+          <a:effectRef idx="0">
+            <a:schemeClr val="accent1"/>
+          </a:effectRef>
+          <a:fontRef idx="minor">
+            <a:schemeClr val="lt1"/>
+          </a:fontRef>
+        </p:style>
+        <p:txBody>
+          <a:bodyPr rtlCol="0" anchor="ctr"/>
+          <a:lstStyle/>
+          <a:p>
+            <a:pPr algn="ctr"/>
+            <a:endParaRPr lang="de-CH"/>
+          </a:p>
+        </p:txBody>
+      </p:sp>
+      <p:sp>
+        <p:nvSpPr>
+          <p:cNvPr id="2" name="Titel 1"/>
+          <p:cNvSpPr>
+            <a:spLocks noGrp="1"/>
+          </p:cNvSpPr>
+          <p:nvPr>
+            <p:ph type="title"/>
+          </p:nvPr>
+        </p:nvSpPr>
+        <p:spPr/>
+        <p:txBody>
+          <a:bodyPr/>
+          <a:lstStyle/>
+          <a:p>
+            <a:r>
+              <a:rPr lang="de-CH" dirty="0" smtClean="0"/>
+              <a:t>Prototype</a:t>
+            </a:r>
+            <a:endParaRPr lang="de-CH" dirty="0"/>
+          </a:p>
+        </p:txBody>
+      </p:sp>
+    </p:spTree>
+    <p:extLst>
+      <p:ext uri="{BB962C8B-B14F-4D97-AF65-F5344CB8AC3E}">
+        <p14:creationId xmlns:p14="http://schemas.microsoft.com/office/powerpoint/2010/main" val="1520478336"/>
+      </p:ext>
+    </p:extLst>
+  </p:cSld>
+  <p:clrMapOvr>
+    <a:masterClrMapping/>
+  </p:clrMapOvr>
+  <p:timing>
+    <p:tnLst>
+      <p:par>
+        <p:cTn id="1" dur="indefinite" restart="never" nodeType="tmRoot"/>
+      </p:par>
+    </p:tnLst>
+  </p:timing>
+</p:sld>
+</file>
+
+<file path=ppt/slides/slide12.xml><?xml version="1.0" encoding="utf-8"?>
+<p:sld xmlns:a="http://schemas.openxmlformats.org/drawingml/2006/main" xmlns:r="http://schemas.openxmlformats.org/officeDocument/2006/relationships" xmlns:p="http://schemas.openxmlformats.org/presentationml/2006/main">
+  <p:cSld>
+    <p:spTree>
+      <p:nvGrpSpPr>
+        <p:cNvPr id="1" name=""/>
+        <p:cNvGrpSpPr/>
+        <p:nvPr/>
+      </p:nvGrpSpPr>
+      <p:grpSpPr>
+        <a:xfrm>
+          <a:off x="0" y="0"/>
+          <a:ext cx="0" cy="0"/>
+          <a:chOff x="0" y="0"/>
+          <a:chExt cx="0" cy="0"/>
+        </a:xfrm>
+      </p:grpSpPr>
+      <p:sp>
+        <p:nvSpPr>
+          <p:cNvPr id="2" name="Titel 1"/>
+          <p:cNvSpPr>
+            <a:spLocks noGrp="1"/>
+          </p:cNvSpPr>
+          <p:nvPr>
+            <p:ph type="title"/>
+          </p:nvPr>
+        </p:nvSpPr>
+        <p:spPr/>
+        <p:txBody>
+          <a:bodyPr/>
+          <a:lstStyle/>
+          <a:p>
+            <a:r>
+              <a:rPr lang="de-CH" dirty="0" smtClean="0"/>
+              <a:t>Prototype</a:t>
+            </a:r>
+            <a:endParaRPr lang="de-CH" dirty="0"/>
+          </a:p>
+        </p:txBody>
+      </p:sp>
+      <p:sp>
+        <p:nvSpPr>
+          <p:cNvPr id="4" name="Datumsplatzhalter 3"/>
+          <p:cNvSpPr>
+            <a:spLocks noGrp="1"/>
+          </p:cNvSpPr>
+          <p:nvPr>
+            <p:ph type="dt" sz="half" idx="10"/>
+          </p:nvPr>
+        </p:nvSpPr>
+        <p:spPr/>
+        <p:txBody>
+          <a:bodyPr/>
+          <a:lstStyle/>
+          <a:p>
+            <a:r>
+              <a:rPr lang="de-CH" smtClean="0"/>
+              <a:t>20.03.2013</a:t>
+            </a:r>
+            <a:endParaRPr lang="de-CH"/>
+          </a:p>
+        </p:txBody>
+      </p:sp>
+      <p:sp>
+        <p:nvSpPr>
+          <p:cNvPr id="5" name="Foliennummernplatzhalter 4"/>
+          <p:cNvSpPr>
+            <a:spLocks noGrp="1"/>
+          </p:cNvSpPr>
+          <p:nvPr>
+            <p:ph type="sldNum" sz="quarter" idx="12"/>
+          </p:nvPr>
+        </p:nvSpPr>
+        <p:spPr/>
+        <p:txBody>
+          <a:bodyPr/>
+          <a:lstStyle/>
+          <a:p>
+            <a:fld id="{66EF974D-2837-4CD3-A9E8-F64F1017B155}" type="slidenum">
+              <a:rPr lang="de-CH" smtClean="0"/>
+              <a:pPr/>
+              <a:t>12</a:t>
+            </a:fld>
+            <a:endParaRPr lang="de-CH"/>
+          </a:p>
+        </p:txBody>
+      </p:sp>
+      <p:pic>
+        <p:nvPicPr>
+          <p:cNvPr id="6146" name="Picture 2" descr="C:\Programming\workspaces\IntelliJ\ch.bfh.bti7081.s2013.yellow\ch.bfh.bti7081.s2013.yellow\doc\cs1_task03\prototype\prototyp004.jpg"/>
+          <p:cNvPicPr>
+            <a:picLocks noChangeAspect="1" noChangeArrowheads="1"/>
+          </p:cNvPicPr>
+          <p:nvPr/>
+        </p:nvPicPr>
+        <p:blipFill rotWithShape="1">
+          <a:blip r:embed="rId2">
+            <a:extLst>
+              <a:ext uri="{28A0092B-C50C-407E-A947-70E740481C1C}">
+                <a14:useLocalDpi xmlns:a14="http://schemas.microsoft.com/office/drawing/2010/main" val="0"/>
+              </a:ext>
+            </a:extLst>
+          </a:blip>
+          <a:srcRect t="6321" b="18921"/>
+          <a:stretch/>
+        </p:blipFill>
+        <p:spPr bwMode="auto">
+          <a:xfrm>
+            <a:off x="107504" y="1499303"/>
+            <a:ext cx="8963620" cy="4738009"/>
+          </a:xfrm>
+          <a:prstGeom prst="rect">
+            <a:avLst/>
+          </a:prstGeom>
+          <a:noFill/>
+          <a:extLst>
+            <a:ext uri="{909E8E84-426E-40DD-AFC4-6F175D3DCCD1}">
+              <a14:hiddenFill xmlns:a14="http://schemas.microsoft.com/office/drawing/2010/main">
+                <a:solidFill>
+                  <a:srgbClr val="FFFFFF"/>
+                </a:solidFill>
+              </a14:hiddenFill>
+            </a:ext>
+          </a:extLst>
+        </p:spPr>
+      </p:pic>
+    </p:spTree>
+    <p:extLst>
+      <p:ext uri="{BB962C8B-B14F-4D97-AF65-F5344CB8AC3E}">
+        <p14:creationId xmlns:p14="http://schemas.microsoft.com/office/powerpoint/2010/main" val="3761384821"/>
+      </p:ext>
+    </p:extLst>
+  </p:cSld>
+  <p:clrMapOvr>
+    <a:masterClrMapping/>
+  </p:clrMapOvr>
+</p:sld>
+</file>
+
+<file path=ppt/slides/slide13.xml><?xml version="1.0" encoding="utf-8"?>
+<p:sld xmlns:a="http://schemas.openxmlformats.org/drawingml/2006/main" xmlns:r="http://schemas.openxmlformats.org/officeDocument/2006/relationships" xmlns:p="http://schemas.openxmlformats.org/presentationml/2006/main">
+  <p:cSld>
+    <p:spTree>
+      <p:nvGrpSpPr>
+        <p:cNvPr id="1" name=""/>
+        <p:cNvGrpSpPr/>
+        <p:nvPr/>
+      </p:nvGrpSpPr>
+      <p:grpSpPr>
+        <a:xfrm>
+          <a:off x="0" y="0"/>
+          <a:ext cx="0" cy="0"/>
+          <a:chOff x="0" y="0"/>
+          <a:chExt cx="0" cy="0"/>
+        </a:xfrm>
+      </p:grpSpPr>
+      <p:sp>
+        <p:nvSpPr>
+          <p:cNvPr id="2" name="Titel 1"/>
+          <p:cNvSpPr>
+            <a:spLocks noGrp="1"/>
+          </p:cNvSpPr>
+          <p:nvPr>
+            <p:ph type="title"/>
+          </p:nvPr>
+        </p:nvSpPr>
+        <p:spPr/>
+        <p:txBody>
+          <a:bodyPr/>
+          <a:lstStyle/>
+          <a:p>
+            <a:r>
+              <a:rPr lang="de-CH" dirty="0" err="1" smtClean="0"/>
+              <a:t>Validate</a:t>
+            </a:r>
+            <a:endParaRPr lang="de-CH" dirty="0"/>
+          </a:p>
+        </p:txBody>
+      </p:sp>
+      <p:sp>
+        <p:nvSpPr>
+          <p:cNvPr id="3" name="Inhaltsplatzhalter 2"/>
+          <p:cNvSpPr>
+            <a:spLocks noGrp="1"/>
+          </p:cNvSpPr>
+          <p:nvPr>
+            <p:ph idx="1"/>
+          </p:nvPr>
+        </p:nvSpPr>
+        <p:spPr/>
+        <p:txBody>
+          <a:bodyPr/>
+          <a:lstStyle/>
+          <a:p>
+            <a:r>
+              <a:rPr lang="de-CH" dirty="0"/>
+              <a:t>Anzahl Medikamente beim </a:t>
+            </a:r>
+            <a:r>
+              <a:rPr lang="de-CH" dirty="0" err="1" smtClean="0"/>
+              <a:t>Abscannen</a:t>
+            </a:r>
+            <a:endParaRPr lang="de-CH" dirty="0" smtClean="0"/>
+          </a:p>
+          <a:p>
+            <a:r>
+              <a:rPr lang="de-CH" dirty="0" err="1"/>
+              <a:t>Autocompletion</a:t>
+            </a:r>
+            <a:r>
+              <a:rPr lang="de-CH" dirty="0"/>
+              <a:t> bei Erfassung des Medikamentes</a:t>
+            </a:r>
+            <a:r>
+              <a:rPr lang="de-CH" dirty="0" smtClean="0"/>
+              <a:t>	</a:t>
+            </a:r>
+            <a:endParaRPr lang="de-CH" dirty="0" smtClean="0"/>
+          </a:p>
+          <a:p>
+            <a:r>
+              <a:rPr lang="de-CH" dirty="0"/>
+              <a:t>Due </a:t>
+            </a:r>
+            <a:r>
+              <a:rPr lang="de-CH" dirty="0" err="1"/>
+              <a:t>date</a:t>
+            </a:r>
+            <a:r>
+              <a:rPr lang="de-CH" dirty="0"/>
+              <a:t> der </a:t>
+            </a:r>
+            <a:r>
+              <a:rPr lang="de-CH" dirty="0" smtClean="0"/>
+              <a:t>Bestellung</a:t>
+            </a:r>
+          </a:p>
+          <a:p>
+            <a:r>
+              <a:rPr lang="de-CH" dirty="0"/>
+              <a:t>Welche Person hat bestellt</a:t>
+            </a:r>
+            <a:r>
+              <a:rPr lang="de-CH" dirty="0" smtClean="0"/>
+              <a:t>?</a:t>
+            </a:r>
+          </a:p>
+          <a:p>
+            <a:r>
+              <a:rPr lang="de-CH" dirty="0"/>
+              <a:t>PA muss Bestellung editieren können</a:t>
+            </a:r>
+            <a:endParaRPr lang="de-CH" dirty="0" smtClean="0"/>
+          </a:p>
+          <a:p>
+            <a:endParaRPr lang="de-CH" dirty="0"/>
+          </a:p>
+        </p:txBody>
+      </p:sp>
+      <p:sp>
+        <p:nvSpPr>
+          <p:cNvPr id="4" name="Datumsplatzhalter 3"/>
+          <p:cNvSpPr>
+            <a:spLocks noGrp="1"/>
+          </p:cNvSpPr>
+          <p:nvPr>
+            <p:ph type="dt" sz="half" idx="10"/>
+          </p:nvPr>
+        </p:nvSpPr>
+        <p:spPr/>
+        <p:txBody>
+          <a:bodyPr/>
+          <a:lstStyle/>
+          <a:p>
+            <a:r>
+              <a:rPr lang="de-CH" smtClean="0"/>
+              <a:t>20.03.2013</a:t>
+            </a:r>
+            <a:endParaRPr lang="de-CH"/>
+          </a:p>
+        </p:txBody>
+      </p:sp>
+      <p:sp>
+        <p:nvSpPr>
+          <p:cNvPr id="5" name="Foliennummernplatzhalter 4"/>
+          <p:cNvSpPr>
+            <a:spLocks noGrp="1"/>
+          </p:cNvSpPr>
+          <p:nvPr>
+            <p:ph type="sldNum" sz="quarter" idx="12"/>
+          </p:nvPr>
+        </p:nvSpPr>
+        <p:spPr/>
+        <p:txBody>
+          <a:bodyPr/>
+          <a:lstStyle/>
+          <a:p>
+            <a:fld id="{66EF974D-2837-4CD3-A9E8-F64F1017B155}" type="slidenum">
+              <a:rPr lang="de-CH" smtClean="0"/>
+              <a:pPr/>
+              <a:t>13</a:t>
+            </a:fld>
+            <a:endParaRPr lang="de-CH"/>
+          </a:p>
+        </p:txBody>
+      </p:sp>
+    </p:spTree>
+  </p:cSld>
+  <p:clrMapOvr>
+    <a:masterClrMapping/>
+  </p:clrMapOvr>
 </p:sld>
 </file>
 
@@ -3917,6 +4537,14 @@
               <a:rPr lang="de-CH" dirty="0" err="1" smtClean="0"/>
               <a:t>Scoping</a:t>
             </a:r>
+            <a:r>
+              <a:rPr lang="de-CH" dirty="0" smtClean="0"/>
+              <a:t> - in </a:t>
+            </a:r>
+            <a:r>
+              <a:rPr lang="de-CH" dirty="0" err="1" smtClean="0"/>
+              <a:t>Scope</a:t>
+            </a:r>
             <a:endParaRPr lang="de-CH" dirty="0"/>
           </a:p>
         </p:txBody>
@@ -3938,20 +4566,27 @@
           <a:p>
             <a:r>
               <a:rPr lang="de-CH" dirty="0" smtClean="0"/>
-              <a:t>Grundidee</a:t>
+              <a:t>elektronische Bestellung durch Stationen</a:t>
             </a:r>
           </a:p>
           <a:p>
             <a:r>
               <a:rPr lang="de-CH" dirty="0" smtClean="0"/>
-              <a:t>Probleme &amp; Lösungen</a:t>
+              <a:t>Auftragsstatus</a:t>
             </a:r>
           </a:p>
           <a:p>
             <a:r>
               <a:rPr lang="de-CH" dirty="0" smtClean="0"/>
-              <a:t>Vorbereitungen Research</a:t>
-            </a:r>
+              <a:t>Lagerbestand</a:t>
+            </a:r>
+          </a:p>
+          <a:p>
+            <a:r>
+              <a:rPr lang="de-CH" dirty="0" smtClean="0"/>
+              <a:t>Abholung durch Patient</a:t>
+            </a:r>
+            <a:endParaRPr lang="de-CH" dirty="0" smtClean="0"/>
           </a:p>
           <a:p>
             <a:endParaRPr lang="de-CH" dirty="0"/>
@@ -4046,8 +4681,32 @@
           <a:lstStyle/>
           <a:p>
             <a:r>
+              <a:rPr lang="de-CH" dirty="0" err="1" smtClean="0"/>
+              <a:t>Scoping</a:t>
+            </a:r>
+            <a:r>
+              <a:rPr lang="de-CH" dirty="0"/>
+              <a:t> </a:t>
+            </a:r>
+            <a:r>
               <a:rPr lang="de-CH" dirty="0" smtClean="0"/>
-              <a:t>Research</a:t>
+              <a:t>-</a:t>
+            </a:r>
+            <a:r>
+              <a:rPr lang="de-CH" dirty="0" smtClean="0"/>
+              <a:t> out </a:t>
+            </a:r>
+            <a:r>
+              <a:rPr lang="de-CH" dirty="0" err="1" smtClean="0"/>
+              <a:t>of</a:t>
+            </a:r>
+            <a:r>
+              <a:rPr lang="de-CH" dirty="0" smtClean="0"/>
+              <a:t> </a:t>
+            </a:r>
+            <a:r>
+              <a:rPr lang="de-CH" dirty="0" err="1" smtClean="0"/>
+              <a:t>Scope</a:t>
             </a:r>
             <a:endParaRPr lang="de-CH" dirty="0"/>
           </a:p>
@@ -4070,7 +4729,19 @@
           <a:p>
             <a:r>
               <a:rPr lang="de-CH" dirty="0" smtClean="0"/>
-              <a:t>User: Apotheker</a:t>
+              <a:t>Patientenverwaltung</a:t>
+            </a:r>
+          </a:p>
+          <a:p>
+            <a:r>
+              <a:rPr lang="de-CH" dirty="0" smtClean="0"/>
+              <a:t>Abrechnung</a:t>
+            </a:r>
+          </a:p>
+          <a:p>
+            <a:r>
+              <a:rPr lang="de-CH" dirty="0" smtClean="0"/>
+              <a:t>Abholung durch stationäre Patienten</a:t>
             </a:r>
           </a:p>
           <a:p>
@@ -4126,6 +4797,11 @@
         </p:txBody>
       </p:sp>
     </p:spTree>
+    <p:extLst>
+      <p:ext uri="{BB962C8B-B14F-4D97-AF65-F5344CB8AC3E}">
+        <p14:creationId xmlns:p14="http://schemas.microsoft.com/office/powerpoint/2010/main" val="521887625"/>
+      </p:ext>
+    </p:extLst>
   </p:cSld>
   <p:clrMapOvr>
     <a:masterClrMapping/>
@@ -4167,7 +4843,7 @@
           <a:p>
             <a:r>
               <a:rPr lang="de-CH" dirty="0" smtClean="0"/>
-              <a:t>Research</a:t>
+              <a:t>Research - Interviewrunde #1</a:t>
             </a:r>
             <a:endParaRPr lang="de-CH" dirty="0"/>
           </a:p>
@@ -4188,22 +4864,46 @@
           <a:bodyPr/>
           <a:lstStyle/>
           <a:p>
+            <a:pPr lvl="1"/>
             <a:r>
               <a:rPr lang="de-CH" dirty="0" smtClean="0"/>
-              <a:t>Online Research</a:t>
-            </a:r>
-          </a:p>
-          <a:p>
+              <a:t>Medikamente nur an Ärzte und Schwestern</a:t>
+            </a:r>
+          </a:p>
+          <a:p>
+            <a:pPr lvl="1"/>
             <a:r>
               <a:rPr lang="de-CH" dirty="0" smtClean="0"/>
-              <a:t>Offene Fragen</a:t>
-            </a:r>
-          </a:p>
-          <a:p>
+              <a:t>Rezeptfreie Medikamente auf Station zur Verfügung</a:t>
+            </a:r>
+          </a:p>
+          <a:p>
+            <a:pPr lvl="1"/>
             <a:r>
               <a:rPr lang="de-CH" dirty="0" smtClean="0"/>
-              <a:t>Interview UPD, Inselspital, Spitalzentrum</a:t>
-            </a:r>
+              <a:t>Starke Med. nur gegen Rezept &amp; Unterschrift</a:t>
+            </a:r>
+          </a:p>
+          <a:p>
+            <a:pPr lvl="1"/>
+            <a:r>
+              <a:rPr lang="de-CH" dirty="0" smtClean="0"/>
+              <a:t>Apotheker: Lagerbewirtschaftung &amp; Abgabe an Personal</a:t>
+            </a:r>
+          </a:p>
+          <a:p>
+            <a:pPr lvl="1"/>
+            <a:r>
+              <a:rPr lang="de-CH" dirty="0" smtClean="0"/>
+              <a:t>Keine Studien durch Apotheker</a:t>
+            </a:r>
+          </a:p>
+          <a:p>
+            <a:pPr lvl="1"/>
+            <a:endParaRPr lang="de-CH" dirty="0"/>
+          </a:p>
+          <a:p>
+            <a:endParaRPr lang="de-CH" dirty="0" smtClean="0"/>
           </a:p>
           <a:p>
             <a:endParaRPr lang="de-CH" dirty="0"/>
@@ -4298,8 +4998,12 @@
           <a:lstStyle/>
           <a:p>
             <a:r>
-              <a:rPr lang="de-CH" dirty="0" err="1" smtClean="0"/>
-              <a:t>Synthesize</a:t>
+              <a:rPr lang="de-CH" dirty="0"/>
+              <a:t>Research </a:t>
+            </a:r>
+            <a:r>
+              <a:rPr lang="de-CH" dirty="0" smtClean="0"/>
+              <a:t>- Interviewrunde #2</a:t>
             </a:r>
             <a:endParaRPr lang="de-CH" dirty="0"/>
           </a:p>
@@ -4322,10 +5026,38 @@
           <a:p>
             <a:r>
               <a:rPr lang="de-CH" dirty="0" smtClean="0"/>
-              <a:t>Target User: Simona	</a:t>
-            </a:r>
-          </a:p>
-          <a:p>
+              <a:t>Nicht stationäre Patienten holen Medikamente</a:t>
+            </a:r>
+          </a:p>
+          <a:p>
+            <a:pPr marL="0" indent="0">
+              <a:buNone/>
+            </a:pPr>
+            <a:r>
+              <a:rPr lang="de-CH" dirty="0" smtClean="0">
+                <a:sym typeface="Wingdings" pitchFamily="2" charset="2"/>
+              </a:rPr>
+              <a:t>	 Weg zum Arzt bleibt erspart</a:t>
+            </a:r>
+          </a:p>
+          <a:p>
+            <a:r>
+              <a:rPr lang="de-CH" dirty="0" smtClean="0">
+                <a:sym typeface="Wingdings" pitchFamily="2" charset="2"/>
+              </a:rPr>
+              <a:t>Arzt erfasst Medikation</a:t>
+            </a:r>
+          </a:p>
+          <a:p>
+            <a:pPr marL="0" indent="0">
+              <a:buNone/>
+            </a:pPr>
+            <a:r>
+              <a:rPr lang="de-CH" dirty="0" smtClean="0">
+                <a:sym typeface="Wingdings" pitchFamily="2" charset="2"/>
+              </a:rPr>
+              <a:t>	 Abgabe rezeptpflichtiger Medikamente</a:t>
+            </a:r>
             <a:endParaRPr lang="de-CH" dirty="0"/>
           </a:p>
         </p:txBody>
@@ -4418,32 +5150,93 @@
           <a:lstStyle/>
           <a:p>
             <a:r>
+              <a:rPr lang="de-CH" dirty="0" err="1" smtClean="0"/>
+              <a:t>Synthesize</a:t>
+            </a:r>
+            <a:endParaRPr lang="de-CH" dirty="0"/>
+          </a:p>
+        </p:txBody>
+      </p:sp>
+      <p:sp>
+        <p:nvSpPr>
+          <p:cNvPr id="3" name="Inhaltsplatzhalter 2"/>
+          <p:cNvSpPr>
+            <a:spLocks noGrp="1"/>
+          </p:cNvSpPr>
+          <p:nvPr>
+            <p:ph idx="1"/>
+          </p:nvPr>
+        </p:nvSpPr>
+        <p:spPr/>
+        <p:txBody>
+          <a:bodyPr/>
+          <a:lstStyle/>
+          <a:p>
+            <a:r>
               <a:rPr lang="de-CH" dirty="0" smtClean="0"/>
-              <a:t>Design</a:t>
-            </a:r>
-            <a:endParaRPr lang="de-CH" dirty="0"/>
-          </a:p>
-        </p:txBody>
-      </p:sp>
-      <p:sp>
-        <p:nvSpPr>
-          <p:cNvPr id="3" name="Inhaltsplatzhalter 2"/>
-          <p:cNvSpPr>
-            <a:spLocks noGrp="1"/>
-          </p:cNvSpPr>
-          <p:nvPr>
-            <p:ph idx="1"/>
-          </p:nvPr>
-        </p:nvSpPr>
-        <p:spPr/>
-        <p:txBody>
-          <a:bodyPr/>
-          <a:lstStyle/>
-          <a:p>
+              <a:t>Target User: </a:t>
+            </a:r>
             <a:r>
               <a:rPr lang="de-CH" dirty="0" smtClean="0"/>
-              <a:t>	</a:t>
-            </a:r>
+              <a:t>Simona</a:t>
+            </a:r>
+          </a:p>
+          <a:p>
+            <a:pPr lvl="1">
+              <a:buFont typeface="Symbol" pitchFamily="18" charset="2"/>
+              <a:buChar char="-"/>
+            </a:pPr>
+            <a:r>
+              <a:rPr lang="de-CH" dirty="0" smtClean="0"/>
+              <a:t>Pharmaassistentin in Spitalapotheke</a:t>
+            </a:r>
+          </a:p>
+          <a:p>
+            <a:pPr lvl="1">
+              <a:buFont typeface="Symbol" pitchFamily="18" charset="2"/>
+              <a:buChar char="-"/>
+            </a:pPr>
+            <a:r>
+              <a:rPr lang="de-CH" dirty="0" smtClean="0"/>
+              <a:t>Entgegennahme der Medikamenten Bestellung</a:t>
+            </a:r>
+          </a:p>
+          <a:p>
+            <a:pPr lvl="1">
+              <a:buFont typeface="Symbol" pitchFamily="18" charset="2"/>
+              <a:buChar char="-"/>
+            </a:pPr>
+            <a:r>
+              <a:rPr lang="de-CH" dirty="0" smtClean="0"/>
+              <a:t>Bereitstellung für Zustellung oder Abholung</a:t>
+            </a:r>
+          </a:p>
+          <a:p>
+            <a:pPr lvl="1">
+              <a:buFont typeface="Symbol" pitchFamily="18" charset="2"/>
+              <a:buChar char="-"/>
+            </a:pPr>
+            <a:r>
+              <a:rPr lang="de-CH" dirty="0" smtClean="0"/>
+              <a:t>Inventur der Medikamente &amp; Bestellung bei Bedarf</a:t>
+            </a:r>
+          </a:p>
+          <a:p>
+            <a:pPr lvl="1">
+              <a:buFont typeface="Symbol" pitchFamily="18" charset="2"/>
+              <a:buChar char="-"/>
+            </a:pPr>
+            <a:r>
+              <a:rPr lang="de-CH" dirty="0" smtClean="0"/>
+              <a:t>Nicht stationäre bekommen Medikamente</a:t>
+            </a:r>
+          </a:p>
+          <a:p>
+            <a:pPr lvl="1">
+              <a:buFont typeface="Symbol" pitchFamily="18" charset="2"/>
+              <a:buChar char="-"/>
+            </a:pPr>
+            <a:endParaRPr lang="de-CH" dirty="0" smtClean="0"/>
           </a:p>
           <a:p>
             <a:endParaRPr lang="de-CH" dirty="0"/>
@@ -4539,32 +5332,13 @@
           <a:p>
             <a:r>
               <a:rPr lang="de-CH" dirty="0" smtClean="0"/>
-              <a:t>Design - </a:t>
-            </a:r>
-            <a:r>
-              <a:rPr lang="de-CH" dirty="0" err="1" smtClean="0"/>
-              <a:t>Storyboard</a:t>
+              <a:t>Design </a:t>
+            </a:r>
+            <a:r>
+              <a:rPr lang="de-CH" dirty="0"/>
+              <a:t>- Storyboard Station</a:t>
             </a:r>
             <a:endParaRPr lang="de-CH" dirty="0"/>
-          </a:p>
-        </p:txBody>
-      </p:sp>
-      <p:sp>
-        <p:nvSpPr>
-          <p:cNvPr id="3" name="Inhaltsplatzhalter 2"/>
-          <p:cNvSpPr>
-            <a:spLocks noGrp="1"/>
-          </p:cNvSpPr>
-          <p:nvPr>
-            <p:ph idx="1"/>
-          </p:nvPr>
-        </p:nvSpPr>
-        <p:spPr/>
-        <p:txBody>
-          <a:bodyPr/>
-          <a:lstStyle/>
-          <a:p>
-            <a:endParaRPr lang="de-CH"/>
           </a:p>
         </p:txBody>
       </p:sp>
@@ -4615,6 +5389,63 @@
           </a:p>
         </p:txBody>
       </p:sp>
+      <p:graphicFrame>
+        <p:nvGraphicFramePr>
+          <p:cNvPr id="7" name="Objekt 6"/>
+          <p:cNvGraphicFramePr>
+            <a:graphicFrameLocks noChangeAspect="1"/>
+          </p:cNvGraphicFramePr>
+          <p:nvPr>
+            <p:extLst>
+              <p:ext uri="{D42A27DB-BD31-4B8C-83A1-F6EECF244321}">
+                <p14:modId xmlns:p14="http://schemas.microsoft.com/office/powerpoint/2010/main" val="3372034023"/>
+              </p:ext>
+            </p:extLst>
+          </p:nvPr>
+        </p:nvGraphicFramePr>
+        <p:xfrm>
+          <a:off x="1187624" y="1484784"/>
+          <a:ext cx="6975241" cy="5256584"/>
+        </p:xfrm>
+        <a:graphic>
+          <a:graphicData uri="http://schemas.openxmlformats.org/presentationml/2006/ole">
+            <mc:AlternateContent xmlns:mc="http://schemas.openxmlformats.org/markup-compatibility/2006">
+              <mc:Choice xmlns:v="urn:schemas-microsoft-com:vml" Requires="v">
+                <p:oleObj spid="_x0000_s1030" name="Visio" r:id="rId3" imgW="9435203" imgH="7110379" progId="Visio.Drawing.11">
+                  <p:embed/>
+                </p:oleObj>
+              </mc:Choice>
+              <mc:Fallback>
+                <p:oleObj name="Visio" r:id="rId3" imgW="9435203" imgH="7110379" progId="Visio.Drawing.11">
+                  <p:embed/>
+                  <p:pic>
+                    <p:nvPicPr>
+                      <p:cNvPr id="0" name=""/>
+                      <p:cNvPicPr/>
+                      <p:nvPr/>
+                    </p:nvPicPr>
+                    <p:blipFill>
+                      <a:blip r:embed="rId4"/>
+                      <a:stretch>
+                        <a:fillRect/>
+                      </a:stretch>
+                    </p:blipFill>
+                    <p:spPr>
+                      <a:xfrm>
+                        <a:off x="1187624" y="1484784"/>
+                        <a:ext cx="6975241" cy="5256584"/>
+                      </a:xfrm>
+                      <a:prstGeom prst="rect">
+                        <a:avLst/>
+                      </a:prstGeom>
+                    </p:spPr>
+                  </p:pic>
+                </p:oleObj>
+              </mc:Fallback>
+            </mc:AlternateContent>
+          </a:graphicData>
+        </a:graphic>
+      </p:graphicFrame>
     </p:spTree>
   </p:cSld>
   <p:clrMapOvr>
@@ -4657,33 +5488,16 @@
           <a:p>
             <a:r>
               <a:rPr lang="de-CH" dirty="0" smtClean="0"/>
-              <a:t>Prototype</a:t>
-            </a:r>
-            <a:endParaRPr lang="de-CH" dirty="0"/>
-          </a:p>
-        </p:txBody>
-      </p:sp>
-      <p:sp>
-        <p:nvSpPr>
-          <p:cNvPr id="3" name="Inhaltsplatzhalter 2"/>
-          <p:cNvSpPr>
-            <a:spLocks noGrp="1"/>
-          </p:cNvSpPr>
-          <p:nvPr>
-            <p:ph idx="1"/>
-          </p:nvPr>
-        </p:nvSpPr>
-        <p:spPr/>
-        <p:txBody>
-          <a:bodyPr/>
-          <a:lstStyle/>
-          <a:p>
+              <a:t>Design </a:t>
+            </a:r>
+            <a:r>
+              <a:rPr lang="de-CH" dirty="0"/>
+              <a:t>-</a:t>
+            </a:r>
             <a:r>
               <a:rPr lang="de-CH" dirty="0" smtClean="0"/>
-              <a:t>	</a:t>
-            </a:r>
-          </a:p>
-          <a:p>
+              <a:t> Storyboard Patient</a:t>
+            </a:r>
             <a:endParaRPr lang="de-CH" dirty="0"/>
           </a:p>
         </p:txBody>
@@ -4735,6 +5549,63 @@
           </a:p>
         </p:txBody>
       </p:sp>
+      <p:graphicFrame>
+        <p:nvGraphicFramePr>
+          <p:cNvPr id="6" name="Objekt 5"/>
+          <p:cNvGraphicFramePr>
+            <a:graphicFrameLocks noChangeAspect="1"/>
+          </p:cNvGraphicFramePr>
+          <p:nvPr>
+            <p:extLst>
+              <p:ext uri="{D42A27DB-BD31-4B8C-83A1-F6EECF244321}">
+                <p14:modId xmlns:p14="http://schemas.microsoft.com/office/powerpoint/2010/main" val="49576136"/>
+              </p:ext>
+            </p:extLst>
+          </p:nvPr>
+        </p:nvGraphicFramePr>
+        <p:xfrm>
+          <a:off x="611560" y="2348880"/>
+          <a:ext cx="8030531" cy="2664296"/>
+        </p:xfrm>
+        <a:graphic>
+          <a:graphicData uri="http://schemas.openxmlformats.org/presentationml/2006/ole">
+            <mc:AlternateContent xmlns:mc="http://schemas.openxmlformats.org/markup-compatibility/2006">
+              <mc:Choice xmlns:v="urn:schemas-microsoft-com:vml" Requires="v">
+                <p:oleObj spid="_x0000_s2054" name="Visio" r:id="rId3" imgW="9305269" imgH="3087721" progId="Visio.Drawing.11">
+                  <p:embed/>
+                </p:oleObj>
+              </mc:Choice>
+              <mc:Fallback>
+                <p:oleObj name="Visio" r:id="rId3" imgW="9305269" imgH="3087721" progId="Visio.Drawing.11">
+                  <p:embed/>
+                  <p:pic>
+                    <p:nvPicPr>
+                      <p:cNvPr id="0" name=""/>
+                      <p:cNvPicPr/>
+                      <p:nvPr/>
+                    </p:nvPicPr>
+                    <p:blipFill>
+                      <a:blip r:embed="rId4"/>
+                      <a:stretch>
+                        <a:fillRect/>
+                      </a:stretch>
+                    </p:blipFill>
+                    <p:spPr>
+                      <a:xfrm>
+                        <a:off x="611560" y="2348880"/>
+                        <a:ext cx="8030531" cy="2664296"/>
+                      </a:xfrm>
+                      <a:prstGeom prst="rect">
+                        <a:avLst/>
+                      </a:prstGeom>
+                    </p:spPr>
+                  </p:pic>
+                </p:oleObj>
+              </mc:Fallback>
+            </mc:AlternateContent>
+          </a:graphicData>
+        </a:graphic>
+      </p:graphicFrame>
     </p:spTree>
   </p:cSld>
   <p:clrMapOvr>
@@ -4762,54 +5633,6 @@
       </p:grpSpPr>
       <p:sp>
         <p:nvSpPr>
-          <p:cNvPr id="2" name="Titel 1"/>
-          <p:cNvSpPr>
-            <a:spLocks noGrp="1"/>
-          </p:cNvSpPr>
-          <p:nvPr>
-            <p:ph type="title"/>
-          </p:nvPr>
-        </p:nvSpPr>
-        <p:spPr/>
-        <p:txBody>
-          <a:bodyPr/>
-          <a:lstStyle/>
-          <a:p>
-            <a:r>
-              <a:rPr lang="de-CH" dirty="0" err="1" smtClean="0"/>
-              <a:t>Validate</a:t>
-            </a:r>
-            <a:endParaRPr lang="de-CH" dirty="0"/>
-          </a:p>
-        </p:txBody>
-      </p:sp>
-      <p:sp>
-        <p:nvSpPr>
-          <p:cNvPr id="3" name="Inhaltsplatzhalter 2"/>
-          <p:cNvSpPr>
-            <a:spLocks noGrp="1"/>
-          </p:cNvSpPr>
-          <p:nvPr>
-            <p:ph idx="1"/>
-          </p:nvPr>
-        </p:nvSpPr>
-        <p:spPr/>
-        <p:txBody>
-          <a:bodyPr/>
-          <a:lstStyle/>
-          <a:p>
-            <a:r>
-              <a:rPr lang="de-CH" dirty="0" smtClean="0"/>
-              <a:t>	</a:t>
-            </a:r>
-          </a:p>
-          <a:p>
-            <a:endParaRPr lang="de-CH" dirty="0"/>
-          </a:p>
-        </p:txBody>
-      </p:sp>
-      <p:sp>
-        <p:nvSpPr>
           <p:cNvPr id="4" name="Datumsplatzhalter 3"/>
           <p:cNvSpPr>
             <a:spLocks noGrp="1"/>
@@ -4851,7 +5674,69 @@
               <a:pPr/>
               <a:t>9</a:t>
             </a:fld>
-            <a:endParaRPr lang="de-CH"/>
+            <a:endParaRPr lang="de-CH" dirty="0"/>
+          </a:p>
+        </p:txBody>
+      </p:sp>
+      <p:pic>
+        <p:nvPicPr>
+          <p:cNvPr id="3074" name="Picture 2" descr="C:\Programming\workspaces\IntelliJ\ch.bfh.bti7081.s2013.yellow\ch.bfh.bti7081.s2013.yellow\doc\cs1_task03\prototype\prototyp001.jpg"/>
+          <p:cNvPicPr>
+            <a:picLocks noChangeAspect="1" noChangeArrowheads="1"/>
+          </p:cNvPicPr>
+          <p:nvPr/>
+        </p:nvPicPr>
+        <p:blipFill rotWithShape="1">
+          <a:blip r:embed="rId2" cstate="print">
+            <a:extLst>
+              <a:ext uri="{28A0092B-C50C-407E-A947-70E740481C1C}">
+                <a14:useLocalDpi xmlns:a14="http://schemas.microsoft.com/office/drawing/2010/main" val="0"/>
+              </a:ext>
+            </a:extLst>
+          </a:blip>
+          <a:srcRect l="10001" r="7102" b="9435"/>
+          <a:stretch/>
+        </p:blipFill>
+        <p:spPr bwMode="auto">
+          <a:xfrm>
+            <a:off x="1282700" y="1412776"/>
+            <a:ext cx="6756400" cy="5220434"/>
+          </a:xfrm>
+          <a:prstGeom prst="rect">
+            <a:avLst/>
+          </a:prstGeom>
+          <a:noFill/>
+          <a:extLst>
+            <a:ext uri="{909E8E84-426E-40DD-AFC4-6F175D3DCCD1}">
+              <a14:hiddenFill xmlns:a14="http://schemas.microsoft.com/office/drawing/2010/main">
+                <a:solidFill>
+                  <a:srgbClr val="FFFFFF"/>
+                </a:solidFill>
+              </a14:hiddenFill>
+            </a:ext>
+          </a:extLst>
+        </p:spPr>
+      </p:pic>
+      <p:sp>
+        <p:nvSpPr>
+          <p:cNvPr id="2" name="Titel 1"/>
+          <p:cNvSpPr>
+            <a:spLocks noGrp="1"/>
+          </p:cNvSpPr>
+          <p:nvPr>
+            <p:ph type="title"/>
+          </p:nvPr>
+        </p:nvSpPr>
+        <p:spPr/>
+        <p:txBody>
+          <a:bodyPr/>
+          <a:lstStyle/>
+          <a:p>
+            <a:r>
+              <a:rPr lang="de-CH" dirty="0" smtClean="0"/>
+              <a:t>Prototype</a:t>
+            </a:r>
+            <a:endParaRPr lang="de-CH" dirty="0"/>
           </a:p>
         </p:txBody>
       </p:sp>
@@ -4864,38 +5749,38 @@
 </file>
 
 <file path=ppt/theme/theme1.xml><?xml version="1.0" encoding="utf-8"?>
-<a:theme xmlns:a="http://schemas.openxmlformats.org/drawingml/2006/main" name="Office Theme">
+<a:theme xmlns:a="http://schemas.openxmlformats.org/drawingml/2006/main" name="Klarheit">
   <a:themeElements>
-    <a:clrScheme name="Office">
+    <a:clrScheme name="Klarheit">
       <a:dk1>
-        <a:sysClr val="windowText" lastClr="000000"/>
+        <a:srgbClr val="292934"/>
       </a:dk1>
       <a:lt1>
-        <a:sysClr val="window" lastClr="FFFFFF"/>
+        <a:srgbClr val="FFFFFF"/>
       </a:lt1>
       <a:dk2>
-        <a:srgbClr val="1F497D"/>
+        <a:srgbClr val="D2533C"/>
       </a:dk2>
       <a:lt2>
-        <a:srgbClr val="EEECE1"/>
+        <a:srgbClr val="F3F2DC"/>
       </a:lt2>
       <a:accent1>
-        <a:srgbClr val="4F81BD"/>
+        <a:srgbClr val="93A299"/>
       </a:accent1>
       <a:accent2>
-        <a:srgbClr val="C0504D"/>
+        <a:srgbClr val="AD8F67"/>
       </a:accent2>
       <a:accent3>
-        <a:srgbClr val="9BBB59"/>
+        <a:srgbClr val="726056"/>
       </a:accent3>
       <a:accent4>
-        <a:srgbClr val="8064A2"/>
+        <a:srgbClr val="4C5A6A"/>
       </a:accent4>
       <a:accent5>
-        <a:srgbClr val="4BACC6"/>
+        <a:srgbClr val="808DA0"/>
       </a:accent5>
       <a:accent6>
-        <a:srgbClr val="F79646"/>
+        <a:srgbClr val="79463D"/>
       </a:accent6>
       <a:hlink>
         <a:srgbClr val="0000FF"/>
@@ -4904,22 +5789,22 @@
         <a:srgbClr val="800080"/>
       </a:folHlink>
     </a:clrScheme>
-    <a:fontScheme name="Office">
+    <a:fontScheme name="Larissa Klassisch 2">
       <a:majorFont>
-        <a:latin typeface="Calibri"/>
+        <a:latin typeface="Arial"/>
         <a:ea typeface=""/>
         <a:cs typeface=""/>
         <a:font script="Jpan" typeface="ＭＳ Ｐゴシック"/>
-        <a:font script="Hang" typeface="맑은 고딕"/>
-        <a:font script="Hans" typeface="宋体"/>
-        <a:font script="Hant" typeface="新細明體"/>
-        <a:font script="Arab" typeface="Times New Roman"/>
-        <a:font script="Hebr" typeface="Times New Roman"/>
-        <a:font script="Thai" typeface="Angsana New"/>
+        <a:font script="Hang" typeface="돋움"/>
+        <a:font script="Hans" typeface="方正舒体"/>
+        <a:font script="Hant" typeface="微軟正黑體"/>
+        <a:font script="Arab" typeface="Arial"/>
+        <a:font script="Hebr" typeface="Arial"/>
+        <a:font script="Thai" typeface="Cordia New"/>
         <a:font script="Ethi" typeface="Nyala"/>
         <a:font script="Beng" typeface="Vrinda"/>
         <a:font script="Gujr" typeface="Shruti"/>
-        <a:font script="Khmr" typeface="MoolBoran"/>
+        <a:font script="Khmr" typeface="DaunPenh"/>
         <a:font script="Knda" typeface="Tunga"/>
         <a:font script="Guru" typeface="Raavi"/>
         <a:font script="Cans" typeface="Euphemia"/>
@@ -4936,18 +5821,18 @@
         <a:font script="Laoo" typeface="DokChampa"/>
         <a:font script="Sinh" typeface="Iskoola Pota"/>
         <a:font script="Mong" typeface="Mongolian Baiti"/>
-        <a:font script="Viet" typeface="Times New Roman"/>
+        <a:font script="Viet" typeface="Arial"/>
         <a:font script="Uigh" typeface="Microsoft Uighur"/>
         <a:font script="Geor" typeface="Sylfaen"/>
       </a:majorFont>
       <a:minorFont>
-        <a:latin typeface="Calibri"/>
+        <a:latin typeface="Arial"/>
         <a:ea typeface=""/>
         <a:cs typeface=""/>
         <a:font script="Jpan" typeface="ＭＳ Ｐゴシック"/>
-        <a:font script="Hang" typeface="맑은 고딕"/>
-        <a:font script="Hans" typeface="宋体"/>
-        <a:font script="Hant" typeface="新細明體"/>
+        <a:font script="Hang" typeface="돋움"/>
+        <a:font script="Hans" typeface="方正舒体"/>
+        <a:font script="Hant" typeface="微軟正黑體"/>
         <a:font script="Arab" typeface="Arial"/>
         <a:font script="Hebr" typeface="Arial"/>
         <a:font script="Thai" typeface="Cordia New"/>
@@ -4976,7 +5861,7 @@
         <a:font script="Geor" typeface="Sylfaen"/>
       </a:minorFont>
     </a:fontScheme>
-    <a:fmtScheme name="Office">
+    <a:fmtScheme name="Klarheit">
       <a:fillStyleLst>
         <a:solidFill>
           <a:schemeClr val="phClr"/>
@@ -4986,65 +5871,75 @@
             <a:gs pos="0">
               <a:schemeClr val="phClr">
                 <a:tint val="50000"/>
-                <a:satMod val="300000"/>
+                <a:shade val="86000"/>
+                <a:satMod val="140000"/>
               </a:schemeClr>
             </a:gs>
-            <a:gs pos="35000">
+            <a:gs pos="45000">
               <a:schemeClr val="phClr">
-                <a:tint val="37000"/>
-                <a:satMod val="300000"/>
+                <a:tint val="48000"/>
+                <a:satMod val="150000"/>
               </a:schemeClr>
             </a:gs>
             <a:gs pos="100000">
               <a:schemeClr val="phClr">
-                <a:tint val="15000"/>
-                <a:satMod val="350000"/>
+                <a:tint val="28000"/>
+                <a:satMod val="160000"/>
               </a:schemeClr>
             </a:gs>
           </a:gsLst>
-          <a:lin ang="16200000" scaled="1"/>
+          <a:path path="circle">
+            <a:fillToRect l="100000" t="100000" r="100000" b="100000"/>
+          </a:path>
         </a:gradFill>
         <a:gradFill rotWithShape="1">
           <a:gsLst>
             <a:gs pos="0">
               <a:schemeClr val="phClr">
-                <a:shade val="51000"/>
-                <a:satMod val="130000"/>
+                <a:shade val="70000"/>
+                <a:satMod val="150000"/>
               </a:schemeClr>
             </a:gs>
-            <a:gs pos="80000">
+            <a:gs pos="34000">
               <a:schemeClr val="phClr">
-                <a:shade val="93000"/>
-                <a:satMod val="130000"/>
+                <a:shade val="70000"/>
+                <a:satMod val="140000"/>
+              </a:schemeClr>
+            </a:gs>
+            <a:gs pos="70000">
+              <a:schemeClr val="phClr">
+                <a:tint val="100000"/>
+                <a:shade val="90000"/>
+                <a:satMod val="140000"/>
               </a:schemeClr>
             </a:gs>
             <a:gs pos="100000">
               <a:schemeClr val="phClr">
-                <a:shade val="94000"/>
-                <a:satMod val="135000"/>
+                <a:tint val="100000"/>
+                <a:shade val="100000"/>
+                <a:satMod val="100000"/>
               </a:schemeClr>
             </a:gs>
           </a:gsLst>
-          <a:lin ang="16200000" scaled="0"/>
+          <a:path path="circle">
+            <a:fillToRect l="100000" t="100000" r="100000" b="100000"/>
+          </a:path>
         </a:gradFill>
       </a:fillStyleLst>
       <a:lnStyleLst>
         <a:ln w="9525" cap="flat" cmpd="sng" algn="ctr">
           <a:solidFill>
-            <a:schemeClr val="phClr">
-              <a:shade val="95000"/>
-              <a:satMod val="105000"/>
-            </a:schemeClr>
+            <a:schemeClr val="phClr"/>
           </a:solidFill>
           <a:prstDash val="solid"/>
         </a:ln>
-        <a:ln w="25400" cap="flat" cmpd="sng" algn="ctr">
+        <a:ln w="26425" cap="flat" cmpd="sng" algn="ctr">
           <a:solidFill>
             <a:schemeClr val="phClr"/>
           </a:solidFill>
           <a:prstDash val="solid"/>
         </a:ln>
-        <a:ln w="38100" cap="flat" cmpd="sng" algn="ctr">
+        <a:ln w="44450" cap="flat" cmpd="sng" algn="ctr">
           <a:solidFill>
             <a:schemeClr val="phClr"/>
           </a:solidFill>
@@ -5053,28 +5948,22 @@
       </a:lnStyleLst>
       <a:effectStyleLst>
         <a:effectStyle>
+          <a:effectLst/>
+        </a:effectStyle>
+        <a:effectStyle>
           <a:effectLst>
-            <a:outerShdw blurRad="40000" dist="20000" dir="5400000" rotWithShape="0">
+            <a:outerShdw blurRad="38100" dist="25400" dir="2700000" algn="br" rotWithShape="0">
               <a:srgbClr val="000000">
-                <a:alpha val="38000"/>
+                <a:alpha val="60000"/>
               </a:srgbClr>
             </a:outerShdw>
           </a:effectLst>
         </a:effectStyle>
         <a:effectStyle>
           <a:effectLst>
-            <a:outerShdw blurRad="40000" dist="23000" dir="5400000" rotWithShape="0">
+            <a:outerShdw blurRad="38100" dist="25400" dir="2700000" algn="br" rotWithShape="0">
               <a:srgbClr val="000000">
-                <a:alpha val="35000"/>
-              </a:srgbClr>
-            </a:outerShdw>
-          </a:effectLst>
-        </a:effectStyle>
-        <a:effectStyle>
-          <a:effectLst>
-            <a:outerShdw blurRad="40000" dist="23000" dir="5400000" rotWithShape="0">
-              <a:srgbClr val="000000">
-                <a:alpha val="35000"/>
+                <a:alpha val="60000"/>
               </a:srgbClr>
             </a:outerShdw>
           </a:effectLst>
@@ -5082,12 +5971,18 @@
             <a:camera prst="orthographicFront">
               <a:rot lat="0" lon="0" rev="0"/>
             </a:camera>
-            <a:lightRig rig="threePt" dir="t">
-              <a:rot lat="0" lon="0" rev="1200000"/>
+            <a:lightRig rig="balanced" dir="t">
+              <a:rot lat="0" lon="0" rev="5100000"/>
             </a:lightRig>
           </a:scene3d>
-          <a:sp3d>
-            <a:bevelT w="63500" h="25400"/>
+          <a:sp3d contourW="6350">
+            <a:bevelT w="29210" h="12700"/>
+            <a:contourClr>
+              <a:schemeClr val="phClr">
+                <a:shade val="30000"/>
+                <a:satMod val="130000"/>
+              </a:schemeClr>
+            </a:contourClr>
           </a:sp3d>
         </a:effectStyle>
       </a:effectStyleLst>
@@ -5099,47 +5994,40 @@
           <a:gsLst>
             <a:gs pos="0">
               <a:schemeClr val="phClr">
-                <a:tint val="40000"/>
-                <a:satMod val="350000"/>
+                <a:tint val="85000"/>
+                <a:satMod val="180000"/>
               </a:schemeClr>
             </a:gs>
             <a:gs pos="40000">
               <a:schemeClr val="phClr">
-                <a:tint val="45000"/>
-                <a:shade val="99000"/>
-                <a:satMod val="350000"/>
+                <a:tint val="95000"/>
+                <a:shade val="85000"/>
+                <a:satMod val="150000"/>
               </a:schemeClr>
             </a:gs>
             <a:gs pos="100000">
               <a:schemeClr val="phClr">
-                <a:shade val="20000"/>
-                <a:satMod val="255000"/>
-              </a:schemeClr>
-            </a:gs>
-          </a:gsLst>
-          <a:path path="circle">
-            <a:fillToRect l="50000" t="-80000" r="50000" b="180000"/>
-          </a:path>
-        </a:gradFill>
-        <a:gradFill rotWithShape="1">
-          <a:gsLst>
-            <a:gs pos="0">
-              <a:schemeClr val="phClr">
-                <a:tint val="80000"/>
-                <a:satMod val="300000"/>
-              </a:schemeClr>
-            </a:gs>
-            <a:gs pos="100000">
-              <a:schemeClr val="phClr">
-                <a:shade val="30000"/>
+                <a:shade val="45000"/>
                 <a:satMod val="200000"/>
               </a:schemeClr>
             </a:gs>
           </a:gsLst>
-          <a:path path="circle">
-            <a:fillToRect l="50000" t="50000" r="50000" b="50000"/>
-          </a:path>
+          <a:lin ang="5400000" scaled="0"/>
         </a:gradFill>
+        <a:blipFill rotWithShape="1">
+          <a:blip xmlns:r="http://schemas.openxmlformats.org/officeDocument/2006/relationships" r:embed="rId1">
+            <a:duotone>
+              <a:schemeClr val="phClr">
+                <a:shade val="55000"/>
+              </a:schemeClr>
+              <a:schemeClr val="phClr">
+                <a:tint val="97000"/>
+                <a:satMod val="95000"/>
+              </a:schemeClr>
+            </a:duotone>
+          </a:blip>
+          <a:tile tx="0" ty="0" sx="70000" sy="70000" flip="none" algn="tl"/>
+        </a:blipFill>
       </a:bgFillStyleLst>
     </a:fmtScheme>
   </a:themeElements>

--- a/ch.bfh.bti7081.s2013.yellow/doc/cs1_task03/task1_3_presentation.pptx
+++ b/ch.bfh.bti7081.s2013.yellow/doc/cs1_task03/task1_3_presentation.pptx
@@ -2,10 +2,10 @@
 <file path=ppt/presentation.xml><?xml version="1.0" encoding="utf-8"?>
 <p:presentation xmlns:a="http://schemas.openxmlformats.org/drawingml/2006/main" xmlns:r="http://schemas.openxmlformats.org/officeDocument/2006/relationships" xmlns:p="http://schemas.openxmlformats.org/presentationml/2006/main" showSpecialPlsOnTitleSld="0" saveSubsetFonts="1">
   <p:sldMasterIdLst>
-    <p:sldMasterId id="2147483744" r:id="rId1"/>
+    <p:sldMasterId id="2147483816" r:id="rId1"/>
   </p:sldMasterIdLst>
   <p:notesMasterIdLst>
-    <p:notesMasterId r:id="rId15"/>
+    <p:notesMasterId r:id="rId18"/>
   </p:notesMasterIdLst>
   <p:sldIdLst>
     <p:sldId id="256" r:id="rId2"/>
@@ -14,13 +14,16 @@
     <p:sldId id="261" r:id="rId5"/>
     <p:sldId id="262" r:id="rId6"/>
     <p:sldId id="263" r:id="rId7"/>
-    <p:sldId id="264" r:id="rId8"/>
-    <p:sldId id="260" r:id="rId9"/>
-    <p:sldId id="265" r:id="rId10"/>
-    <p:sldId id="268" r:id="rId11"/>
-    <p:sldId id="269" r:id="rId12"/>
-    <p:sldId id="270" r:id="rId13"/>
-    <p:sldId id="266" r:id="rId14"/>
+    <p:sldId id="271" r:id="rId8"/>
+    <p:sldId id="264" r:id="rId9"/>
+    <p:sldId id="260" r:id="rId10"/>
+    <p:sldId id="265" r:id="rId11"/>
+    <p:sldId id="268" r:id="rId12"/>
+    <p:sldId id="269" r:id="rId13"/>
+    <p:sldId id="270" r:id="rId14"/>
+    <p:sldId id="272" r:id="rId15"/>
+    <p:sldId id="273" r:id="rId16"/>
+    <p:sldId id="266" r:id="rId17"/>
   </p:sldIdLst>
   <p:sldSz cx="9144000" cy="6858000" type="screen4x3"/>
   <p:notesSz cx="6858000" cy="9144000"/>
@@ -475,8 +478,13 @@
 </file>
 
 <file path=ppt/slideLayouts/slideLayout1.xml><?xml version="1.0" encoding="utf-8"?>
-<p:sldLayout xmlns:a="http://schemas.openxmlformats.org/drawingml/2006/main" xmlns:r="http://schemas.openxmlformats.org/officeDocument/2006/relationships" xmlns:p="http://schemas.openxmlformats.org/presentationml/2006/main" type="title" preserve="1">
+<p:sldLayout xmlns:a="http://schemas.openxmlformats.org/drawingml/2006/main" xmlns:r="http://schemas.openxmlformats.org/officeDocument/2006/relationships" xmlns:p="http://schemas.openxmlformats.org/presentationml/2006/main" showMasterSp="0" type="title" preserve="1">
   <p:cSld name="Titelfolie">
+    <p:bg>
+      <p:bgRef idx="1003">
+        <a:schemeClr val="bg1"/>
+      </p:bgRef>
+    </p:bg>
     <p:spTree>
       <p:nvGrpSpPr>
         <p:cNvPr id="1" name=""/>
@@ -493,214 +501,225 @@
       </p:grpSpPr>
       <p:sp>
         <p:nvSpPr>
-          <p:cNvPr id="2" name="Title 1"/>
-          <p:cNvSpPr>
-            <a:spLocks noGrp="1"/>
-          </p:cNvSpPr>
-          <p:nvPr>
-            <p:ph type="ctrTitle"/>
-          </p:nvPr>
+          <p:cNvPr id="12" name="Rechteck 11"/>
+          <p:cNvSpPr/>
+          <p:nvPr/>
         </p:nvSpPr>
         <p:spPr>
           <a:xfrm>
-            <a:off x="685800" y="1371600"/>
-            <a:ext cx="7848600" cy="1927225"/>
+            <a:off x="0" y="0"/>
+            <a:ext cx="9144000" cy="6858000"/>
+          </a:xfrm>
+          <a:prstGeom prst="rect">
+            <a:avLst/>
+          </a:prstGeom>
+          <a:solidFill>
+            <a:srgbClr val="FFFFFF"/>
+          </a:solidFill>
+          <a:ln w="12700" cap="flat" cmpd="sng" algn="ctr">
+            <a:noFill/>
+            <a:prstDash val="solid"/>
+          </a:ln>
+        </p:spPr>
+        <p:style>
+          <a:lnRef idx="2">
+            <a:schemeClr val="accent1"/>
+          </a:lnRef>
+          <a:fillRef idx="1">
+            <a:schemeClr val="accent1"/>
+          </a:fillRef>
+          <a:effectRef idx="0">
+            <a:schemeClr val="accent1"/>
+          </a:effectRef>
+          <a:fontRef idx="minor">
+            <a:schemeClr val="lt1"/>
+          </a:fontRef>
+        </p:style>
+        <p:txBody>
+          <a:bodyPr rtlCol="0" anchor="ctr"/>
+          <a:lstStyle/>
+          <a:p>
+            <a:pPr algn="ctr" eaLnBrk="1" latinLnBrk="0" hangingPunct="1"/>
+            <a:endParaRPr kumimoji="0" lang="en-US"/>
+          </a:p>
+        </p:txBody>
+      </p:sp>
+      <p:sp useBgFill="1">
+        <p:nvSpPr>
+          <p:cNvPr id="13" name="Abgerundetes Rechteck 12"/>
+          <p:cNvSpPr/>
+          <p:nvPr/>
+        </p:nvSpPr>
+        <p:spPr>
+          <a:xfrm>
+            <a:off x="65313" y="69755"/>
+            <a:ext cx="9013372" cy="6692201"/>
+          </a:xfrm>
+          <a:prstGeom prst="roundRect">
+            <a:avLst>
+              <a:gd name="adj" fmla="val 4929"/>
+            </a:avLst>
+          </a:prstGeom>
+          <a:ln w="6350" cap="sq" cmpd="sng" algn="ctr">
+            <a:solidFill>
+              <a:schemeClr val="tx1">
+                <a:alpha val="100000"/>
+              </a:schemeClr>
+            </a:solidFill>
+            <a:prstDash val="solid"/>
+          </a:ln>
+          <a:effectLst/>
+        </p:spPr>
+        <p:style>
+          <a:lnRef idx="3">
+            <a:schemeClr val="lt1"/>
+          </a:lnRef>
+          <a:fillRef idx="1001">
+            <a:schemeClr val="lt1"/>
+          </a:fillRef>
+          <a:effectRef idx="1">
+            <a:schemeClr val="accent1"/>
+          </a:effectRef>
+          <a:fontRef idx="minor">
+            <a:schemeClr val="lt1"/>
+          </a:fontRef>
+        </p:style>
+        <p:txBody>
+          <a:bodyPr anchor="ctr"/>
+          <a:lstStyle/>
+          <a:p>
+            <a:pPr algn="ctr" eaLnBrk="1" latinLnBrk="0" hangingPunct="1"/>
+            <a:endParaRPr kumimoji="0" lang="en-US"/>
+          </a:p>
+        </p:txBody>
+      </p:sp>
+      <p:sp>
+        <p:nvSpPr>
+          <p:cNvPr id="9" name="Untertitel 8"/>
+          <p:cNvSpPr>
+            <a:spLocks noGrp="1"/>
+          </p:cNvSpPr>
+          <p:nvPr>
+            <p:ph type="subTitle" idx="1"/>
+          </p:nvPr>
+        </p:nvSpPr>
+        <p:spPr>
+          <a:xfrm>
+            <a:off x="1295400" y="3200400"/>
+            <a:ext cx="6400800" cy="1600200"/>
           </a:xfrm>
         </p:spPr>
         <p:txBody>
-          <a:bodyPr anchor="b">
-            <a:noAutofit/>
-          </a:bodyPr>
+          <a:bodyPr/>
           <a:lstStyle>
-            <a:lvl1pPr>
-              <a:defRPr sz="5400" cap="all" baseline="0"/>
-            </a:lvl1pPr>
-          </a:lstStyle>
-          <a:p>
-            <a:r>
-              <a:rPr lang="de-DE" smtClean="0"/>
-              <a:t>Titelmasterformat durch Klicken bearbeiten</a:t>
-            </a:r>
-            <a:endParaRPr lang="en-US" dirty="0"/>
-          </a:p>
-        </p:txBody>
-      </p:sp>
-      <p:sp>
-        <p:nvSpPr>
-          <p:cNvPr id="3" name="Subtitle 2"/>
-          <p:cNvSpPr>
-            <a:spLocks noGrp="1"/>
-          </p:cNvSpPr>
-          <p:nvPr>
-            <p:ph type="subTitle" idx="1"/>
-          </p:nvPr>
-        </p:nvSpPr>
-        <p:spPr>
-          <a:xfrm>
-            <a:off x="685800" y="3505200"/>
-            <a:ext cx="6400800" cy="1752600"/>
-          </a:xfrm>
-        </p:spPr>
-        <p:txBody>
-          <a:bodyPr/>
-          <a:lstStyle>
-            <a:lvl1pPr marL="0" indent="0" algn="l">
+            <a:lvl1pPr marL="0" indent="0" algn="ctr">
               <a:buNone/>
-              <a:defRPr>
+              <a:defRPr sz="2600">
                 <a:solidFill>
-                  <a:schemeClr val="tx1">
-                    <a:lumMod val="75000"/>
-                    <a:lumOff val="25000"/>
-                  </a:schemeClr>
+                  <a:schemeClr val="tx2"/>
                 </a:solidFill>
               </a:defRPr>
             </a:lvl1pPr>
             <a:lvl2pPr marL="457200" indent="0" algn="ctr">
               <a:buNone/>
-              <a:defRPr>
-                <a:solidFill>
-                  <a:schemeClr val="tx1">
-                    <a:tint val="75000"/>
-                  </a:schemeClr>
-                </a:solidFill>
-              </a:defRPr>
             </a:lvl2pPr>
             <a:lvl3pPr marL="914400" indent="0" algn="ctr">
               <a:buNone/>
-              <a:defRPr>
-                <a:solidFill>
-                  <a:schemeClr val="tx1">
-                    <a:tint val="75000"/>
-                  </a:schemeClr>
-                </a:solidFill>
-              </a:defRPr>
             </a:lvl3pPr>
             <a:lvl4pPr marL="1371600" indent="0" algn="ctr">
               <a:buNone/>
-              <a:defRPr>
-                <a:solidFill>
-                  <a:schemeClr val="tx1">
-                    <a:tint val="75000"/>
-                  </a:schemeClr>
-                </a:solidFill>
-              </a:defRPr>
             </a:lvl4pPr>
             <a:lvl5pPr marL="1828800" indent="0" algn="ctr">
               <a:buNone/>
-              <a:defRPr>
-                <a:solidFill>
-                  <a:schemeClr val="tx1">
-                    <a:tint val="75000"/>
-                  </a:schemeClr>
-                </a:solidFill>
-              </a:defRPr>
             </a:lvl5pPr>
             <a:lvl6pPr marL="2286000" indent="0" algn="ctr">
               <a:buNone/>
-              <a:defRPr>
-                <a:solidFill>
-                  <a:schemeClr val="tx1">
-                    <a:tint val="75000"/>
-                  </a:schemeClr>
-                </a:solidFill>
-              </a:defRPr>
             </a:lvl6pPr>
             <a:lvl7pPr marL="2743200" indent="0" algn="ctr">
               <a:buNone/>
-              <a:defRPr>
-                <a:solidFill>
-                  <a:schemeClr val="tx1">
-                    <a:tint val="75000"/>
-                  </a:schemeClr>
-                </a:solidFill>
-              </a:defRPr>
             </a:lvl7pPr>
             <a:lvl8pPr marL="3200400" indent="0" algn="ctr">
               <a:buNone/>
-              <a:defRPr>
-                <a:solidFill>
-                  <a:schemeClr val="tx1">
-                    <a:tint val="75000"/>
-                  </a:schemeClr>
-                </a:solidFill>
-              </a:defRPr>
             </a:lvl8pPr>
             <a:lvl9pPr marL="3657600" indent="0" algn="ctr">
               <a:buNone/>
-              <a:defRPr>
+            </a:lvl9pPr>
+          </a:lstStyle>
+          <a:p>
+            <a:r>
+              <a:rPr kumimoji="0" lang="de-DE" smtClean="0"/>
+              <a:t>Formatvorlage des Untertitelmasters durch Klicken bearbeiten</a:t>
+            </a:r>
+            <a:endParaRPr kumimoji="0" lang="en-US"/>
+          </a:p>
+        </p:txBody>
+      </p:sp>
+      <p:sp>
+        <p:nvSpPr>
+          <p:cNvPr id="28" name="Datumsplatzhalter 27"/>
+          <p:cNvSpPr>
+            <a:spLocks noGrp="1"/>
+          </p:cNvSpPr>
+          <p:nvPr>
+            <p:ph type="dt" sz="half" idx="10"/>
+          </p:nvPr>
+        </p:nvSpPr>
+        <p:spPr/>
+        <p:txBody>
+          <a:bodyPr/>
+          <a:lstStyle/>
+          <a:p>
+            <a:r>
+              <a:rPr lang="de-CH" smtClean="0"/>
+              <a:t>20.03.2013</a:t>
+            </a:r>
+            <a:endParaRPr lang="de-CH"/>
+          </a:p>
+        </p:txBody>
+      </p:sp>
+      <p:sp>
+        <p:nvSpPr>
+          <p:cNvPr id="17" name="Fußzeilenplatzhalter 16"/>
+          <p:cNvSpPr>
+            <a:spLocks noGrp="1"/>
+          </p:cNvSpPr>
+          <p:nvPr>
+            <p:ph type="ftr" sz="quarter" idx="11"/>
+          </p:nvPr>
+        </p:nvSpPr>
+        <p:spPr/>
+        <p:txBody>
+          <a:bodyPr/>
+          <a:lstStyle/>
+          <a:p>
+            <a:endParaRPr lang="de-CH"/>
+          </a:p>
+        </p:txBody>
+      </p:sp>
+      <p:sp>
+        <p:nvSpPr>
+          <p:cNvPr id="29" name="Foliennummernplatzhalter 28"/>
+          <p:cNvSpPr>
+            <a:spLocks noGrp="1"/>
+          </p:cNvSpPr>
+          <p:nvPr>
+            <p:ph type="sldNum" sz="quarter" idx="12"/>
+          </p:nvPr>
+        </p:nvSpPr>
+        <p:spPr/>
+        <p:txBody>
+          <a:bodyPr lIns="0" tIns="0" rIns="0" bIns="0">
+            <a:noAutofit/>
+          </a:bodyPr>
+          <a:lstStyle>
+            <a:lvl1pPr>
+              <a:defRPr sz="1400">
                 <a:solidFill>
-                  <a:schemeClr val="tx1">
-                    <a:tint val="75000"/>
-                  </a:schemeClr>
+                  <a:srgbClr val="FFFFFF"/>
                 </a:solidFill>
               </a:defRPr>
-            </a:lvl9pPr>
+            </a:lvl1pPr>
           </a:lstStyle>
-          <a:p>
-            <a:r>
-              <a:rPr lang="de-DE" smtClean="0"/>
-              <a:t>Formatvorlage des Untertitelmasters durch Klicken bearbeiten</a:t>
-            </a:r>
-            <a:endParaRPr lang="en-US" dirty="0"/>
-          </a:p>
-        </p:txBody>
-      </p:sp>
-      <p:sp>
-        <p:nvSpPr>
-          <p:cNvPr id="4" name="Date Placeholder 3"/>
-          <p:cNvSpPr>
-            <a:spLocks noGrp="1"/>
-          </p:cNvSpPr>
-          <p:nvPr>
-            <p:ph type="dt" sz="half" idx="10"/>
-          </p:nvPr>
-        </p:nvSpPr>
-        <p:spPr/>
-        <p:txBody>
-          <a:bodyPr/>
-          <a:lstStyle/>
-          <a:p>
-            <a:r>
-              <a:rPr lang="de-CH" smtClean="0"/>
-              <a:t>20.03.2013</a:t>
-            </a:r>
-            <a:endParaRPr lang="de-CH"/>
-          </a:p>
-        </p:txBody>
-      </p:sp>
-      <p:sp>
-        <p:nvSpPr>
-          <p:cNvPr id="5" name="Footer Placeholder 4"/>
-          <p:cNvSpPr>
-            <a:spLocks noGrp="1"/>
-          </p:cNvSpPr>
-          <p:nvPr>
-            <p:ph type="ftr" sz="quarter" idx="11"/>
-          </p:nvPr>
-        </p:nvSpPr>
-        <p:spPr/>
-        <p:txBody>
-          <a:bodyPr/>
-          <a:lstStyle/>
-          <a:p>
-            <a:endParaRPr lang="de-CH"/>
-          </a:p>
-        </p:txBody>
-      </p:sp>
-      <p:sp>
-        <p:nvSpPr>
-          <p:cNvPr id="6" name="Slide Number Placeholder 5"/>
-          <p:cNvSpPr>
-            <a:spLocks noGrp="1"/>
-          </p:cNvSpPr>
-          <p:nvPr>
-            <p:ph type="sldNum" sz="quarter" idx="12"/>
-          </p:nvPr>
-        </p:nvSpPr>
-        <p:spPr/>
-        <p:txBody>
-          <a:bodyPr/>
-          <a:lstStyle/>
           <a:p>
             <a:fld id="{66EF974D-2837-4CD3-A9E8-F64F1017B155}" type="slidenum">
               <a:rPr lang="de-CH" smtClean="0"/>
@@ -711,45 +730,188 @@
           </a:p>
         </p:txBody>
       </p:sp>
-      <p:cxnSp>
-        <p:nvCxnSpPr>
-          <p:cNvPr id="8" name="Straight Connector 7"/>
-          <p:cNvCxnSpPr/>
+      <p:sp>
+        <p:nvSpPr>
+          <p:cNvPr id="7" name="Rechteck 6"/>
+          <p:cNvSpPr/>
           <p:nvPr/>
-        </p:nvCxnSpPr>
+        </p:nvSpPr>
         <p:spPr>
           <a:xfrm>
-            <a:off x="685800" y="3398520"/>
-            <a:ext cx="7848600" cy="1588"/>
+            <a:off x="62931" y="1449303"/>
+            <a:ext cx="9021537" cy="1527349"/>
           </a:xfrm>
-          <a:prstGeom prst="line">
+          <a:prstGeom prst="rect">
             <a:avLst/>
           </a:prstGeom>
-          <a:ln w="19050">
-            <a:solidFill>
-              <a:schemeClr val="tx2"/>
-            </a:solidFill>
+          <a:solidFill>
+            <a:schemeClr val="accent1">
+              <a:alpha val="100000"/>
+            </a:schemeClr>
+          </a:solidFill>
+          <a:ln w="19050" cap="sq" cmpd="sng" algn="ctr">
+            <a:noFill/>
+            <a:prstDash val="solid"/>
           </a:ln>
+          <a:effectLst/>
         </p:spPr>
         <p:style>
-          <a:lnRef idx="1">
-            <a:schemeClr val="accent1"/>
+          <a:lnRef idx="3">
+            <a:schemeClr val="lt1"/>
           </a:lnRef>
-          <a:fillRef idx="0">
+          <a:fillRef idx="1">
             <a:schemeClr val="accent1"/>
           </a:fillRef>
-          <a:effectRef idx="0">
+          <a:effectRef idx="1">
             <a:schemeClr val="accent1"/>
           </a:effectRef>
           <a:fontRef idx="minor">
-            <a:schemeClr val="tx1"/>
+            <a:schemeClr val="lt1"/>
           </a:fontRef>
         </p:style>
-      </p:cxnSp>
+        <p:txBody>
+          <a:bodyPr anchor="ctr"/>
+          <a:lstStyle/>
+          <a:p>
+            <a:pPr algn="ctr" eaLnBrk="1" latinLnBrk="0" hangingPunct="1"/>
+            <a:endParaRPr kumimoji="0" lang="en-US"/>
+          </a:p>
+        </p:txBody>
+      </p:sp>
+      <p:sp>
+        <p:nvSpPr>
+          <p:cNvPr id="10" name="Rechteck 9"/>
+          <p:cNvSpPr/>
+          <p:nvPr/>
+        </p:nvSpPr>
+        <p:spPr>
+          <a:xfrm>
+            <a:off x="62931" y="1396720"/>
+            <a:ext cx="9021537" cy="120580"/>
+          </a:xfrm>
+          <a:prstGeom prst="rect">
+            <a:avLst/>
+          </a:prstGeom>
+          <a:solidFill>
+            <a:schemeClr val="accent1">
+              <a:tint val="60000"/>
+            </a:schemeClr>
+          </a:solidFill>
+          <a:ln w="19050" cap="sq" cmpd="sng" algn="ctr">
+            <a:noFill/>
+            <a:prstDash val="solid"/>
+          </a:ln>
+          <a:effectLst/>
+        </p:spPr>
+        <p:style>
+          <a:lnRef idx="3">
+            <a:schemeClr val="lt1"/>
+          </a:lnRef>
+          <a:fillRef idx="1">
+            <a:schemeClr val="accent1"/>
+          </a:fillRef>
+          <a:effectRef idx="1">
+            <a:schemeClr val="accent1"/>
+          </a:effectRef>
+          <a:fontRef idx="minor">
+            <a:schemeClr val="lt1"/>
+          </a:fontRef>
+        </p:style>
+        <p:txBody>
+          <a:bodyPr anchor="ctr"/>
+          <a:lstStyle/>
+          <a:p>
+            <a:pPr algn="ctr" eaLnBrk="1" latinLnBrk="0" hangingPunct="1"/>
+            <a:endParaRPr kumimoji="0" lang="en-US"/>
+          </a:p>
+        </p:txBody>
+      </p:sp>
+      <p:sp>
+        <p:nvSpPr>
+          <p:cNvPr id="11" name="Rechteck 10"/>
+          <p:cNvSpPr/>
+          <p:nvPr/>
+        </p:nvSpPr>
+        <p:spPr>
+          <a:xfrm>
+            <a:off x="62931" y="2976649"/>
+            <a:ext cx="9021537" cy="110532"/>
+          </a:xfrm>
+          <a:prstGeom prst="rect">
+            <a:avLst/>
+          </a:prstGeom>
+          <a:solidFill>
+            <a:schemeClr val="accent5"/>
+          </a:solidFill>
+          <a:ln w="19050" cap="sq" cmpd="sng" algn="ctr">
+            <a:noFill/>
+            <a:prstDash val="solid"/>
+          </a:ln>
+          <a:effectLst/>
+        </p:spPr>
+        <p:style>
+          <a:lnRef idx="3">
+            <a:schemeClr val="lt1"/>
+          </a:lnRef>
+          <a:fillRef idx="1">
+            <a:schemeClr val="accent1"/>
+          </a:fillRef>
+          <a:effectRef idx="1">
+            <a:schemeClr val="accent1"/>
+          </a:effectRef>
+          <a:fontRef idx="minor">
+            <a:schemeClr val="lt1"/>
+          </a:fontRef>
+        </p:style>
+        <p:txBody>
+          <a:bodyPr anchor="ctr"/>
+          <a:lstStyle/>
+          <a:p>
+            <a:pPr algn="ctr" eaLnBrk="1" latinLnBrk="0" hangingPunct="1"/>
+            <a:endParaRPr kumimoji="0" lang="en-US"/>
+          </a:p>
+        </p:txBody>
+      </p:sp>
+      <p:sp>
+        <p:nvSpPr>
+          <p:cNvPr id="8" name="Titel 7"/>
+          <p:cNvSpPr>
+            <a:spLocks noGrp="1"/>
+          </p:cNvSpPr>
+          <p:nvPr>
+            <p:ph type="ctrTitle"/>
+          </p:nvPr>
+        </p:nvSpPr>
+        <p:spPr>
+          <a:xfrm>
+            <a:off x="457200" y="1505930"/>
+            <a:ext cx="8229600" cy="1470025"/>
+          </a:xfrm>
+        </p:spPr>
+        <p:txBody>
+          <a:bodyPr anchor="ctr"/>
+          <a:lstStyle>
+            <a:lvl1pPr algn="ctr">
+              <a:defRPr lang="en-US" dirty="0">
+                <a:solidFill>
+                  <a:srgbClr val="FFFFFF"/>
+                </a:solidFill>
+              </a:defRPr>
+            </a:lvl1pPr>
+          </a:lstStyle>
+          <a:p>
+            <a:r>
+              <a:rPr kumimoji="0" lang="de-DE" smtClean="0"/>
+              <a:t>Titelmasterformat durch Klicken bearbeiten</a:t>
+            </a:r>
+            <a:endParaRPr kumimoji="0" lang="en-US"/>
+          </a:p>
+        </p:txBody>
+      </p:sp>
     </p:spTree>
   </p:cSld>
   <p:clrMapOvr>
-    <a:masterClrMapping/>
+    <a:overrideClrMapping bg1="lt1" tx1="dk1" bg2="lt2" tx2="dk2" accent1="accent1" accent2="accent2" accent3="accent3" accent4="accent4" accent5="accent5" accent6="accent6" hlink="hlink" folHlink="folHlink"/>
   </p:clrMapOvr>
   <p:hf hdr="0" ftr="0"/>
 </p:sldLayout>
@@ -774,7 +936,7 @@
       </p:grpSpPr>
       <p:sp>
         <p:nvSpPr>
-          <p:cNvPr id="2" name="Title 1"/>
+          <p:cNvPr id="2" name="Titel 1"/>
           <p:cNvSpPr>
             <a:spLocks noGrp="1"/>
           </p:cNvSpPr>
@@ -788,16 +950,16 @@
           <a:lstStyle/>
           <a:p>
             <a:r>
-              <a:rPr lang="de-DE" smtClean="0"/>
+              <a:rPr kumimoji="0" lang="de-DE" smtClean="0"/>
               <a:t>Titelmasterformat durch Klicken bearbeiten</a:t>
             </a:r>
-            <a:endParaRPr lang="en-US"/>
-          </a:p>
-        </p:txBody>
-      </p:sp>
-      <p:sp>
-        <p:nvSpPr>
-          <p:cNvPr id="3" name="Vertical Text Placeholder 2"/>
+            <a:endParaRPr kumimoji="0" lang="en-US"/>
+          </a:p>
+        </p:txBody>
+      </p:sp>
+      <p:sp>
+        <p:nvSpPr>
+          <p:cNvPr id="3" name="Vertikaler Textplatzhalter 2"/>
           <p:cNvSpPr>
             <a:spLocks noGrp="1"/>
           </p:cNvSpPr>
@@ -810,46 +972,46 @@
           <a:bodyPr vert="eaVert"/>
           <a:lstStyle/>
           <a:p>
-            <a:pPr lvl="0"/>
+            <a:pPr lvl="0" eaLnBrk="1" latinLnBrk="0" hangingPunct="1"/>
             <a:r>
               <a:rPr lang="de-DE" smtClean="0"/>
               <a:t>Textmasterformat bearbeiten</a:t>
             </a:r>
           </a:p>
           <a:p>
-            <a:pPr lvl="1"/>
+            <a:pPr lvl="1" eaLnBrk="1" latinLnBrk="0" hangingPunct="1"/>
             <a:r>
               <a:rPr lang="de-DE" smtClean="0"/>
               <a:t>Zweite Ebene</a:t>
             </a:r>
           </a:p>
           <a:p>
-            <a:pPr lvl="2"/>
+            <a:pPr lvl="2" eaLnBrk="1" latinLnBrk="0" hangingPunct="1"/>
             <a:r>
               <a:rPr lang="de-DE" smtClean="0"/>
               <a:t>Dritte Ebene</a:t>
             </a:r>
           </a:p>
           <a:p>
-            <a:pPr lvl="3"/>
+            <a:pPr lvl="3" eaLnBrk="1" latinLnBrk="0" hangingPunct="1"/>
             <a:r>
               <a:rPr lang="de-DE" smtClean="0"/>
               <a:t>Vierte Ebene</a:t>
             </a:r>
           </a:p>
           <a:p>
-            <a:pPr lvl="4"/>
+            <a:pPr lvl="4" eaLnBrk="1" latinLnBrk="0" hangingPunct="1"/>
             <a:r>
               <a:rPr lang="de-DE" smtClean="0"/>
               <a:t>Fünfte Ebene</a:t>
             </a:r>
-            <a:endParaRPr lang="en-US"/>
-          </a:p>
-        </p:txBody>
-      </p:sp>
-      <p:sp>
-        <p:nvSpPr>
-          <p:cNvPr id="4" name="Date Placeholder 3"/>
+            <a:endParaRPr kumimoji="0" lang="en-US"/>
+          </a:p>
+        </p:txBody>
+      </p:sp>
+      <p:sp>
+        <p:nvSpPr>
+          <p:cNvPr id="4" name="Datumsplatzhalter 3"/>
           <p:cNvSpPr>
             <a:spLocks noGrp="1"/>
           </p:cNvSpPr>
@@ -872,7 +1034,7 @@
       </p:sp>
       <p:sp>
         <p:nvSpPr>
-          <p:cNvPr id="5" name="Footer Placeholder 4"/>
+          <p:cNvPr id="5" name="Fußzeilenplatzhalter 4"/>
           <p:cNvSpPr>
             <a:spLocks noGrp="1"/>
           </p:cNvSpPr>
@@ -891,7 +1053,7 @@
       </p:sp>
       <p:sp>
         <p:nvSpPr>
-          <p:cNvPr id="6" name="Slide Number Placeholder 5"/>
+          <p:cNvPr id="6" name="Foliennummernplatzhalter 5"/>
           <p:cNvSpPr>
             <a:spLocks noGrp="1"/>
           </p:cNvSpPr>
@@ -941,7 +1103,7 @@
       </p:grpSpPr>
       <p:sp>
         <p:nvSpPr>
-          <p:cNvPr id="2" name="Vertical Title 1"/>
+          <p:cNvPr id="2" name="Vertikaler Titel 1"/>
           <p:cNvSpPr>
             <a:spLocks noGrp="1"/>
           </p:cNvSpPr>
@@ -951,25 +1113,25 @@
         </p:nvSpPr>
         <p:spPr>
           <a:xfrm>
-            <a:off x="6629400" y="609600"/>
-            <a:ext cx="2057400" cy="5867400"/>
+            <a:off x="6629400" y="274641"/>
+            <a:ext cx="2011680" cy="5851525"/>
           </a:xfrm>
         </p:spPr>
         <p:txBody>
-          <a:bodyPr vert="eaVert" anchor="b"/>
-          <a:lstStyle/>
-          <a:p>
-            <a:r>
-              <a:rPr lang="de-DE" smtClean="0"/>
+          <a:bodyPr vert="eaVert"/>
+          <a:lstStyle/>
+          <a:p>
+            <a:r>
+              <a:rPr kumimoji="0" lang="de-DE" smtClean="0"/>
               <a:t>Titelmasterformat durch Klicken bearbeiten</a:t>
             </a:r>
-            <a:endParaRPr lang="en-US" dirty="0"/>
-          </a:p>
-        </p:txBody>
-      </p:sp>
-      <p:sp>
-        <p:nvSpPr>
-          <p:cNvPr id="3" name="Vertical Text Placeholder 2"/>
+            <a:endParaRPr kumimoji="0" lang="en-US"/>
+          </a:p>
+        </p:txBody>
+      </p:sp>
+      <p:sp>
+        <p:nvSpPr>
+          <p:cNvPr id="3" name="Vertikaler Textplatzhalter 2"/>
           <p:cNvSpPr>
             <a:spLocks noGrp="1"/>
           </p:cNvSpPr>
@@ -979,54 +1141,54 @@
         </p:nvSpPr>
         <p:spPr>
           <a:xfrm>
-            <a:off x="457200" y="609600"/>
-            <a:ext cx="6019800" cy="5867400"/>
+            <a:off x="914400" y="274640"/>
+            <a:ext cx="5562600" cy="5851525"/>
           </a:xfrm>
         </p:spPr>
         <p:txBody>
           <a:bodyPr vert="eaVert"/>
           <a:lstStyle/>
           <a:p>
-            <a:pPr lvl="0"/>
+            <a:pPr lvl="0" eaLnBrk="1" latinLnBrk="0" hangingPunct="1"/>
             <a:r>
               <a:rPr lang="de-DE" smtClean="0"/>
               <a:t>Textmasterformat bearbeiten</a:t>
             </a:r>
           </a:p>
           <a:p>
-            <a:pPr lvl="1"/>
+            <a:pPr lvl="1" eaLnBrk="1" latinLnBrk="0" hangingPunct="1"/>
             <a:r>
               <a:rPr lang="de-DE" smtClean="0"/>
               <a:t>Zweite Ebene</a:t>
             </a:r>
           </a:p>
           <a:p>
-            <a:pPr lvl="2"/>
+            <a:pPr lvl="2" eaLnBrk="1" latinLnBrk="0" hangingPunct="1"/>
             <a:r>
               <a:rPr lang="de-DE" smtClean="0"/>
               <a:t>Dritte Ebene</a:t>
             </a:r>
           </a:p>
           <a:p>
-            <a:pPr lvl="3"/>
+            <a:pPr lvl="3" eaLnBrk="1" latinLnBrk="0" hangingPunct="1"/>
             <a:r>
               <a:rPr lang="de-DE" smtClean="0"/>
               <a:t>Vierte Ebene</a:t>
             </a:r>
           </a:p>
           <a:p>
-            <a:pPr lvl="4"/>
+            <a:pPr lvl="4" eaLnBrk="1" latinLnBrk="0" hangingPunct="1"/>
             <a:r>
               <a:rPr lang="de-DE" smtClean="0"/>
               <a:t>Fünfte Ebene</a:t>
             </a:r>
-            <a:endParaRPr lang="en-US" dirty="0"/>
-          </a:p>
-        </p:txBody>
-      </p:sp>
-      <p:sp>
-        <p:nvSpPr>
-          <p:cNvPr id="4" name="Date Placeholder 3"/>
+            <a:endParaRPr kumimoji="0" lang="en-US"/>
+          </a:p>
+        </p:txBody>
+      </p:sp>
+      <p:sp>
+        <p:nvSpPr>
+          <p:cNvPr id="4" name="Datumsplatzhalter 3"/>
           <p:cNvSpPr>
             <a:spLocks noGrp="1"/>
           </p:cNvSpPr>
@@ -1049,7 +1211,7 @@
       </p:sp>
       <p:sp>
         <p:nvSpPr>
-          <p:cNvPr id="5" name="Footer Placeholder 4"/>
+          <p:cNvPr id="5" name="Fußzeilenplatzhalter 4"/>
           <p:cNvSpPr>
             <a:spLocks noGrp="1"/>
           </p:cNvSpPr>
@@ -1068,7 +1230,7 @@
       </p:sp>
       <p:sp>
         <p:nvSpPr>
-          <p:cNvPr id="6" name="Slide Number Placeholder 5"/>
+          <p:cNvPr id="6" name="Foliennummernplatzhalter 5"/>
           <p:cNvSpPr>
             <a:spLocks noGrp="1"/>
           </p:cNvSpPr>
@@ -1118,7 +1280,7 @@
       </p:grpSpPr>
       <p:sp>
         <p:nvSpPr>
-          <p:cNvPr id="2" name="Title 1"/>
+          <p:cNvPr id="2" name="Titel 1"/>
           <p:cNvSpPr>
             <a:spLocks noGrp="1"/>
           </p:cNvSpPr>
@@ -1132,68 +1294,16 @@
           <a:lstStyle/>
           <a:p>
             <a:r>
-              <a:rPr lang="de-DE" smtClean="0"/>
+              <a:rPr kumimoji="0" lang="de-DE" smtClean="0"/>
               <a:t>Titelmasterformat durch Klicken bearbeiten</a:t>
             </a:r>
-            <a:endParaRPr lang="en-US"/>
-          </a:p>
-        </p:txBody>
-      </p:sp>
-      <p:sp>
-        <p:nvSpPr>
-          <p:cNvPr id="3" name="Content Placeholder 2"/>
-          <p:cNvSpPr>
-            <a:spLocks noGrp="1"/>
-          </p:cNvSpPr>
-          <p:nvPr>
-            <p:ph idx="1"/>
-          </p:nvPr>
-        </p:nvSpPr>
-        <p:spPr/>
-        <p:txBody>
-          <a:bodyPr/>
-          <a:lstStyle/>
-          <a:p>
-            <a:pPr lvl="0"/>
-            <a:r>
-              <a:rPr lang="de-DE" smtClean="0"/>
-              <a:t>Textmasterformat bearbeiten</a:t>
-            </a:r>
-          </a:p>
-          <a:p>
-            <a:pPr lvl="1"/>
-            <a:r>
-              <a:rPr lang="de-DE" smtClean="0"/>
-              <a:t>Zweite Ebene</a:t>
-            </a:r>
-          </a:p>
-          <a:p>
-            <a:pPr lvl="2"/>
-            <a:r>
-              <a:rPr lang="de-DE" smtClean="0"/>
-              <a:t>Dritte Ebene</a:t>
-            </a:r>
-          </a:p>
-          <a:p>
-            <a:pPr lvl="3"/>
-            <a:r>
-              <a:rPr lang="de-DE" smtClean="0"/>
-              <a:t>Vierte Ebene</a:t>
-            </a:r>
-          </a:p>
-          <a:p>
-            <a:pPr lvl="4"/>
-            <a:r>
-              <a:rPr lang="de-DE" smtClean="0"/>
-              <a:t>Fünfte Ebene</a:t>
-            </a:r>
-            <a:endParaRPr lang="en-US"/>
-          </a:p>
-        </p:txBody>
-      </p:sp>
-      <p:sp>
-        <p:nvSpPr>
-          <p:cNvPr id="4" name="Date Placeholder 3"/>
+            <a:endParaRPr kumimoji="0" lang="en-US"/>
+          </a:p>
+        </p:txBody>
+      </p:sp>
+      <p:sp>
+        <p:nvSpPr>
+          <p:cNvPr id="4" name="Datumsplatzhalter 3"/>
           <p:cNvSpPr>
             <a:spLocks noGrp="1"/>
           </p:cNvSpPr>
@@ -1216,7 +1326,7 @@
       </p:sp>
       <p:sp>
         <p:nvSpPr>
-          <p:cNvPr id="5" name="Footer Placeholder 4"/>
+          <p:cNvPr id="5" name="Fußzeilenplatzhalter 4"/>
           <p:cNvSpPr>
             <a:spLocks noGrp="1"/>
           </p:cNvSpPr>
@@ -1235,7 +1345,7 @@
       </p:sp>
       <p:sp>
         <p:nvSpPr>
-          <p:cNvPr id="6" name="Slide Number Placeholder 5"/>
+          <p:cNvPr id="6" name="Foliennummernplatzhalter 5"/>
           <p:cNvSpPr>
             <a:spLocks noGrp="1"/>
           </p:cNvSpPr>
@@ -1254,6 +1364,63 @@
               <a:t>‹Nr.›</a:t>
             </a:fld>
             <a:endParaRPr lang="de-CH"/>
+          </a:p>
+        </p:txBody>
+      </p:sp>
+      <p:sp>
+        <p:nvSpPr>
+          <p:cNvPr id="8" name="Inhaltsplatzhalter 7"/>
+          <p:cNvSpPr>
+            <a:spLocks noGrp="1"/>
+          </p:cNvSpPr>
+          <p:nvPr>
+            <p:ph sz="quarter" idx="1"/>
+          </p:nvPr>
+        </p:nvSpPr>
+        <p:spPr>
+          <a:xfrm>
+            <a:off x="914400" y="1447800"/>
+            <a:ext cx="7772400" cy="4572000"/>
+          </a:xfrm>
+        </p:spPr>
+        <p:txBody>
+          <a:bodyPr vert="horz"/>
+          <a:lstStyle/>
+          <a:p>
+            <a:pPr lvl="0" eaLnBrk="1" latinLnBrk="0" hangingPunct="1"/>
+            <a:r>
+              <a:rPr lang="de-DE" smtClean="0"/>
+              <a:t>Textmasterformat bearbeiten</a:t>
+            </a:r>
+          </a:p>
+          <a:p>
+            <a:pPr lvl="1" eaLnBrk="1" latinLnBrk="0" hangingPunct="1"/>
+            <a:r>
+              <a:rPr lang="de-DE" smtClean="0"/>
+              <a:t>Zweite Ebene</a:t>
+            </a:r>
+          </a:p>
+          <a:p>
+            <a:pPr lvl="2" eaLnBrk="1" latinLnBrk="0" hangingPunct="1"/>
+            <a:r>
+              <a:rPr lang="de-DE" smtClean="0"/>
+              <a:t>Dritte Ebene</a:t>
+            </a:r>
+          </a:p>
+          <a:p>
+            <a:pPr lvl="3" eaLnBrk="1" latinLnBrk="0" hangingPunct="1"/>
+            <a:r>
+              <a:rPr lang="de-DE" smtClean="0"/>
+              <a:t>Vierte Ebene</a:t>
+            </a:r>
+          </a:p>
+          <a:p>
+            <a:pPr lvl="4" eaLnBrk="1" latinLnBrk="0" hangingPunct="1"/>
+            <a:r>
+              <a:rPr lang="de-DE" smtClean="0"/>
+              <a:t>Fünfte Ebene</a:t>
+            </a:r>
+            <a:endParaRPr kumimoji="0" lang="en-US"/>
           </a:p>
         </p:txBody>
       </p:sp>
@@ -1267,11 +1434,11 @@
 </file>
 
 <file path=ppt/slideLayouts/slideLayout3.xml><?xml version="1.0" encoding="utf-8"?>
-<p:sldLayout xmlns:a="http://schemas.openxmlformats.org/drawingml/2006/main" xmlns:r="http://schemas.openxmlformats.org/officeDocument/2006/relationships" xmlns:p="http://schemas.openxmlformats.org/presentationml/2006/main" type="secHead" preserve="1">
+<p:sldLayout xmlns:a="http://schemas.openxmlformats.org/drawingml/2006/main" xmlns:r="http://schemas.openxmlformats.org/officeDocument/2006/relationships" xmlns:p="http://schemas.openxmlformats.org/presentationml/2006/main" showMasterSp="0" type="secHead" preserve="1">
   <p:cSld name="Abschnitts-&#10;überschrift">
     <p:bg>
-      <p:bgRef idx="1001">
-        <a:schemeClr val="bg2"/>
+      <p:bgRef idx="1003">
+        <a:schemeClr val="bg1"/>
       </p:bgRef>
     </p:bg>
     <p:spTree>
@@ -1290,41 +1457,134 @@
       </p:grpSpPr>
       <p:sp>
         <p:nvSpPr>
-          <p:cNvPr id="2" name="Title 1"/>
-          <p:cNvSpPr>
-            <a:spLocks noGrp="1"/>
-          </p:cNvSpPr>
-          <p:nvPr>
-            <p:ph type="title"/>
-          </p:nvPr>
+          <p:cNvPr id="11" name="Rechteck 10"/>
+          <p:cNvSpPr/>
+          <p:nvPr/>
         </p:nvSpPr>
         <p:spPr>
           <a:xfrm>
-            <a:off x="722313" y="2362200"/>
-            <a:ext cx="7772400" cy="2200275"/>
+            <a:off x="0" y="0"/>
+            <a:ext cx="9144000" cy="6858000"/>
+          </a:xfrm>
+          <a:prstGeom prst="rect">
+            <a:avLst/>
+          </a:prstGeom>
+          <a:solidFill>
+            <a:srgbClr val="FFFFFF"/>
+          </a:solidFill>
+          <a:ln w="12700" cap="flat" cmpd="sng" algn="ctr">
+            <a:noFill/>
+            <a:prstDash val="solid"/>
+          </a:ln>
+        </p:spPr>
+        <p:style>
+          <a:lnRef idx="2">
+            <a:schemeClr val="accent1"/>
+          </a:lnRef>
+          <a:fillRef idx="1">
+            <a:schemeClr val="accent1"/>
+          </a:fillRef>
+          <a:effectRef idx="0">
+            <a:schemeClr val="accent1"/>
+          </a:effectRef>
+          <a:fontRef idx="minor">
+            <a:schemeClr val="lt1"/>
+          </a:fontRef>
+        </p:style>
+        <p:txBody>
+          <a:bodyPr rtlCol="0" anchor="ctr"/>
+          <a:lstStyle/>
+          <a:p>
+            <a:pPr algn="ctr" eaLnBrk="1" latinLnBrk="0" hangingPunct="1"/>
+            <a:endParaRPr kumimoji="0" lang="en-US"/>
+          </a:p>
+        </p:txBody>
+      </p:sp>
+      <p:sp useBgFill="1">
+        <p:nvSpPr>
+          <p:cNvPr id="10" name="Abgerundetes Rechteck 9"/>
+          <p:cNvSpPr/>
+          <p:nvPr/>
+        </p:nvSpPr>
+        <p:spPr>
+          <a:xfrm>
+            <a:off x="65313" y="69755"/>
+            <a:ext cx="9013372" cy="6692201"/>
+          </a:xfrm>
+          <a:prstGeom prst="roundRect">
+            <a:avLst>
+              <a:gd name="adj" fmla="val 4929"/>
+            </a:avLst>
+          </a:prstGeom>
+          <a:ln w="6350" cap="sq" cmpd="sng" algn="ctr">
+            <a:solidFill>
+              <a:schemeClr val="tx1">
+                <a:alpha val="100000"/>
+              </a:schemeClr>
+            </a:solidFill>
+            <a:prstDash val="solid"/>
+          </a:ln>
+          <a:effectLst/>
+        </p:spPr>
+        <p:style>
+          <a:lnRef idx="3">
+            <a:schemeClr val="lt1"/>
+          </a:lnRef>
+          <a:fillRef idx="1003">
+            <a:schemeClr val="lt1"/>
+          </a:fillRef>
+          <a:effectRef idx="1">
+            <a:schemeClr val="accent1"/>
+          </a:effectRef>
+          <a:fontRef idx="minor">
+            <a:schemeClr val="lt1"/>
+          </a:fontRef>
+        </p:style>
+        <p:txBody>
+          <a:bodyPr anchor="ctr"/>
+          <a:lstStyle/>
+          <a:p>
+            <a:pPr algn="ctr" eaLnBrk="1" latinLnBrk="0" hangingPunct="1"/>
+            <a:endParaRPr kumimoji="0" lang="en-US"/>
+          </a:p>
+        </p:txBody>
+      </p:sp>
+      <p:sp>
+        <p:nvSpPr>
+          <p:cNvPr id="2" name="Titel 1"/>
+          <p:cNvSpPr>
+            <a:spLocks noGrp="1"/>
+          </p:cNvSpPr>
+          <p:nvPr>
+            <p:ph type="title"/>
+          </p:nvPr>
+        </p:nvSpPr>
+        <p:spPr>
+          <a:xfrm>
+            <a:off x="722313" y="952500"/>
+            <a:ext cx="7772400" cy="1362075"/>
           </a:xfrm>
         </p:spPr>
         <p:txBody>
-          <a:bodyPr anchor="b">
-            <a:normAutofit/>
-          </a:bodyPr>
+          <a:bodyPr anchor="b" anchorCtr="0"/>
           <a:lstStyle>
             <a:lvl1pPr algn="l">
-              <a:defRPr sz="4800" b="0" cap="all"/>
+              <a:buNone/>
+              <a:defRPr sz="4000" b="0" cap="none"/>
             </a:lvl1pPr>
           </a:lstStyle>
           <a:p>
             <a:r>
-              <a:rPr lang="de-DE" smtClean="0"/>
+              <a:rPr kumimoji="0" lang="de-DE" smtClean="0"/>
               <a:t>Titelmasterformat durch Klicken bearbeiten</a:t>
             </a:r>
-            <a:endParaRPr lang="en-US" dirty="0"/>
-          </a:p>
-        </p:txBody>
-      </p:sp>
-      <p:sp>
-        <p:nvSpPr>
-          <p:cNvPr id="3" name="Text Placeholder 2"/>
+            <a:endParaRPr kumimoji="0" lang="en-US"/>
+          </a:p>
+        </p:txBody>
+      </p:sp>
+      <p:sp>
+        <p:nvSpPr>
+          <p:cNvPr id="3" name="Textplatzhalter 2"/>
           <p:cNvSpPr>
             <a:spLocks noGrp="1"/>
           </p:cNvSpPr>
@@ -1334,24 +1594,24 @@
         </p:nvSpPr>
         <p:spPr>
           <a:xfrm>
-            <a:off x="722313" y="4626864"/>
-            <a:ext cx="7772400" cy="1500187"/>
+            <a:off x="722313" y="2547938"/>
+            <a:ext cx="7772400" cy="1338262"/>
           </a:xfrm>
         </p:spPr>
         <p:txBody>
-          <a:bodyPr anchor="t">
-            <a:normAutofit/>
-          </a:bodyPr>
+          <a:bodyPr anchor="t" anchorCtr="0"/>
           <a:lstStyle>
             <a:lvl1pPr marL="0" indent="0">
               <a:buNone/>
               <a:defRPr sz="2400">
                 <a:solidFill>
-                  <a:schemeClr val="tx2"/>
+                  <a:schemeClr val="tx1">
+                    <a:tint val="75000"/>
+                  </a:schemeClr>
                 </a:solidFill>
               </a:defRPr>
             </a:lvl1pPr>
-            <a:lvl2pPr marL="457200" indent="0">
+            <a:lvl2pPr>
               <a:buNone/>
               <a:defRPr sz="1800">
                 <a:solidFill>
@@ -1361,7 +1621,7 @@
                 </a:solidFill>
               </a:defRPr>
             </a:lvl2pPr>
-            <a:lvl3pPr marL="914400" indent="0">
+            <a:lvl3pPr>
               <a:buNone/>
               <a:defRPr sz="1600">
                 <a:solidFill>
@@ -1371,7 +1631,7 @@
                 </a:solidFill>
               </a:defRPr>
             </a:lvl3pPr>
-            <a:lvl4pPr marL="1371600" indent="0">
+            <a:lvl4pPr>
               <a:buNone/>
               <a:defRPr sz="1400">
                 <a:solidFill>
@@ -1381,7 +1641,7 @@
                 </a:solidFill>
               </a:defRPr>
             </a:lvl4pPr>
-            <a:lvl5pPr marL="1828800" indent="0">
+            <a:lvl5pPr>
               <a:buNone/>
               <a:defRPr sz="1400">
                 <a:solidFill>
@@ -1391,51 +1651,11 @@
                 </a:solidFill>
               </a:defRPr>
             </a:lvl5pPr>
-            <a:lvl6pPr marL="2286000" indent="0">
-              <a:buNone/>
-              <a:defRPr sz="1400">
-                <a:solidFill>
-                  <a:schemeClr val="tx1">
-                    <a:tint val="75000"/>
-                  </a:schemeClr>
-                </a:solidFill>
-              </a:defRPr>
-            </a:lvl6pPr>
-            <a:lvl7pPr marL="2743200" indent="0">
-              <a:buNone/>
-              <a:defRPr sz="1400">
-                <a:solidFill>
-                  <a:schemeClr val="tx1">
-                    <a:tint val="75000"/>
-                  </a:schemeClr>
-                </a:solidFill>
-              </a:defRPr>
-            </a:lvl7pPr>
-            <a:lvl8pPr marL="3200400" indent="0">
-              <a:buNone/>
-              <a:defRPr sz="1400">
-                <a:solidFill>
-                  <a:schemeClr val="tx1">
-                    <a:tint val="75000"/>
-                  </a:schemeClr>
-                </a:solidFill>
-              </a:defRPr>
-            </a:lvl8pPr>
-            <a:lvl9pPr marL="3657600" indent="0">
-              <a:buNone/>
-              <a:defRPr sz="1400">
-                <a:solidFill>
-                  <a:schemeClr val="tx1">
-                    <a:tint val="75000"/>
-                  </a:schemeClr>
-                </a:solidFill>
-              </a:defRPr>
-            </a:lvl9pPr>
           </a:lstStyle>
           <a:p>
-            <a:pPr lvl="0"/>
-            <a:r>
-              <a:rPr lang="de-DE" smtClean="0"/>
+            <a:pPr lvl="0" eaLnBrk="1" latinLnBrk="0" hangingPunct="1"/>
+            <a:r>
+              <a:rPr kumimoji="0" lang="de-DE" smtClean="0"/>
               <a:t>Textmasterformat bearbeiten</a:t>
             </a:r>
           </a:p>
@@ -1443,7 +1663,7 @@
       </p:sp>
       <p:sp>
         <p:nvSpPr>
-          <p:cNvPr id="4" name="Date Placeholder 3"/>
+          <p:cNvPr id="4" name="Datumsplatzhalter 3"/>
           <p:cNvSpPr>
             <a:spLocks noGrp="1"/>
           </p:cNvSpPr>
@@ -1466,7 +1686,7 @@
       </p:sp>
       <p:sp>
         <p:nvSpPr>
-          <p:cNvPr id="5" name="Footer Placeholder 4"/>
+          <p:cNvPr id="5" name="Fußzeilenplatzhalter 4"/>
           <p:cNvSpPr>
             <a:spLocks noGrp="1"/>
           </p:cNvSpPr>
@@ -1474,7 +1694,12 @@
             <p:ph type="ftr" sz="quarter" idx="11"/>
           </p:nvPr>
         </p:nvSpPr>
-        <p:spPr/>
+        <p:spPr>
+          <a:xfrm>
+            <a:off x="800100" y="6172200"/>
+            <a:ext cx="4000500" cy="457200"/>
+          </a:xfrm>
+        </p:spPr>
         <p:txBody>
           <a:bodyPr/>
           <a:lstStyle/>
@@ -1485,7 +1710,149 @@
       </p:sp>
       <p:sp>
         <p:nvSpPr>
-          <p:cNvPr id="6" name="Slide Number Placeholder 5"/>
+          <p:cNvPr id="7" name="Rechteck 6"/>
+          <p:cNvSpPr/>
+          <p:nvPr/>
+        </p:nvSpPr>
+        <p:spPr>
+          <a:xfrm flipV="1">
+            <a:off x="69412" y="2376830"/>
+            <a:ext cx="9013515" cy="91440"/>
+          </a:xfrm>
+          <a:prstGeom prst="rect">
+            <a:avLst/>
+          </a:prstGeom>
+          <a:solidFill>
+            <a:schemeClr val="accent1">
+              <a:alpha val="100000"/>
+            </a:schemeClr>
+          </a:solidFill>
+          <a:ln w="19050" cap="sq" cmpd="sng" algn="ctr">
+            <a:noFill/>
+            <a:prstDash val="solid"/>
+          </a:ln>
+          <a:effectLst/>
+        </p:spPr>
+        <p:style>
+          <a:lnRef idx="3">
+            <a:schemeClr val="lt1"/>
+          </a:lnRef>
+          <a:fillRef idx="1">
+            <a:schemeClr val="accent1"/>
+          </a:fillRef>
+          <a:effectRef idx="1">
+            <a:schemeClr val="accent1"/>
+          </a:effectRef>
+          <a:fontRef idx="minor">
+            <a:schemeClr val="lt1"/>
+          </a:fontRef>
+        </p:style>
+        <p:txBody>
+          <a:bodyPr anchor="ctr"/>
+          <a:lstStyle/>
+          <a:p>
+            <a:pPr algn="ctr" eaLnBrk="1" latinLnBrk="0" hangingPunct="1"/>
+            <a:endParaRPr kumimoji="0" lang="en-US"/>
+          </a:p>
+        </p:txBody>
+      </p:sp>
+      <p:sp>
+        <p:nvSpPr>
+          <p:cNvPr id="8" name="Rechteck 7"/>
+          <p:cNvSpPr/>
+          <p:nvPr/>
+        </p:nvSpPr>
+        <p:spPr>
+          <a:xfrm>
+            <a:off x="69146" y="2341475"/>
+            <a:ext cx="9013781" cy="45719"/>
+          </a:xfrm>
+          <a:prstGeom prst="rect">
+            <a:avLst/>
+          </a:prstGeom>
+          <a:solidFill>
+            <a:schemeClr val="accent1">
+              <a:tint val="60000"/>
+            </a:schemeClr>
+          </a:solidFill>
+          <a:ln w="19050" cap="sq" cmpd="sng" algn="ctr">
+            <a:noFill/>
+            <a:prstDash val="solid"/>
+          </a:ln>
+          <a:effectLst/>
+        </p:spPr>
+        <p:style>
+          <a:lnRef idx="3">
+            <a:schemeClr val="lt1"/>
+          </a:lnRef>
+          <a:fillRef idx="1">
+            <a:schemeClr val="accent1"/>
+          </a:fillRef>
+          <a:effectRef idx="1">
+            <a:schemeClr val="accent1"/>
+          </a:effectRef>
+          <a:fontRef idx="minor">
+            <a:schemeClr val="lt1"/>
+          </a:fontRef>
+        </p:style>
+        <p:txBody>
+          <a:bodyPr anchor="ctr"/>
+          <a:lstStyle/>
+          <a:p>
+            <a:pPr algn="ctr" eaLnBrk="1" latinLnBrk="0" hangingPunct="1"/>
+            <a:endParaRPr kumimoji="0" lang="en-US"/>
+          </a:p>
+        </p:txBody>
+      </p:sp>
+      <p:sp>
+        <p:nvSpPr>
+          <p:cNvPr id="9" name="Rechteck 8"/>
+          <p:cNvSpPr/>
+          <p:nvPr/>
+        </p:nvSpPr>
+        <p:spPr>
+          <a:xfrm>
+            <a:off x="68306" y="2468880"/>
+            <a:ext cx="9014621" cy="45720"/>
+          </a:xfrm>
+          <a:prstGeom prst="rect">
+            <a:avLst/>
+          </a:prstGeom>
+          <a:solidFill>
+            <a:schemeClr val="accent5"/>
+          </a:solidFill>
+          <a:ln w="19050" cap="sq" cmpd="sng" algn="ctr">
+            <a:noFill/>
+            <a:prstDash val="solid"/>
+          </a:ln>
+          <a:effectLst/>
+        </p:spPr>
+        <p:style>
+          <a:lnRef idx="3">
+            <a:schemeClr val="lt1"/>
+          </a:lnRef>
+          <a:fillRef idx="1">
+            <a:schemeClr val="accent1"/>
+          </a:fillRef>
+          <a:effectRef idx="1">
+            <a:schemeClr val="accent1"/>
+          </a:effectRef>
+          <a:fontRef idx="minor">
+            <a:schemeClr val="lt1"/>
+          </a:fontRef>
+        </p:style>
+        <p:txBody>
+          <a:bodyPr anchor="ctr"/>
+          <a:lstStyle/>
+          <a:p>
+            <a:pPr algn="ctr" eaLnBrk="1" latinLnBrk="0" hangingPunct="1"/>
+            <a:endParaRPr kumimoji="0" lang="en-US"/>
+          </a:p>
+        </p:txBody>
+      </p:sp>
+      <p:sp>
+        <p:nvSpPr>
+          <p:cNvPr id="6" name="Foliennummernplatzhalter 5"/>
           <p:cNvSpPr>
             <a:spLocks noGrp="1"/>
           </p:cNvSpPr>
@@ -1493,7 +1860,12 @@
             <p:ph type="sldNum" sz="quarter" idx="12"/>
           </p:nvPr>
         </p:nvSpPr>
-        <p:spPr/>
+        <p:spPr>
+          <a:xfrm>
+            <a:off x="146304" y="6208776"/>
+            <a:ext cx="457200" cy="457200"/>
+          </a:xfrm>
+        </p:spPr>
         <p:txBody>
           <a:bodyPr/>
           <a:lstStyle/>
@@ -1507,45 +1879,10 @@
           </a:p>
         </p:txBody>
       </p:sp>
-      <p:cxnSp>
-        <p:nvCxnSpPr>
-          <p:cNvPr id="7" name="Straight Connector 6"/>
-          <p:cNvCxnSpPr/>
-          <p:nvPr/>
-        </p:nvCxnSpPr>
-        <p:spPr>
-          <a:xfrm>
-            <a:off x="731520" y="4599432"/>
-            <a:ext cx="7848600" cy="1588"/>
-          </a:xfrm>
-          <a:prstGeom prst="line">
-            <a:avLst/>
-          </a:prstGeom>
-          <a:ln w="19050">
-            <a:solidFill>
-              <a:schemeClr val="tx2"/>
-            </a:solidFill>
-          </a:ln>
-        </p:spPr>
-        <p:style>
-          <a:lnRef idx="1">
-            <a:schemeClr val="accent1"/>
-          </a:lnRef>
-          <a:fillRef idx="0">
-            <a:schemeClr val="accent1"/>
-          </a:fillRef>
-          <a:effectRef idx="0">
-            <a:schemeClr val="accent1"/>
-          </a:effectRef>
-          <a:fontRef idx="minor">
-            <a:schemeClr val="tx1"/>
-          </a:fontRef>
-        </p:style>
-      </p:cxnSp>
     </p:spTree>
   </p:cSld>
   <p:clrMapOvr>
-    <a:overrideClrMapping bg1="dk1" tx1="lt1" bg2="dk2" tx2="lt2" accent1="accent1" accent2="accent2" accent3="accent3" accent4="accent4" accent5="accent5" accent6="accent6" hlink="hlink" folHlink="folHlink"/>
+    <a:overrideClrMapping bg1="lt1" tx1="dk1" bg2="lt2" tx2="dk2" accent1="accent1" accent2="accent2" accent3="accent3" accent4="accent4" accent5="accent5" accent6="accent6" hlink="hlink" folHlink="folHlink"/>
   </p:clrMapOvr>
   <p:hf hdr="0" ftr="0"/>
 </p:sldLayout>
@@ -1570,7 +1907,7 @@
       </p:grpSpPr>
       <p:sp>
         <p:nvSpPr>
-          <p:cNvPr id="2" name="Title 1"/>
+          <p:cNvPr id="2" name="Titel 1"/>
           <p:cNvSpPr>
             <a:spLocks noGrp="1"/>
           </p:cNvSpPr>
@@ -1584,186 +1921,16 @@
           <a:lstStyle/>
           <a:p>
             <a:r>
-              <a:rPr lang="de-DE" smtClean="0"/>
+              <a:rPr kumimoji="0" lang="de-DE" smtClean="0"/>
               <a:t>Titelmasterformat durch Klicken bearbeiten</a:t>
             </a:r>
-            <a:endParaRPr lang="en-US"/>
-          </a:p>
-        </p:txBody>
-      </p:sp>
-      <p:sp>
-        <p:nvSpPr>
-          <p:cNvPr id="3" name="Content Placeholder 2"/>
-          <p:cNvSpPr>
-            <a:spLocks noGrp="1"/>
-          </p:cNvSpPr>
-          <p:nvPr>
-            <p:ph sz="half" idx="1"/>
-          </p:nvPr>
-        </p:nvSpPr>
-        <p:spPr>
-          <a:xfrm>
-            <a:off x="457200" y="1673352"/>
-            <a:ext cx="4038600" cy="4718304"/>
-          </a:xfrm>
-        </p:spPr>
-        <p:txBody>
-          <a:bodyPr/>
-          <a:lstStyle>
-            <a:lvl1pPr>
-              <a:defRPr sz="2800"/>
-            </a:lvl1pPr>
-            <a:lvl2pPr>
-              <a:defRPr sz="2400"/>
-            </a:lvl2pPr>
-            <a:lvl3pPr>
-              <a:defRPr sz="2000"/>
-            </a:lvl3pPr>
-            <a:lvl4pPr>
-              <a:defRPr sz="1800"/>
-            </a:lvl4pPr>
-            <a:lvl5pPr>
-              <a:defRPr sz="1800"/>
-            </a:lvl5pPr>
-            <a:lvl6pPr>
-              <a:defRPr sz="1800"/>
-            </a:lvl6pPr>
-            <a:lvl7pPr>
-              <a:defRPr sz="1800"/>
-            </a:lvl7pPr>
-            <a:lvl8pPr>
-              <a:defRPr sz="1800"/>
-            </a:lvl8pPr>
-            <a:lvl9pPr>
-              <a:defRPr sz="1800"/>
-            </a:lvl9pPr>
-          </a:lstStyle>
-          <a:p>
-            <a:pPr lvl="0"/>
-            <a:r>
-              <a:rPr lang="de-DE" smtClean="0"/>
-              <a:t>Textmasterformat bearbeiten</a:t>
-            </a:r>
-          </a:p>
-          <a:p>
-            <a:pPr lvl="1"/>
-            <a:r>
-              <a:rPr lang="de-DE" smtClean="0"/>
-              <a:t>Zweite Ebene</a:t>
-            </a:r>
-          </a:p>
-          <a:p>
-            <a:pPr lvl="2"/>
-            <a:r>
-              <a:rPr lang="de-DE" smtClean="0"/>
-              <a:t>Dritte Ebene</a:t>
-            </a:r>
-          </a:p>
-          <a:p>
-            <a:pPr lvl="3"/>
-            <a:r>
-              <a:rPr lang="de-DE" smtClean="0"/>
-              <a:t>Vierte Ebene</a:t>
-            </a:r>
-          </a:p>
-          <a:p>
-            <a:pPr lvl="4"/>
-            <a:r>
-              <a:rPr lang="de-DE" smtClean="0"/>
-              <a:t>Fünfte Ebene</a:t>
-            </a:r>
-            <a:endParaRPr lang="en-US" dirty="0"/>
-          </a:p>
-        </p:txBody>
-      </p:sp>
-      <p:sp>
-        <p:nvSpPr>
-          <p:cNvPr id="4" name="Content Placeholder 3"/>
-          <p:cNvSpPr>
-            <a:spLocks noGrp="1"/>
-          </p:cNvSpPr>
-          <p:nvPr>
-            <p:ph sz="half" idx="2"/>
-          </p:nvPr>
-        </p:nvSpPr>
-        <p:spPr>
-          <a:xfrm>
-            <a:off x="4648200" y="1673352"/>
-            <a:ext cx="4038600" cy="4718304"/>
-          </a:xfrm>
-        </p:spPr>
-        <p:txBody>
-          <a:bodyPr/>
-          <a:lstStyle>
-            <a:lvl1pPr>
-              <a:defRPr sz="2800"/>
-            </a:lvl1pPr>
-            <a:lvl2pPr>
-              <a:defRPr sz="2400"/>
-            </a:lvl2pPr>
-            <a:lvl3pPr>
-              <a:defRPr sz="2000"/>
-            </a:lvl3pPr>
-            <a:lvl4pPr>
-              <a:defRPr sz="1800"/>
-            </a:lvl4pPr>
-            <a:lvl5pPr>
-              <a:defRPr sz="1800"/>
-            </a:lvl5pPr>
-            <a:lvl6pPr>
-              <a:defRPr sz="1800"/>
-            </a:lvl6pPr>
-            <a:lvl7pPr>
-              <a:defRPr sz="1800"/>
-            </a:lvl7pPr>
-            <a:lvl8pPr>
-              <a:defRPr sz="1800"/>
-            </a:lvl8pPr>
-            <a:lvl9pPr>
-              <a:defRPr sz="1800"/>
-            </a:lvl9pPr>
-          </a:lstStyle>
-          <a:p>
-            <a:pPr lvl="0"/>
-            <a:r>
-              <a:rPr lang="de-DE" smtClean="0"/>
-              <a:t>Textmasterformat bearbeiten</a:t>
-            </a:r>
-          </a:p>
-          <a:p>
-            <a:pPr lvl="1"/>
-            <a:r>
-              <a:rPr lang="de-DE" smtClean="0"/>
-              <a:t>Zweite Ebene</a:t>
-            </a:r>
-          </a:p>
-          <a:p>
-            <a:pPr lvl="2"/>
-            <a:r>
-              <a:rPr lang="de-DE" smtClean="0"/>
-              <a:t>Dritte Ebene</a:t>
-            </a:r>
-          </a:p>
-          <a:p>
-            <a:pPr lvl="3"/>
-            <a:r>
-              <a:rPr lang="de-DE" smtClean="0"/>
-              <a:t>Vierte Ebene</a:t>
-            </a:r>
-          </a:p>
-          <a:p>
-            <a:pPr lvl="4"/>
-            <a:r>
-              <a:rPr lang="de-DE" smtClean="0"/>
-              <a:t>Fünfte Ebene</a:t>
-            </a:r>
-            <a:endParaRPr lang="en-US" dirty="0"/>
-          </a:p>
-        </p:txBody>
-      </p:sp>
-      <p:sp>
-        <p:nvSpPr>
-          <p:cNvPr id="5" name="Date Placeholder 4"/>
+            <a:endParaRPr kumimoji="0" lang="en-US"/>
+          </a:p>
+        </p:txBody>
+      </p:sp>
+      <p:sp>
+        <p:nvSpPr>
+          <p:cNvPr id="5" name="Datumsplatzhalter 4"/>
           <p:cNvSpPr>
             <a:spLocks noGrp="1"/>
           </p:cNvSpPr>
@@ -1786,7 +1953,7 @@
       </p:sp>
       <p:sp>
         <p:nvSpPr>
-          <p:cNvPr id="6" name="Footer Placeholder 5"/>
+          <p:cNvPr id="6" name="Fußzeilenplatzhalter 5"/>
           <p:cNvSpPr>
             <a:spLocks noGrp="1"/>
           </p:cNvSpPr>
@@ -1805,7 +1972,7 @@
       </p:sp>
       <p:sp>
         <p:nvSpPr>
-          <p:cNvPr id="7" name="Slide Number Placeholder 6"/>
+          <p:cNvPr id="7" name="Foliennummernplatzhalter 6"/>
           <p:cNvSpPr>
             <a:spLocks noGrp="1"/>
           </p:cNvSpPr>
@@ -1824,6 +1991,120 @@
               <a:t>‹Nr.›</a:t>
             </a:fld>
             <a:endParaRPr lang="de-CH"/>
+          </a:p>
+        </p:txBody>
+      </p:sp>
+      <p:sp>
+        <p:nvSpPr>
+          <p:cNvPr id="9" name="Inhaltsplatzhalter 8"/>
+          <p:cNvSpPr>
+            <a:spLocks noGrp="1"/>
+          </p:cNvSpPr>
+          <p:nvPr>
+            <p:ph sz="quarter" idx="1"/>
+          </p:nvPr>
+        </p:nvSpPr>
+        <p:spPr>
+          <a:xfrm>
+            <a:off x="914400" y="1447800"/>
+            <a:ext cx="3749040" cy="4572000"/>
+          </a:xfrm>
+        </p:spPr>
+        <p:txBody>
+          <a:bodyPr vert="horz"/>
+          <a:lstStyle/>
+          <a:p>
+            <a:pPr lvl="0" eaLnBrk="1" latinLnBrk="0" hangingPunct="1"/>
+            <a:r>
+              <a:rPr lang="de-DE" smtClean="0"/>
+              <a:t>Textmasterformat bearbeiten</a:t>
+            </a:r>
+          </a:p>
+          <a:p>
+            <a:pPr lvl="1" eaLnBrk="1" latinLnBrk="0" hangingPunct="1"/>
+            <a:r>
+              <a:rPr lang="de-DE" smtClean="0"/>
+              <a:t>Zweite Ebene</a:t>
+            </a:r>
+          </a:p>
+          <a:p>
+            <a:pPr lvl="2" eaLnBrk="1" latinLnBrk="0" hangingPunct="1"/>
+            <a:r>
+              <a:rPr lang="de-DE" smtClean="0"/>
+              <a:t>Dritte Ebene</a:t>
+            </a:r>
+          </a:p>
+          <a:p>
+            <a:pPr lvl="3" eaLnBrk="1" latinLnBrk="0" hangingPunct="1"/>
+            <a:r>
+              <a:rPr lang="de-DE" smtClean="0"/>
+              <a:t>Vierte Ebene</a:t>
+            </a:r>
+          </a:p>
+          <a:p>
+            <a:pPr lvl="4" eaLnBrk="1" latinLnBrk="0" hangingPunct="1"/>
+            <a:r>
+              <a:rPr lang="de-DE" smtClean="0"/>
+              <a:t>Fünfte Ebene</a:t>
+            </a:r>
+            <a:endParaRPr kumimoji="0" lang="en-US"/>
+          </a:p>
+        </p:txBody>
+      </p:sp>
+      <p:sp>
+        <p:nvSpPr>
+          <p:cNvPr id="11" name="Inhaltsplatzhalter 10"/>
+          <p:cNvSpPr>
+            <a:spLocks noGrp="1"/>
+          </p:cNvSpPr>
+          <p:nvPr>
+            <p:ph sz="quarter" idx="2"/>
+          </p:nvPr>
+        </p:nvSpPr>
+        <p:spPr>
+          <a:xfrm>
+            <a:off x="4933950" y="1447800"/>
+            <a:ext cx="3749040" cy="4572000"/>
+          </a:xfrm>
+        </p:spPr>
+        <p:txBody>
+          <a:bodyPr vert="horz"/>
+          <a:lstStyle/>
+          <a:p>
+            <a:pPr lvl="0" eaLnBrk="1" latinLnBrk="0" hangingPunct="1"/>
+            <a:r>
+              <a:rPr lang="de-DE" smtClean="0"/>
+              <a:t>Textmasterformat bearbeiten</a:t>
+            </a:r>
+          </a:p>
+          <a:p>
+            <a:pPr lvl="1" eaLnBrk="1" latinLnBrk="0" hangingPunct="1"/>
+            <a:r>
+              <a:rPr lang="de-DE" smtClean="0"/>
+              <a:t>Zweite Ebene</a:t>
+            </a:r>
+          </a:p>
+          <a:p>
+            <a:pPr lvl="2" eaLnBrk="1" latinLnBrk="0" hangingPunct="1"/>
+            <a:r>
+              <a:rPr lang="de-DE" smtClean="0"/>
+              <a:t>Dritte Ebene</a:t>
+            </a:r>
+          </a:p>
+          <a:p>
+            <a:pPr lvl="3" eaLnBrk="1" latinLnBrk="0" hangingPunct="1"/>
+            <a:r>
+              <a:rPr lang="de-DE" smtClean="0"/>
+              <a:t>Vierte Ebene</a:t>
+            </a:r>
+          </a:p>
+          <a:p>
+            <a:pPr lvl="4" eaLnBrk="1" latinLnBrk="0" hangingPunct="1"/>
+            <a:r>
+              <a:rPr lang="de-DE" smtClean="0"/>
+              <a:t>Fünfte Ebene</a:t>
+            </a:r>
+            <a:endParaRPr kumimoji="0" lang="en-US"/>
           </a:p>
         </p:txBody>
       </p:sp>
@@ -1855,7 +2136,7 @@
       </p:grpSpPr>
       <p:sp>
         <p:nvSpPr>
-          <p:cNvPr id="2" name="Title 1"/>
+          <p:cNvPr id="2" name="Titel 1"/>
           <p:cNvSpPr>
             <a:spLocks noGrp="1"/>
           </p:cNvSpPr>
@@ -1863,9 +2144,14 @@
             <p:ph type="title"/>
           </p:nvPr>
         </p:nvSpPr>
-        <p:spPr/>
-        <p:txBody>
-          <a:bodyPr/>
+        <p:spPr>
+          <a:xfrm>
+            <a:off x="914400" y="273050"/>
+            <a:ext cx="7772400" cy="1143000"/>
+          </a:xfrm>
+        </p:spPr>
+        <p:txBody>
+          <a:bodyPr anchor="b" anchorCtr="0"/>
           <a:lstStyle>
             <a:lvl1pPr>
               <a:defRPr/>
@@ -1873,16 +2159,16 @@
           </a:lstStyle>
           <a:p>
             <a:r>
-              <a:rPr lang="de-DE" smtClean="0"/>
+              <a:rPr kumimoji="0" lang="de-DE" smtClean="0"/>
               <a:t>Titelmasterformat durch Klicken bearbeiten</a:t>
             </a:r>
-            <a:endParaRPr lang="en-US" dirty="0"/>
-          </a:p>
-        </p:txBody>
-      </p:sp>
-      <p:sp>
-        <p:nvSpPr>
-          <p:cNvPr id="3" name="Text Placeholder 2"/>
+            <a:endParaRPr kumimoji="0" lang="en-US"/>
+          </a:p>
+        </p:txBody>
+      </p:sp>
+      <p:sp>
+        <p:nvSpPr>
+          <p:cNvPr id="3" name="Textplatzhalter 2"/>
           <p:cNvSpPr>
             <a:spLocks noGrp="1"/>
           </p:cNvSpPr>
@@ -1892,77 +2178,52 @@
         </p:nvSpPr>
         <p:spPr>
           <a:xfrm>
-            <a:off x="457200" y="1676400"/>
-            <a:ext cx="3931920" cy="639762"/>
+            <a:off x="914400" y="1447800"/>
+            <a:ext cx="3733800" cy="762000"/>
           </a:xfrm>
           <a:noFill/>
-          <a:ln>
+          <a:ln w="12700" cap="sq" cmpd="sng" algn="ctr">
             <a:noFill/>
+            <a:prstDash val="solid"/>
           </a:ln>
-          <a:effectLst/>
         </p:spPr>
-        <p:style>
-          <a:lnRef idx="3">
-            <a:schemeClr val="lt1"/>
-          </a:lnRef>
-          <a:fillRef idx="1">
-            <a:schemeClr val="accent2"/>
-          </a:fillRef>
-          <a:effectRef idx="1">
-            <a:schemeClr val="accent2"/>
-          </a:effectRef>
-          <a:fontRef idx="none"/>
-        </p:style>
-        <p:txBody>
-          <a:bodyPr anchor="ctr">
-            <a:normAutofit/>
+        <p:txBody>
+          <a:bodyPr lIns="91440" anchor="b" anchorCtr="0">
+            <a:noAutofit/>
           </a:bodyPr>
           <a:lstStyle>
-            <a:lvl1pPr marL="0" indent="0" algn="ctr">
+            <a:lvl1pPr marL="0" indent="0">
               <a:buNone/>
-              <a:defRPr sz="2000" b="0">
+              <a:defRPr sz="2400" b="1">
                 <a:solidFill>
-                  <a:schemeClr val="tx2"/>
+                  <a:schemeClr val="accent1"/>
                 </a:solidFill>
+                <a:latin typeface="+mj-lt"/>
+                <a:ea typeface="+mj-ea"/>
+                <a:cs typeface="+mj-cs"/>
               </a:defRPr>
             </a:lvl1pPr>
-            <a:lvl2pPr marL="457200" indent="0">
+            <a:lvl2pPr>
               <a:buNone/>
               <a:defRPr sz="2000" b="1"/>
             </a:lvl2pPr>
-            <a:lvl3pPr marL="914400" indent="0">
+            <a:lvl3pPr>
               <a:buNone/>
               <a:defRPr sz="1800" b="1"/>
             </a:lvl3pPr>
-            <a:lvl4pPr marL="1371600" indent="0">
+            <a:lvl4pPr>
               <a:buNone/>
               <a:defRPr sz="1600" b="1"/>
             </a:lvl4pPr>
-            <a:lvl5pPr marL="1828800" indent="0">
+            <a:lvl5pPr>
               <a:buNone/>
               <a:defRPr sz="1600" b="1"/>
             </a:lvl5pPr>
-            <a:lvl6pPr marL="2286000" indent="0">
-              <a:buNone/>
-              <a:defRPr sz="1600" b="1"/>
-            </a:lvl6pPr>
-            <a:lvl7pPr marL="2743200" indent="0">
-              <a:buNone/>
-              <a:defRPr sz="1600" b="1"/>
-            </a:lvl7pPr>
-            <a:lvl8pPr marL="3200400" indent="0">
-              <a:buNone/>
-              <a:defRPr sz="1600" b="1"/>
-            </a:lvl8pPr>
-            <a:lvl9pPr marL="3657600" indent="0">
-              <a:buNone/>
-              <a:defRPr sz="1600" b="1"/>
-            </a:lvl9pPr>
           </a:lstStyle>
           <a:p>
-            <a:pPr lvl="0"/>
-            <a:r>
-              <a:rPr lang="de-DE" smtClean="0"/>
+            <a:pPr lvl="0" eaLnBrk="1" latinLnBrk="0" hangingPunct="1"/>
+            <a:r>
+              <a:rPr kumimoji="0" lang="de-DE" smtClean="0"/>
               <a:t>Textmasterformat bearbeiten</a:t>
             </a:r>
           </a:p>
@@ -1970,175 +2231,62 @@
       </p:sp>
       <p:sp>
         <p:nvSpPr>
-          <p:cNvPr id="4" name="Content Placeholder 3"/>
-          <p:cNvSpPr>
-            <a:spLocks noGrp="1"/>
-          </p:cNvSpPr>
-          <p:nvPr>
-            <p:ph sz="half" idx="2"/>
+          <p:cNvPr id="4" name="Textplatzhalter 3"/>
+          <p:cNvSpPr>
+            <a:spLocks noGrp="1"/>
+          </p:cNvSpPr>
+          <p:nvPr>
+            <p:ph type="body" sz="half" idx="3"/>
           </p:nvPr>
         </p:nvSpPr>
         <p:spPr>
           <a:xfrm>
-            <a:off x="457200" y="2438400"/>
-            <a:ext cx="3931920" cy="3951288"/>
+            <a:off x="4953000" y="1447800"/>
+            <a:ext cx="3733800" cy="762000"/>
           </a:xfrm>
+          <a:noFill/>
+          <a:ln w="12700" cap="sq" cmpd="sng" algn="ctr">
+            <a:noFill/>
+            <a:prstDash val="solid"/>
+          </a:ln>
         </p:spPr>
         <p:txBody>
-          <a:bodyPr/>
+          <a:bodyPr lIns="91440" anchor="b" anchorCtr="0">
+            <a:noAutofit/>
+          </a:bodyPr>
           <a:lstStyle>
-            <a:lvl1pPr>
-              <a:defRPr sz="2400"/>
+            <a:lvl1pPr marL="0" indent="0">
+              <a:buNone/>
+              <a:defRPr sz="2400" b="1">
+                <a:solidFill>
+                  <a:schemeClr val="accent1"/>
+                </a:solidFill>
+                <a:latin typeface="+mj-lt"/>
+                <a:ea typeface="+mj-ea"/>
+                <a:cs typeface="+mj-cs"/>
+              </a:defRPr>
             </a:lvl1pPr>
             <a:lvl2pPr>
-              <a:defRPr sz="2000"/>
-            </a:lvl2pPr>
-            <a:lvl3pPr>
-              <a:defRPr sz="1800"/>
-            </a:lvl3pPr>
-            <a:lvl4pPr>
-              <a:defRPr sz="1600"/>
-            </a:lvl4pPr>
-            <a:lvl5pPr>
-              <a:defRPr sz="1600"/>
-            </a:lvl5pPr>
-            <a:lvl6pPr>
-              <a:defRPr sz="1600"/>
-            </a:lvl6pPr>
-            <a:lvl7pPr>
-              <a:defRPr sz="1600"/>
-            </a:lvl7pPr>
-            <a:lvl8pPr>
-              <a:defRPr sz="1600"/>
-            </a:lvl8pPr>
-            <a:lvl9pPr>
-              <a:defRPr sz="1600"/>
-            </a:lvl9pPr>
-          </a:lstStyle>
-          <a:p>
-            <a:pPr lvl="0"/>
-            <a:r>
-              <a:rPr lang="de-DE" smtClean="0"/>
-              <a:t>Textmasterformat bearbeiten</a:t>
-            </a:r>
-          </a:p>
-          <a:p>
-            <a:pPr lvl="1"/>
-            <a:r>
-              <a:rPr lang="de-DE" smtClean="0"/>
-              <a:t>Zweite Ebene</a:t>
-            </a:r>
-          </a:p>
-          <a:p>
-            <a:pPr lvl="2"/>
-            <a:r>
-              <a:rPr lang="de-DE" smtClean="0"/>
-              <a:t>Dritte Ebene</a:t>
-            </a:r>
-          </a:p>
-          <a:p>
-            <a:pPr lvl="3"/>
-            <a:r>
-              <a:rPr lang="de-DE" smtClean="0"/>
-              <a:t>Vierte Ebene</a:t>
-            </a:r>
-          </a:p>
-          <a:p>
-            <a:pPr lvl="4"/>
-            <a:r>
-              <a:rPr lang="de-DE" smtClean="0"/>
-              <a:t>Fünfte Ebene</a:t>
-            </a:r>
-            <a:endParaRPr lang="en-US" dirty="0"/>
-          </a:p>
-        </p:txBody>
-      </p:sp>
-      <p:sp>
-        <p:nvSpPr>
-          <p:cNvPr id="5" name="Text Placeholder 4"/>
-          <p:cNvSpPr>
-            <a:spLocks noGrp="1"/>
-          </p:cNvSpPr>
-          <p:nvPr>
-            <p:ph type="body" sz="quarter" idx="3"/>
-          </p:nvPr>
-        </p:nvSpPr>
-        <p:spPr>
-          <a:xfrm>
-            <a:off x="4754880" y="1676400"/>
-            <a:ext cx="3931920" cy="639762"/>
-          </a:xfrm>
-          <a:noFill/>
-          <a:ln>
-            <a:noFill/>
-          </a:ln>
-          <a:effectLst/>
-        </p:spPr>
-        <p:style>
-          <a:lnRef idx="3">
-            <a:schemeClr val="lt1"/>
-          </a:lnRef>
-          <a:fillRef idx="1">
-            <a:schemeClr val="accent2"/>
-          </a:fillRef>
-          <a:effectRef idx="1">
-            <a:schemeClr val="accent2"/>
-          </a:effectRef>
-          <a:fontRef idx="none"/>
-        </p:style>
-        <p:txBody>
-          <a:bodyPr anchor="ctr">
-            <a:normAutofit/>
-          </a:bodyPr>
-          <a:lstStyle>
-            <a:lvl1pPr marL="0" indent="0" algn="ctr">
-              <a:buNone/>
-              <a:defRPr lang="en-US" sz="2000" b="0" kern="1200" dirty="0" smtClean="0">
-                <a:solidFill>
-                  <a:schemeClr val="tx2"/>
-                </a:solidFill>
-                <a:latin typeface="+mn-lt"/>
-                <a:ea typeface="+mn-ea"/>
-                <a:cs typeface="+mn-cs"/>
-              </a:defRPr>
-            </a:lvl1pPr>
-            <a:lvl2pPr marL="457200" indent="0">
               <a:buNone/>
               <a:defRPr sz="2000" b="1"/>
             </a:lvl2pPr>
-            <a:lvl3pPr marL="914400" indent="0">
+            <a:lvl3pPr>
               <a:buNone/>
               <a:defRPr sz="1800" b="1"/>
             </a:lvl3pPr>
-            <a:lvl4pPr marL="1371600" indent="0">
+            <a:lvl4pPr>
               <a:buNone/>
               <a:defRPr sz="1600" b="1"/>
             </a:lvl4pPr>
-            <a:lvl5pPr marL="1828800" indent="0">
+            <a:lvl5pPr>
               <a:buNone/>
               <a:defRPr sz="1600" b="1"/>
             </a:lvl5pPr>
-            <a:lvl6pPr marL="2286000" indent="0">
-              <a:buNone/>
-              <a:defRPr sz="1600" b="1"/>
-            </a:lvl6pPr>
-            <a:lvl7pPr marL="2743200" indent="0">
-              <a:buNone/>
-              <a:defRPr sz="1600" b="1"/>
-            </a:lvl7pPr>
-            <a:lvl8pPr marL="3200400" indent="0">
-              <a:buNone/>
-              <a:defRPr sz="1600" b="1"/>
-            </a:lvl8pPr>
-            <a:lvl9pPr marL="3657600" indent="0">
-              <a:buNone/>
-              <a:defRPr sz="1600" b="1"/>
-            </a:lvl9pPr>
           </a:lstStyle>
           <a:p>
-            <a:pPr lvl="0"/>
-            <a:r>
-              <a:rPr lang="de-DE" smtClean="0"/>
+            <a:pPr lvl="0" eaLnBrk="1" latinLnBrk="0" hangingPunct="1"/>
+            <a:r>
+              <a:rPr kumimoji="0" lang="de-DE" smtClean="0"/>
               <a:t>Textmasterformat bearbeiten</a:t>
             </a:r>
           </a:p>
@@ -2146,92 +2294,7 @@
       </p:sp>
       <p:sp>
         <p:nvSpPr>
-          <p:cNvPr id="6" name="Content Placeholder 5"/>
-          <p:cNvSpPr>
-            <a:spLocks noGrp="1"/>
-          </p:cNvSpPr>
-          <p:nvPr>
-            <p:ph sz="quarter" idx="4"/>
-          </p:nvPr>
-        </p:nvSpPr>
-        <p:spPr>
-          <a:xfrm>
-            <a:off x="4754880" y="2438400"/>
-            <a:ext cx="3931920" cy="3951288"/>
-          </a:xfrm>
-        </p:spPr>
-        <p:txBody>
-          <a:bodyPr/>
-          <a:lstStyle>
-            <a:lvl1pPr>
-              <a:defRPr sz="2400"/>
-            </a:lvl1pPr>
-            <a:lvl2pPr>
-              <a:defRPr sz="2000"/>
-            </a:lvl2pPr>
-            <a:lvl3pPr>
-              <a:defRPr sz="1800"/>
-            </a:lvl3pPr>
-            <a:lvl4pPr>
-              <a:defRPr sz="1600"/>
-            </a:lvl4pPr>
-            <a:lvl5pPr>
-              <a:defRPr sz="1600"/>
-            </a:lvl5pPr>
-            <a:lvl6pPr>
-              <a:defRPr sz="1600"/>
-            </a:lvl6pPr>
-            <a:lvl7pPr>
-              <a:defRPr sz="1600"/>
-            </a:lvl7pPr>
-            <a:lvl8pPr>
-              <a:defRPr sz="1600"/>
-            </a:lvl8pPr>
-            <a:lvl9pPr>
-              <a:defRPr sz="1600"/>
-            </a:lvl9pPr>
-          </a:lstStyle>
-          <a:p>
-            <a:pPr lvl="0"/>
-            <a:r>
-              <a:rPr lang="de-DE" smtClean="0"/>
-              <a:t>Textmasterformat bearbeiten</a:t>
-            </a:r>
-          </a:p>
-          <a:p>
-            <a:pPr lvl="1"/>
-            <a:r>
-              <a:rPr lang="de-DE" smtClean="0"/>
-              <a:t>Zweite Ebene</a:t>
-            </a:r>
-          </a:p>
-          <a:p>
-            <a:pPr lvl="2"/>
-            <a:r>
-              <a:rPr lang="de-DE" smtClean="0"/>
-              <a:t>Dritte Ebene</a:t>
-            </a:r>
-          </a:p>
-          <a:p>
-            <a:pPr lvl="3"/>
-            <a:r>
-              <a:rPr lang="de-DE" smtClean="0"/>
-              <a:t>Vierte Ebene</a:t>
-            </a:r>
-          </a:p>
-          <a:p>
-            <a:pPr lvl="4"/>
-            <a:r>
-              <a:rPr lang="de-DE" smtClean="0"/>
-              <a:t>Fünfte Ebene</a:t>
-            </a:r>
-            <a:endParaRPr lang="en-US" dirty="0"/>
-          </a:p>
-        </p:txBody>
-      </p:sp>
-      <p:sp>
-        <p:nvSpPr>
-          <p:cNvPr id="7" name="Date Placeholder 6"/>
+          <p:cNvPr id="7" name="Datumsplatzhalter 6"/>
           <p:cNvSpPr>
             <a:spLocks noGrp="1"/>
           </p:cNvSpPr>
@@ -2254,7 +2317,7 @@
       </p:sp>
       <p:sp>
         <p:nvSpPr>
-          <p:cNvPr id="8" name="Footer Placeholder 7"/>
+          <p:cNvPr id="8" name="Fußzeilenplatzhalter 7"/>
           <p:cNvSpPr>
             <a:spLocks noGrp="1"/>
           </p:cNvSpPr>
@@ -2273,7 +2336,7 @@
       </p:sp>
       <p:sp>
         <p:nvSpPr>
-          <p:cNvPr id="9" name="Slide Number Placeholder 8"/>
+          <p:cNvPr id="9" name="Foliennummernplatzhalter 8"/>
           <p:cNvSpPr>
             <a:spLocks noGrp="1"/>
           </p:cNvSpPr>
@@ -2295,41 +2358,120 @@
           </a:p>
         </p:txBody>
       </p:sp>
-      <p:cxnSp>
-        <p:nvCxnSpPr>
-          <p:cNvPr id="11" name="Straight Connector 10"/>
-          <p:cNvCxnSpPr/>
-          <p:nvPr/>
-        </p:nvCxnSpPr>
+      <p:sp>
+        <p:nvSpPr>
+          <p:cNvPr id="11" name="Inhaltsplatzhalter 10"/>
+          <p:cNvSpPr>
+            <a:spLocks noGrp="1"/>
+          </p:cNvSpPr>
+          <p:nvPr>
+            <p:ph sz="half" idx="2"/>
+          </p:nvPr>
+        </p:nvSpPr>
         <p:spPr>
-          <a:xfrm rot="5400000">
-            <a:off x="2217817" y="4045823"/>
-            <a:ext cx="4709160" cy="794"/>
+          <a:xfrm>
+            <a:off x="914400" y="2247900"/>
+            <a:ext cx="3733800" cy="3886200"/>
           </a:xfrm>
-          <a:prstGeom prst="line">
-            <a:avLst/>
-          </a:prstGeom>
-          <a:ln w="19050">
-            <a:solidFill>
-              <a:schemeClr val="tx2"/>
-            </a:solidFill>
-          </a:ln>
         </p:spPr>
-        <p:style>
-          <a:lnRef idx="1">
-            <a:schemeClr val="accent1"/>
-          </a:lnRef>
-          <a:fillRef idx="0">
-            <a:schemeClr val="accent1"/>
-          </a:fillRef>
-          <a:effectRef idx="0">
-            <a:schemeClr val="accent1"/>
-          </a:effectRef>
-          <a:fontRef idx="minor">
-            <a:schemeClr val="tx1"/>
-          </a:fontRef>
-        </p:style>
-      </p:cxnSp>
+        <p:txBody>
+          <a:bodyPr vert="horz"/>
+          <a:lstStyle/>
+          <a:p>
+            <a:pPr lvl="0" eaLnBrk="1" latinLnBrk="0" hangingPunct="1"/>
+            <a:r>
+              <a:rPr lang="de-DE" smtClean="0"/>
+              <a:t>Textmasterformat bearbeiten</a:t>
+            </a:r>
+          </a:p>
+          <a:p>
+            <a:pPr lvl="1" eaLnBrk="1" latinLnBrk="0" hangingPunct="1"/>
+            <a:r>
+              <a:rPr lang="de-DE" smtClean="0"/>
+              <a:t>Zweite Ebene</a:t>
+            </a:r>
+          </a:p>
+          <a:p>
+            <a:pPr lvl="2" eaLnBrk="1" latinLnBrk="0" hangingPunct="1"/>
+            <a:r>
+              <a:rPr lang="de-DE" smtClean="0"/>
+              <a:t>Dritte Ebene</a:t>
+            </a:r>
+          </a:p>
+          <a:p>
+            <a:pPr lvl="3" eaLnBrk="1" latinLnBrk="0" hangingPunct="1"/>
+            <a:r>
+              <a:rPr lang="de-DE" smtClean="0"/>
+              <a:t>Vierte Ebene</a:t>
+            </a:r>
+          </a:p>
+          <a:p>
+            <a:pPr lvl="4" eaLnBrk="1" latinLnBrk="0" hangingPunct="1"/>
+            <a:r>
+              <a:rPr lang="de-DE" smtClean="0"/>
+              <a:t>Fünfte Ebene</a:t>
+            </a:r>
+            <a:endParaRPr kumimoji="0" lang="en-US"/>
+          </a:p>
+        </p:txBody>
+      </p:sp>
+      <p:sp>
+        <p:nvSpPr>
+          <p:cNvPr id="13" name="Inhaltsplatzhalter 12"/>
+          <p:cNvSpPr>
+            <a:spLocks noGrp="1"/>
+          </p:cNvSpPr>
+          <p:nvPr>
+            <p:ph sz="half" idx="4"/>
+          </p:nvPr>
+        </p:nvSpPr>
+        <p:spPr>
+          <a:xfrm>
+            <a:off x="4953000" y="2247900"/>
+            <a:ext cx="3733800" cy="3886200"/>
+          </a:xfrm>
+        </p:spPr>
+        <p:txBody>
+          <a:bodyPr vert="horz"/>
+          <a:lstStyle/>
+          <a:p>
+            <a:pPr lvl="0" eaLnBrk="1" latinLnBrk="0" hangingPunct="1"/>
+            <a:r>
+              <a:rPr lang="de-DE" smtClean="0"/>
+              <a:t>Textmasterformat bearbeiten</a:t>
+            </a:r>
+          </a:p>
+          <a:p>
+            <a:pPr lvl="1" eaLnBrk="1" latinLnBrk="0" hangingPunct="1"/>
+            <a:r>
+              <a:rPr lang="de-DE" smtClean="0"/>
+              <a:t>Zweite Ebene</a:t>
+            </a:r>
+          </a:p>
+          <a:p>
+            <a:pPr lvl="2" eaLnBrk="1" latinLnBrk="0" hangingPunct="1"/>
+            <a:r>
+              <a:rPr lang="de-DE" smtClean="0"/>
+              <a:t>Dritte Ebene</a:t>
+            </a:r>
+          </a:p>
+          <a:p>
+            <a:pPr lvl="3" eaLnBrk="1" latinLnBrk="0" hangingPunct="1"/>
+            <a:r>
+              <a:rPr lang="de-DE" smtClean="0"/>
+              <a:t>Vierte Ebene</a:t>
+            </a:r>
+          </a:p>
+          <a:p>
+            <a:pPr lvl="4" eaLnBrk="1" latinLnBrk="0" hangingPunct="1"/>
+            <a:r>
+              <a:rPr lang="de-DE" smtClean="0"/>
+              <a:t>Fünfte Ebene</a:t>
+            </a:r>
+            <a:endParaRPr kumimoji="0" lang="en-US"/>
+          </a:p>
+        </p:txBody>
+      </p:sp>
     </p:spTree>
   </p:cSld>
   <p:clrMapOvr>
@@ -2358,7 +2500,7 @@
       </p:grpSpPr>
       <p:sp>
         <p:nvSpPr>
-          <p:cNvPr id="2" name="Title 1"/>
+          <p:cNvPr id="2" name="Titel 1"/>
           <p:cNvSpPr>
             <a:spLocks noGrp="1"/>
           </p:cNvSpPr>
@@ -2372,16 +2514,16 @@
           <a:lstStyle/>
           <a:p>
             <a:r>
-              <a:rPr lang="de-DE" smtClean="0"/>
+              <a:rPr kumimoji="0" lang="de-DE" smtClean="0"/>
               <a:t>Titelmasterformat durch Klicken bearbeiten</a:t>
             </a:r>
-            <a:endParaRPr lang="en-US"/>
-          </a:p>
-        </p:txBody>
-      </p:sp>
-      <p:sp>
-        <p:nvSpPr>
-          <p:cNvPr id="3" name="Date Placeholder 2"/>
+            <a:endParaRPr kumimoji="0" lang="en-US"/>
+          </a:p>
+        </p:txBody>
+      </p:sp>
+      <p:sp>
+        <p:nvSpPr>
+          <p:cNvPr id="3" name="Datumsplatzhalter 2"/>
           <p:cNvSpPr>
             <a:spLocks noGrp="1"/>
           </p:cNvSpPr>
@@ -2404,7 +2546,7 @@
       </p:sp>
       <p:sp>
         <p:nvSpPr>
-          <p:cNvPr id="4" name="Footer Placeholder 3"/>
+          <p:cNvPr id="4" name="Fußzeilenplatzhalter 3"/>
           <p:cNvSpPr>
             <a:spLocks noGrp="1"/>
           </p:cNvSpPr>
@@ -2423,7 +2565,7 @@
       </p:sp>
       <p:sp>
         <p:nvSpPr>
-          <p:cNvPr id="5" name="Slide Number Placeholder 4"/>
+          <p:cNvPr id="5" name="Foliennummernplatzhalter 4"/>
           <p:cNvSpPr>
             <a:spLocks noGrp="1"/>
           </p:cNvSpPr>
@@ -2473,7 +2615,7 @@
       </p:grpSpPr>
       <p:sp>
         <p:nvSpPr>
-          <p:cNvPr id="2" name="Date Placeholder 1"/>
+          <p:cNvPr id="2" name="Datumsplatzhalter 1"/>
           <p:cNvSpPr>
             <a:spLocks noGrp="1"/>
           </p:cNvSpPr>
@@ -2496,7 +2638,7 @@
       </p:sp>
       <p:sp>
         <p:nvSpPr>
-          <p:cNvPr id="3" name="Footer Placeholder 2"/>
+          <p:cNvPr id="3" name="Fußzeilenplatzhalter 2"/>
           <p:cNvSpPr>
             <a:spLocks noGrp="1"/>
           </p:cNvSpPr>
@@ -2515,7 +2657,7 @@
       </p:sp>
       <p:sp>
         <p:nvSpPr>
-          <p:cNvPr id="4" name="Slide Number Placeholder 3"/>
+          <p:cNvPr id="4" name="Foliennummernplatzhalter 3"/>
           <p:cNvSpPr>
             <a:spLocks noGrp="1"/>
           </p:cNvSpPr>
@@ -2565,137 +2707,146 @@
       </p:grpSpPr>
       <p:sp>
         <p:nvSpPr>
-          <p:cNvPr id="2" name="Title 1"/>
-          <p:cNvSpPr>
-            <a:spLocks noGrp="1"/>
-          </p:cNvSpPr>
-          <p:nvPr>
-            <p:ph type="title"/>
-          </p:nvPr>
+          <p:cNvPr id="8" name="Rechteck 7"/>
+          <p:cNvSpPr/>
+          <p:nvPr/>
         </p:nvSpPr>
         <p:spPr>
           <a:xfrm>
-            <a:off x="457200" y="792080"/>
-            <a:ext cx="2139696" cy="1261872"/>
+            <a:off x="0" y="0"/>
+            <a:ext cx="9144000" cy="6858000"/>
+          </a:xfrm>
+          <a:prstGeom prst="rect">
+            <a:avLst/>
+          </a:prstGeom>
+          <a:solidFill>
+            <a:srgbClr val="FFFFFF"/>
+          </a:solidFill>
+          <a:ln w="19050" cap="sq" cmpd="sng" algn="ctr">
+            <a:noFill/>
+            <a:prstDash val="solid"/>
+          </a:ln>
+          <a:effectLst/>
+        </p:spPr>
+        <p:style>
+          <a:lnRef idx="3">
+            <a:schemeClr val="lt1"/>
+          </a:lnRef>
+          <a:fillRef idx="1">
+            <a:schemeClr val="accent1"/>
+          </a:fillRef>
+          <a:effectRef idx="1">
+            <a:schemeClr val="accent1"/>
+          </a:effectRef>
+          <a:fontRef idx="minor">
+            <a:schemeClr val="lt1"/>
+          </a:fontRef>
+        </p:style>
+        <p:txBody>
+          <a:bodyPr anchor="ctr"/>
+          <a:lstStyle/>
+          <a:p>
+            <a:pPr algn="ctr" eaLnBrk="1" latinLnBrk="0" hangingPunct="1"/>
+            <a:endParaRPr kumimoji="0" lang="en-US"/>
+          </a:p>
+        </p:txBody>
+      </p:sp>
+      <p:sp useBgFill="1">
+        <p:nvSpPr>
+          <p:cNvPr id="9" name="Abgerundetes Rechteck 8"/>
+          <p:cNvSpPr/>
+          <p:nvPr/>
+        </p:nvSpPr>
+        <p:spPr>
+          <a:xfrm>
+            <a:off x="64008" y="69755"/>
+            <a:ext cx="9013372" cy="6693408"/>
+          </a:xfrm>
+          <a:prstGeom prst="roundRect">
+            <a:avLst>
+              <a:gd name="adj" fmla="val 4929"/>
+            </a:avLst>
+          </a:prstGeom>
+          <a:ln w="6350" cap="sq" cmpd="sng" algn="ctr">
+            <a:solidFill>
+              <a:schemeClr val="tx1">
+                <a:alpha val="100000"/>
+              </a:schemeClr>
+            </a:solidFill>
+            <a:prstDash val="solid"/>
+          </a:ln>
+          <a:effectLst/>
+        </p:spPr>
+        <p:style>
+          <a:lnRef idx="3">
+            <a:schemeClr val="lt1"/>
+          </a:lnRef>
+          <a:fillRef idx="1001">
+            <a:schemeClr val="lt1"/>
+          </a:fillRef>
+          <a:effectRef idx="1">
+            <a:schemeClr val="accent1"/>
+          </a:effectRef>
+          <a:fontRef idx="minor">
+            <a:schemeClr val="lt1"/>
+          </a:fontRef>
+        </p:style>
+        <p:txBody>
+          <a:bodyPr anchor="ctr"/>
+          <a:lstStyle/>
+          <a:p>
+            <a:pPr algn="ctr" eaLnBrk="1" latinLnBrk="0" hangingPunct="1"/>
+            <a:endParaRPr kumimoji="0" lang="en-US"/>
+          </a:p>
+        </p:txBody>
+      </p:sp>
+      <p:sp>
+        <p:nvSpPr>
+          <p:cNvPr id="2" name="Titel 1"/>
+          <p:cNvSpPr>
+            <a:spLocks noGrp="1"/>
+          </p:cNvSpPr>
+          <p:nvPr>
+            <p:ph type="title"/>
+          </p:nvPr>
+        </p:nvSpPr>
+        <p:spPr>
+          <a:xfrm>
+            <a:off x="914400" y="273050"/>
+            <a:ext cx="7772400" cy="1143000"/>
           </a:xfrm>
         </p:spPr>
         <p:txBody>
-          <a:bodyPr anchor="b">
-            <a:noAutofit/>
-          </a:bodyPr>
+          <a:bodyPr anchor="b" anchorCtr="0"/>
           <a:lstStyle>
             <a:lvl1pPr algn="l">
-              <a:defRPr sz="2400" b="0"/>
+              <a:buNone/>
+              <a:defRPr sz="4000" b="0"/>
             </a:lvl1pPr>
           </a:lstStyle>
           <a:p>
             <a:r>
-              <a:rPr lang="de-DE" smtClean="0"/>
+              <a:rPr kumimoji="0" lang="de-DE" smtClean="0"/>
               <a:t>Titelmasterformat durch Klicken bearbeiten</a:t>
             </a:r>
-            <a:endParaRPr lang="en-US" dirty="0"/>
-          </a:p>
-        </p:txBody>
-      </p:sp>
-      <p:sp>
-        <p:nvSpPr>
-          <p:cNvPr id="3" name="Content Placeholder 2"/>
-          <p:cNvSpPr>
-            <a:spLocks noGrp="1"/>
-          </p:cNvSpPr>
-          <p:nvPr>
-            <p:ph idx="1"/>
+            <a:endParaRPr kumimoji="0" lang="en-US"/>
+          </a:p>
+        </p:txBody>
+      </p:sp>
+      <p:sp>
+        <p:nvSpPr>
+          <p:cNvPr id="3" name="Textplatzhalter 2"/>
+          <p:cNvSpPr>
+            <a:spLocks noGrp="1"/>
+          </p:cNvSpPr>
+          <p:nvPr>
+            <p:ph type="body" idx="2"/>
           </p:nvPr>
         </p:nvSpPr>
         <p:spPr>
           <a:xfrm>
-            <a:off x="2971800" y="792080"/>
-            <a:ext cx="5715000" cy="5577840"/>
-          </a:xfrm>
-        </p:spPr>
-        <p:txBody>
-          <a:bodyPr/>
-          <a:lstStyle>
-            <a:lvl1pPr>
-              <a:defRPr sz="3200"/>
-            </a:lvl1pPr>
-            <a:lvl2pPr>
-              <a:defRPr sz="2800"/>
-            </a:lvl2pPr>
-            <a:lvl3pPr>
-              <a:defRPr sz="2400"/>
-            </a:lvl3pPr>
-            <a:lvl4pPr>
-              <a:defRPr sz="2000"/>
-            </a:lvl4pPr>
-            <a:lvl5pPr>
-              <a:defRPr sz="2000"/>
-            </a:lvl5pPr>
-            <a:lvl6pPr>
-              <a:defRPr sz="2000"/>
-            </a:lvl6pPr>
-            <a:lvl7pPr>
-              <a:defRPr sz="2000"/>
-            </a:lvl7pPr>
-            <a:lvl8pPr>
-              <a:defRPr sz="2000"/>
-            </a:lvl8pPr>
-            <a:lvl9pPr>
-              <a:defRPr sz="2000"/>
-            </a:lvl9pPr>
-          </a:lstStyle>
-          <a:p>
-            <a:pPr lvl="0"/>
-            <a:r>
-              <a:rPr lang="de-DE" smtClean="0"/>
-              <a:t>Textmasterformat bearbeiten</a:t>
-            </a:r>
-          </a:p>
-          <a:p>
-            <a:pPr lvl="1"/>
-            <a:r>
-              <a:rPr lang="de-DE" smtClean="0"/>
-              <a:t>Zweite Ebene</a:t>
-            </a:r>
-          </a:p>
-          <a:p>
-            <a:pPr lvl="2"/>
-            <a:r>
-              <a:rPr lang="de-DE" smtClean="0"/>
-              <a:t>Dritte Ebene</a:t>
-            </a:r>
-          </a:p>
-          <a:p>
-            <a:pPr lvl="3"/>
-            <a:r>
-              <a:rPr lang="de-DE" smtClean="0"/>
-              <a:t>Vierte Ebene</a:t>
-            </a:r>
-          </a:p>
-          <a:p>
-            <a:pPr lvl="4"/>
-            <a:r>
-              <a:rPr lang="de-DE" smtClean="0"/>
-              <a:t>Fünfte Ebene</a:t>
-            </a:r>
-            <a:endParaRPr lang="en-US" dirty="0"/>
-          </a:p>
-        </p:txBody>
-      </p:sp>
-      <p:sp>
-        <p:nvSpPr>
-          <p:cNvPr id="4" name="Text Placeholder 3"/>
-          <p:cNvSpPr>
-            <a:spLocks noGrp="1"/>
-          </p:cNvSpPr>
-          <p:nvPr>
-            <p:ph type="body" sz="half" idx="2"/>
-          </p:nvPr>
-        </p:nvSpPr>
-        <p:spPr>
-          <a:xfrm>
-            <a:off x="457201" y="2130552"/>
-            <a:ext cx="2139696" cy="4243615"/>
+            <a:off x="914400" y="1600200"/>
+            <a:ext cx="1905000" cy="4495800"/>
           </a:xfrm>
         </p:spPr>
         <p:txBody>
@@ -2703,45 +2854,29 @@
           <a:lstStyle>
             <a:lvl1pPr marL="0" indent="0">
               <a:buNone/>
-              <a:defRPr sz="1400"/>
+              <a:defRPr sz="1800"/>
             </a:lvl1pPr>
-            <a:lvl2pPr marL="457200" indent="0">
+            <a:lvl2pPr>
               <a:buNone/>
               <a:defRPr sz="1200"/>
             </a:lvl2pPr>
-            <a:lvl3pPr marL="914400" indent="0">
+            <a:lvl3pPr>
               <a:buNone/>
               <a:defRPr sz="1000"/>
             </a:lvl3pPr>
-            <a:lvl4pPr marL="1371600" indent="0">
+            <a:lvl4pPr>
               <a:buNone/>
               <a:defRPr sz="900"/>
             </a:lvl4pPr>
-            <a:lvl5pPr marL="1828800" indent="0">
+            <a:lvl5pPr>
               <a:buNone/>
               <a:defRPr sz="900"/>
             </a:lvl5pPr>
-            <a:lvl6pPr marL="2286000" indent="0">
-              <a:buNone/>
-              <a:defRPr sz="900"/>
-            </a:lvl6pPr>
-            <a:lvl7pPr marL="2743200" indent="0">
-              <a:buNone/>
-              <a:defRPr sz="900"/>
-            </a:lvl7pPr>
-            <a:lvl8pPr marL="3200400" indent="0">
-              <a:buNone/>
-              <a:defRPr sz="900"/>
-            </a:lvl8pPr>
-            <a:lvl9pPr marL="3657600" indent="0">
-              <a:buNone/>
-              <a:defRPr sz="900"/>
-            </a:lvl9pPr>
           </a:lstStyle>
           <a:p>
-            <a:pPr lvl="0"/>
-            <a:r>
-              <a:rPr lang="de-DE" smtClean="0"/>
+            <a:pPr lvl="0" eaLnBrk="1" latinLnBrk="0" hangingPunct="1"/>
+            <a:r>
+              <a:rPr kumimoji="0" lang="de-DE" smtClean="0"/>
               <a:t>Textmasterformat bearbeiten</a:t>
             </a:r>
           </a:p>
@@ -2749,7 +2884,7 @@
       </p:sp>
       <p:sp>
         <p:nvSpPr>
-          <p:cNvPr id="5" name="Date Placeholder 4"/>
+          <p:cNvPr id="5" name="Datumsplatzhalter 4"/>
           <p:cNvSpPr>
             <a:spLocks noGrp="1"/>
           </p:cNvSpPr>
@@ -2772,7 +2907,7 @@
       </p:sp>
       <p:sp>
         <p:nvSpPr>
-          <p:cNvPr id="6" name="Footer Placeholder 5"/>
+          <p:cNvPr id="6" name="Fußzeilenplatzhalter 5"/>
           <p:cNvSpPr>
             <a:spLocks noGrp="1"/>
           </p:cNvSpPr>
@@ -2791,7 +2926,7 @@
       </p:sp>
       <p:sp>
         <p:nvSpPr>
-          <p:cNvPr id="7" name="Slide Number Placeholder 6"/>
+          <p:cNvPr id="7" name="Foliennummernplatzhalter 6"/>
           <p:cNvSpPr>
             <a:spLocks noGrp="1"/>
           </p:cNvSpPr>
@@ -2813,41 +2948,63 @@
           </a:p>
         </p:txBody>
       </p:sp>
-      <p:cxnSp>
-        <p:nvCxnSpPr>
-          <p:cNvPr id="9" name="Straight Connector 8"/>
-          <p:cNvCxnSpPr/>
-          <p:nvPr/>
-        </p:nvCxnSpPr>
+      <p:sp>
+        <p:nvSpPr>
+          <p:cNvPr id="11" name="Inhaltsplatzhalter 10"/>
+          <p:cNvSpPr>
+            <a:spLocks noGrp="1"/>
+          </p:cNvSpPr>
+          <p:nvPr>
+            <p:ph sz="quarter" idx="1"/>
+          </p:nvPr>
+        </p:nvSpPr>
         <p:spPr>
-          <a:xfrm rot="5400000">
-            <a:off x="-13116" y="3580206"/>
-            <a:ext cx="5577840" cy="1588"/>
+          <a:xfrm>
+            <a:off x="2971800" y="1600200"/>
+            <a:ext cx="5715000" cy="4495800"/>
           </a:xfrm>
-          <a:prstGeom prst="line">
-            <a:avLst/>
-          </a:prstGeom>
-          <a:ln w="19050">
-            <a:solidFill>
-              <a:schemeClr val="tx2"/>
-            </a:solidFill>
-          </a:ln>
         </p:spPr>
-        <p:style>
-          <a:lnRef idx="1">
-            <a:schemeClr val="accent1"/>
-          </a:lnRef>
-          <a:fillRef idx="0">
-            <a:schemeClr val="accent1"/>
-          </a:fillRef>
-          <a:effectRef idx="0">
-            <a:schemeClr val="accent1"/>
-          </a:effectRef>
-          <a:fontRef idx="minor">
-            <a:schemeClr val="tx1"/>
-          </a:fontRef>
-        </p:style>
-      </p:cxnSp>
+        <p:txBody>
+          <a:bodyPr vert="horz"/>
+          <a:lstStyle/>
+          <a:p>
+            <a:pPr lvl="0" eaLnBrk="1" latinLnBrk="0" hangingPunct="1"/>
+            <a:r>
+              <a:rPr lang="de-DE" smtClean="0"/>
+              <a:t>Textmasterformat bearbeiten</a:t>
+            </a:r>
+          </a:p>
+          <a:p>
+            <a:pPr lvl="1" eaLnBrk="1" latinLnBrk="0" hangingPunct="1"/>
+            <a:r>
+              <a:rPr lang="de-DE" smtClean="0"/>
+              <a:t>Zweite Ebene</a:t>
+            </a:r>
+          </a:p>
+          <a:p>
+            <a:pPr lvl="2" eaLnBrk="1" latinLnBrk="0" hangingPunct="1"/>
+            <a:r>
+              <a:rPr lang="de-DE" smtClean="0"/>
+              <a:t>Dritte Ebene</a:t>
+            </a:r>
+          </a:p>
+          <a:p>
+            <a:pPr lvl="3" eaLnBrk="1" latinLnBrk="0" hangingPunct="1"/>
+            <a:r>
+              <a:rPr lang="de-DE" smtClean="0"/>
+              <a:t>Vierte Ebene</a:t>
+            </a:r>
+          </a:p>
+          <a:p>
+            <a:pPr lvl="4" eaLnBrk="1" latinLnBrk="0" hangingPunct="1"/>
+            <a:r>
+              <a:rPr lang="de-DE" smtClean="0"/>
+              <a:t>Fünfte Ebene</a:t>
+            </a:r>
+            <a:endParaRPr kumimoji="0" lang="en-US"/>
+          </a:p>
+        </p:txBody>
+      </p:sp>
     </p:spTree>
   </p:cSld>
   <p:clrMapOvr>
@@ -2876,7 +3033,7 @@
       </p:grpSpPr>
       <p:sp>
         <p:nvSpPr>
-          <p:cNvPr id="2" name="Title 1"/>
+          <p:cNvPr id="2" name="Titel 1"/>
           <p:cNvSpPr>
             <a:spLocks noGrp="1"/>
           </p:cNvSpPr>
@@ -2886,219 +3043,125 @@
         </p:nvSpPr>
         <p:spPr>
           <a:xfrm>
-            <a:off x="457200" y="792480"/>
-            <a:ext cx="2142680" cy="1264920"/>
+            <a:off x="914400" y="4900550"/>
+            <a:ext cx="7315200" cy="522288"/>
           </a:xfrm>
         </p:spPr>
         <p:txBody>
-          <a:bodyPr anchor="b">
-            <a:normAutofit/>
+          <a:bodyPr anchor="ctr">
+            <a:noAutofit/>
           </a:bodyPr>
           <a:lstStyle>
             <a:lvl1pPr algn="l">
-              <a:defRPr sz="2400" b="0"/>
+              <a:buNone/>
+              <a:defRPr sz="2800" b="0"/>
             </a:lvl1pPr>
           </a:lstStyle>
           <a:p>
             <a:r>
-              <a:rPr lang="de-DE" smtClean="0"/>
+              <a:rPr kumimoji="0" lang="de-DE" smtClean="0"/>
               <a:t>Titelmasterformat durch Klicken bearbeiten</a:t>
             </a:r>
-            <a:endParaRPr lang="en-US" dirty="0"/>
-          </a:p>
-        </p:txBody>
-      </p:sp>
-      <p:sp>
-        <p:nvSpPr>
-          <p:cNvPr id="3" name="Picture Placeholder 2"/>
-          <p:cNvSpPr>
-            <a:spLocks noGrp="1"/>
-          </p:cNvSpPr>
-          <p:nvPr>
-            <p:ph type="pic" idx="1"/>
+            <a:endParaRPr kumimoji="0" lang="en-US"/>
+          </a:p>
+        </p:txBody>
+      </p:sp>
+      <p:sp>
+        <p:nvSpPr>
+          <p:cNvPr id="4" name="Textplatzhalter 3"/>
+          <p:cNvSpPr>
+            <a:spLocks noGrp="1"/>
+          </p:cNvSpPr>
+          <p:nvPr>
+            <p:ph type="body" sz="half" idx="2"/>
           </p:nvPr>
         </p:nvSpPr>
         <p:spPr>
           <a:xfrm>
-            <a:off x="2858610" y="838201"/>
-            <a:ext cx="5904390" cy="5500456"/>
+            <a:off x="914400" y="5445825"/>
+            <a:ext cx="7315200" cy="685800"/>
           </a:xfrm>
-          <a:solidFill>
-            <a:schemeClr val="bg2"/>
-          </a:solidFill>
-          <a:ln w="76200">
-            <a:solidFill>
-              <a:srgbClr val="FFFFFF"/>
-            </a:solidFill>
-            <a:miter lim="800000"/>
-          </a:ln>
-          <a:effectLst>
-            <a:outerShdw blurRad="50800" dist="12700" dir="5400000" algn="t" rotWithShape="0">
-              <a:prstClr val="black">
-                <a:alpha val="59000"/>
-              </a:prstClr>
-            </a:outerShdw>
-          </a:effectLst>
         </p:spPr>
         <p:txBody>
           <a:bodyPr/>
           <a:lstStyle>
             <a:lvl1pPr marL="0" indent="0">
+              <a:buFontTx/>
               <a:buNone/>
-              <a:defRPr sz="3200"/>
+              <a:defRPr sz="1600"/>
             </a:lvl1pPr>
-            <a:lvl2pPr marL="457200" indent="0">
-              <a:buNone/>
-              <a:defRPr sz="2800"/>
+            <a:lvl2pPr>
+              <a:defRPr sz="1200"/>
             </a:lvl2pPr>
-            <a:lvl3pPr marL="914400" indent="0">
-              <a:buNone/>
-              <a:defRPr sz="2400"/>
+            <a:lvl3pPr>
+              <a:defRPr sz="1000"/>
             </a:lvl3pPr>
-            <a:lvl4pPr marL="1371600" indent="0">
-              <a:buNone/>
-              <a:defRPr sz="2000"/>
+            <a:lvl4pPr>
+              <a:defRPr sz="900"/>
             </a:lvl4pPr>
-            <a:lvl5pPr marL="1828800" indent="0">
-              <a:buNone/>
-              <a:defRPr sz="2000"/>
+            <a:lvl5pPr>
+              <a:defRPr sz="900"/>
             </a:lvl5pPr>
-            <a:lvl6pPr marL="2286000" indent="0">
-              <a:buNone/>
-              <a:defRPr sz="2000"/>
-            </a:lvl6pPr>
-            <a:lvl7pPr marL="2743200" indent="0">
-              <a:buNone/>
-              <a:defRPr sz="2000"/>
-            </a:lvl7pPr>
-            <a:lvl8pPr marL="3200400" indent="0">
-              <a:buNone/>
-              <a:defRPr sz="2000"/>
-            </a:lvl8pPr>
-            <a:lvl9pPr marL="3657600" indent="0">
-              <a:buNone/>
-              <a:defRPr sz="2000"/>
-            </a:lvl9pPr>
           </a:lstStyle>
           <a:p>
-            <a:r>
-              <a:rPr lang="de-DE" smtClean="0"/>
-              <a:t>Bild durch Klicken auf Symbol hinzufügen</a:t>
-            </a:r>
-            <a:endParaRPr lang="en-US" dirty="0"/>
-          </a:p>
-        </p:txBody>
-      </p:sp>
-      <p:sp>
-        <p:nvSpPr>
-          <p:cNvPr id="4" name="Text Placeholder 3"/>
-          <p:cNvSpPr>
-            <a:spLocks noGrp="1"/>
-          </p:cNvSpPr>
-          <p:nvPr>
-            <p:ph type="body" sz="half" idx="2"/>
+            <a:pPr lvl="0" eaLnBrk="1" latinLnBrk="0" hangingPunct="1"/>
+            <a:r>
+              <a:rPr kumimoji="0" lang="de-DE" smtClean="0"/>
+              <a:t>Textmasterformat bearbeiten</a:t>
+            </a:r>
+          </a:p>
+        </p:txBody>
+      </p:sp>
+      <p:sp>
+        <p:nvSpPr>
+          <p:cNvPr id="5" name="Datumsplatzhalter 4"/>
+          <p:cNvSpPr>
+            <a:spLocks noGrp="1"/>
+          </p:cNvSpPr>
+          <p:nvPr>
+            <p:ph type="dt" sz="half" idx="10"/>
+          </p:nvPr>
+        </p:nvSpPr>
+        <p:spPr/>
+        <p:txBody>
+          <a:bodyPr/>
+          <a:lstStyle/>
+          <a:p>
+            <a:r>
+              <a:rPr lang="de-CH" smtClean="0"/>
+              <a:t>20.03.2013</a:t>
+            </a:r>
+            <a:endParaRPr lang="de-CH"/>
+          </a:p>
+        </p:txBody>
+      </p:sp>
+      <p:sp>
+        <p:nvSpPr>
+          <p:cNvPr id="6" name="Fußzeilenplatzhalter 5"/>
+          <p:cNvSpPr>
+            <a:spLocks noGrp="1"/>
+          </p:cNvSpPr>
+          <p:nvPr>
+            <p:ph type="ftr" sz="quarter" idx="11"/>
           </p:nvPr>
         </p:nvSpPr>
         <p:spPr>
           <a:xfrm>
-            <a:off x="457200" y="2133600"/>
-            <a:ext cx="2139696" cy="4242816"/>
+            <a:off x="914400" y="6172200"/>
+            <a:ext cx="3886200" cy="457200"/>
           </a:xfrm>
         </p:spPr>
         <p:txBody>
           <a:bodyPr/>
-          <a:lstStyle>
-            <a:lvl1pPr marL="0" indent="0">
-              <a:buNone/>
-              <a:defRPr sz="1400"/>
-            </a:lvl1pPr>
-            <a:lvl2pPr marL="457200" indent="0">
-              <a:buNone/>
-              <a:defRPr sz="1200"/>
-            </a:lvl2pPr>
-            <a:lvl3pPr marL="914400" indent="0">
-              <a:buNone/>
-              <a:defRPr sz="1000"/>
-            </a:lvl3pPr>
-            <a:lvl4pPr marL="1371600" indent="0">
-              <a:buNone/>
-              <a:defRPr sz="900"/>
-            </a:lvl4pPr>
-            <a:lvl5pPr marL="1828800" indent="0">
-              <a:buNone/>
-              <a:defRPr sz="900"/>
-            </a:lvl5pPr>
-            <a:lvl6pPr marL="2286000" indent="0">
-              <a:buNone/>
-              <a:defRPr sz="900"/>
-            </a:lvl6pPr>
-            <a:lvl7pPr marL="2743200" indent="0">
-              <a:buNone/>
-              <a:defRPr sz="900"/>
-            </a:lvl7pPr>
-            <a:lvl8pPr marL="3200400" indent="0">
-              <a:buNone/>
-              <a:defRPr sz="900"/>
-            </a:lvl8pPr>
-            <a:lvl9pPr marL="3657600" indent="0">
-              <a:buNone/>
-              <a:defRPr sz="900"/>
-            </a:lvl9pPr>
-          </a:lstStyle>
-          <a:p>
-            <a:pPr lvl="0"/>
-            <a:r>
-              <a:rPr lang="de-DE" smtClean="0"/>
-              <a:t>Textmasterformat bearbeiten</a:t>
-            </a:r>
-          </a:p>
-        </p:txBody>
-      </p:sp>
-      <p:sp>
-        <p:nvSpPr>
-          <p:cNvPr id="5" name="Date Placeholder 4"/>
-          <p:cNvSpPr>
-            <a:spLocks noGrp="1"/>
-          </p:cNvSpPr>
-          <p:nvPr>
-            <p:ph type="dt" sz="half" idx="10"/>
-          </p:nvPr>
-        </p:nvSpPr>
-        <p:spPr/>
-        <p:txBody>
-          <a:bodyPr/>
-          <a:lstStyle/>
-          <a:p>
-            <a:r>
-              <a:rPr lang="de-CH" smtClean="0"/>
-              <a:t>20.03.2013</a:t>
-            </a:r>
+          <a:lstStyle/>
+          <a:p>
             <a:endParaRPr lang="de-CH"/>
           </a:p>
         </p:txBody>
       </p:sp>
       <p:sp>
         <p:nvSpPr>
-          <p:cNvPr id="6" name="Footer Placeholder 5"/>
-          <p:cNvSpPr>
-            <a:spLocks noGrp="1"/>
-          </p:cNvSpPr>
-          <p:nvPr>
-            <p:ph type="ftr" sz="quarter" idx="11"/>
-          </p:nvPr>
-        </p:nvSpPr>
-        <p:spPr/>
-        <p:txBody>
-          <a:bodyPr/>
-          <a:lstStyle/>
-          <a:p>
-            <a:endParaRPr lang="de-CH"/>
-          </a:p>
-        </p:txBody>
-      </p:sp>
-      <p:sp>
-        <p:nvSpPr>
-          <p:cNvPr id="7" name="Slide Number Placeholder 6"/>
+          <p:cNvPr id="7" name="Foliennummernplatzhalter 6"/>
           <p:cNvSpPr>
             <a:spLocks noGrp="1"/>
           </p:cNvSpPr>
@@ -3106,7 +3169,12 @@
             <p:ph type="sldNum" sz="quarter" idx="12"/>
           </p:nvPr>
         </p:nvSpPr>
-        <p:spPr/>
+        <p:spPr>
+          <a:xfrm>
+            <a:off x="146304" y="6208776"/>
+            <a:ext cx="457200" cy="457200"/>
+          </a:xfrm>
+        </p:spPr>
         <p:txBody>
           <a:bodyPr/>
           <a:lstStyle/>
@@ -3117,6 +3185,195 @@
               <a:t>‹Nr.›</a:t>
             </a:fld>
             <a:endParaRPr lang="de-CH"/>
+          </a:p>
+        </p:txBody>
+      </p:sp>
+      <p:sp>
+        <p:nvSpPr>
+          <p:cNvPr id="11" name="Rechteck 10"/>
+          <p:cNvSpPr/>
+          <p:nvPr/>
+        </p:nvSpPr>
+        <p:spPr>
+          <a:xfrm flipV="1">
+            <a:off x="68307" y="4683555"/>
+            <a:ext cx="9006840" cy="91440"/>
+          </a:xfrm>
+          <a:prstGeom prst="rect">
+            <a:avLst/>
+          </a:prstGeom>
+          <a:solidFill>
+            <a:schemeClr val="accent1">
+              <a:alpha val="100000"/>
+            </a:schemeClr>
+          </a:solidFill>
+          <a:ln w="19050" cap="sq" cmpd="sng" algn="ctr">
+            <a:noFill/>
+            <a:prstDash val="solid"/>
+          </a:ln>
+          <a:effectLst/>
+        </p:spPr>
+        <p:style>
+          <a:lnRef idx="3">
+            <a:schemeClr val="lt1"/>
+          </a:lnRef>
+          <a:fillRef idx="1">
+            <a:schemeClr val="accent1"/>
+          </a:fillRef>
+          <a:effectRef idx="1">
+            <a:schemeClr val="accent1"/>
+          </a:effectRef>
+          <a:fontRef idx="minor">
+            <a:schemeClr val="lt1"/>
+          </a:fontRef>
+        </p:style>
+        <p:txBody>
+          <a:bodyPr anchor="ctr"/>
+          <a:lstStyle/>
+          <a:p>
+            <a:pPr algn="ctr" eaLnBrk="1" latinLnBrk="0" hangingPunct="1"/>
+            <a:endParaRPr kumimoji="0" lang="en-US"/>
+          </a:p>
+        </p:txBody>
+      </p:sp>
+      <p:sp>
+        <p:nvSpPr>
+          <p:cNvPr id="12" name="Rechteck 11"/>
+          <p:cNvSpPr/>
+          <p:nvPr/>
+        </p:nvSpPr>
+        <p:spPr>
+          <a:xfrm>
+            <a:off x="68508" y="4650474"/>
+            <a:ext cx="9006639" cy="45719"/>
+          </a:xfrm>
+          <a:prstGeom prst="rect">
+            <a:avLst/>
+          </a:prstGeom>
+          <a:solidFill>
+            <a:schemeClr val="accent1">
+              <a:tint val="60000"/>
+            </a:schemeClr>
+          </a:solidFill>
+          <a:ln w="19050" cap="sq" cmpd="sng" algn="ctr">
+            <a:noFill/>
+            <a:prstDash val="solid"/>
+          </a:ln>
+          <a:effectLst/>
+        </p:spPr>
+        <p:style>
+          <a:lnRef idx="3">
+            <a:schemeClr val="lt1"/>
+          </a:lnRef>
+          <a:fillRef idx="1">
+            <a:schemeClr val="accent1"/>
+          </a:fillRef>
+          <a:effectRef idx="1">
+            <a:schemeClr val="accent1"/>
+          </a:effectRef>
+          <a:fontRef idx="minor">
+            <a:schemeClr val="lt1"/>
+          </a:fontRef>
+        </p:style>
+        <p:txBody>
+          <a:bodyPr anchor="ctr"/>
+          <a:lstStyle/>
+          <a:p>
+            <a:pPr algn="ctr" eaLnBrk="1" latinLnBrk="0" hangingPunct="1"/>
+            <a:endParaRPr kumimoji="0" lang="en-US"/>
+          </a:p>
+        </p:txBody>
+      </p:sp>
+      <p:sp>
+        <p:nvSpPr>
+          <p:cNvPr id="13" name="Rechteck 12"/>
+          <p:cNvSpPr/>
+          <p:nvPr/>
+        </p:nvSpPr>
+        <p:spPr>
+          <a:xfrm>
+            <a:off x="68510" y="4773224"/>
+            <a:ext cx="9006637" cy="48807"/>
+          </a:xfrm>
+          <a:prstGeom prst="rect">
+            <a:avLst/>
+          </a:prstGeom>
+          <a:solidFill>
+            <a:schemeClr val="accent5"/>
+          </a:solidFill>
+          <a:ln w="19050" cap="sq" cmpd="sng" algn="ctr">
+            <a:noFill/>
+            <a:prstDash val="solid"/>
+          </a:ln>
+          <a:effectLst/>
+        </p:spPr>
+        <p:style>
+          <a:lnRef idx="3">
+            <a:schemeClr val="lt1"/>
+          </a:lnRef>
+          <a:fillRef idx="1">
+            <a:schemeClr val="accent1"/>
+          </a:fillRef>
+          <a:effectRef idx="1">
+            <a:schemeClr val="accent1"/>
+          </a:effectRef>
+          <a:fontRef idx="minor">
+            <a:schemeClr val="lt1"/>
+          </a:fontRef>
+        </p:style>
+        <p:txBody>
+          <a:bodyPr anchor="ctr"/>
+          <a:lstStyle/>
+          <a:p>
+            <a:pPr algn="ctr" eaLnBrk="1" latinLnBrk="0" hangingPunct="1"/>
+            <a:endParaRPr kumimoji="0" lang="en-US"/>
+          </a:p>
+        </p:txBody>
+      </p:sp>
+      <p:sp>
+        <p:nvSpPr>
+          <p:cNvPr id="3" name="Bildplatzhalter 2"/>
+          <p:cNvSpPr>
+            <a:spLocks noGrp="1"/>
+          </p:cNvSpPr>
+          <p:nvPr>
+            <p:ph type="pic" idx="1"/>
+          </p:nvPr>
+        </p:nvSpPr>
+        <p:spPr>
+          <a:xfrm>
+            <a:off x="68308" y="66675"/>
+            <a:ext cx="9001873" cy="4581525"/>
+          </a:xfrm>
+          <a:prstGeom prst="round2SameRect">
+            <a:avLst>
+              <a:gd name="adj1" fmla="val 7101"/>
+              <a:gd name="adj2" fmla="val 0"/>
+            </a:avLst>
+          </a:prstGeom>
+          <a:solidFill>
+            <a:schemeClr val="bg2"/>
+          </a:solidFill>
+          <a:ln w="6350">
+            <a:solidFill>
+              <a:schemeClr val="tx1"/>
+            </a:solidFill>
+          </a:ln>
+        </p:spPr>
+        <p:txBody>
+          <a:bodyPr/>
+          <a:lstStyle>
+            <a:lvl1pPr marL="0" indent="0">
+              <a:buNone/>
+              <a:defRPr sz="3200"/>
+            </a:lvl1pPr>
+          </a:lstStyle>
+          <a:p>
+            <a:r>
+              <a:rPr kumimoji="0" lang="de-DE" smtClean="0"/>
+              <a:t>Bild durch Klicken auf Symbol hinzufügen</a:t>
+            </a:r>
+            <a:endParaRPr kumimoji="0" lang="en-US" dirty="0"/>
           </a:p>
         </p:txBody>
       </p:sp>
@@ -3153,14 +3410,14 @@
       </p:grpSpPr>
       <p:sp>
         <p:nvSpPr>
-          <p:cNvPr id="10" name="Rectangle 9"/>
+          <p:cNvPr id="9" name="Rechteck 8"/>
           <p:cNvSpPr/>
           <p:nvPr/>
         </p:nvSpPr>
         <p:spPr>
           <a:xfrm>
-            <a:off x="0" y="220786"/>
-            <a:ext cx="9144000" cy="228600"/>
+            <a:off x="0" y="0"/>
+            <a:ext cx="9144000" cy="6858000"/>
           </a:xfrm>
           <a:prstGeom prst="rect">
             <a:avLst/>
@@ -3168,15 +3425,14 @@
           <a:solidFill>
             <a:srgbClr val="FFFFFF"/>
           </a:solidFill>
-          <a:ln>
+          <a:ln w="12700" cap="flat" cmpd="sng" algn="ctr">
             <a:noFill/>
+            <a:prstDash val="solid"/>
           </a:ln>
         </p:spPr>
         <p:style>
           <a:lnRef idx="2">
-            <a:schemeClr val="accent1">
-              <a:shade val="50000"/>
-            </a:schemeClr>
+            <a:schemeClr val="accent1"/>
           </a:lnRef>
           <a:fillRef idx="1">
             <a:schemeClr val="accent1"/>
@@ -3192,137 +3448,45 @@
           <a:bodyPr rtlCol="0" anchor="ctr"/>
           <a:lstStyle/>
           <a:p>
-            <a:pPr algn="ctr"/>
-            <a:endParaRPr lang="en-US"/>
-          </a:p>
-        </p:txBody>
-      </p:sp>
-      <p:sp>
-        <p:nvSpPr>
-          <p:cNvPr id="2" name="Title Placeholder 1"/>
-          <p:cNvSpPr>
-            <a:spLocks noGrp="1"/>
-          </p:cNvSpPr>
-          <p:nvPr>
-            <p:ph type="title"/>
-          </p:nvPr>
+            <a:pPr algn="ctr" eaLnBrk="1" latinLnBrk="0" hangingPunct="1"/>
+            <a:endParaRPr kumimoji="0" lang="en-US"/>
+          </a:p>
+        </p:txBody>
+      </p:sp>
+      <p:sp useBgFill="1">
+        <p:nvSpPr>
+          <p:cNvPr id="8" name="Abgerundetes Rechteck 7"/>
+          <p:cNvSpPr/>
+          <p:nvPr/>
         </p:nvSpPr>
         <p:spPr>
           <a:xfrm>
-            <a:off x="457200" y="533400"/>
-            <a:ext cx="8229600" cy="990600"/>
+            <a:off x="64008" y="69755"/>
+            <a:ext cx="9013372" cy="6693408"/>
           </a:xfrm>
-          <a:prstGeom prst="rect">
-            <a:avLst/>
+          <a:prstGeom prst="roundRect">
+            <a:avLst>
+              <a:gd name="adj" fmla="val 4929"/>
+            </a:avLst>
           </a:prstGeom>
-        </p:spPr>
-        <p:txBody>
-          <a:bodyPr vert="horz" lIns="91440" tIns="45720" rIns="91440" bIns="45720" rtlCol="0" anchor="ctr">
-            <a:normAutofit/>
-          </a:bodyPr>
-          <a:lstStyle/>
-          <a:p>
-            <a:r>
-              <a:rPr lang="de-DE" smtClean="0"/>
-              <a:t>Titelmasterformat durch Klicken bearbeiten</a:t>
-            </a:r>
-            <a:endParaRPr lang="en-US" dirty="0"/>
-          </a:p>
-        </p:txBody>
-      </p:sp>
-      <p:sp>
-        <p:nvSpPr>
-          <p:cNvPr id="3" name="Text Placeholder 2"/>
-          <p:cNvSpPr>
-            <a:spLocks noGrp="1"/>
-          </p:cNvSpPr>
-          <p:nvPr>
-            <p:ph type="body" idx="1"/>
-          </p:nvPr>
-        </p:nvSpPr>
-        <p:spPr>
-          <a:xfrm>
-            <a:off x="457200" y="1600200"/>
-            <a:ext cx="8229600" cy="4876800"/>
-          </a:xfrm>
-          <a:prstGeom prst="rect">
-            <a:avLst/>
-          </a:prstGeom>
-        </p:spPr>
-        <p:txBody>
-          <a:bodyPr vert="horz" lIns="91440" tIns="45720" rIns="91440" bIns="45720" rtlCol="0">
-            <a:normAutofit/>
-          </a:bodyPr>
-          <a:lstStyle/>
-          <a:p>
-            <a:pPr lvl="0"/>
-            <a:r>
-              <a:rPr lang="de-DE" smtClean="0"/>
-              <a:t>Textmasterformat bearbeiten</a:t>
-            </a:r>
-          </a:p>
-          <a:p>
-            <a:pPr lvl="1"/>
-            <a:r>
-              <a:rPr lang="de-DE" smtClean="0"/>
-              <a:t>Zweite Ebene</a:t>
-            </a:r>
-          </a:p>
-          <a:p>
-            <a:pPr lvl="2"/>
-            <a:r>
-              <a:rPr lang="de-DE" smtClean="0"/>
-              <a:t>Dritte Ebene</a:t>
-            </a:r>
-          </a:p>
-          <a:p>
-            <a:pPr lvl="3"/>
-            <a:r>
-              <a:rPr lang="de-DE" smtClean="0"/>
-              <a:t>Vierte Ebene</a:t>
-            </a:r>
-          </a:p>
-          <a:p>
-            <a:pPr lvl="4"/>
-            <a:r>
-              <a:rPr lang="de-DE" smtClean="0"/>
-              <a:t>Fünfte Ebene</a:t>
-            </a:r>
-            <a:endParaRPr lang="en-US" dirty="0"/>
-          </a:p>
-        </p:txBody>
-      </p:sp>
-      <p:sp>
-        <p:nvSpPr>
-          <p:cNvPr id="7" name="Rectangle 6"/>
-          <p:cNvSpPr/>
-          <p:nvPr/>
-        </p:nvSpPr>
-        <p:spPr>
-          <a:xfrm>
-            <a:off x="0" y="0"/>
-            <a:ext cx="9144000" cy="365760"/>
-          </a:xfrm>
-          <a:prstGeom prst="rect">
-            <a:avLst/>
-          </a:prstGeom>
-          <a:solidFill>
-            <a:schemeClr val="accent1"/>
-          </a:solidFill>
-          <a:ln>
-            <a:noFill/>
+          <a:ln w="6350" cap="sq" cmpd="sng" algn="ctr">
+            <a:solidFill>
+              <a:schemeClr val="tx1">
+                <a:alpha val="100000"/>
+              </a:schemeClr>
+            </a:solidFill>
+            <a:prstDash val="solid"/>
           </a:ln>
+          <a:effectLst/>
         </p:spPr>
         <p:style>
-          <a:lnRef idx="2">
-            <a:schemeClr val="accent1">
-              <a:shade val="50000"/>
-            </a:schemeClr>
+          <a:lnRef idx="3">
+            <a:schemeClr val="lt1"/>
           </a:lnRef>
-          <a:fillRef idx="1">
-            <a:schemeClr val="accent1"/>
+          <a:fillRef idx="1001">
+            <a:schemeClr val="lt1"/>
           </a:fillRef>
-          <a:effectRef idx="0">
+          <a:effectRef idx="1">
             <a:schemeClr val="accent1"/>
           </a:effectRef>
           <a:fontRef idx="minor">
@@ -3330,115 +3494,218 @@
           </a:fontRef>
         </p:style>
         <p:txBody>
-          <a:bodyPr rtlCol="0" anchor="ctr"/>
-          <a:lstStyle/>
-          <a:p>
-            <a:pPr algn="ctr"/>
-            <a:endParaRPr lang="en-US"/>
-          </a:p>
-        </p:txBody>
-      </p:sp>
-      <p:sp>
-        <p:nvSpPr>
-          <p:cNvPr id="4" name="Date Placeholder 3"/>
-          <p:cNvSpPr>
-            <a:spLocks noGrp="1"/>
-          </p:cNvSpPr>
-          <p:nvPr>
-            <p:ph type="dt" sz="half" idx="2"/>
+          <a:bodyPr anchor="ctr"/>
+          <a:lstStyle/>
+          <a:p>
+            <a:pPr algn="ctr" eaLnBrk="1" latinLnBrk="0" hangingPunct="1"/>
+            <a:endParaRPr kumimoji="0" lang="en-US"/>
+          </a:p>
+        </p:txBody>
+      </p:sp>
+      <p:sp>
+        <p:nvSpPr>
+          <p:cNvPr id="22" name="Titelplatzhalter 21"/>
+          <p:cNvSpPr>
+            <a:spLocks noGrp="1"/>
+          </p:cNvSpPr>
+          <p:nvPr>
+            <p:ph type="title"/>
           </p:nvPr>
         </p:nvSpPr>
         <p:spPr>
           <a:xfrm>
-            <a:off x="457200" y="18288"/>
-            <a:ext cx="2895600" cy="329184"/>
+            <a:off x="914400" y="274638"/>
+            <a:ext cx="7772400" cy="1143000"/>
           </a:xfrm>
           <a:prstGeom prst="rect">
             <a:avLst/>
           </a:prstGeom>
         </p:spPr>
         <p:txBody>
-          <a:bodyPr vert="horz" lIns="91440" tIns="45720" rIns="91440" bIns="45720" rtlCol="0" anchor="ctr"/>
-          <a:lstStyle>
-            <a:lvl1pPr algn="l">
-              <a:defRPr sz="1200">
-                <a:solidFill>
-                  <a:srgbClr val="FFFFFF"/>
-                </a:solidFill>
-              </a:defRPr>
-            </a:lvl1pPr>
-          </a:lstStyle>
-          <a:p>
-            <a:r>
-              <a:rPr lang="de-CH" smtClean="0"/>
-              <a:t>20.03.2013</a:t>
-            </a:r>
-            <a:endParaRPr lang="de-CH"/>
-          </a:p>
-        </p:txBody>
-      </p:sp>
-      <p:sp>
-        <p:nvSpPr>
-          <p:cNvPr id="5" name="Footer Placeholder 4"/>
-          <p:cNvSpPr>
-            <a:spLocks noGrp="1"/>
-          </p:cNvSpPr>
-          <p:nvPr>
-            <p:ph type="ftr" sz="quarter" idx="3"/>
+          <a:bodyPr bIns="91440" anchor="b" anchorCtr="0">
+            <a:normAutofit/>
+          </a:bodyPr>
+          <a:lstStyle/>
+          <a:p>
+            <a:r>
+              <a:rPr kumimoji="0" lang="de-DE" smtClean="0"/>
+              <a:t>Titelmasterformat durch Klicken bearbeiten</a:t>
+            </a:r>
+            <a:endParaRPr kumimoji="0" lang="en-US"/>
+          </a:p>
+        </p:txBody>
+      </p:sp>
+      <p:sp>
+        <p:nvSpPr>
+          <p:cNvPr id="13" name="Textplatzhalter 12"/>
+          <p:cNvSpPr>
+            <a:spLocks noGrp="1"/>
+          </p:cNvSpPr>
+          <p:nvPr>
+            <p:ph type="body" idx="1"/>
           </p:nvPr>
         </p:nvSpPr>
         <p:spPr>
           <a:xfrm>
-            <a:off x="3429000" y="18288"/>
-            <a:ext cx="4114800" cy="329184"/>
+            <a:off x="914400" y="1447800"/>
+            <a:ext cx="7772400" cy="4572000"/>
           </a:xfrm>
           <a:prstGeom prst="rect">
             <a:avLst/>
           </a:prstGeom>
         </p:spPr>
         <p:txBody>
-          <a:bodyPr vert="horz" lIns="91440" tIns="45720" rIns="91440" bIns="45720" rtlCol="0" anchor="ctr"/>
-          <a:lstStyle>
-            <a:lvl1pPr algn="ctr">
-              <a:defRPr sz="1200">
-                <a:solidFill>
-                  <a:srgbClr val="FFFFFF"/>
-                </a:solidFill>
-              </a:defRPr>
-            </a:lvl1pPr>
-          </a:lstStyle>
-          <a:p>
-            <a:endParaRPr lang="de-CH"/>
-          </a:p>
-        </p:txBody>
-      </p:sp>
-      <p:sp>
-        <p:nvSpPr>
-          <p:cNvPr id="6" name="Slide Number Placeholder 5"/>
-          <p:cNvSpPr>
-            <a:spLocks noGrp="1"/>
-          </p:cNvSpPr>
-          <p:nvPr>
-            <p:ph type="sldNum" sz="quarter" idx="4"/>
+          <a:bodyPr>
+            <a:normAutofit/>
+          </a:bodyPr>
+          <a:lstStyle/>
+          <a:p>
+            <a:pPr lvl="0" eaLnBrk="1" latinLnBrk="0" hangingPunct="1"/>
+            <a:r>
+              <a:rPr kumimoji="0" lang="de-DE" smtClean="0"/>
+              <a:t>Textmasterformat bearbeiten</a:t>
+            </a:r>
+          </a:p>
+          <a:p>
+            <a:pPr lvl="1" eaLnBrk="1" latinLnBrk="0" hangingPunct="1"/>
+            <a:r>
+              <a:rPr kumimoji="0" lang="de-DE" smtClean="0"/>
+              <a:t>Zweite Ebene</a:t>
+            </a:r>
+          </a:p>
+          <a:p>
+            <a:pPr lvl="2" eaLnBrk="1" latinLnBrk="0" hangingPunct="1"/>
+            <a:r>
+              <a:rPr kumimoji="0" lang="de-DE" smtClean="0"/>
+              <a:t>Dritte Ebene</a:t>
+            </a:r>
+          </a:p>
+          <a:p>
+            <a:pPr lvl="3" eaLnBrk="1" latinLnBrk="0" hangingPunct="1"/>
+            <a:r>
+              <a:rPr kumimoji="0" lang="de-DE" smtClean="0"/>
+              <a:t>Vierte Ebene</a:t>
+            </a:r>
+          </a:p>
+          <a:p>
+            <a:pPr lvl="4" eaLnBrk="1" latinLnBrk="0" hangingPunct="1"/>
+            <a:r>
+              <a:rPr kumimoji="0" lang="de-DE" smtClean="0"/>
+              <a:t>Fünfte Ebene</a:t>
+            </a:r>
+            <a:endParaRPr kumimoji="0" lang="en-US"/>
+          </a:p>
+        </p:txBody>
+      </p:sp>
+      <p:sp>
+        <p:nvSpPr>
+          <p:cNvPr id="14" name="Datumsplatzhalter 13"/>
+          <p:cNvSpPr>
+            <a:spLocks noGrp="1"/>
+          </p:cNvSpPr>
+          <p:nvPr>
+            <p:ph type="dt" sz="half" idx="2"/>
           </p:nvPr>
         </p:nvSpPr>
         <p:spPr>
           <a:xfrm>
-            <a:off x="7620000" y="18288"/>
-            <a:ext cx="1066800" cy="329184"/>
+            <a:off x="6172200" y="6191250"/>
+            <a:ext cx="2476500" cy="476250"/>
           </a:xfrm>
           <a:prstGeom prst="rect">
             <a:avLst/>
           </a:prstGeom>
         </p:spPr>
         <p:txBody>
-          <a:bodyPr vert="horz" lIns="91440" tIns="45720" rIns="91440" bIns="45720" rtlCol="0" anchor="ctr"/>
+          <a:bodyPr anchor="ctr" anchorCtr="0"/>
           <a:lstStyle>
-            <a:lvl1pPr algn="l">
-              <a:defRPr sz="1400" b="1">
+            <a:lvl1pPr algn="r" eaLnBrk="1" latinLnBrk="0" hangingPunct="1">
+              <a:defRPr kumimoji="0" sz="1400">
+                <a:solidFill>
+                  <a:schemeClr val="tx2"/>
+                </a:solidFill>
+              </a:defRPr>
+            </a:lvl1pPr>
+          </a:lstStyle>
+          <a:p>
+            <a:r>
+              <a:rPr lang="de-CH" smtClean="0"/>
+              <a:t>20.03.2013</a:t>
+            </a:r>
+            <a:endParaRPr lang="de-CH"/>
+          </a:p>
+        </p:txBody>
+      </p:sp>
+      <p:sp>
+        <p:nvSpPr>
+          <p:cNvPr id="3" name="Fußzeilenplatzhalter 2"/>
+          <p:cNvSpPr>
+            <a:spLocks noGrp="1"/>
+          </p:cNvSpPr>
+          <p:nvPr>
+            <p:ph type="ftr" sz="quarter" idx="3"/>
+          </p:nvPr>
+        </p:nvSpPr>
+        <p:spPr>
+          <a:xfrm>
+            <a:off x="914400" y="6172200"/>
+            <a:ext cx="3962400" cy="457200"/>
+          </a:xfrm>
+          <a:prstGeom prst="rect">
+            <a:avLst/>
+          </a:prstGeom>
+        </p:spPr>
+        <p:txBody>
+          <a:bodyPr anchor="ctr" anchorCtr="0"/>
+          <a:lstStyle>
+            <a:lvl1pPr eaLnBrk="1" latinLnBrk="0" hangingPunct="1">
+              <a:defRPr kumimoji="0" sz="1400">
+                <a:solidFill>
+                  <a:schemeClr val="tx2"/>
+                </a:solidFill>
+              </a:defRPr>
+            </a:lvl1pPr>
+          </a:lstStyle>
+          <a:p>
+            <a:endParaRPr lang="de-CH"/>
+          </a:p>
+        </p:txBody>
+      </p:sp>
+      <p:sp>
+        <p:nvSpPr>
+          <p:cNvPr id="23" name="Foliennummernplatzhalter 22"/>
+          <p:cNvSpPr>
+            <a:spLocks noGrp="1"/>
+          </p:cNvSpPr>
+          <p:nvPr>
+            <p:ph type="sldNum" sz="quarter" idx="4"/>
+          </p:nvPr>
+        </p:nvSpPr>
+        <p:spPr>
+          <a:xfrm>
+            <a:off x="146304" y="6210300"/>
+            <a:ext cx="457200" cy="457200"/>
+          </a:xfrm>
+          <a:prstGeom prst="ellipse">
+            <a:avLst/>
+          </a:prstGeom>
+          <a:solidFill>
+            <a:schemeClr val="accent1"/>
+          </a:solidFill>
+        </p:spPr>
+        <p:txBody>
+          <a:bodyPr wrap="none" lIns="0" tIns="0" rIns="0" bIns="0" anchor="ctr" anchorCtr="1">
+            <a:noAutofit/>
+          </a:bodyPr>
+          <a:lstStyle>
+            <a:lvl1pPr algn="ctr" eaLnBrk="1" latinLnBrk="0" hangingPunct="1">
+              <a:defRPr kumimoji="0" sz="1400">
                 <a:solidFill>
                   <a:srgbClr val="FFFFFF"/>
                 </a:solidFill>
+                <a:latin typeface="+mj-lt"/>
+                <a:ea typeface="+mj-ea"/>
+                <a:cs typeface="+mj-cs"/>
               </a:defRPr>
             </a:lvl1pPr>
           </a:lstStyle>
@@ -3456,27 +3723,27 @@
   </p:cSld>
   <p:clrMap bg1="lt1" tx1="dk1" bg2="lt2" tx2="dk2" accent1="accent1" accent2="accent2" accent3="accent3" accent4="accent4" accent5="accent5" accent6="accent6" hlink="hlink" folHlink="folHlink"/>
   <p:sldLayoutIdLst>
-    <p:sldLayoutId id="2147483745" r:id="rId1"/>
-    <p:sldLayoutId id="2147483746" r:id="rId2"/>
-    <p:sldLayoutId id="2147483747" r:id="rId3"/>
-    <p:sldLayoutId id="2147483748" r:id="rId4"/>
-    <p:sldLayoutId id="2147483749" r:id="rId5"/>
-    <p:sldLayoutId id="2147483750" r:id="rId6"/>
-    <p:sldLayoutId id="2147483751" r:id="rId7"/>
-    <p:sldLayoutId id="2147483752" r:id="rId8"/>
-    <p:sldLayoutId id="2147483753" r:id="rId9"/>
-    <p:sldLayoutId id="2147483754" r:id="rId10"/>
-    <p:sldLayoutId id="2147483755" r:id="rId11"/>
+    <p:sldLayoutId id="2147483817" r:id="rId1"/>
+    <p:sldLayoutId id="2147483818" r:id="rId2"/>
+    <p:sldLayoutId id="2147483819" r:id="rId3"/>
+    <p:sldLayoutId id="2147483820" r:id="rId4"/>
+    <p:sldLayoutId id="2147483821" r:id="rId5"/>
+    <p:sldLayoutId id="2147483822" r:id="rId6"/>
+    <p:sldLayoutId id="2147483823" r:id="rId7"/>
+    <p:sldLayoutId id="2147483824" r:id="rId8"/>
+    <p:sldLayoutId id="2147483825" r:id="rId9"/>
+    <p:sldLayoutId id="2147483826" r:id="rId10"/>
+    <p:sldLayoutId id="2147483827" r:id="rId11"/>
   </p:sldLayoutIdLst>
   <p:hf hdr="0" ftr="0"/>
   <p:txStyles>
     <p:titleStyle>
-      <a:lvl1pPr algn="l" defTabSz="914400" rtl="0" eaLnBrk="1" latinLnBrk="0" hangingPunct="1">
+      <a:lvl1pPr algn="l" rtl="0" eaLnBrk="1" latinLnBrk="0" hangingPunct="1">
         <a:spcBef>
           <a:spcPct val="0"/>
         </a:spcBef>
         <a:buNone/>
-        <a:defRPr sz="4000" kern="1200" spc="-100" baseline="0">
+        <a:defRPr kumimoji="0" sz="4000" kern="1200">
           <a:solidFill>
             <a:schemeClr val="tx2"/>
           </a:solidFill>
@@ -3487,17 +3754,17 @@
       </a:lvl1pPr>
     </p:titleStyle>
     <p:bodyStyle>
-      <a:lvl1pPr marL="182880" indent="-182880" algn="l" defTabSz="914400" rtl="0" eaLnBrk="1" latinLnBrk="0" hangingPunct="1">
+      <a:lvl1pPr marL="274320" indent="-274320" algn="l" rtl="0" eaLnBrk="1" latinLnBrk="0" hangingPunct="1">
         <a:spcBef>
-          <a:spcPct val="20000"/>
+          <a:spcPts val="580"/>
         </a:spcBef>
         <a:buClr>
           <a:schemeClr val="accent1"/>
         </a:buClr>
         <a:buSzPct val="85000"/>
-        <a:buFont typeface="Arial" pitchFamily="34" charset="0"/>
-        <a:buChar char="•"/>
-        <a:defRPr sz="2400" kern="1200">
+        <a:buFont typeface="Wingdings 2"/>
+        <a:buChar char=""/>
+        <a:defRPr kumimoji="0" sz="2600" kern="1200">
           <a:solidFill>
             <a:schemeClr val="tx1"/>
           </a:solidFill>
@@ -3506,17 +3773,17 @@
           <a:cs typeface="+mn-cs"/>
         </a:defRPr>
       </a:lvl1pPr>
-      <a:lvl2pPr marL="457200" indent="-182880" algn="l" defTabSz="914400" rtl="0" eaLnBrk="1" latinLnBrk="0" hangingPunct="1">
+      <a:lvl2pPr marL="548640" indent="-228600" algn="l" rtl="0" eaLnBrk="1" latinLnBrk="0" hangingPunct="1">
         <a:spcBef>
-          <a:spcPct val="20000"/>
+          <a:spcPts val="370"/>
         </a:spcBef>
         <a:buClr>
-          <a:schemeClr val="accent1"/>
+          <a:schemeClr val="accent2"/>
         </a:buClr>
         <a:buSzPct val="85000"/>
-        <a:buFont typeface="Arial" pitchFamily="34" charset="0"/>
-        <a:buChar char="•"/>
-        <a:defRPr sz="2000" kern="1200">
+        <a:buFont typeface="Wingdings 2"/>
+        <a:buChar char=""/>
+        <a:defRPr kumimoji="0" sz="2400" kern="1200">
           <a:solidFill>
             <a:schemeClr val="tx1"/>
           </a:solidFill>
@@ -3525,17 +3792,19 @@
           <a:cs typeface="+mn-cs"/>
         </a:defRPr>
       </a:lvl2pPr>
-      <a:lvl3pPr marL="731520" indent="-182880" algn="l" defTabSz="914400" rtl="0" eaLnBrk="1" latinLnBrk="0" hangingPunct="1">
+      <a:lvl3pPr marL="822960" indent="-228600" algn="l" rtl="0" eaLnBrk="1" latinLnBrk="0" hangingPunct="1">
         <a:spcBef>
-          <a:spcPct val="20000"/>
+          <a:spcPts val="370"/>
         </a:spcBef>
         <a:buClr>
-          <a:schemeClr val="accent1"/>
+          <a:schemeClr val="accent1">
+            <a:tint val="60000"/>
+          </a:schemeClr>
         </a:buClr>
-        <a:buSzPct val="90000"/>
-        <a:buFont typeface="Arial" pitchFamily="34" charset="0"/>
-        <a:buChar char="•"/>
-        <a:defRPr sz="1800" kern="1200">
+        <a:buSzPct val="85000"/>
+        <a:buFont typeface="Wingdings 2"/>
+        <a:buChar char=""/>
+        <a:defRPr kumimoji="0" sz="2000" kern="1200">
           <a:solidFill>
             <a:schemeClr val="tx1"/>
           </a:solidFill>
@@ -3544,16 +3813,17 @@
           <a:cs typeface="+mn-cs"/>
         </a:defRPr>
       </a:lvl3pPr>
-      <a:lvl4pPr marL="1005840" indent="-182880" algn="l" defTabSz="914400" rtl="0" eaLnBrk="1" latinLnBrk="0" hangingPunct="1">
+      <a:lvl4pPr marL="1097280" indent="-228600" algn="l" rtl="0" eaLnBrk="1" latinLnBrk="0" hangingPunct="1">
         <a:spcBef>
-          <a:spcPct val="20000"/>
+          <a:spcPts val="370"/>
         </a:spcBef>
         <a:buClr>
-          <a:schemeClr val="accent1"/>
+          <a:schemeClr val="accent3"/>
         </a:buClr>
-        <a:buFont typeface="Arial" pitchFamily="34" charset="0"/>
-        <a:buChar char="•"/>
-        <a:defRPr sz="1600" kern="1200">
+        <a:buSzPct val="80000"/>
+        <a:buFont typeface="Wingdings 2"/>
+        <a:buChar char=""/>
+        <a:defRPr kumimoji="0" sz="2000" kern="1200">
           <a:solidFill>
             <a:schemeClr val="tx1"/>
           </a:solidFill>
@@ -3562,17 +3832,16 @@
           <a:cs typeface="+mn-cs"/>
         </a:defRPr>
       </a:lvl4pPr>
-      <a:lvl5pPr marL="1188720" indent="-137160" algn="l" defTabSz="914400" rtl="0" eaLnBrk="1" latinLnBrk="0" hangingPunct="1">
+      <a:lvl5pPr marL="1371600" indent="-228600" algn="l" rtl="0" eaLnBrk="1" latinLnBrk="0" hangingPunct="1">
         <a:spcBef>
-          <a:spcPct val="20000"/>
+          <a:spcPts val="370"/>
         </a:spcBef>
         <a:buClr>
-          <a:schemeClr val="accent1"/>
+          <a:schemeClr val="accent3"/>
         </a:buClr>
-        <a:buSzPct val="100000"/>
-        <a:buFont typeface="Arial" pitchFamily="34" charset="0"/>
-        <a:buChar char="•"/>
-        <a:defRPr sz="1400" kern="1200" baseline="0">
+        <a:buFontTx/>
+        <a:buChar char="o"/>
+        <a:defRPr kumimoji="0" sz="2000" kern="1200">
           <a:solidFill>
             <a:schemeClr val="tx1"/>
           </a:solidFill>
@@ -3581,16 +3850,15 @@
           <a:cs typeface="+mn-cs"/>
         </a:defRPr>
       </a:lvl5pPr>
-      <a:lvl6pPr marL="1371600" indent="-182880" algn="l" defTabSz="914400" rtl="0" eaLnBrk="1" latinLnBrk="0" hangingPunct="1">
+      <a:lvl6pPr marL="1645920" indent="-228600" algn="l" rtl="0" eaLnBrk="1" latinLnBrk="0" hangingPunct="1">
         <a:spcBef>
-          <a:spcPct val="20000"/>
+          <a:spcPts val="370"/>
         </a:spcBef>
         <a:buClr>
-          <a:schemeClr val="accent1"/>
+          <a:schemeClr val="accent3"/>
         </a:buClr>
-        <a:buFont typeface="Arial" pitchFamily="34" charset="0"/>
         <a:buChar char="•"/>
-        <a:defRPr sz="1300" kern="1200">
+        <a:defRPr kumimoji="0" sz="1800" kern="1200" baseline="0">
           <a:solidFill>
             <a:schemeClr val="tx1"/>
           </a:solidFill>
@@ -3599,16 +3867,15 @@
           <a:cs typeface="+mn-cs"/>
         </a:defRPr>
       </a:lvl6pPr>
-      <a:lvl7pPr marL="1554480" indent="-182880" algn="l" defTabSz="914400" rtl="0" eaLnBrk="1" latinLnBrk="0" hangingPunct="1">
+      <a:lvl7pPr marL="1920240" indent="-228600" algn="l" rtl="0" eaLnBrk="1" latinLnBrk="0" hangingPunct="1">
         <a:spcBef>
-          <a:spcPct val="20000"/>
+          <a:spcPts val="370"/>
         </a:spcBef>
         <a:buClr>
-          <a:schemeClr val="accent1"/>
+          <a:schemeClr val="accent2"/>
         </a:buClr>
-        <a:buFont typeface="Arial" pitchFamily="34" charset="0"/>
         <a:buChar char="•"/>
-        <a:defRPr sz="1300" kern="1200">
+        <a:defRPr kumimoji="0" sz="1800" kern="1200">
           <a:solidFill>
             <a:schemeClr val="tx1"/>
           </a:solidFill>
@@ -3617,16 +3884,17 @@
           <a:cs typeface="+mn-cs"/>
         </a:defRPr>
       </a:lvl7pPr>
-      <a:lvl8pPr marL="1737360" indent="-182880" algn="l" defTabSz="914400" rtl="0" eaLnBrk="1" latinLnBrk="0" hangingPunct="1">
+      <a:lvl8pPr marL="2194560" indent="-228600" algn="l" rtl="0" eaLnBrk="1" latinLnBrk="0" hangingPunct="1">
         <a:spcBef>
-          <a:spcPct val="20000"/>
+          <a:spcPts val="370"/>
         </a:spcBef>
         <a:buClr>
-          <a:schemeClr val="accent1"/>
+          <a:schemeClr val="accent1">
+            <a:tint val="60000"/>
+          </a:schemeClr>
         </a:buClr>
-        <a:buFont typeface="Arial" pitchFamily="34" charset="0"/>
         <a:buChar char="•"/>
-        <a:defRPr sz="1300" kern="1200">
+        <a:defRPr kumimoji="0" sz="1800" kern="1200">
           <a:solidFill>
             <a:schemeClr val="tx1"/>
           </a:solidFill>
@@ -3635,16 +3903,17 @@
           <a:cs typeface="+mn-cs"/>
         </a:defRPr>
       </a:lvl8pPr>
-      <a:lvl9pPr marL="1920240" indent="-182880" algn="l" defTabSz="914400" rtl="0" eaLnBrk="1" latinLnBrk="0" hangingPunct="1">
+      <a:lvl9pPr marL="2468880" indent="-228600" algn="l" rtl="0" eaLnBrk="1" latinLnBrk="0" hangingPunct="1">
         <a:spcBef>
-          <a:spcPct val="20000"/>
+          <a:spcPts val="370"/>
         </a:spcBef>
         <a:buClr>
-          <a:schemeClr val="accent1"/>
+          <a:schemeClr val="accent2">
+            <a:tint val="60000"/>
+          </a:schemeClr>
         </a:buClr>
-        <a:buFont typeface="Arial" pitchFamily="34" charset="0"/>
         <a:buChar char="•"/>
-        <a:defRPr sz="1300" kern="1200">
+        <a:defRPr kumimoji="0" sz="1800" kern="1200">
           <a:solidFill>
             <a:schemeClr val="tx1"/>
           </a:solidFill>
@@ -3655,11 +3924,8 @@
       </a:lvl9pPr>
     </p:bodyStyle>
     <p:otherStyle>
-      <a:defPPr>
-        <a:defRPr lang="en-US"/>
-      </a:defPPr>
-      <a:lvl1pPr marL="0" algn="l" defTabSz="914400" rtl="0" eaLnBrk="1" latinLnBrk="0" hangingPunct="1">
-        <a:defRPr sz="1800" kern="1200">
+      <a:lvl1pPr marL="0" algn="l" rtl="0" eaLnBrk="1" latinLnBrk="0" hangingPunct="1">
+        <a:defRPr kumimoji="0" kern="1200">
           <a:solidFill>
             <a:schemeClr val="tx1"/>
           </a:solidFill>
@@ -3668,8 +3934,8 @@
           <a:cs typeface="+mn-cs"/>
         </a:defRPr>
       </a:lvl1pPr>
-      <a:lvl2pPr marL="457200" algn="l" defTabSz="914400" rtl="0" eaLnBrk="1" latinLnBrk="0" hangingPunct="1">
-        <a:defRPr sz="1800" kern="1200">
+      <a:lvl2pPr marL="457200" algn="l" rtl="0" eaLnBrk="1" latinLnBrk="0" hangingPunct="1">
+        <a:defRPr kumimoji="0" kern="1200">
           <a:solidFill>
             <a:schemeClr val="tx1"/>
           </a:solidFill>
@@ -3678,8 +3944,8 @@
           <a:cs typeface="+mn-cs"/>
         </a:defRPr>
       </a:lvl2pPr>
-      <a:lvl3pPr marL="914400" algn="l" defTabSz="914400" rtl="0" eaLnBrk="1" latinLnBrk="0" hangingPunct="1">
-        <a:defRPr sz="1800" kern="1200">
+      <a:lvl3pPr marL="914400" algn="l" rtl="0" eaLnBrk="1" latinLnBrk="0" hangingPunct="1">
+        <a:defRPr kumimoji="0" kern="1200">
           <a:solidFill>
             <a:schemeClr val="tx1"/>
           </a:solidFill>
@@ -3688,8 +3954,8 @@
           <a:cs typeface="+mn-cs"/>
         </a:defRPr>
       </a:lvl3pPr>
-      <a:lvl4pPr marL="1371600" algn="l" defTabSz="914400" rtl="0" eaLnBrk="1" latinLnBrk="0" hangingPunct="1">
-        <a:defRPr sz="1800" kern="1200">
+      <a:lvl4pPr marL="1371600" algn="l" rtl="0" eaLnBrk="1" latinLnBrk="0" hangingPunct="1">
+        <a:defRPr kumimoji="0" kern="1200">
           <a:solidFill>
             <a:schemeClr val="tx1"/>
           </a:solidFill>
@@ -3698,8 +3964,8 @@
           <a:cs typeface="+mn-cs"/>
         </a:defRPr>
       </a:lvl4pPr>
-      <a:lvl5pPr marL="1828800" algn="l" defTabSz="914400" rtl="0" eaLnBrk="1" latinLnBrk="0" hangingPunct="1">
-        <a:defRPr sz="1800" kern="1200">
+      <a:lvl5pPr marL="1828800" algn="l" rtl="0" eaLnBrk="1" latinLnBrk="0" hangingPunct="1">
+        <a:defRPr kumimoji="0" kern="1200">
           <a:solidFill>
             <a:schemeClr val="tx1"/>
           </a:solidFill>
@@ -3708,8 +3974,8 @@
           <a:cs typeface="+mn-cs"/>
         </a:defRPr>
       </a:lvl5pPr>
-      <a:lvl6pPr marL="2286000" algn="l" defTabSz="914400" rtl="0" eaLnBrk="1" latinLnBrk="0" hangingPunct="1">
-        <a:defRPr sz="1800" kern="1200">
+      <a:lvl6pPr marL="2286000" algn="l" rtl="0" eaLnBrk="1" latinLnBrk="0" hangingPunct="1">
+        <a:defRPr kumimoji="0" kern="1200">
           <a:solidFill>
             <a:schemeClr val="tx1"/>
           </a:solidFill>
@@ -3718,8 +3984,8 @@
           <a:cs typeface="+mn-cs"/>
         </a:defRPr>
       </a:lvl6pPr>
-      <a:lvl7pPr marL="2743200" algn="l" defTabSz="914400" rtl="0" eaLnBrk="1" latinLnBrk="0" hangingPunct="1">
-        <a:defRPr sz="1800" kern="1200">
+      <a:lvl7pPr marL="2743200" algn="l" rtl="0" eaLnBrk="1" latinLnBrk="0" hangingPunct="1">
+        <a:defRPr kumimoji="0" kern="1200">
           <a:solidFill>
             <a:schemeClr val="tx1"/>
           </a:solidFill>
@@ -3728,8 +3994,8 @@
           <a:cs typeface="+mn-cs"/>
         </a:defRPr>
       </a:lvl7pPr>
-      <a:lvl8pPr marL="3200400" algn="l" defTabSz="914400" rtl="0" eaLnBrk="1" latinLnBrk="0" hangingPunct="1">
-        <a:defRPr sz="1800" kern="1200">
+      <a:lvl8pPr marL="3200400" algn="l" rtl="0" eaLnBrk="1" latinLnBrk="0" hangingPunct="1">
+        <a:defRPr kumimoji="0" kern="1200">
           <a:solidFill>
             <a:schemeClr val="tx1"/>
           </a:solidFill>
@@ -3738,8 +4004,8 @@
           <a:cs typeface="+mn-cs"/>
         </a:defRPr>
       </a:lvl8pPr>
-      <a:lvl9pPr marL="3657600" algn="l" defTabSz="914400" rtl="0" eaLnBrk="1" latinLnBrk="0" hangingPunct="1">
-        <a:defRPr sz="1800" kern="1200">
+      <a:lvl9pPr marL="3657600" algn="l" rtl="0" eaLnBrk="1" latinLnBrk="0" hangingPunct="1">
+        <a:defRPr kumimoji="0" kern="1200">
           <a:solidFill>
             <a:schemeClr val="tx1"/>
           </a:solidFill>
@@ -3772,6 +4038,36 @@
       </p:grpSpPr>
       <p:sp>
         <p:nvSpPr>
+          <p:cNvPr id="3" name="Subtitle 2"/>
+          <p:cNvSpPr>
+            <a:spLocks noGrp="1"/>
+          </p:cNvSpPr>
+          <p:nvPr>
+            <p:ph type="subTitle" idx="1"/>
+          </p:nvPr>
+        </p:nvSpPr>
+        <p:spPr/>
+        <p:txBody>
+          <a:bodyPr>
+            <a:normAutofit/>
+          </a:bodyPr>
+          <a:lstStyle/>
+          <a:p>
+            <a:r>
+              <a:rPr lang="de-CH" dirty="0" smtClean="0"/>
+              <a:t>ch.bfh.bti7081.s2013.yellow</a:t>
+            </a:r>
+          </a:p>
+          <a:p>
+            <a:r>
+              <a:rPr lang="de-CH" dirty="0" smtClean="0"/>
+              <a:t>20.03.2013</a:t>
+            </a:r>
+          </a:p>
+        </p:txBody>
+      </p:sp>
+      <p:sp>
+        <p:nvSpPr>
           <p:cNvPr id="2" name="Title 1"/>
           <p:cNvSpPr>
             <a:spLocks noGrp="1"/>
@@ -3803,36 +4099,6 @@
               <a:t>Thinking</a:t>
             </a:r>
             <a:endParaRPr lang="de-CH" sz="4400" dirty="0"/>
-          </a:p>
-        </p:txBody>
-      </p:sp>
-      <p:sp>
-        <p:nvSpPr>
-          <p:cNvPr id="3" name="Subtitle 2"/>
-          <p:cNvSpPr>
-            <a:spLocks noGrp="1"/>
-          </p:cNvSpPr>
-          <p:nvPr>
-            <p:ph type="subTitle" idx="1"/>
-          </p:nvPr>
-        </p:nvSpPr>
-        <p:spPr/>
-        <p:txBody>
-          <a:bodyPr>
-            <a:normAutofit/>
-          </a:bodyPr>
-          <a:lstStyle/>
-          <a:p>
-            <a:r>
-              <a:rPr lang="de-CH" dirty="0" smtClean="0"/>
-              <a:t>ch.bfh.bti7081.s2013.yellow</a:t>
-            </a:r>
-          </a:p>
-          <a:p>
-            <a:r>
-              <a:rPr lang="de-CH" dirty="0" smtClean="0"/>
-              <a:t>20.03.2013</a:t>
-            </a:r>
           </a:p>
         </p:txBody>
       </p:sp>
@@ -3875,6 +4141,29 @@
       </p:grpSpPr>
       <p:sp>
         <p:nvSpPr>
+          <p:cNvPr id="2" name="Titel 1"/>
+          <p:cNvSpPr>
+            <a:spLocks noGrp="1"/>
+          </p:cNvSpPr>
+          <p:nvPr>
+            <p:ph type="title"/>
+          </p:nvPr>
+        </p:nvSpPr>
+        <p:spPr/>
+        <p:txBody>
+          <a:bodyPr/>
+          <a:lstStyle/>
+          <a:p>
+            <a:r>
+              <a:rPr lang="de-CH" dirty="0" smtClean="0"/>
+              <a:t>Prototype</a:t>
+            </a:r>
+            <a:endParaRPr lang="de-CH" dirty="0"/>
+          </a:p>
+        </p:txBody>
+      </p:sp>
+      <p:sp>
+        <p:nvSpPr>
           <p:cNvPr id="4" name="Datumsplatzhalter 3"/>
           <p:cNvSpPr>
             <a:spLocks noGrp="1"/>
@@ -3915,6 +4204,147 @@
               <a:rPr lang="de-CH" smtClean="0"/>
               <a:pPr/>
               <a:t>10</a:t>
+            </a:fld>
+            <a:endParaRPr lang="de-CH" dirty="0"/>
+          </a:p>
+        </p:txBody>
+      </p:sp>
+      <p:pic>
+        <p:nvPicPr>
+          <p:cNvPr id="3074" name="Picture 2" descr="C:\Programming\workspaces\IntelliJ\ch.bfh.bti7081.s2013.yellow\ch.bfh.bti7081.s2013.yellow\doc\cs1_task03\prototype\prototyp001.jpg"/>
+          <p:cNvPicPr>
+            <a:picLocks noChangeAspect="1" noChangeArrowheads="1"/>
+          </p:cNvPicPr>
+          <p:nvPr/>
+        </p:nvPicPr>
+        <p:blipFill rotWithShape="1">
+          <a:blip r:embed="rId2" cstate="print">
+            <a:extLst>
+              <a:ext uri="{28A0092B-C50C-407E-A947-70E740481C1C}">
+                <a14:useLocalDpi xmlns:a14="http://schemas.microsoft.com/office/drawing/2010/main" val="0"/>
+              </a:ext>
+            </a:extLst>
+          </a:blip>
+          <a:srcRect l="10001" r="7102" b="9435"/>
+          <a:stretch/>
+        </p:blipFill>
+        <p:spPr bwMode="auto">
+          <a:xfrm>
+            <a:off x="1282700" y="1412776"/>
+            <a:ext cx="6756400" cy="5220434"/>
+          </a:xfrm>
+          <a:prstGeom prst="rect">
+            <a:avLst/>
+          </a:prstGeom>
+          <a:noFill/>
+          <a:extLst>
+            <a:ext uri="{909E8E84-426E-40DD-AFC4-6F175D3DCCD1}">
+              <a14:hiddenFill xmlns:a14="http://schemas.microsoft.com/office/drawing/2010/main">
+                <a:solidFill>
+                  <a:srgbClr val="FFFFFF"/>
+                </a:solidFill>
+              </a14:hiddenFill>
+            </a:ext>
+          </a:extLst>
+        </p:spPr>
+      </p:pic>
+    </p:spTree>
+  </p:cSld>
+  <p:clrMapOvr>
+    <a:masterClrMapping/>
+  </p:clrMapOvr>
+  <p:timing>
+    <p:tnLst>
+      <p:par>
+        <p:cTn id="1" dur="indefinite" restart="never" nodeType="tmRoot"/>
+      </p:par>
+    </p:tnLst>
+  </p:timing>
+</p:sld>
+</file>
+
+<file path=ppt/slides/slide11.xml><?xml version="1.0" encoding="utf-8"?>
+<p:sld xmlns:a="http://schemas.openxmlformats.org/drawingml/2006/main" xmlns:r="http://schemas.openxmlformats.org/officeDocument/2006/relationships" xmlns:p="http://schemas.openxmlformats.org/presentationml/2006/main">
+  <p:cSld>
+    <p:spTree>
+      <p:nvGrpSpPr>
+        <p:cNvPr id="1" name=""/>
+        <p:cNvGrpSpPr/>
+        <p:nvPr/>
+      </p:nvGrpSpPr>
+      <p:grpSpPr>
+        <a:xfrm>
+          <a:off x="0" y="0"/>
+          <a:ext cx="0" cy="0"/>
+          <a:chOff x="0" y="0"/>
+          <a:chExt cx="0" cy="0"/>
+        </a:xfrm>
+      </p:grpSpPr>
+      <p:sp>
+        <p:nvSpPr>
+          <p:cNvPr id="2" name="Titel 1"/>
+          <p:cNvSpPr>
+            <a:spLocks noGrp="1"/>
+          </p:cNvSpPr>
+          <p:nvPr>
+            <p:ph type="title"/>
+          </p:nvPr>
+        </p:nvSpPr>
+        <p:spPr/>
+        <p:txBody>
+          <a:bodyPr/>
+          <a:lstStyle/>
+          <a:p>
+            <a:r>
+              <a:rPr lang="de-CH" dirty="0" smtClean="0"/>
+              <a:t>Prototype</a:t>
+            </a:r>
+            <a:endParaRPr lang="de-CH" dirty="0"/>
+          </a:p>
+        </p:txBody>
+      </p:sp>
+      <p:sp>
+        <p:nvSpPr>
+          <p:cNvPr id="4" name="Datumsplatzhalter 3"/>
+          <p:cNvSpPr>
+            <a:spLocks noGrp="1"/>
+          </p:cNvSpPr>
+          <p:nvPr>
+            <p:ph type="dt" sz="half" idx="10"/>
+          </p:nvPr>
+        </p:nvSpPr>
+        <p:spPr/>
+        <p:txBody>
+          <a:bodyPr/>
+          <a:lstStyle/>
+          <a:p>
+            <a:r>
+              <a:rPr lang="de-CH" smtClean="0"/>
+              <a:t>20.03.2013</a:t>
+            </a:r>
+            <a:endParaRPr lang="de-CH"/>
+          </a:p>
+        </p:txBody>
+      </p:sp>
+      <p:sp>
+        <p:nvSpPr>
+          <p:cNvPr id="5" name="Foliennummernplatzhalter 4"/>
+          <p:cNvSpPr>
+            <a:spLocks noGrp="1"/>
+          </p:cNvSpPr>
+          <p:nvPr>
+            <p:ph type="sldNum" sz="quarter" idx="12"/>
+          </p:nvPr>
+        </p:nvSpPr>
+        <p:spPr/>
+        <p:txBody>
+          <a:bodyPr/>
+          <a:lstStyle/>
+          <a:p>
+            <a:fld id="{66EF974D-2837-4CD3-A9E8-F64F1017B155}" type="slidenum">
+              <a:rPr lang="de-CH" smtClean="0"/>
+              <a:pPr/>
+              <a:t>11</a:t>
             </a:fld>
             <a:endParaRPr lang="de-CH"/>
           </a:p>
@@ -3959,29 +4389,6 @@
           </a:extLst>
         </p:spPr>
       </p:pic>
-      <p:sp>
-        <p:nvSpPr>
-          <p:cNvPr id="2" name="Titel 1"/>
-          <p:cNvSpPr>
-            <a:spLocks noGrp="1"/>
-          </p:cNvSpPr>
-          <p:nvPr>
-            <p:ph type="title"/>
-          </p:nvPr>
-        </p:nvSpPr>
-        <p:spPr/>
-        <p:txBody>
-          <a:bodyPr/>
-          <a:lstStyle/>
-          <a:p>
-            <a:r>
-              <a:rPr lang="de-CH" dirty="0" smtClean="0"/>
-              <a:t>Prototype</a:t>
-            </a:r>
-            <a:endParaRPr lang="de-CH" dirty="0"/>
-          </a:p>
-        </p:txBody>
-      </p:sp>
     </p:spTree>
     <p:extLst>
       <p:ext uri="{BB962C8B-B14F-4D97-AF65-F5344CB8AC3E}">
@@ -3992,10 +4399,17 @@
   <p:clrMapOvr>
     <a:masterClrMapping/>
   </p:clrMapOvr>
+  <p:timing>
+    <p:tnLst>
+      <p:par>
+        <p:cTn id="1" dur="indefinite" restart="never" nodeType="tmRoot"/>
+      </p:par>
+    </p:tnLst>
+  </p:timing>
 </p:sld>
 </file>
 
-<file path=ppt/slides/slide11.xml><?xml version="1.0" encoding="utf-8"?>
+<file path=ppt/slides/slide12.xml><?xml version="1.0" encoding="utf-8"?>
 <p:sld xmlns:a="http://schemas.openxmlformats.org/drawingml/2006/main" xmlns:r="http://schemas.openxmlformats.org/officeDocument/2006/relationships" xmlns:p="http://schemas.openxmlformats.org/presentationml/2006/main">
   <p:cSld>
     <p:spTree>
@@ -4053,6 +4467,29 @@
       </p:pic>
       <p:sp>
         <p:nvSpPr>
+          <p:cNvPr id="2" name="Titel 1"/>
+          <p:cNvSpPr>
+            <a:spLocks noGrp="1"/>
+          </p:cNvSpPr>
+          <p:nvPr>
+            <p:ph type="title"/>
+          </p:nvPr>
+        </p:nvSpPr>
+        <p:spPr/>
+        <p:txBody>
+          <a:bodyPr/>
+          <a:lstStyle/>
+          <a:p>
+            <a:r>
+              <a:rPr lang="de-CH" dirty="0" smtClean="0"/>
+              <a:t>Prototype</a:t>
+            </a:r>
+            <a:endParaRPr lang="de-CH" dirty="0"/>
+          </a:p>
+        </p:txBody>
+      </p:sp>
+      <p:sp>
+        <p:nvSpPr>
           <p:cNvPr id="4" name="Datumsplatzhalter 3"/>
           <p:cNvSpPr>
             <a:spLocks noGrp="1"/>
@@ -4092,78 +4529,9 @@
             <a:fld id="{66EF974D-2837-4CD3-A9E8-F64F1017B155}" type="slidenum">
               <a:rPr lang="de-CH" smtClean="0"/>
               <a:pPr/>
-              <a:t>11</a:t>
+              <a:t>12</a:t>
             </a:fld>
             <a:endParaRPr lang="de-CH"/>
-          </a:p>
-        </p:txBody>
-      </p:sp>
-      <p:sp>
-        <p:nvSpPr>
-          <p:cNvPr id="3" name="Rechteck 2"/>
-          <p:cNvSpPr/>
-          <p:nvPr/>
-        </p:nvSpPr>
-        <p:spPr>
-          <a:xfrm>
-            <a:off x="467544" y="836712"/>
-            <a:ext cx="2232248" cy="576064"/>
-          </a:xfrm>
-          <a:prstGeom prst="rect">
-            <a:avLst/>
-          </a:prstGeom>
-          <a:solidFill>
-            <a:schemeClr val="bg1"/>
-          </a:solidFill>
-          <a:ln>
-            <a:noFill/>
-          </a:ln>
-        </p:spPr>
-        <p:style>
-          <a:lnRef idx="2">
-            <a:schemeClr val="accent1">
-              <a:shade val="50000"/>
-            </a:schemeClr>
-          </a:lnRef>
-          <a:fillRef idx="1">
-            <a:schemeClr val="accent1"/>
-          </a:fillRef>
-          <a:effectRef idx="0">
-            <a:schemeClr val="accent1"/>
-          </a:effectRef>
-          <a:fontRef idx="minor">
-            <a:schemeClr val="lt1"/>
-          </a:fontRef>
-        </p:style>
-        <p:txBody>
-          <a:bodyPr rtlCol="0" anchor="ctr"/>
-          <a:lstStyle/>
-          <a:p>
-            <a:pPr algn="ctr"/>
-            <a:endParaRPr lang="de-CH"/>
-          </a:p>
-        </p:txBody>
-      </p:sp>
-      <p:sp>
-        <p:nvSpPr>
-          <p:cNvPr id="2" name="Titel 1"/>
-          <p:cNvSpPr>
-            <a:spLocks noGrp="1"/>
-          </p:cNvSpPr>
-          <p:nvPr>
-            <p:ph type="title"/>
-          </p:nvPr>
-        </p:nvSpPr>
-        <p:spPr/>
-        <p:txBody>
-          <a:bodyPr/>
-          <a:lstStyle/>
-          <a:p>
-            <a:r>
-              <a:rPr lang="de-CH" dirty="0" smtClean="0"/>
-              <a:t>Prototype</a:t>
-            </a:r>
-            <a:endParaRPr lang="de-CH" dirty="0"/>
           </a:p>
         </p:txBody>
       </p:sp>
@@ -4187,7 +4555,7 @@
 </p:sld>
 </file>
 
-<file path=ppt/slides/slide12.xml><?xml version="1.0" encoding="utf-8"?>
+<file path=ppt/slides/slide13.xml><?xml version="1.0" encoding="utf-8"?>
 <p:sld xmlns:a="http://schemas.openxmlformats.org/drawingml/2006/main" xmlns:r="http://schemas.openxmlformats.org/officeDocument/2006/relationships" xmlns:p="http://schemas.openxmlformats.org/presentationml/2006/main">
   <p:cSld>
     <p:spTree>
@@ -4268,7 +4636,7 @@
             <a:fld id="{66EF974D-2837-4CD3-A9E8-F64F1017B155}" type="slidenum">
               <a:rPr lang="de-CH" smtClean="0"/>
               <a:pPr/>
-              <a:t>12</a:t>
+              <a:t>13</a:t>
             </a:fld>
             <a:endParaRPr lang="de-CH"/>
           </a:p>
@@ -4323,10 +4691,17 @@
   <p:clrMapOvr>
     <a:masterClrMapping/>
   </p:clrMapOvr>
+  <p:timing>
+    <p:tnLst>
+      <p:par>
+        <p:cTn id="1" dur="indefinite" restart="never" nodeType="tmRoot"/>
+      </p:par>
+    </p:tnLst>
+  </p:timing>
 </p:sld>
 </file>
 
-<file path=ppt/slides/slide13.xml><?xml version="1.0" encoding="utf-8"?>
+<file path=ppt/slides/slide14.xml><?xml version="1.0" encoding="utf-8"?>
 <p:sld xmlns:a="http://schemas.openxmlformats.org/drawingml/2006/main" xmlns:r="http://schemas.openxmlformats.org/officeDocument/2006/relationships" xmlns:p="http://schemas.openxmlformats.org/presentationml/2006/main">
   <p:cSld>
     <p:spTree>
@@ -4359,89 +4734,9 @@
           <a:lstStyle/>
           <a:p>
             <a:r>
-              <a:rPr lang="de-CH" dirty="0" err="1" smtClean="0"/>
-              <a:t>Validate</a:t>
-            </a:r>
-            <a:endParaRPr lang="de-CH" dirty="0"/>
-          </a:p>
-        </p:txBody>
-      </p:sp>
-      <p:sp>
-        <p:nvSpPr>
-          <p:cNvPr id="3" name="Inhaltsplatzhalter 2"/>
-          <p:cNvSpPr>
-            <a:spLocks noGrp="1"/>
-          </p:cNvSpPr>
-          <p:nvPr>
-            <p:ph idx="1"/>
-          </p:nvPr>
-        </p:nvSpPr>
-        <p:spPr/>
-        <p:txBody>
-          <a:bodyPr/>
-          <a:lstStyle/>
-          <a:p>
-            <a:r>
-              <a:rPr lang="de-CH" dirty="0"/>
-              <a:t>Anzahl Medikamente beim </a:t>
-            </a:r>
-            <a:r>
-              <a:rPr lang="de-CH" dirty="0" err="1" smtClean="0"/>
-              <a:t>Abscannen</a:t>
-            </a:r>
-            <a:endParaRPr lang="de-CH" dirty="0" smtClean="0"/>
-          </a:p>
-          <a:p>
-            <a:r>
-              <a:rPr lang="de-CH" dirty="0" err="1"/>
-              <a:t>Autocompletion</a:t>
-            </a:r>
-            <a:r>
-              <a:rPr lang="de-CH" dirty="0"/>
-              <a:t> bei Erfassung des Medikamentes</a:t>
-            </a:r>
-            <a:r>
               <a:rPr lang="de-CH" dirty="0" smtClean="0"/>
-              <a:t>	</a:t>
-            </a:r>
-            <a:endParaRPr lang="de-CH" dirty="0" smtClean="0"/>
-          </a:p>
-          <a:p>
-            <a:r>
-              <a:rPr lang="de-CH" dirty="0"/>
-              <a:t>Due </a:t>
-            </a:r>
-            <a:r>
-              <a:rPr lang="de-CH" dirty="0" err="1"/>
-              <a:t>date</a:t>
-            </a:r>
-            <a:r>
-              <a:rPr lang="de-CH" dirty="0"/>
-              <a:t> der </a:t>
-            </a:r>
-            <a:r>
-              <a:rPr lang="de-CH" dirty="0" smtClean="0"/>
-              <a:t>Bestellung</a:t>
-            </a:r>
-          </a:p>
-          <a:p>
-            <a:r>
-              <a:rPr lang="de-CH" dirty="0"/>
-              <a:t>Welche Person hat bestellt</a:t>
-            </a:r>
-            <a:r>
-              <a:rPr lang="de-CH" dirty="0" smtClean="0"/>
-              <a:t>?</a:t>
-            </a:r>
-          </a:p>
-          <a:p>
-            <a:r>
-              <a:rPr lang="de-CH" dirty="0"/>
-              <a:t>PA muss Bestellung editieren können</a:t>
-            </a:r>
-            <a:endParaRPr lang="de-CH" dirty="0" smtClean="0"/>
-          </a:p>
-          <a:p>
+              <a:t>Prototype</a:t>
+            </a:r>
             <a:endParaRPr lang="de-CH" dirty="0"/>
           </a:p>
         </p:txBody>
@@ -4487,9 +4782,380 @@
             <a:fld id="{66EF974D-2837-4CD3-A9E8-F64F1017B155}" type="slidenum">
               <a:rPr lang="de-CH" smtClean="0"/>
               <a:pPr/>
-              <a:t>13</a:t>
+              <a:t>14</a:t>
             </a:fld>
             <a:endParaRPr lang="de-CH"/>
+          </a:p>
+        </p:txBody>
+      </p:sp>
+      <p:pic>
+        <p:nvPicPr>
+          <p:cNvPr id="4099" name="Picture 3" descr="C:\Programming\workspaces\IntelliJ\ch.bfh.bti7081.s2013.yellow\ch.bfh.bti7081.s2013.yellow\doc\cs1_task03\prototype\prototyp005.JPG"/>
+          <p:cNvPicPr>
+            <a:picLocks noChangeAspect="1" noChangeArrowheads="1"/>
+          </p:cNvPicPr>
+          <p:nvPr/>
+        </p:nvPicPr>
+        <p:blipFill rotWithShape="1">
+          <a:blip r:embed="rId2">
+            <a:extLst>
+              <a:ext uri="{28A0092B-C50C-407E-A947-70E740481C1C}">
+                <a14:useLocalDpi xmlns:a14="http://schemas.microsoft.com/office/drawing/2010/main" val="0"/>
+              </a:ext>
+            </a:extLst>
+          </a:blip>
+          <a:srcRect l="6540" t="3292" b="16045"/>
+          <a:stretch/>
+        </p:blipFill>
+        <p:spPr bwMode="auto">
+          <a:xfrm>
+            <a:off x="755576" y="1412776"/>
+            <a:ext cx="8214259" cy="5054928"/>
+          </a:xfrm>
+          <a:prstGeom prst="rect">
+            <a:avLst/>
+          </a:prstGeom>
+          <a:noFill/>
+          <a:extLst>
+            <a:ext uri="{909E8E84-426E-40DD-AFC4-6F175D3DCCD1}">
+              <a14:hiddenFill xmlns:a14="http://schemas.microsoft.com/office/drawing/2010/main">
+                <a:solidFill>
+                  <a:srgbClr val="FFFFFF"/>
+                </a:solidFill>
+              </a14:hiddenFill>
+            </a:ext>
+          </a:extLst>
+        </p:spPr>
+      </p:pic>
+    </p:spTree>
+    <p:extLst>
+      <p:ext uri="{BB962C8B-B14F-4D97-AF65-F5344CB8AC3E}">
+        <p14:creationId xmlns:p14="http://schemas.microsoft.com/office/powerpoint/2010/main" val="1333276974"/>
+      </p:ext>
+    </p:extLst>
+  </p:cSld>
+  <p:clrMapOvr>
+    <a:masterClrMapping/>
+  </p:clrMapOvr>
+  <p:timing>
+    <p:tnLst>
+      <p:par>
+        <p:cTn id="1" dur="indefinite" restart="never" nodeType="tmRoot"/>
+      </p:par>
+    </p:tnLst>
+  </p:timing>
+</p:sld>
+</file>
+
+<file path=ppt/slides/slide15.xml><?xml version="1.0" encoding="utf-8"?>
+<p:sld xmlns:a="http://schemas.openxmlformats.org/drawingml/2006/main" xmlns:r="http://schemas.openxmlformats.org/officeDocument/2006/relationships" xmlns:p="http://schemas.openxmlformats.org/presentationml/2006/main">
+  <p:cSld>
+    <p:spTree>
+      <p:nvGrpSpPr>
+        <p:cNvPr id="1" name=""/>
+        <p:cNvGrpSpPr/>
+        <p:nvPr/>
+      </p:nvGrpSpPr>
+      <p:grpSpPr>
+        <a:xfrm>
+          <a:off x="0" y="0"/>
+          <a:ext cx="0" cy="0"/>
+          <a:chOff x="0" y="0"/>
+          <a:chExt cx="0" cy="0"/>
+        </a:xfrm>
+      </p:grpSpPr>
+      <p:sp>
+        <p:nvSpPr>
+          <p:cNvPr id="2" name="Titel 1"/>
+          <p:cNvSpPr>
+            <a:spLocks noGrp="1"/>
+          </p:cNvSpPr>
+          <p:nvPr>
+            <p:ph type="title"/>
+          </p:nvPr>
+        </p:nvSpPr>
+        <p:spPr/>
+        <p:txBody>
+          <a:bodyPr/>
+          <a:lstStyle/>
+          <a:p>
+            <a:r>
+              <a:rPr lang="de-CH" dirty="0" smtClean="0"/>
+              <a:t>Prototype</a:t>
+            </a:r>
+            <a:endParaRPr lang="de-CH" dirty="0"/>
+          </a:p>
+        </p:txBody>
+      </p:sp>
+      <p:sp>
+        <p:nvSpPr>
+          <p:cNvPr id="4" name="Datumsplatzhalter 3"/>
+          <p:cNvSpPr>
+            <a:spLocks noGrp="1"/>
+          </p:cNvSpPr>
+          <p:nvPr>
+            <p:ph type="dt" sz="half" idx="10"/>
+          </p:nvPr>
+        </p:nvSpPr>
+        <p:spPr/>
+        <p:txBody>
+          <a:bodyPr/>
+          <a:lstStyle/>
+          <a:p>
+            <a:r>
+              <a:rPr lang="de-CH" smtClean="0"/>
+              <a:t>20.03.2013</a:t>
+            </a:r>
+            <a:endParaRPr lang="de-CH"/>
+          </a:p>
+        </p:txBody>
+      </p:sp>
+      <p:sp>
+        <p:nvSpPr>
+          <p:cNvPr id="5" name="Foliennummernplatzhalter 4"/>
+          <p:cNvSpPr>
+            <a:spLocks noGrp="1"/>
+          </p:cNvSpPr>
+          <p:nvPr>
+            <p:ph type="sldNum" sz="quarter" idx="12"/>
+          </p:nvPr>
+        </p:nvSpPr>
+        <p:spPr/>
+        <p:txBody>
+          <a:bodyPr/>
+          <a:lstStyle/>
+          <a:p>
+            <a:fld id="{66EF974D-2837-4CD3-A9E8-F64F1017B155}" type="slidenum">
+              <a:rPr lang="de-CH" smtClean="0"/>
+              <a:pPr/>
+              <a:t>15</a:t>
+            </a:fld>
+            <a:endParaRPr lang="de-CH"/>
+          </a:p>
+        </p:txBody>
+      </p:sp>
+      <p:pic>
+        <p:nvPicPr>
+          <p:cNvPr id="3074" name="Picture 2" descr="C:\Programming\workspaces\IntelliJ\ch.bfh.bti7081.s2013.yellow\ch.bfh.bti7081.s2013.yellow\doc\cs1_task03\prototype\prototype006.JPG"/>
+          <p:cNvPicPr>
+            <a:picLocks noChangeAspect="1" noChangeArrowheads="1"/>
+          </p:cNvPicPr>
+          <p:nvPr/>
+        </p:nvPicPr>
+        <p:blipFill rotWithShape="1">
+          <a:blip r:embed="rId2">
+            <a:extLst>
+              <a:ext uri="{28A0092B-C50C-407E-A947-70E740481C1C}">
+                <a14:useLocalDpi xmlns:a14="http://schemas.microsoft.com/office/drawing/2010/main" val="0"/>
+              </a:ext>
+            </a:extLst>
+          </a:blip>
+          <a:srcRect r="62250" b="14934"/>
+          <a:stretch/>
+        </p:blipFill>
+        <p:spPr bwMode="auto">
+          <a:xfrm>
+            <a:off x="3059832" y="1412776"/>
+            <a:ext cx="2872705" cy="4742656"/>
+          </a:xfrm>
+          <a:prstGeom prst="rect">
+            <a:avLst/>
+          </a:prstGeom>
+          <a:noFill/>
+          <a:extLst>
+            <a:ext uri="{909E8E84-426E-40DD-AFC4-6F175D3DCCD1}">
+              <a14:hiddenFill xmlns:a14="http://schemas.microsoft.com/office/drawing/2010/main">
+                <a:solidFill>
+                  <a:srgbClr val="FFFFFF"/>
+                </a:solidFill>
+              </a14:hiddenFill>
+            </a:ext>
+          </a:extLst>
+        </p:spPr>
+      </p:pic>
+    </p:spTree>
+    <p:extLst>
+      <p:ext uri="{BB962C8B-B14F-4D97-AF65-F5344CB8AC3E}">
+        <p14:creationId xmlns:p14="http://schemas.microsoft.com/office/powerpoint/2010/main" val="1333276974"/>
+      </p:ext>
+    </p:extLst>
+  </p:cSld>
+  <p:clrMapOvr>
+    <a:masterClrMapping/>
+  </p:clrMapOvr>
+  <p:timing>
+    <p:tnLst>
+      <p:par>
+        <p:cTn id="1" dur="indefinite" restart="never" nodeType="tmRoot"/>
+      </p:par>
+    </p:tnLst>
+  </p:timing>
+</p:sld>
+</file>
+
+<file path=ppt/slides/slide16.xml><?xml version="1.0" encoding="utf-8"?>
+<p:sld xmlns:a="http://schemas.openxmlformats.org/drawingml/2006/main" xmlns:r="http://schemas.openxmlformats.org/officeDocument/2006/relationships" xmlns:p="http://schemas.openxmlformats.org/presentationml/2006/main">
+  <p:cSld>
+    <p:spTree>
+      <p:nvGrpSpPr>
+        <p:cNvPr id="1" name=""/>
+        <p:cNvGrpSpPr/>
+        <p:nvPr/>
+      </p:nvGrpSpPr>
+      <p:grpSpPr>
+        <a:xfrm>
+          <a:off x="0" y="0"/>
+          <a:ext cx="0" cy="0"/>
+          <a:chOff x="0" y="0"/>
+          <a:chExt cx="0" cy="0"/>
+        </a:xfrm>
+      </p:grpSpPr>
+      <p:sp>
+        <p:nvSpPr>
+          <p:cNvPr id="2" name="Titel 1"/>
+          <p:cNvSpPr>
+            <a:spLocks noGrp="1"/>
+          </p:cNvSpPr>
+          <p:nvPr>
+            <p:ph type="title"/>
+          </p:nvPr>
+        </p:nvSpPr>
+        <p:spPr/>
+        <p:txBody>
+          <a:bodyPr/>
+          <a:lstStyle/>
+          <a:p>
+            <a:r>
+              <a:rPr lang="de-CH" dirty="0" err="1" smtClean="0"/>
+              <a:t>Validate</a:t>
+            </a:r>
+            <a:endParaRPr lang="de-CH" dirty="0"/>
+          </a:p>
+        </p:txBody>
+      </p:sp>
+      <p:sp>
+        <p:nvSpPr>
+          <p:cNvPr id="4" name="Datumsplatzhalter 3"/>
+          <p:cNvSpPr>
+            <a:spLocks noGrp="1"/>
+          </p:cNvSpPr>
+          <p:nvPr>
+            <p:ph type="dt" sz="half" idx="10"/>
+          </p:nvPr>
+        </p:nvSpPr>
+        <p:spPr/>
+        <p:txBody>
+          <a:bodyPr/>
+          <a:lstStyle/>
+          <a:p>
+            <a:r>
+              <a:rPr lang="de-CH" smtClean="0"/>
+              <a:t>20.03.2013</a:t>
+            </a:r>
+            <a:endParaRPr lang="de-CH"/>
+          </a:p>
+        </p:txBody>
+      </p:sp>
+      <p:sp>
+        <p:nvSpPr>
+          <p:cNvPr id="5" name="Foliennummernplatzhalter 4"/>
+          <p:cNvSpPr>
+            <a:spLocks noGrp="1"/>
+          </p:cNvSpPr>
+          <p:nvPr>
+            <p:ph type="sldNum" sz="quarter" idx="12"/>
+          </p:nvPr>
+        </p:nvSpPr>
+        <p:spPr/>
+        <p:txBody>
+          <a:bodyPr/>
+          <a:lstStyle/>
+          <a:p>
+            <a:fld id="{66EF974D-2837-4CD3-A9E8-F64F1017B155}" type="slidenum">
+              <a:rPr lang="de-CH" smtClean="0"/>
+              <a:pPr/>
+              <a:t>16</a:t>
+            </a:fld>
+            <a:endParaRPr lang="de-CH"/>
+          </a:p>
+        </p:txBody>
+      </p:sp>
+      <p:sp>
+        <p:nvSpPr>
+          <p:cNvPr id="3" name="Inhaltsplatzhalter 2"/>
+          <p:cNvSpPr>
+            <a:spLocks noGrp="1"/>
+          </p:cNvSpPr>
+          <p:nvPr>
+            <p:ph sz="quarter" idx="1"/>
+          </p:nvPr>
+        </p:nvSpPr>
+        <p:spPr/>
+        <p:txBody>
+          <a:bodyPr/>
+          <a:lstStyle/>
+          <a:p>
+            <a:r>
+              <a:rPr lang="de-CH" dirty="0"/>
+              <a:t>Anzahl Medikamente beim </a:t>
+            </a:r>
+            <a:r>
+              <a:rPr lang="de-CH" dirty="0" err="1" smtClean="0"/>
+              <a:t>Abscannen</a:t>
+            </a:r>
+            <a:endParaRPr lang="de-CH" dirty="0" smtClean="0"/>
+          </a:p>
+          <a:p>
+            <a:r>
+              <a:rPr lang="de-CH" dirty="0" err="1"/>
+              <a:t>Autocompletion</a:t>
+            </a:r>
+            <a:r>
+              <a:rPr lang="de-CH" dirty="0"/>
+              <a:t> bei Erfassung des Medikamentes</a:t>
+            </a:r>
+            <a:r>
+              <a:rPr lang="de-CH" dirty="0" smtClean="0"/>
+              <a:t>	</a:t>
+            </a:r>
+          </a:p>
+          <a:p>
+            <a:r>
+              <a:rPr lang="de-CH" dirty="0"/>
+              <a:t>Due </a:t>
+            </a:r>
+            <a:r>
+              <a:rPr lang="de-CH" dirty="0" err="1"/>
+              <a:t>date</a:t>
+            </a:r>
+            <a:r>
+              <a:rPr lang="de-CH" dirty="0"/>
+              <a:t> der </a:t>
+            </a:r>
+            <a:r>
+              <a:rPr lang="de-CH" dirty="0" smtClean="0"/>
+              <a:t>Bestellung</a:t>
+            </a:r>
+          </a:p>
+          <a:p>
+            <a:r>
+              <a:rPr lang="de-CH" dirty="0"/>
+              <a:t>Welche Person hat bestellt</a:t>
+            </a:r>
+            <a:r>
+              <a:rPr lang="de-CH" dirty="0" smtClean="0"/>
+              <a:t>?</a:t>
+            </a:r>
+          </a:p>
+          <a:p>
+            <a:r>
+              <a:rPr lang="de-CH" dirty="0"/>
+              <a:t>PA muss Bestellung editieren können</a:t>
+            </a:r>
+            <a:endParaRPr lang="de-CH" dirty="0" smtClean="0"/>
+          </a:p>
+          <a:p>
+            <a:endParaRPr lang="de-CH" dirty="0"/>
           </a:p>
         </p:txBody>
       </p:sp>
@@ -4498,6 +5164,13 @@
   <p:clrMapOvr>
     <a:masterClrMapping/>
   </p:clrMapOvr>
+  <p:timing>
+    <p:tnLst>
+      <p:par>
+        <p:cTn id="1" dur="indefinite" restart="never" nodeType="tmRoot"/>
+      </p:par>
+    </p:tnLst>
+  </p:timing>
 </p:sld>
 </file>
 
@@ -4551,50 +5224,6 @@
       </p:sp>
       <p:sp>
         <p:nvSpPr>
-          <p:cNvPr id="3" name="Inhaltsplatzhalter 2"/>
-          <p:cNvSpPr>
-            <a:spLocks noGrp="1"/>
-          </p:cNvSpPr>
-          <p:nvPr>
-            <p:ph idx="1"/>
-          </p:nvPr>
-        </p:nvSpPr>
-        <p:spPr/>
-        <p:txBody>
-          <a:bodyPr/>
-          <a:lstStyle/>
-          <a:p>
-            <a:r>
-              <a:rPr lang="de-CH" dirty="0" smtClean="0"/>
-              <a:t>elektronische Bestellung durch Stationen</a:t>
-            </a:r>
-          </a:p>
-          <a:p>
-            <a:r>
-              <a:rPr lang="de-CH" dirty="0" smtClean="0"/>
-              <a:t>Auftragsstatus</a:t>
-            </a:r>
-          </a:p>
-          <a:p>
-            <a:r>
-              <a:rPr lang="de-CH" dirty="0" smtClean="0"/>
-              <a:t>Lagerbestand</a:t>
-            </a:r>
-          </a:p>
-          <a:p>
-            <a:r>
-              <a:rPr lang="de-CH" dirty="0" smtClean="0"/>
-              <a:t>Abholung durch Patient</a:t>
-            </a:r>
-            <a:endParaRPr lang="de-CH" dirty="0" smtClean="0"/>
-          </a:p>
-          <a:p>
-            <a:endParaRPr lang="de-CH" dirty="0"/>
-          </a:p>
-        </p:txBody>
-      </p:sp>
-      <p:sp>
-        <p:nvSpPr>
           <p:cNvPr id="4" name="Datumsplatzhalter 3"/>
           <p:cNvSpPr>
             <a:spLocks noGrp="1"/>
@@ -4640,11 +5269,78 @@
           </a:p>
         </p:txBody>
       </p:sp>
+      <p:sp>
+        <p:nvSpPr>
+          <p:cNvPr id="3" name="Inhaltsplatzhalter 2"/>
+          <p:cNvSpPr>
+            <a:spLocks noGrp="1"/>
+          </p:cNvSpPr>
+          <p:nvPr>
+            <p:ph sz="quarter" idx="1"/>
+          </p:nvPr>
+        </p:nvSpPr>
+        <p:spPr/>
+        <p:txBody>
+          <a:bodyPr/>
+          <a:lstStyle/>
+          <a:p>
+            <a:r>
+              <a:rPr lang="de-CH" dirty="0" smtClean="0"/>
+              <a:t>elektronische Bestellung durch Stationen</a:t>
+            </a:r>
+          </a:p>
+          <a:p>
+            <a:r>
+              <a:rPr lang="de-CH" dirty="0" smtClean="0"/>
+              <a:t>Auftragsstatus</a:t>
+            </a:r>
+          </a:p>
+          <a:p>
+            <a:r>
+              <a:rPr lang="de-CH" dirty="0" smtClean="0"/>
+              <a:t>Lagerbestand</a:t>
+            </a:r>
+          </a:p>
+          <a:p>
+            <a:r>
+              <a:rPr lang="de-CH" dirty="0" smtClean="0"/>
+              <a:t>Abholung durch </a:t>
+            </a:r>
+            <a:r>
+              <a:rPr lang="de-CH" dirty="0" smtClean="0"/>
+              <a:t>Patient</a:t>
+            </a:r>
+          </a:p>
+          <a:p>
+            <a:r>
+              <a:rPr lang="de-CH" dirty="0" smtClean="0"/>
+              <a:t>Einnahmeerinnerung &amp; -bestätigung</a:t>
+            </a:r>
+          </a:p>
+          <a:p>
+            <a:r>
+              <a:rPr lang="de-CH" dirty="0" smtClean="0"/>
+              <a:t>Befindlichkeitsumfrage</a:t>
+            </a:r>
+            <a:endParaRPr lang="de-CH" dirty="0" smtClean="0"/>
+          </a:p>
+          <a:p>
+            <a:endParaRPr lang="de-CH" dirty="0"/>
+          </a:p>
+        </p:txBody>
+      </p:sp>
     </p:spTree>
   </p:cSld>
   <p:clrMapOvr>
     <a:masterClrMapping/>
   </p:clrMapOvr>
+  <p:timing>
+    <p:tnLst>
+      <p:par>
+        <p:cTn id="1" dur="indefinite" restart="never" nodeType="tmRoot"/>
+      </p:par>
+    </p:tnLst>
+  </p:timing>
 </p:sld>
 </file>
 
@@ -4690,11 +5386,7 @@
             </a:r>
             <a:r>
               <a:rPr lang="de-CH" dirty="0" smtClean="0"/>
-              <a:t>-</a:t>
-            </a:r>
-            <a:r>
-              <a:rPr lang="de-CH" dirty="0" smtClean="0"/>
-              <a:t> out </a:t>
+              <a:t>- out </a:t>
             </a:r>
             <a:r>
               <a:rPr lang="de-CH" dirty="0" err="1" smtClean="0"/>
@@ -4708,43 +5400,6 @@
               <a:rPr lang="de-CH" dirty="0" err="1" smtClean="0"/>
               <a:t>Scope</a:t>
             </a:r>
-            <a:endParaRPr lang="de-CH" dirty="0"/>
-          </a:p>
-        </p:txBody>
-      </p:sp>
-      <p:sp>
-        <p:nvSpPr>
-          <p:cNvPr id="3" name="Inhaltsplatzhalter 2"/>
-          <p:cNvSpPr>
-            <a:spLocks noGrp="1"/>
-          </p:cNvSpPr>
-          <p:nvPr>
-            <p:ph idx="1"/>
-          </p:nvPr>
-        </p:nvSpPr>
-        <p:spPr/>
-        <p:txBody>
-          <a:bodyPr/>
-          <a:lstStyle/>
-          <a:p>
-            <a:r>
-              <a:rPr lang="de-CH" dirty="0" smtClean="0"/>
-              <a:t>Patientenverwaltung</a:t>
-            </a:r>
-          </a:p>
-          <a:p>
-            <a:r>
-              <a:rPr lang="de-CH" dirty="0" smtClean="0"/>
-              <a:t>Abrechnung</a:t>
-            </a:r>
-          </a:p>
-          <a:p>
-            <a:r>
-              <a:rPr lang="de-CH" dirty="0" smtClean="0"/>
-              <a:t>Abholung durch stationäre Patienten</a:t>
-            </a:r>
-          </a:p>
-          <a:p>
             <a:endParaRPr lang="de-CH" dirty="0"/>
           </a:p>
         </p:txBody>
@@ -4793,6 +5448,43 @@
               <a:t>3</a:t>
             </a:fld>
             <a:endParaRPr lang="de-CH"/>
+          </a:p>
+        </p:txBody>
+      </p:sp>
+      <p:sp>
+        <p:nvSpPr>
+          <p:cNvPr id="3" name="Inhaltsplatzhalter 2"/>
+          <p:cNvSpPr>
+            <a:spLocks noGrp="1"/>
+          </p:cNvSpPr>
+          <p:nvPr>
+            <p:ph sz="quarter" idx="1"/>
+          </p:nvPr>
+        </p:nvSpPr>
+        <p:spPr/>
+        <p:txBody>
+          <a:bodyPr/>
+          <a:lstStyle/>
+          <a:p>
+            <a:r>
+              <a:rPr lang="de-CH" dirty="0" smtClean="0"/>
+              <a:t>Patientenverwaltung</a:t>
+            </a:r>
+          </a:p>
+          <a:p>
+            <a:r>
+              <a:rPr lang="de-CH" dirty="0" smtClean="0"/>
+              <a:t>Abrechnung</a:t>
+            </a:r>
+          </a:p>
+          <a:p>
+            <a:r>
+              <a:rPr lang="de-CH" dirty="0" smtClean="0"/>
+              <a:t>Abholung durch stationäre Patienten</a:t>
+            </a:r>
+          </a:p>
+          <a:p>
+            <a:endParaRPr lang="de-CH" dirty="0"/>
           </a:p>
         </p:txBody>
       </p:sp>
@@ -4806,6 +5498,13 @@
   <p:clrMapOvr>
     <a:masterClrMapping/>
   </p:clrMapOvr>
+  <p:timing>
+    <p:tnLst>
+      <p:par>
+        <p:cTn id="1" dur="indefinite" restart="never" nodeType="tmRoot"/>
+      </p:par>
+    </p:tnLst>
+  </p:timing>
 </p:sld>
 </file>
 
@@ -4851,67 +5550,6 @@
       </p:sp>
       <p:sp>
         <p:nvSpPr>
-          <p:cNvPr id="3" name="Inhaltsplatzhalter 2"/>
-          <p:cNvSpPr>
-            <a:spLocks noGrp="1"/>
-          </p:cNvSpPr>
-          <p:nvPr>
-            <p:ph idx="1"/>
-          </p:nvPr>
-        </p:nvSpPr>
-        <p:spPr/>
-        <p:txBody>
-          <a:bodyPr/>
-          <a:lstStyle/>
-          <a:p>
-            <a:pPr lvl="1"/>
-            <a:r>
-              <a:rPr lang="de-CH" dirty="0" smtClean="0"/>
-              <a:t>Medikamente nur an Ärzte und Schwestern</a:t>
-            </a:r>
-          </a:p>
-          <a:p>
-            <a:pPr lvl="1"/>
-            <a:r>
-              <a:rPr lang="de-CH" dirty="0" smtClean="0"/>
-              <a:t>Rezeptfreie Medikamente auf Station zur Verfügung</a:t>
-            </a:r>
-          </a:p>
-          <a:p>
-            <a:pPr lvl="1"/>
-            <a:r>
-              <a:rPr lang="de-CH" dirty="0" smtClean="0"/>
-              <a:t>Starke Med. nur gegen Rezept &amp; Unterschrift</a:t>
-            </a:r>
-          </a:p>
-          <a:p>
-            <a:pPr lvl="1"/>
-            <a:r>
-              <a:rPr lang="de-CH" dirty="0" smtClean="0"/>
-              <a:t>Apotheker: Lagerbewirtschaftung &amp; Abgabe an Personal</a:t>
-            </a:r>
-          </a:p>
-          <a:p>
-            <a:pPr lvl="1"/>
-            <a:r>
-              <a:rPr lang="de-CH" dirty="0" smtClean="0"/>
-              <a:t>Keine Studien durch Apotheker</a:t>
-            </a:r>
-          </a:p>
-          <a:p>
-            <a:pPr lvl="1"/>
-            <a:endParaRPr lang="de-CH" dirty="0"/>
-          </a:p>
-          <a:p>
-            <a:endParaRPr lang="de-CH" dirty="0" smtClean="0"/>
-          </a:p>
-          <a:p>
-            <a:endParaRPr lang="de-CH" dirty="0"/>
-          </a:p>
-        </p:txBody>
-      </p:sp>
-      <p:sp>
-        <p:nvSpPr>
           <p:cNvPr id="4" name="Datumsplatzhalter 3"/>
           <p:cNvSpPr>
             <a:spLocks noGrp="1"/>
@@ -4957,11 +5595,64 @@
           </a:p>
         </p:txBody>
       </p:sp>
+      <p:sp>
+        <p:nvSpPr>
+          <p:cNvPr id="6" name="Inhaltsplatzhalter 5"/>
+          <p:cNvSpPr>
+            <a:spLocks noGrp="1"/>
+          </p:cNvSpPr>
+          <p:nvPr>
+            <p:ph sz="quarter" idx="1"/>
+          </p:nvPr>
+        </p:nvSpPr>
+        <p:spPr/>
+        <p:txBody>
+          <a:bodyPr/>
+          <a:lstStyle/>
+          <a:p>
+            <a:r>
+              <a:rPr lang="de-CH" dirty="0"/>
+              <a:t>Medikamente nur an Ärzte und Schwestern</a:t>
+            </a:r>
+          </a:p>
+          <a:p>
+            <a:r>
+              <a:rPr lang="de-CH" dirty="0"/>
+              <a:t>Rezeptfreie Medikamente auf Station zur Verfügung</a:t>
+            </a:r>
+          </a:p>
+          <a:p>
+            <a:r>
+              <a:rPr lang="de-CH" dirty="0"/>
+              <a:t>Starke Med. nur gegen Rezept &amp; Unterschrift</a:t>
+            </a:r>
+          </a:p>
+          <a:p>
+            <a:r>
+              <a:rPr lang="de-CH" dirty="0"/>
+              <a:t>Apotheker: Lagerbewirtschaftung &amp; Abgabe an Personal</a:t>
+            </a:r>
+          </a:p>
+          <a:p>
+            <a:r>
+              <a:rPr lang="de-CH" dirty="0"/>
+              <a:t>Keine Studien durch Apotheker</a:t>
+            </a:r>
+          </a:p>
+        </p:txBody>
+      </p:sp>
     </p:spTree>
   </p:cSld>
   <p:clrMapOvr>
     <a:masterClrMapping/>
   </p:clrMapOvr>
+  <p:timing>
+    <p:tnLst>
+      <p:par>
+        <p:cTn id="1" dur="indefinite" restart="never" nodeType="tmRoot"/>
+      </p:par>
+    </p:tnLst>
+  </p:timing>
 </p:sld>
 </file>
 
@@ -5011,59 +5702,6 @@
       </p:sp>
       <p:sp>
         <p:nvSpPr>
-          <p:cNvPr id="3" name="Inhaltsplatzhalter 2"/>
-          <p:cNvSpPr>
-            <a:spLocks noGrp="1"/>
-          </p:cNvSpPr>
-          <p:nvPr>
-            <p:ph idx="1"/>
-          </p:nvPr>
-        </p:nvSpPr>
-        <p:spPr/>
-        <p:txBody>
-          <a:bodyPr/>
-          <a:lstStyle/>
-          <a:p>
-            <a:r>
-              <a:rPr lang="de-CH" dirty="0" smtClean="0"/>
-              <a:t>Nicht stationäre Patienten holen Medikamente</a:t>
-            </a:r>
-          </a:p>
-          <a:p>
-            <a:pPr marL="0" indent="0">
-              <a:buNone/>
-            </a:pPr>
-            <a:r>
-              <a:rPr lang="de-CH" dirty="0" smtClean="0">
-                <a:sym typeface="Wingdings" pitchFamily="2" charset="2"/>
-              </a:rPr>
-              <a:t>	 Weg zum Arzt bleibt erspart</a:t>
-            </a:r>
-          </a:p>
-          <a:p>
-            <a:r>
-              <a:rPr lang="de-CH" dirty="0" smtClean="0">
-                <a:sym typeface="Wingdings" pitchFamily="2" charset="2"/>
-              </a:rPr>
-              <a:t>Arzt erfasst Medikation</a:t>
-            </a:r>
-          </a:p>
-          <a:p>
-            <a:pPr marL="0" indent="0">
-              <a:buNone/>
-            </a:pPr>
-            <a:r>
-              <a:rPr lang="de-CH" dirty="0" smtClean="0">
-                <a:sym typeface="Wingdings" pitchFamily="2" charset="2"/>
-              </a:rPr>
-              <a:t>	 Abgabe rezeptpflichtiger Medikamente</a:t>
-            </a:r>
-            <a:endParaRPr lang="de-CH" dirty="0"/>
-          </a:p>
-        </p:txBody>
-      </p:sp>
-      <p:sp>
-        <p:nvSpPr>
           <p:cNvPr id="4" name="Datumsplatzhalter 3"/>
           <p:cNvSpPr>
             <a:spLocks noGrp="1"/>
@@ -5109,11 +5747,104 @@
           </a:p>
         </p:txBody>
       </p:sp>
+      <p:sp>
+        <p:nvSpPr>
+          <p:cNvPr id="3" name="Inhaltsplatzhalter 2"/>
+          <p:cNvSpPr>
+            <a:spLocks noGrp="1"/>
+          </p:cNvSpPr>
+          <p:nvPr>
+            <p:ph sz="quarter" idx="1"/>
+          </p:nvPr>
+        </p:nvSpPr>
+        <p:spPr/>
+        <p:txBody>
+          <a:bodyPr/>
+          <a:lstStyle/>
+          <a:p>
+            <a:r>
+              <a:rPr lang="de-CH" dirty="0" smtClean="0"/>
+              <a:t>Nicht stationäre Patienten holen Medikamente</a:t>
+            </a:r>
+          </a:p>
+          <a:p>
+            <a:pPr marL="0" indent="0">
+              <a:buNone/>
+            </a:pPr>
+            <a:r>
+              <a:rPr lang="de-CH" dirty="0" smtClean="0">
+                <a:sym typeface="Wingdings" pitchFamily="2" charset="2"/>
+              </a:rPr>
+              <a:t>	 Weg zum Arzt bleibt erspart</a:t>
+            </a:r>
+          </a:p>
+          <a:p>
+            <a:r>
+              <a:rPr lang="de-CH" dirty="0" smtClean="0">
+                <a:sym typeface="Wingdings" pitchFamily="2" charset="2"/>
+              </a:rPr>
+              <a:t>Arzt erfasst </a:t>
+            </a:r>
+            <a:r>
+              <a:rPr lang="de-CH" dirty="0" smtClean="0">
+                <a:sym typeface="Wingdings" pitchFamily="2" charset="2"/>
+              </a:rPr>
+              <a:t>Medikation</a:t>
+            </a:r>
+          </a:p>
+          <a:p>
+            <a:pPr marL="0" indent="0">
+              <a:buNone/>
+            </a:pPr>
+            <a:r>
+              <a:rPr lang="de-CH" dirty="0">
+                <a:sym typeface="Wingdings" pitchFamily="2" charset="2"/>
+              </a:rPr>
+              <a:t>	 Abgabe rezeptpflichtiger </a:t>
+            </a:r>
+            <a:r>
+              <a:rPr lang="de-CH" dirty="0" smtClean="0">
+                <a:sym typeface="Wingdings" pitchFamily="2" charset="2"/>
+              </a:rPr>
+              <a:t>Medikamente</a:t>
+            </a:r>
+            <a:endParaRPr lang="de-CH" dirty="0" smtClean="0">
+              <a:sym typeface="Wingdings" pitchFamily="2" charset="2"/>
+            </a:endParaRPr>
+          </a:p>
+          <a:p>
+            <a:r>
+              <a:rPr lang="de-CH" dirty="0" smtClean="0">
+                <a:sym typeface="Wingdings" pitchFamily="2" charset="2"/>
+              </a:rPr>
+              <a:t>Push Notifikation für Patient</a:t>
+            </a:r>
+          </a:p>
+          <a:p>
+            <a:r>
+              <a:rPr lang="de-CH" dirty="0" smtClean="0">
+                <a:sym typeface="Wingdings" pitchFamily="2" charset="2"/>
+              </a:rPr>
+              <a:t>Befindlichkeitsfragebogen</a:t>
+            </a:r>
+            <a:endParaRPr lang="de-CH" dirty="0" smtClean="0">
+              <a:sym typeface="Wingdings" pitchFamily="2" charset="2"/>
+            </a:endParaRPr>
+          </a:p>
+        </p:txBody>
+      </p:sp>
     </p:spTree>
   </p:cSld>
   <p:clrMapOvr>
     <a:masterClrMapping/>
   </p:clrMapOvr>
+  <p:timing>
+    <p:tnLst>
+      <p:par>
+        <p:cTn id="1" dur="indefinite" restart="never" nodeType="tmRoot"/>
+      </p:par>
+    </p:tnLst>
+  </p:timing>
 </p:sld>
 </file>
 
@@ -5159,92 +5890,6 @@
       </p:sp>
       <p:sp>
         <p:nvSpPr>
-          <p:cNvPr id="3" name="Inhaltsplatzhalter 2"/>
-          <p:cNvSpPr>
-            <a:spLocks noGrp="1"/>
-          </p:cNvSpPr>
-          <p:nvPr>
-            <p:ph idx="1"/>
-          </p:nvPr>
-        </p:nvSpPr>
-        <p:spPr/>
-        <p:txBody>
-          <a:bodyPr/>
-          <a:lstStyle/>
-          <a:p>
-            <a:r>
-              <a:rPr lang="de-CH" dirty="0" smtClean="0"/>
-              <a:t>Target User: </a:t>
-            </a:r>
-            <a:r>
-              <a:rPr lang="de-CH" dirty="0" smtClean="0"/>
-              <a:t>Simona</a:t>
-            </a:r>
-          </a:p>
-          <a:p>
-            <a:pPr lvl="1">
-              <a:buFont typeface="Symbol" pitchFamily="18" charset="2"/>
-              <a:buChar char="-"/>
-            </a:pPr>
-            <a:r>
-              <a:rPr lang="de-CH" dirty="0" smtClean="0"/>
-              <a:t>Pharmaassistentin in Spitalapotheke</a:t>
-            </a:r>
-          </a:p>
-          <a:p>
-            <a:pPr lvl="1">
-              <a:buFont typeface="Symbol" pitchFamily="18" charset="2"/>
-              <a:buChar char="-"/>
-            </a:pPr>
-            <a:r>
-              <a:rPr lang="de-CH" dirty="0" smtClean="0"/>
-              <a:t>Entgegennahme der Medikamenten Bestellung</a:t>
-            </a:r>
-          </a:p>
-          <a:p>
-            <a:pPr lvl="1">
-              <a:buFont typeface="Symbol" pitchFamily="18" charset="2"/>
-              <a:buChar char="-"/>
-            </a:pPr>
-            <a:r>
-              <a:rPr lang="de-CH" dirty="0" smtClean="0"/>
-              <a:t>Bereitstellung für Zustellung oder Abholung</a:t>
-            </a:r>
-          </a:p>
-          <a:p>
-            <a:pPr lvl="1">
-              <a:buFont typeface="Symbol" pitchFamily="18" charset="2"/>
-              <a:buChar char="-"/>
-            </a:pPr>
-            <a:r>
-              <a:rPr lang="de-CH" dirty="0" smtClean="0"/>
-              <a:t>Inventur der Medikamente &amp; Bestellung bei Bedarf</a:t>
-            </a:r>
-          </a:p>
-          <a:p>
-            <a:pPr lvl="1">
-              <a:buFont typeface="Symbol" pitchFamily="18" charset="2"/>
-              <a:buChar char="-"/>
-            </a:pPr>
-            <a:r>
-              <a:rPr lang="de-CH" dirty="0" smtClean="0"/>
-              <a:t>Nicht stationäre bekommen Medikamente</a:t>
-            </a:r>
-          </a:p>
-          <a:p>
-            <a:pPr lvl="1">
-              <a:buFont typeface="Symbol" pitchFamily="18" charset="2"/>
-              <a:buChar char="-"/>
-            </a:pPr>
-            <a:endParaRPr lang="de-CH" dirty="0" smtClean="0"/>
-          </a:p>
-          <a:p>
-            <a:endParaRPr lang="de-CH" dirty="0"/>
-          </a:p>
-        </p:txBody>
-      </p:sp>
-      <p:sp>
-        <p:nvSpPr>
           <p:cNvPr id="4" name="Datumsplatzhalter 3"/>
           <p:cNvSpPr>
             <a:spLocks noGrp="1"/>
@@ -5290,11 +5935,97 @@
           </a:p>
         </p:txBody>
       </p:sp>
+      <p:sp>
+        <p:nvSpPr>
+          <p:cNvPr id="3" name="Inhaltsplatzhalter 2"/>
+          <p:cNvSpPr>
+            <a:spLocks noGrp="1"/>
+          </p:cNvSpPr>
+          <p:nvPr>
+            <p:ph sz="quarter" idx="1"/>
+          </p:nvPr>
+        </p:nvSpPr>
+        <p:spPr/>
+        <p:txBody>
+          <a:bodyPr/>
+          <a:lstStyle/>
+          <a:p>
+            <a:pPr>
+              <a:buFont typeface="Arial" pitchFamily="34" charset="0"/>
+              <a:buChar char="•"/>
+            </a:pPr>
+            <a:r>
+              <a:rPr lang="de-CH" dirty="0" smtClean="0"/>
+              <a:t>Target User: Simona</a:t>
+            </a:r>
+          </a:p>
+          <a:p>
+            <a:pPr lvl="1">
+              <a:buFont typeface="Symbol" pitchFamily="18" charset="2"/>
+              <a:buChar char="-"/>
+            </a:pPr>
+            <a:r>
+              <a:rPr lang="de-CH" dirty="0" smtClean="0"/>
+              <a:t>Pharmaassistentin in Spitalapotheke</a:t>
+            </a:r>
+          </a:p>
+          <a:p>
+            <a:pPr lvl="1">
+              <a:buFont typeface="Symbol" pitchFamily="18" charset="2"/>
+              <a:buChar char="-"/>
+            </a:pPr>
+            <a:r>
+              <a:rPr lang="de-CH" dirty="0" smtClean="0"/>
+              <a:t>Entgegennahme der Medikamenten Bestellung</a:t>
+            </a:r>
+          </a:p>
+          <a:p>
+            <a:pPr lvl="1">
+              <a:buFont typeface="Symbol" pitchFamily="18" charset="2"/>
+              <a:buChar char="-"/>
+            </a:pPr>
+            <a:r>
+              <a:rPr lang="de-CH" dirty="0" smtClean="0"/>
+              <a:t>Bereitstellung für Zustellung oder Abholung</a:t>
+            </a:r>
+          </a:p>
+          <a:p>
+            <a:pPr lvl="1">
+              <a:buFont typeface="Symbol" pitchFamily="18" charset="2"/>
+              <a:buChar char="-"/>
+            </a:pPr>
+            <a:r>
+              <a:rPr lang="de-CH" dirty="0" smtClean="0"/>
+              <a:t>Inventur der Medikamente &amp; Bestellung bei Bedarf</a:t>
+            </a:r>
+          </a:p>
+          <a:p>
+            <a:pPr lvl="1">
+              <a:buFont typeface="Symbol" pitchFamily="18" charset="2"/>
+              <a:buChar char="-"/>
+            </a:pPr>
+            <a:r>
+              <a:rPr lang="de-CH" dirty="0" smtClean="0"/>
+              <a:t>Nicht stationäre bekommen Medikamente</a:t>
+            </a:r>
+          </a:p>
+          <a:p>
+            <a:endParaRPr lang="de-CH" dirty="0"/>
+          </a:p>
+        </p:txBody>
+      </p:sp>
     </p:spTree>
   </p:cSld>
   <p:clrMapOvr>
     <a:masterClrMapping/>
   </p:clrMapOvr>
+  <p:timing>
+    <p:tnLst>
+      <p:par>
+        <p:cTn id="1" dur="indefinite" restart="never" nodeType="tmRoot"/>
+      </p:par>
+    </p:tnLst>
+  </p:timing>
 </p:sld>
 </file>
 
@@ -5331,12 +6062,8 @@
           <a:lstStyle/>
           <a:p>
             <a:r>
-              <a:rPr lang="de-CH" dirty="0" smtClean="0"/>
-              <a:t>Design </a:t>
-            </a:r>
-            <a:r>
-              <a:rPr lang="de-CH" dirty="0"/>
-              <a:t>- Storyboard Station</a:t>
+              <a:rPr lang="de-CH" dirty="0" err="1" smtClean="0"/>
+              <a:t>Synthesize</a:t>
             </a:r>
             <a:endParaRPr lang="de-CH" dirty="0"/>
           </a:p>
@@ -5389,68 +6116,156 @@
           </a:p>
         </p:txBody>
       </p:sp>
-      <p:graphicFrame>
-        <p:nvGraphicFramePr>
-          <p:cNvPr id="7" name="Objekt 6"/>
-          <p:cNvGraphicFramePr>
-            <a:graphicFrameLocks noChangeAspect="1"/>
-          </p:cNvGraphicFramePr>
-          <p:nvPr>
-            <p:extLst>
-              <p:ext uri="{D42A27DB-BD31-4B8C-83A1-F6EECF244321}">
-                <p14:modId xmlns:p14="http://schemas.microsoft.com/office/powerpoint/2010/main" val="3372034023"/>
-              </p:ext>
-            </p:extLst>
-          </p:nvPr>
-        </p:nvGraphicFramePr>
-        <p:xfrm>
-          <a:off x="1187624" y="1484784"/>
-          <a:ext cx="6975241" cy="5256584"/>
-        </p:xfrm>
-        <a:graphic>
-          <a:graphicData uri="http://schemas.openxmlformats.org/presentationml/2006/ole">
-            <mc:AlternateContent xmlns:mc="http://schemas.openxmlformats.org/markup-compatibility/2006">
-              <mc:Choice xmlns:v="urn:schemas-microsoft-com:vml" Requires="v">
-                <p:oleObj spid="_x0000_s1030" name="Visio" r:id="rId3" imgW="9435203" imgH="7110379" progId="Visio.Drawing.11">
-                  <p:embed/>
-                </p:oleObj>
-              </mc:Choice>
-              <mc:Fallback>
-                <p:oleObj name="Visio" r:id="rId3" imgW="9435203" imgH="7110379" progId="Visio.Drawing.11">
-                  <p:embed/>
-                  <p:pic>
-                    <p:nvPicPr>
-                      <p:cNvPr id="0" name=""/>
-                      <p:cNvPicPr/>
-                      <p:nvPr/>
-                    </p:nvPicPr>
-                    <p:blipFill>
-                      <a:blip r:embed="rId4"/>
-                      <a:stretch>
-                        <a:fillRect/>
-                      </a:stretch>
-                    </p:blipFill>
-                    <p:spPr>
-                      <a:xfrm>
-                        <a:off x="1187624" y="1484784"/>
-                        <a:ext cx="6975241" cy="5256584"/>
-                      </a:xfrm>
-                      <a:prstGeom prst="rect">
-                        <a:avLst/>
-                      </a:prstGeom>
-                    </p:spPr>
-                  </p:pic>
-                </p:oleObj>
-              </mc:Fallback>
-            </mc:AlternateContent>
-          </a:graphicData>
-        </a:graphic>
-      </p:graphicFrame>
+      <p:sp>
+        <p:nvSpPr>
+          <p:cNvPr id="3" name="Inhaltsplatzhalter 2"/>
+          <p:cNvSpPr>
+            <a:spLocks noGrp="1"/>
+          </p:cNvSpPr>
+          <p:nvPr>
+            <p:ph sz="quarter" idx="1"/>
+          </p:nvPr>
+        </p:nvSpPr>
+        <p:spPr>
+          <a:xfrm>
+            <a:off x="914400" y="1447800"/>
+            <a:ext cx="7772400" cy="5149552"/>
+          </a:xfrm>
+        </p:spPr>
+        <p:txBody>
+          <a:bodyPr>
+            <a:normAutofit/>
+          </a:bodyPr>
+          <a:lstStyle/>
+          <a:p>
+            <a:pPr>
+              <a:buFont typeface="Arial" pitchFamily="34" charset="0"/>
+              <a:buChar char="•"/>
+            </a:pPr>
+            <a:r>
+              <a:rPr lang="de-CH" dirty="0"/>
+              <a:t>Target User: Dr. Peter </a:t>
+            </a:r>
+            <a:r>
+              <a:rPr lang="de-CH" dirty="0" err="1"/>
+              <a:t>Köpp</a:t>
+            </a:r>
+            <a:endParaRPr lang="de-CH" dirty="0"/>
+          </a:p>
+          <a:p>
+            <a:pPr lvl="1">
+              <a:buFont typeface="Symbol" pitchFamily="18" charset="2"/>
+              <a:buChar char="-"/>
+            </a:pPr>
+            <a:r>
+              <a:rPr lang="de-CH" dirty="0" err="1"/>
+              <a:t>Assistentarzt</a:t>
+            </a:r>
+            <a:endParaRPr lang="de-CH" dirty="0"/>
+          </a:p>
+          <a:p>
+            <a:pPr lvl="1">
+              <a:buFont typeface="Symbol" pitchFamily="18" charset="2"/>
+              <a:buChar char="-"/>
+            </a:pPr>
+            <a:r>
+              <a:rPr lang="de-CH" dirty="0" smtClean="0"/>
+              <a:t>Elektronische Erfassung von Rezepten</a:t>
+            </a:r>
+          </a:p>
+          <a:p>
+            <a:pPr lvl="1">
+              <a:buFont typeface="Symbol" pitchFamily="18" charset="2"/>
+              <a:buChar char="-"/>
+            </a:pPr>
+            <a:r>
+              <a:rPr lang="de-CH" dirty="0" smtClean="0"/>
+              <a:t>Einsicht auf Journal von Medikamenteneinnahme der Pat.</a:t>
+            </a:r>
+          </a:p>
+          <a:p>
+            <a:pPr lvl="1">
+              <a:buFont typeface="Symbol" pitchFamily="18" charset="2"/>
+              <a:buChar char="-"/>
+            </a:pPr>
+            <a:endParaRPr lang="de-CH" dirty="0"/>
+          </a:p>
+          <a:p>
+            <a:pPr>
+              <a:buFont typeface="Arial" pitchFamily="34" charset="0"/>
+              <a:buChar char="•"/>
+            </a:pPr>
+            <a:r>
+              <a:rPr lang="de-CH" dirty="0" smtClean="0"/>
+              <a:t>Target User: Heinz Walther</a:t>
+            </a:r>
+          </a:p>
+          <a:p>
+            <a:pPr lvl="1">
+              <a:buFont typeface="Symbol" pitchFamily="18" charset="2"/>
+              <a:buChar char="-"/>
+            </a:pPr>
+            <a:r>
+              <a:rPr lang="de-CH" dirty="0" smtClean="0"/>
+              <a:t>Nicht-stationärer Patient</a:t>
+            </a:r>
+          </a:p>
+          <a:p>
+            <a:pPr lvl="1">
+              <a:buFont typeface="Symbol" pitchFamily="18" charset="2"/>
+              <a:buChar char="-"/>
+            </a:pPr>
+            <a:r>
+              <a:rPr lang="de-CH" dirty="0" smtClean="0"/>
+              <a:t>Abholung von Medikamenten in spitalinterner Apotheke</a:t>
+            </a:r>
+          </a:p>
+          <a:p>
+            <a:pPr lvl="1">
+              <a:buFont typeface="Symbol" pitchFamily="18" charset="2"/>
+              <a:buChar char="-"/>
+            </a:pPr>
+            <a:r>
+              <a:rPr lang="de-CH" dirty="0" smtClean="0"/>
+              <a:t>Erhält Push-Erinnerungen auf Smartphone und quittiert diese bei Einnahme des Medikamentes</a:t>
+            </a:r>
+          </a:p>
+          <a:p>
+            <a:pPr lvl="1">
+              <a:buFont typeface="Symbol" pitchFamily="18" charset="2"/>
+              <a:buChar char="-"/>
+            </a:pPr>
+            <a:r>
+              <a:rPr lang="de-CH" dirty="0" smtClean="0"/>
+              <a:t>Erhält Fragebogen zur Befindlichkeit während und nach Behandlung</a:t>
+            </a:r>
+            <a:endParaRPr lang="de-CH" dirty="0"/>
+          </a:p>
+          <a:p>
+            <a:pPr marL="0" indent="0">
+              <a:buNone/>
+            </a:pPr>
+            <a:endParaRPr lang="de-CH" dirty="0"/>
+          </a:p>
+        </p:txBody>
+      </p:sp>
     </p:spTree>
+    <p:extLst>
+      <p:ext uri="{BB962C8B-B14F-4D97-AF65-F5344CB8AC3E}">
+        <p14:creationId xmlns:p14="http://schemas.microsoft.com/office/powerpoint/2010/main" val="2857750927"/>
+      </p:ext>
+    </p:extLst>
   </p:cSld>
   <p:clrMapOvr>
     <a:masterClrMapping/>
   </p:clrMapOvr>
+  <p:timing>
+    <p:tnLst>
+      <p:par>
+        <p:cTn id="1" dur="indefinite" restart="never" nodeType="tmRoot"/>
+      </p:par>
+    </p:tnLst>
+  </p:timing>
 </p:sld>
 </file>
 
@@ -5492,13 +6307,8 @@
             </a:r>
             <a:r>
               <a:rPr lang="de-CH" dirty="0"/>
-              <a:t>-</a:t>
-            </a:r>
-            <a:r>
-              <a:rPr lang="de-CH" dirty="0" smtClean="0"/>
-              <a:t> Storyboard Patient</a:t>
-            </a:r>
-            <a:endParaRPr lang="de-CH" dirty="0"/>
+              <a:t>- Storyboard Station</a:t>
+            </a:r>
           </a:p>
         </p:txBody>
       </p:sp>
@@ -5551,32 +6361,32 @@
       </p:sp>
       <p:graphicFrame>
         <p:nvGraphicFramePr>
-          <p:cNvPr id="6" name="Objekt 5"/>
+          <p:cNvPr id="3" name="Objekt 2"/>
           <p:cNvGraphicFramePr>
             <a:graphicFrameLocks noChangeAspect="1"/>
           </p:cNvGraphicFramePr>
           <p:nvPr>
             <p:extLst>
               <p:ext uri="{D42A27DB-BD31-4B8C-83A1-F6EECF244321}">
-                <p14:modId xmlns:p14="http://schemas.microsoft.com/office/powerpoint/2010/main" val="49576136"/>
+                <p14:modId xmlns:p14="http://schemas.microsoft.com/office/powerpoint/2010/main" val="2810534785"/>
               </p:ext>
             </p:extLst>
           </p:nvPr>
         </p:nvGraphicFramePr>
         <p:xfrm>
-          <a:off x="611560" y="2348880"/>
-          <a:ext cx="8030531" cy="2664296"/>
+          <a:off x="755576" y="1298570"/>
+          <a:ext cx="7632848" cy="5396415"/>
         </p:xfrm>
         <a:graphic>
           <a:graphicData uri="http://schemas.openxmlformats.org/presentationml/2006/ole">
             <mc:AlternateContent xmlns:mc="http://schemas.openxmlformats.org/markup-compatibility/2006">
               <mc:Choice xmlns:v="urn:schemas-microsoft-com:vml" Requires="v">
-                <p:oleObj spid="_x0000_s2054" name="Visio" r:id="rId3" imgW="9305269" imgH="3087721" progId="Visio.Drawing.11">
+                <p:oleObj spid="_x0000_s1035" name="Acrobat Document" r:id="rId3" imgW="8029431" imgH="5676750" progId="AcroExch.Document.7">
                   <p:embed/>
                 </p:oleObj>
               </mc:Choice>
               <mc:Fallback>
-                <p:oleObj name="Visio" r:id="rId3" imgW="9305269" imgH="3087721" progId="Visio.Drawing.11">
+                <p:oleObj name="Acrobat Document" r:id="rId3" imgW="8029431" imgH="5676750" progId="AcroExch.Document.7">
                   <p:embed/>
                   <p:pic>
                     <p:nvPicPr>
@@ -5592,8 +6402,8 @@
                     </p:blipFill>
                     <p:spPr>
                       <a:xfrm>
-                        <a:off x="611560" y="2348880"/>
-                        <a:ext cx="8030531" cy="2664296"/>
+                        <a:off x="755576" y="1298570"/>
+                        <a:ext cx="7632848" cy="5396415"/>
                       </a:xfrm>
                       <a:prstGeom prst="rect">
                         <a:avLst/>
@@ -5611,6 +6421,13 @@
   <p:clrMapOvr>
     <a:masterClrMapping/>
   </p:clrMapOvr>
+  <p:timing>
+    <p:tnLst>
+      <p:par>
+        <p:cTn id="1" dur="indefinite" restart="never" nodeType="tmRoot"/>
+      </p:par>
+    </p:tnLst>
+  </p:timing>
 </p:sld>
 </file>
 
@@ -5631,6 +6448,94 @@
           <a:chExt cx="0" cy="0"/>
         </a:xfrm>
       </p:grpSpPr>
+      <p:graphicFrame>
+        <p:nvGraphicFramePr>
+          <p:cNvPr id="3" name="Objekt 2"/>
+          <p:cNvGraphicFramePr>
+            <a:graphicFrameLocks noChangeAspect="1"/>
+          </p:cNvGraphicFramePr>
+          <p:nvPr>
+            <p:extLst>
+              <p:ext uri="{D42A27DB-BD31-4B8C-83A1-F6EECF244321}">
+                <p14:modId xmlns:p14="http://schemas.microsoft.com/office/powerpoint/2010/main" val="3895673307"/>
+              </p:ext>
+            </p:extLst>
+          </p:nvPr>
+        </p:nvGraphicFramePr>
+        <p:xfrm>
+          <a:off x="539552" y="1052736"/>
+          <a:ext cx="8029575" cy="5676900"/>
+        </p:xfrm>
+        <a:graphic>
+          <a:graphicData uri="http://schemas.openxmlformats.org/presentationml/2006/ole">
+            <mc:AlternateContent xmlns:mc="http://schemas.openxmlformats.org/markup-compatibility/2006">
+              <mc:Choice xmlns:v="urn:schemas-microsoft-com:vml" Requires="v">
+                <p:oleObj spid="_x0000_s2059" name="Acrobat Document" r:id="rId3" imgW="8029431" imgH="5676750" progId="AcroExch.Document.7">
+                  <p:embed/>
+                </p:oleObj>
+              </mc:Choice>
+              <mc:Fallback>
+                <p:oleObj name="Acrobat Document" r:id="rId3" imgW="8029431" imgH="5676750" progId="AcroExch.Document.7">
+                  <p:embed/>
+                  <p:pic>
+                    <p:nvPicPr>
+                      <p:cNvPr id="0" name=""/>
+                      <p:cNvPicPr/>
+                      <p:nvPr/>
+                    </p:nvPicPr>
+                    <p:blipFill>
+                      <a:blip r:embed="rId4"/>
+                      <a:stretch>
+                        <a:fillRect/>
+                      </a:stretch>
+                    </p:blipFill>
+                    <p:spPr>
+                      <a:xfrm>
+                        <a:off x="539552" y="1052736"/>
+                        <a:ext cx="8029575" cy="5676900"/>
+                      </a:xfrm>
+                      <a:prstGeom prst="rect">
+                        <a:avLst/>
+                      </a:prstGeom>
+                    </p:spPr>
+                  </p:pic>
+                </p:oleObj>
+              </mc:Fallback>
+            </mc:AlternateContent>
+          </a:graphicData>
+        </a:graphic>
+      </p:graphicFrame>
+      <p:sp>
+        <p:nvSpPr>
+          <p:cNvPr id="2" name="Titel 1"/>
+          <p:cNvSpPr>
+            <a:spLocks noGrp="1"/>
+          </p:cNvSpPr>
+          <p:nvPr>
+            <p:ph type="title"/>
+          </p:nvPr>
+        </p:nvSpPr>
+        <p:spPr/>
+        <p:txBody>
+          <a:bodyPr/>
+          <a:lstStyle/>
+          <a:p>
+            <a:r>
+              <a:rPr lang="de-CH" dirty="0" smtClean="0"/>
+              <a:t>Design </a:t>
+            </a:r>
+            <a:r>
+              <a:rPr lang="de-CH" dirty="0"/>
+              <a:t>-</a:t>
+            </a:r>
+            <a:r>
+              <a:rPr lang="de-CH" dirty="0" smtClean="0"/>
+              <a:t> Storyboard Patient</a:t>
+            </a:r>
+            <a:endParaRPr lang="de-CH" dirty="0"/>
+          </a:p>
+        </p:txBody>
+      </p:sp>
       <p:sp>
         <p:nvSpPr>
           <p:cNvPr id="4" name="Datumsplatzhalter 3"/>
@@ -5674,69 +6579,7 @@
               <a:pPr/>
               <a:t>9</a:t>
             </a:fld>
-            <a:endParaRPr lang="de-CH" dirty="0"/>
-          </a:p>
-        </p:txBody>
-      </p:sp>
-      <p:pic>
-        <p:nvPicPr>
-          <p:cNvPr id="3074" name="Picture 2" descr="C:\Programming\workspaces\IntelliJ\ch.bfh.bti7081.s2013.yellow\ch.bfh.bti7081.s2013.yellow\doc\cs1_task03\prototype\prototyp001.jpg"/>
-          <p:cNvPicPr>
-            <a:picLocks noChangeAspect="1" noChangeArrowheads="1"/>
-          </p:cNvPicPr>
-          <p:nvPr/>
-        </p:nvPicPr>
-        <p:blipFill rotWithShape="1">
-          <a:blip r:embed="rId2" cstate="print">
-            <a:extLst>
-              <a:ext uri="{28A0092B-C50C-407E-A947-70E740481C1C}">
-                <a14:useLocalDpi xmlns:a14="http://schemas.microsoft.com/office/drawing/2010/main" val="0"/>
-              </a:ext>
-            </a:extLst>
-          </a:blip>
-          <a:srcRect l="10001" r="7102" b="9435"/>
-          <a:stretch/>
-        </p:blipFill>
-        <p:spPr bwMode="auto">
-          <a:xfrm>
-            <a:off x="1282700" y="1412776"/>
-            <a:ext cx="6756400" cy="5220434"/>
-          </a:xfrm>
-          <a:prstGeom prst="rect">
-            <a:avLst/>
-          </a:prstGeom>
-          <a:noFill/>
-          <a:extLst>
-            <a:ext uri="{909E8E84-426E-40DD-AFC4-6F175D3DCCD1}">
-              <a14:hiddenFill xmlns:a14="http://schemas.microsoft.com/office/drawing/2010/main">
-                <a:solidFill>
-                  <a:srgbClr val="FFFFFF"/>
-                </a:solidFill>
-              </a14:hiddenFill>
-            </a:ext>
-          </a:extLst>
-        </p:spPr>
-      </p:pic>
-      <p:sp>
-        <p:nvSpPr>
-          <p:cNvPr id="2" name="Titel 1"/>
-          <p:cNvSpPr>
-            <a:spLocks noGrp="1"/>
-          </p:cNvSpPr>
-          <p:nvPr>
-            <p:ph type="title"/>
-          </p:nvPr>
-        </p:nvSpPr>
-        <p:spPr/>
-        <p:txBody>
-          <a:bodyPr/>
-          <a:lstStyle/>
-          <a:p>
-            <a:r>
-              <a:rPr lang="de-CH" dirty="0" smtClean="0"/>
-              <a:t>Prototype</a:t>
-            </a:r>
-            <a:endParaRPr lang="de-CH" dirty="0"/>
+            <a:endParaRPr lang="de-CH"/>
           </a:p>
         </p:txBody>
       </p:sp>
@@ -5745,62 +6588,71 @@
   <p:clrMapOvr>
     <a:masterClrMapping/>
   </p:clrMapOvr>
+  <p:timing>
+    <p:tnLst>
+      <p:par>
+        <p:cTn id="1" dur="indefinite" restart="never" nodeType="tmRoot"/>
+      </p:par>
+    </p:tnLst>
+  </p:timing>
 </p:sld>
 </file>
 
 <file path=ppt/theme/theme1.xml><?xml version="1.0" encoding="utf-8"?>
-<a:theme xmlns:a="http://schemas.openxmlformats.org/drawingml/2006/main" name="Klarheit">
+<a:theme xmlns:a="http://schemas.openxmlformats.org/drawingml/2006/main" name="Dactylos">
   <a:themeElements>
-    <a:clrScheme name="Klarheit">
+    <a:clrScheme name="Dactylos">
       <a:dk1>
-        <a:srgbClr val="292934"/>
+        <a:sysClr val="windowText" lastClr="000000"/>
       </a:dk1>
       <a:lt1>
-        <a:srgbClr val="FFFFFF"/>
+        <a:sysClr val="window" lastClr="FFFFFF"/>
       </a:lt1>
       <a:dk2>
-        <a:srgbClr val="D2533C"/>
+        <a:srgbClr val="696464"/>
       </a:dk2>
       <a:lt2>
-        <a:srgbClr val="F3F2DC"/>
+        <a:srgbClr val="E9E5DC"/>
       </a:lt2>
       <a:accent1>
-        <a:srgbClr val="93A299"/>
+        <a:srgbClr val="D34817"/>
       </a:accent1>
       <a:accent2>
-        <a:srgbClr val="AD8F67"/>
+        <a:srgbClr val="9B2D1F"/>
       </a:accent2>
       <a:accent3>
-        <a:srgbClr val="726056"/>
+        <a:srgbClr val="A28E6A"/>
       </a:accent3>
       <a:accent4>
-        <a:srgbClr val="4C5A6A"/>
+        <a:srgbClr val="956251"/>
       </a:accent4>
       <a:accent5>
-        <a:srgbClr val="808DA0"/>
+        <a:srgbClr val="918485"/>
       </a:accent5>
       <a:accent6>
-        <a:srgbClr val="79463D"/>
+        <a:srgbClr val="855D5D"/>
       </a:accent6>
       <a:hlink>
-        <a:srgbClr val="0000FF"/>
+        <a:srgbClr val="CC9900"/>
       </a:hlink>
       <a:folHlink>
-        <a:srgbClr val="800080"/>
+        <a:srgbClr val="96A9A9"/>
       </a:folHlink>
     </a:clrScheme>
-    <a:fontScheme name="Larissa Klassisch 2">
+    <a:fontScheme name="Dactylos">
       <a:majorFont>
-        <a:latin typeface="Arial"/>
+        <a:latin typeface="Franklin Gothic Book"/>
         <a:ea typeface=""/>
         <a:cs typeface=""/>
-        <a:font script="Jpan" typeface="ＭＳ Ｐゴシック"/>
-        <a:font script="Hang" typeface="돋움"/>
-        <a:font script="Hans" typeface="方正舒体"/>
+        <a:font script="Grek" typeface="Calibri"/>
+        <a:font script="Cyrl" typeface="Calibri"/>
+        <a:font script="Jpan" typeface="HGｺﾞｼｯｸM"/>
+        <a:font script="Hang" typeface="바탕"/>
+        <a:font script="Hans" typeface="幼圆"/>
         <a:font script="Hant" typeface="微軟正黑體"/>
-        <a:font script="Arab" typeface="Arial"/>
-        <a:font script="Hebr" typeface="Arial"/>
-        <a:font script="Thai" typeface="Cordia New"/>
+        <a:font script="Arab" typeface="Tahoma"/>
+        <a:font script="Hebr" typeface="Aharoni"/>
+        <a:font script="Thai" typeface="LilyUPC"/>
         <a:font script="Ethi" typeface="Nyala"/>
         <a:font script="Beng" typeface="Vrinda"/>
         <a:font script="Gujr" typeface="Shruti"/>
@@ -5821,25 +6673,27 @@
         <a:font script="Laoo" typeface="DokChampa"/>
         <a:font script="Sinh" typeface="Iskoola Pota"/>
         <a:font script="Mong" typeface="Mongolian Baiti"/>
-        <a:font script="Viet" typeface="Arial"/>
+        <a:font script="Viet" typeface="Tahoma"/>
         <a:font script="Uigh" typeface="Microsoft Uighur"/>
         <a:font script="Geor" typeface="Sylfaen"/>
       </a:majorFont>
       <a:minorFont>
-        <a:latin typeface="Arial"/>
+        <a:latin typeface="Perpetua"/>
         <a:ea typeface=""/>
         <a:cs typeface=""/>
-        <a:font script="Jpan" typeface="ＭＳ Ｐゴシック"/>
-        <a:font script="Hang" typeface="돋움"/>
-        <a:font script="Hans" typeface="方正舒体"/>
-        <a:font script="Hant" typeface="微軟正黑體"/>
-        <a:font script="Arab" typeface="Arial"/>
-        <a:font script="Hebr" typeface="Arial"/>
-        <a:font script="Thai" typeface="Cordia New"/>
+        <a:font script="Grek" typeface="Cambria"/>
+        <a:font script="Cyrl" typeface="Cambria"/>
+        <a:font script="Jpan" typeface="HG創英ﾌﾟﾚｾﾞﾝｽEB"/>
+        <a:font script="Hang" typeface="맑은 고딕"/>
+        <a:font script="Hans" typeface="宋体"/>
+        <a:font script="Hant" typeface="新細明體"/>
+        <a:font script="Arab" typeface="Times New Roman"/>
+        <a:font script="Hebr" typeface="Aharoni"/>
+        <a:font script="Thai" typeface="EucrosiaUPC"/>
         <a:font script="Ethi" typeface="Nyala"/>
         <a:font script="Beng" typeface="Vrinda"/>
         <a:font script="Gujr" typeface="Shruti"/>
-        <a:font script="Khmr" typeface="DaunPenh"/>
+        <a:font script="Khmr" typeface="MoolBoran"/>
         <a:font script="Knda" typeface="Tunga"/>
         <a:font script="Guru" typeface="Raavi"/>
         <a:font script="Cans" typeface="Euphemia"/>
@@ -5856,90 +6710,64 @@
         <a:font script="Laoo" typeface="DokChampa"/>
         <a:font script="Sinh" typeface="Iskoola Pota"/>
         <a:font script="Mong" typeface="Mongolian Baiti"/>
-        <a:font script="Viet" typeface="Arial"/>
+        <a:font script="Viet" typeface="Times New Roman"/>
         <a:font script="Uigh" typeface="Microsoft Uighur"/>
         <a:font script="Geor" typeface="Sylfaen"/>
       </a:minorFont>
     </a:fontScheme>
-    <a:fmtScheme name="Klarheit">
+    <a:fmtScheme name="Dactylos">
       <a:fillStyleLst>
         <a:solidFill>
           <a:schemeClr val="phClr"/>
         </a:solidFill>
-        <a:gradFill rotWithShape="1">
-          <a:gsLst>
-            <a:gs pos="0">
+        <a:blipFill>
+          <a:blip xmlns:r="http://schemas.openxmlformats.org/officeDocument/2006/relationships" r:embed="rId1">
+            <a:duotone>
               <a:schemeClr val="phClr">
-                <a:tint val="50000"/>
-                <a:shade val="86000"/>
-                <a:satMod val="140000"/>
+                <a:tint val="30000"/>
+                <a:satMod val="300000"/>
               </a:schemeClr>
-            </a:gs>
-            <a:gs pos="45000">
               <a:schemeClr val="phClr">
-                <a:tint val="48000"/>
-                <a:satMod val="150000"/>
+                <a:tint val="40000"/>
+                <a:satMod val="200000"/>
               </a:schemeClr>
-            </a:gs>
-            <a:gs pos="100000">
+            </a:duotone>
+          </a:blip>
+          <a:tile tx="0" ty="0" sx="70000" sy="70000" flip="none" algn="ctr"/>
+        </a:blipFill>
+        <a:blipFill>
+          <a:blip xmlns:r="http://schemas.openxmlformats.org/officeDocument/2006/relationships" r:embed="rId1">
+            <a:duotone>
               <a:schemeClr val="phClr">
-                <a:tint val="28000"/>
+                <a:shade val="22000"/>
                 <a:satMod val="160000"/>
               </a:schemeClr>
-            </a:gs>
-          </a:gsLst>
-          <a:path path="circle">
-            <a:fillToRect l="100000" t="100000" r="100000" b="100000"/>
-          </a:path>
-        </a:gradFill>
-        <a:gradFill rotWithShape="1">
-          <a:gsLst>
-            <a:gs pos="0">
               <a:schemeClr val="phClr">
-                <a:shade val="70000"/>
-                <a:satMod val="150000"/>
-              </a:schemeClr>
-            </a:gs>
-            <a:gs pos="34000">
-              <a:schemeClr val="phClr">
-                <a:shade val="70000"/>
-                <a:satMod val="140000"/>
-              </a:schemeClr>
-            </a:gs>
-            <a:gs pos="70000">
-              <a:schemeClr val="phClr">
-                <a:tint val="100000"/>
-                <a:shade val="90000"/>
-                <a:satMod val="140000"/>
-              </a:schemeClr>
-            </a:gs>
-            <a:gs pos="100000">
-              <a:schemeClr val="phClr">
-                <a:tint val="100000"/>
-                <a:shade val="100000"/>
+                <a:shade val="45000"/>
                 <a:satMod val="100000"/>
               </a:schemeClr>
-            </a:gs>
-          </a:gsLst>
-          <a:path path="circle">
-            <a:fillToRect l="100000" t="100000" r="100000" b="100000"/>
-          </a:path>
-        </a:gradFill>
+            </a:duotone>
+          </a:blip>
+          <a:tile tx="0" ty="0" sx="65000" sy="65000" flip="none" algn="ctr"/>
+        </a:blipFill>
       </a:fillStyleLst>
       <a:lnStyleLst>
         <a:ln w="9525" cap="flat" cmpd="sng" algn="ctr">
+          <a:solidFill>
+            <a:schemeClr val="phClr">
+              <a:shade val="60000"/>
+              <a:satMod val="110000"/>
+            </a:schemeClr>
+          </a:solidFill>
+          <a:prstDash val="solid"/>
+        </a:ln>
+        <a:ln w="12700" cap="flat" cmpd="sng" algn="ctr">
           <a:solidFill>
             <a:schemeClr val="phClr"/>
           </a:solidFill>
           <a:prstDash val="solid"/>
         </a:ln>
-        <a:ln w="26425" cap="flat" cmpd="sng" algn="ctr">
-          <a:solidFill>
-            <a:schemeClr val="phClr"/>
-          </a:solidFill>
-          <a:prstDash val="solid"/>
-        </a:ln>
-        <a:ln w="44450" cap="flat" cmpd="sng" algn="ctr">
+        <a:ln w="38100" cap="flat" cmpd="sng" algn="ctr">
           <a:solidFill>
             <a:schemeClr val="phClr"/>
           </a:solidFill>
@@ -5948,38 +6776,44 @@
       </a:lnStyleLst>
       <a:effectStyleLst>
         <a:effectStyle>
-          <a:effectLst/>
-        </a:effectStyle>
-        <a:effectStyle>
           <a:effectLst>
-            <a:outerShdw blurRad="38100" dist="25400" dir="2700000" algn="br" rotWithShape="0">
+            <a:outerShdw blurRad="38100" dist="25400" dir="5400000" algn="t" rotWithShape="0">
               <a:srgbClr val="000000">
-                <a:alpha val="60000"/>
+                <a:alpha val="50000"/>
               </a:srgbClr>
             </a:outerShdw>
           </a:effectLst>
         </a:effectStyle>
         <a:effectStyle>
           <a:effectLst>
-            <a:outerShdw blurRad="38100" dist="25400" dir="2700000" algn="br" rotWithShape="0">
+            <a:outerShdw blurRad="38100" dist="25400" dir="5400000" algn="t" rotWithShape="0">
+              <a:srgbClr val="000000">
+                <a:alpha val="50000"/>
+              </a:srgbClr>
+            </a:outerShdw>
+          </a:effectLst>
+        </a:effectStyle>
+        <a:effectStyle>
+          <a:effectLst>
+            <a:outerShdw blurRad="50800" dist="50800" dir="5400000" algn="t" rotWithShape="0">
               <a:srgbClr val="000000">
                 <a:alpha val="60000"/>
               </a:srgbClr>
             </a:outerShdw>
           </a:effectLst>
           <a:scene3d>
-            <a:camera prst="orthographicFront">
+            <a:camera prst="isometricBottomUp" fov="0">
               <a:rot lat="0" lon="0" rev="0"/>
             </a:camera>
-            <a:lightRig rig="balanced" dir="t">
-              <a:rot lat="0" lon="0" rev="5100000"/>
+            <a:lightRig rig="soft" dir="b">
+              <a:rot lat="0" lon="0" rev="9000000"/>
             </a:lightRig>
           </a:scene3d>
-          <a:sp3d contourW="6350">
-            <a:bevelT w="29210" h="12700"/>
+          <a:sp3d contourW="35000" prstMaterial="matte">
+            <a:bevelT w="45000" h="38100" prst="convex"/>
             <a:contourClr>
               <a:schemeClr val="phClr">
-                <a:shade val="30000"/>
+                <a:tint val="10000"/>
                 <a:satMod val="130000"/>
               </a:schemeClr>
             </a:contourClr>
@@ -5994,39 +6828,39 @@
           <a:gsLst>
             <a:gs pos="0">
               <a:schemeClr val="phClr">
-                <a:tint val="85000"/>
-                <a:satMod val="180000"/>
+                <a:shade val="40000"/>
+                <a:satMod val="165000"/>
               </a:schemeClr>
             </a:gs>
-            <a:gs pos="40000">
+            <a:gs pos="50000">
               <a:schemeClr val="phClr">
-                <a:tint val="95000"/>
-                <a:shade val="85000"/>
-                <a:satMod val="150000"/>
+                <a:shade val="80000"/>
+                <a:satMod val="155000"/>
               </a:schemeClr>
             </a:gs>
             <a:gs pos="100000">
               <a:schemeClr val="phClr">
-                <a:shade val="45000"/>
+                <a:tint val="95000"/>
                 <a:satMod val="200000"/>
               </a:schemeClr>
             </a:gs>
           </a:gsLst>
-          <a:lin ang="5400000" scaled="0"/>
+          <a:lin ang="16200000" scaled="1"/>
         </a:gradFill>
-        <a:blipFill rotWithShape="1">
+        <a:blipFill>
           <a:blip xmlns:r="http://schemas.openxmlformats.org/officeDocument/2006/relationships" r:embed="rId1">
             <a:duotone>
               <a:schemeClr val="phClr">
-                <a:shade val="55000"/>
+                <a:tint val="95000"/>
+                <a:satMod val="200000"/>
               </a:schemeClr>
               <a:schemeClr val="phClr">
-                <a:tint val="97000"/>
-                <a:satMod val="95000"/>
+                <a:shade val="80000"/>
+                <a:satMod val="100000"/>
               </a:schemeClr>
             </a:duotone>
           </a:blip>
-          <a:tile tx="0" ty="0" sx="70000" sy="70000" flip="none" algn="tl"/>
+          <a:tile tx="0" ty="0" sx="55000" sy="55000" flip="none" algn="tl"/>
         </a:blipFill>
       </a:bgFillStyleLst>
     </a:fmtScheme>
